--- a/Documents/Prez/Phainiks.pptx
+++ b/Documents/Prez/Phainiks.pptx
@@ -268,7 +268,7 @@
           <a:p>
             <a:fld id="{FE0551F4-6C62-42E5-A562-C69B050529F5}" type="datetimeFigureOut">
               <a:rPr lang="fr-FR" smtClean="0"/>
-              <a:t>21/02/2022</a:t>
+              <a:t>27/02/2022</a:t>
             </a:fld>
             <a:endParaRPr lang="fr-FR"/>
           </a:p>
@@ -466,7 +466,7 @@
           <a:p>
             <a:fld id="{FE0551F4-6C62-42E5-A562-C69B050529F5}" type="datetimeFigureOut">
               <a:rPr lang="fr-FR" smtClean="0"/>
-              <a:t>21/02/2022</a:t>
+              <a:t>27/02/2022</a:t>
             </a:fld>
             <a:endParaRPr lang="fr-FR"/>
           </a:p>
@@ -674,7 +674,7 @@
           <a:p>
             <a:fld id="{FE0551F4-6C62-42E5-A562-C69B050529F5}" type="datetimeFigureOut">
               <a:rPr lang="fr-FR" smtClean="0"/>
-              <a:t>21/02/2022</a:t>
+              <a:t>27/02/2022</a:t>
             </a:fld>
             <a:endParaRPr lang="fr-FR"/>
           </a:p>
@@ -872,7 +872,7 @@
           <a:p>
             <a:fld id="{FE0551F4-6C62-42E5-A562-C69B050529F5}" type="datetimeFigureOut">
               <a:rPr lang="fr-FR" smtClean="0"/>
-              <a:t>21/02/2022</a:t>
+              <a:t>27/02/2022</a:t>
             </a:fld>
             <a:endParaRPr lang="fr-FR"/>
           </a:p>
@@ -1147,7 +1147,7 @@
           <a:p>
             <a:fld id="{FE0551F4-6C62-42E5-A562-C69B050529F5}" type="datetimeFigureOut">
               <a:rPr lang="fr-FR" smtClean="0"/>
-              <a:t>21/02/2022</a:t>
+              <a:t>27/02/2022</a:t>
             </a:fld>
             <a:endParaRPr lang="fr-FR"/>
           </a:p>
@@ -1412,7 +1412,7 @@
           <a:p>
             <a:fld id="{FE0551F4-6C62-42E5-A562-C69B050529F5}" type="datetimeFigureOut">
               <a:rPr lang="fr-FR" smtClean="0"/>
-              <a:t>21/02/2022</a:t>
+              <a:t>27/02/2022</a:t>
             </a:fld>
             <a:endParaRPr lang="fr-FR"/>
           </a:p>
@@ -1824,7 +1824,7 @@
           <a:p>
             <a:fld id="{FE0551F4-6C62-42E5-A562-C69B050529F5}" type="datetimeFigureOut">
               <a:rPr lang="fr-FR" smtClean="0"/>
-              <a:t>21/02/2022</a:t>
+              <a:t>27/02/2022</a:t>
             </a:fld>
             <a:endParaRPr lang="fr-FR"/>
           </a:p>
@@ -1965,7 +1965,7 @@
           <a:p>
             <a:fld id="{FE0551F4-6C62-42E5-A562-C69B050529F5}" type="datetimeFigureOut">
               <a:rPr lang="fr-FR" smtClean="0"/>
-              <a:t>21/02/2022</a:t>
+              <a:t>27/02/2022</a:t>
             </a:fld>
             <a:endParaRPr lang="fr-FR"/>
           </a:p>
@@ -2078,7 +2078,7 @@
           <a:p>
             <a:fld id="{FE0551F4-6C62-42E5-A562-C69B050529F5}" type="datetimeFigureOut">
               <a:rPr lang="fr-FR" smtClean="0"/>
-              <a:t>21/02/2022</a:t>
+              <a:t>27/02/2022</a:t>
             </a:fld>
             <a:endParaRPr lang="fr-FR"/>
           </a:p>
@@ -2389,7 +2389,7 @@
           <a:p>
             <a:fld id="{FE0551F4-6C62-42E5-A562-C69B050529F5}" type="datetimeFigureOut">
               <a:rPr lang="fr-FR" smtClean="0"/>
-              <a:t>21/02/2022</a:t>
+              <a:t>27/02/2022</a:t>
             </a:fld>
             <a:endParaRPr lang="fr-FR"/>
           </a:p>
@@ -2677,7 +2677,7 @@
           <a:p>
             <a:fld id="{FE0551F4-6C62-42E5-A562-C69B050529F5}" type="datetimeFigureOut">
               <a:rPr lang="fr-FR" smtClean="0"/>
-              <a:t>21/02/2022</a:t>
+              <a:t>27/02/2022</a:t>
             </a:fld>
             <a:endParaRPr lang="fr-FR"/>
           </a:p>
@@ -2918,7 +2918,7 @@
           <a:p>
             <a:fld id="{FE0551F4-6C62-42E5-A562-C69B050529F5}" type="datetimeFigureOut">
               <a:rPr lang="fr-FR" smtClean="0"/>
-              <a:t>21/02/2022</a:t>
+              <a:t>27/02/2022</a:t>
             </a:fld>
             <a:endParaRPr lang="fr-FR"/>
           </a:p>
@@ -3357,12 +3357,8 @@
           <a:lstStyle/>
           <a:p>
             <a:r>
-              <a:rPr lang="fr-FR" dirty="0"/>
-              <a:t>Oiseau qui fait </a:t>
-            </a:r>
-            <a:r>
               <a:rPr lang="fr-FR" dirty="0" err="1"/>
-              <a:t>brrrr</a:t>
+              <a:t>Phainiks</a:t>
             </a:r>
             <a:endParaRPr lang="fr-FR" dirty="0"/>
           </a:p>

--- a/Documents/Prez/Phainiks.pptx
+++ b/Documents/Prez/Phainiks.pptx
@@ -3445,13 +3445,8 @@
           <a:p>
             <a:r>
               <a:rPr lang="fr-FR" dirty="0"/>
-              <a:t>Perspective d’avenir/avancement </a:t>
-            </a:r>
-            <a:r>
-              <a:rPr lang="fr-FR" dirty="0" err="1"/>
-              <a:t>proojet</a:t>
-            </a:r>
-            <a:endParaRPr lang="fr-FR" dirty="0"/>
+              <a:t>Perspective d’avenir/avancement projet</a:t>
+            </a:r>
           </a:p>
         </p:txBody>
       </p:sp>

--- a/Documents/Prez/Phainiks.pptx
+++ b/Documents/Prez/Phainiks.pptx
@@ -2,7 +2,7 @@
 <file path=ppt/presentation.xml><?xml version="1.0" encoding="utf-8"?>
 <p:presentation xmlns:a="http://schemas.openxmlformats.org/drawingml/2006/main" xmlns:r="http://schemas.openxmlformats.org/officeDocument/2006/relationships" xmlns:p="http://schemas.openxmlformats.org/presentationml/2006/main" saveSubsetFonts="1">
   <p:sldMasterIdLst>
-    <p:sldMasterId id="2147483648" r:id="rId1"/>
+    <p:sldMasterId id="2147483695" r:id="rId1"/>
   </p:sldMasterIdLst>
   <p:sldIdLst>
     <p:sldId id="256" r:id="rId2"/>
@@ -12,9 +12,8 @@
     <p:sldId id="264" r:id="rId6"/>
     <p:sldId id="262" r:id="rId7"/>
     <p:sldId id="263" r:id="rId8"/>
-    <p:sldId id="260" r:id="rId9"/>
-    <p:sldId id="259" r:id="rId10"/>
-    <p:sldId id="265" r:id="rId11"/>
+    <p:sldId id="259" r:id="rId9"/>
+    <p:sldId id="265" r:id="rId10"/>
   </p:sldIdLst>
   <p:sldSz cx="12192000" cy="6858000"/>
   <p:notesSz cx="6858000" cy="9144000"/>
@@ -140,13 +139,7 @@
       </p:grpSpPr>
       <p:sp>
         <p:nvSpPr>
-          <p:cNvPr id="2" name="Titre 1">
-            <a:extLst>
-              <a:ext uri="{FF2B5EF4-FFF2-40B4-BE49-F238E27FC236}">
-                <a16:creationId xmlns:a16="http://schemas.microsoft.com/office/drawing/2014/main" id="{1F4CCECD-6C64-49BA-A0C6-09229D65C8C5}"/>
-              </a:ext>
-            </a:extLst>
-          </p:cNvPr>
+          <p:cNvPr id="2" name="Title 1"/>
           <p:cNvSpPr>
             <a:spLocks noGrp="1"/>
           </p:cNvSpPr>
@@ -156,34 +149,31 @@
         </p:nvSpPr>
         <p:spPr>
           <a:xfrm>
-            <a:off x="1524000" y="1122363"/>
-            <a:ext cx="9144000" cy="2387600"/>
+            <a:off x="2589213" y="2514600"/>
+            <a:ext cx="8915399" cy="2262781"/>
           </a:xfrm>
         </p:spPr>
         <p:txBody>
-          <a:bodyPr anchor="b"/>
+          <a:bodyPr anchor="b">
+            <a:normAutofit/>
+          </a:bodyPr>
           <a:lstStyle>
-            <a:lvl1pPr algn="ctr">
-              <a:defRPr sz="6000"/>
+            <a:lvl1pPr>
+              <a:defRPr sz="5400"/>
             </a:lvl1pPr>
           </a:lstStyle>
           <a:p>
             <a:r>
-              <a:rPr lang="fr-FR"/>
+              <a:rPr lang="fr-FR" smtClean="0"/>
               <a:t>Modifiez le style du titre</a:t>
             </a:r>
-          </a:p>
-        </p:txBody>
-      </p:sp>
-      <p:sp>
-        <p:nvSpPr>
-          <p:cNvPr id="3" name="Sous-titre 2">
-            <a:extLst>
-              <a:ext uri="{FF2B5EF4-FFF2-40B4-BE49-F238E27FC236}">
-                <a16:creationId xmlns:a16="http://schemas.microsoft.com/office/drawing/2014/main" id="{B60A55E4-8AA6-4634-B3E8-B5367319F121}"/>
-              </a:ext>
-            </a:extLst>
-          </p:cNvPr>
+            <a:endParaRPr lang="en-US" dirty="0"/>
+          </a:p>
+        </p:txBody>
+      </p:sp>
+      <p:sp>
+        <p:nvSpPr>
+          <p:cNvPr id="3" name="Subtitle 2"/>
           <p:cNvSpPr>
             <a:spLocks noGrp="1"/>
           </p:cNvSpPr>
@@ -193,67 +183,117 @@
         </p:nvSpPr>
         <p:spPr>
           <a:xfrm>
-            <a:off x="1524000" y="3602038"/>
-            <a:ext cx="9144000" cy="1655762"/>
+            <a:off x="2589213" y="4777379"/>
+            <a:ext cx="8915399" cy="1126283"/>
           </a:xfrm>
         </p:spPr>
         <p:txBody>
-          <a:bodyPr/>
+          <a:bodyPr anchor="t"/>
           <a:lstStyle>
-            <a:lvl1pPr marL="0" indent="0" algn="ctr">
-              <a:buNone/>
-              <a:defRPr sz="2400"/>
+            <a:lvl1pPr marL="0" indent="0" algn="l">
+              <a:buNone/>
+              <a:defRPr>
+                <a:solidFill>
+                  <a:schemeClr val="tx1">
+                    <a:lumMod val="65000"/>
+                    <a:lumOff val="35000"/>
+                  </a:schemeClr>
+                </a:solidFill>
+              </a:defRPr>
             </a:lvl1pPr>
             <a:lvl2pPr marL="457200" indent="0" algn="ctr">
               <a:buNone/>
-              <a:defRPr sz="2000"/>
+              <a:defRPr>
+                <a:solidFill>
+                  <a:schemeClr val="tx1">
+                    <a:tint val="75000"/>
+                  </a:schemeClr>
+                </a:solidFill>
+              </a:defRPr>
             </a:lvl2pPr>
             <a:lvl3pPr marL="914400" indent="0" algn="ctr">
               <a:buNone/>
-              <a:defRPr sz="1800"/>
+              <a:defRPr>
+                <a:solidFill>
+                  <a:schemeClr val="tx1">
+                    <a:tint val="75000"/>
+                  </a:schemeClr>
+                </a:solidFill>
+              </a:defRPr>
             </a:lvl3pPr>
             <a:lvl4pPr marL="1371600" indent="0" algn="ctr">
               <a:buNone/>
-              <a:defRPr sz="1600"/>
+              <a:defRPr>
+                <a:solidFill>
+                  <a:schemeClr val="tx1">
+                    <a:tint val="75000"/>
+                  </a:schemeClr>
+                </a:solidFill>
+              </a:defRPr>
             </a:lvl4pPr>
             <a:lvl5pPr marL="1828800" indent="0" algn="ctr">
               <a:buNone/>
-              <a:defRPr sz="1600"/>
+              <a:defRPr>
+                <a:solidFill>
+                  <a:schemeClr val="tx1">
+                    <a:tint val="75000"/>
+                  </a:schemeClr>
+                </a:solidFill>
+              </a:defRPr>
             </a:lvl5pPr>
             <a:lvl6pPr marL="2286000" indent="0" algn="ctr">
               <a:buNone/>
-              <a:defRPr sz="1600"/>
+              <a:defRPr>
+                <a:solidFill>
+                  <a:schemeClr val="tx1">
+                    <a:tint val="75000"/>
+                  </a:schemeClr>
+                </a:solidFill>
+              </a:defRPr>
             </a:lvl6pPr>
             <a:lvl7pPr marL="2743200" indent="0" algn="ctr">
               <a:buNone/>
-              <a:defRPr sz="1600"/>
+              <a:defRPr>
+                <a:solidFill>
+                  <a:schemeClr val="tx1">
+                    <a:tint val="75000"/>
+                  </a:schemeClr>
+                </a:solidFill>
+              </a:defRPr>
             </a:lvl7pPr>
             <a:lvl8pPr marL="3200400" indent="0" algn="ctr">
               <a:buNone/>
-              <a:defRPr sz="1600"/>
+              <a:defRPr>
+                <a:solidFill>
+                  <a:schemeClr val="tx1">
+                    <a:tint val="75000"/>
+                  </a:schemeClr>
+                </a:solidFill>
+              </a:defRPr>
             </a:lvl8pPr>
             <a:lvl9pPr marL="3657600" indent="0" algn="ctr">
               <a:buNone/>
-              <a:defRPr sz="1600"/>
+              <a:defRPr>
+                <a:solidFill>
+                  <a:schemeClr val="tx1">
+                    <a:tint val="75000"/>
+                  </a:schemeClr>
+                </a:solidFill>
+              </a:defRPr>
             </a:lvl9pPr>
           </a:lstStyle>
           <a:p>
             <a:r>
-              <a:rPr lang="fr-FR"/>
+              <a:rPr lang="fr-FR" smtClean="0"/>
               <a:t>Modifiez le style des sous-titres du masque</a:t>
             </a:r>
-          </a:p>
-        </p:txBody>
-      </p:sp>
-      <p:sp>
-        <p:nvSpPr>
-          <p:cNvPr id="4" name="Espace réservé de la date 3">
-            <a:extLst>
-              <a:ext uri="{FF2B5EF4-FFF2-40B4-BE49-F238E27FC236}">
-                <a16:creationId xmlns:a16="http://schemas.microsoft.com/office/drawing/2014/main" id="{5A428E8D-7F30-4E2E-A457-56F0DF6E2403}"/>
-              </a:ext>
-            </a:extLst>
-          </p:cNvPr>
+            <a:endParaRPr lang="en-US" dirty="0"/>
+          </a:p>
+        </p:txBody>
+      </p:sp>
+      <p:sp>
+        <p:nvSpPr>
+          <p:cNvPr id="4" name="Date Placeholder 3"/>
           <p:cNvSpPr>
             <a:spLocks noGrp="1"/>
           </p:cNvSpPr>
@@ -276,13 +316,7 @@
       </p:sp>
       <p:sp>
         <p:nvSpPr>
-          <p:cNvPr id="5" name="Espace réservé du pied de page 4">
-            <a:extLst>
-              <a:ext uri="{FF2B5EF4-FFF2-40B4-BE49-F238E27FC236}">
-                <a16:creationId xmlns:a16="http://schemas.microsoft.com/office/drawing/2014/main" id="{6FFADCCA-14A6-46B8-9608-0586E3CA40D3}"/>
-              </a:ext>
-            </a:extLst>
-          </p:cNvPr>
+          <p:cNvPr id="5" name="Footer Placeholder 4"/>
           <p:cNvSpPr>
             <a:spLocks noGrp="1"/>
           </p:cNvSpPr>
@@ -301,13 +335,89 @@
       </p:sp>
       <p:sp>
         <p:nvSpPr>
-          <p:cNvPr id="6" name="Espace réservé du numéro de diapositive 5">
-            <a:extLst>
-              <a:ext uri="{FF2B5EF4-FFF2-40B4-BE49-F238E27FC236}">
-                <a16:creationId xmlns:a16="http://schemas.microsoft.com/office/drawing/2014/main" id="{E7F12CE3-2339-4B02-B6B7-7A331D079CED}"/>
-              </a:ext>
-            </a:extLst>
-          </p:cNvPr>
+          <p:cNvPr id="7" name="Freeform 6"/>
+          <p:cNvSpPr/>
+          <p:nvPr/>
+        </p:nvSpPr>
+        <p:spPr bwMode="auto">
+          <a:xfrm>
+            <a:off x="0" y="4323810"/>
+            <a:ext cx="1744652" cy="778589"/>
+          </a:xfrm>
+          <a:custGeom>
+            <a:avLst/>
+            <a:gdLst/>
+            <a:ahLst/>
+            <a:cxnLst/>
+            <a:rect l="0" t="0" r="r" b="b"/>
+            <a:pathLst>
+              <a:path w="372" h="166">
+                <a:moveTo>
+                  <a:pt x="287" y="166"/>
+                </a:moveTo>
+                <a:cubicBezTo>
+                  <a:pt x="290" y="166"/>
+                  <a:pt x="292" y="165"/>
+                  <a:pt x="293" y="164"/>
+                </a:cubicBezTo>
+                <a:cubicBezTo>
+                  <a:pt x="293" y="163"/>
+                  <a:pt x="294" y="163"/>
+                  <a:pt x="294" y="163"/>
+                </a:cubicBezTo>
+                <a:cubicBezTo>
+                  <a:pt x="370" y="87"/>
+                  <a:pt x="370" y="87"/>
+                  <a:pt x="370" y="87"/>
+                </a:cubicBezTo>
+                <a:cubicBezTo>
+                  <a:pt x="372" y="85"/>
+                  <a:pt x="372" y="81"/>
+                  <a:pt x="370" y="78"/>
+                </a:cubicBezTo>
+                <a:cubicBezTo>
+                  <a:pt x="294" y="3"/>
+                  <a:pt x="294" y="3"/>
+                  <a:pt x="294" y="3"/>
+                </a:cubicBezTo>
+                <a:cubicBezTo>
+                  <a:pt x="294" y="2"/>
+                  <a:pt x="293" y="2"/>
+                  <a:pt x="293" y="2"/>
+                </a:cubicBezTo>
+                <a:cubicBezTo>
+                  <a:pt x="292" y="1"/>
+                  <a:pt x="290" y="0"/>
+                  <a:pt x="287" y="0"/>
+                </a:cubicBezTo>
+                <a:cubicBezTo>
+                  <a:pt x="0" y="0"/>
+                  <a:pt x="0" y="0"/>
+                  <a:pt x="0" y="0"/>
+                </a:cubicBezTo>
+                <a:cubicBezTo>
+                  <a:pt x="0" y="166"/>
+                  <a:pt x="0" y="166"/>
+                  <a:pt x="0" y="166"/>
+                </a:cubicBezTo>
+                <a:lnTo>
+                  <a:pt x="287" y="166"/>
+                </a:lnTo>
+                <a:close/>
+              </a:path>
+            </a:pathLst>
+          </a:custGeom>
+          <a:solidFill>
+            <a:schemeClr val="accent1"/>
+          </a:solidFill>
+          <a:ln>
+            <a:noFill/>
+          </a:ln>
+        </p:spPr>
+      </p:sp>
+      <p:sp>
+        <p:nvSpPr>
+          <p:cNvPr id="6" name="Slide Number Placeholder 5"/>
           <p:cNvSpPr>
             <a:spLocks noGrp="1"/>
           </p:cNvSpPr>
@@ -315,7 +425,12 @@
             <p:ph type="sldNum" sz="quarter" idx="12"/>
           </p:nvPr>
         </p:nvSpPr>
-        <p:spPr/>
+        <p:spPr>
+          <a:xfrm>
+            <a:off x="531812" y="4529540"/>
+            <a:ext cx="779767" cy="365125"/>
+          </a:xfrm>
+        </p:spPr>
         <p:txBody>
           <a:bodyPr/>
           <a:lstStyle/>
@@ -331,7 +446,7 @@
     </p:spTree>
     <p:extLst>
       <p:ext uri="{BB962C8B-B14F-4D97-AF65-F5344CB8AC3E}">
-        <p14:creationId xmlns:p14="http://schemas.microsoft.com/office/powerpoint/2010/main" val="21797838"/>
+        <p14:creationId xmlns:p14="http://schemas.microsoft.com/office/powerpoint/2010/main" val="46240168"/>
       </p:ext>
     </p:extLst>
   </p:cSld>
@@ -342,6 +457,1797 @@
 </file>
 
 <file path=ppt/slideLayouts/slideLayout10.xml><?xml version="1.0" encoding="utf-8"?>
+<p:sldLayout xmlns:a="http://schemas.openxmlformats.org/drawingml/2006/main" xmlns:r="http://schemas.openxmlformats.org/officeDocument/2006/relationships" xmlns:p="http://schemas.openxmlformats.org/presentationml/2006/main" preserve="1">
+  <p:cSld name="Titre et légende">
+    <p:spTree>
+      <p:nvGrpSpPr>
+        <p:cNvPr id="1" name=""/>
+        <p:cNvGrpSpPr/>
+        <p:nvPr/>
+      </p:nvGrpSpPr>
+      <p:grpSpPr>
+        <a:xfrm>
+          <a:off x="0" y="0"/>
+          <a:ext cx="0" cy="0"/>
+          <a:chOff x="0" y="0"/>
+          <a:chExt cx="0" cy="0"/>
+        </a:xfrm>
+      </p:grpSpPr>
+      <p:sp>
+        <p:nvSpPr>
+          <p:cNvPr id="2" name="Title 1"/>
+          <p:cNvSpPr>
+            <a:spLocks noGrp="1"/>
+          </p:cNvSpPr>
+          <p:nvPr>
+            <p:ph type="title"/>
+          </p:nvPr>
+        </p:nvSpPr>
+        <p:spPr>
+          <a:xfrm>
+            <a:off x="2589212" y="609600"/>
+            <a:ext cx="8915399" cy="3117040"/>
+          </a:xfrm>
+        </p:spPr>
+        <p:txBody>
+          <a:bodyPr anchor="ctr">
+            <a:normAutofit/>
+          </a:bodyPr>
+          <a:lstStyle>
+            <a:lvl1pPr algn="l">
+              <a:defRPr sz="4800" b="0" cap="none"/>
+            </a:lvl1pPr>
+          </a:lstStyle>
+          <a:p>
+            <a:r>
+              <a:rPr lang="fr-FR" smtClean="0"/>
+              <a:t>Modifiez le style du titre</a:t>
+            </a:r>
+            <a:endParaRPr lang="en-US" dirty="0"/>
+          </a:p>
+        </p:txBody>
+      </p:sp>
+      <p:sp>
+        <p:nvSpPr>
+          <p:cNvPr id="3" name="Text Placeholder 2"/>
+          <p:cNvSpPr>
+            <a:spLocks noGrp="1"/>
+          </p:cNvSpPr>
+          <p:nvPr>
+            <p:ph type="body" idx="1"/>
+          </p:nvPr>
+        </p:nvSpPr>
+        <p:spPr>
+          <a:xfrm>
+            <a:off x="2589212" y="4354046"/>
+            <a:ext cx="8915399" cy="1555864"/>
+          </a:xfrm>
+        </p:spPr>
+        <p:txBody>
+          <a:bodyPr anchor="ctr">
+            <a:normAutofit/>
+          </a:bodyPr>
+          <a:lstStyle>
+            <a:lvl1pPr marL="0" indent="0" algn="l">
+              <a:buNone/>
+              <a:defRPr sz="1800">
+                <a:solidFill>
+                  <a:schemeClr val="tx1">
+                    <a:lumMod val="65000"/>
+                    <a:lumOff val="35000"/>
+                  </a:schemeClr>
+                </a:solidFill>
+              </a:defRPr>
+            </a:lvl1pPr>
+            <a:lvl2pPr marL="457200" indent="0">
+              <a:buNone/>
+              <a:defRPr sz="1800">
+                <a:solidFill>
+                  <a:schemeClr val="tx1">
+                    <a:tint val="75000"/>
+                  </a:schemeClr>
+                </a:solidFill>
+              </a:defRPr>
+            </a:lvl2pPr>
+            <a:lvl3pPr marL="914400" indent="0">
+              <a:buNone/>
+              <a:defRPr sz="1600">
+                <a:solidFill>
+                  <a:schemeClr val="tx1">
+                    <a:tint val="75000"/>
+                  </a:schemeClr>
+                </a:solidFill>
+              </a:defRPr>
+            </a:lvl3pPr>
+            <a:lvl4pPr marL="1371600" indent="0">
+              <a:buNone/>
+              <a:defRPr sz="1400">
+                <a:solidFill>
+                  <a:schemeClr val="tx1">
+                    <a:tint val="75000"/>
+                  </a:schemeClr>
+                </a:solidFill>
+              </a:defRPr>
+            </a:lvl4pPr>
+            <a:lvl5pPr marL="1828800" indent="0">
+              <a:buNone/>
+              <a:defRPr sz="1400">
+                <a:solidFill>
+                  <a:schemeClr val="tx1">
+                    <a:tint val="75000"/>
+                  </a:schemeClr>
+                </a:solidFill>
+              </a:defRPr>
+            </a:lvl5pPr>
+            <a:lvl6pPr marL="2286000" indent="0">
+              <a:buNone/>
+              <a:defRPr sz="1400">
+                <a:solidFill>
+                  <a:schemeClr val="tx1">
+                    <a:tint val="75000"/>
+                  </a:schemeClr>
+                </a:solidFill>
+              </a:defRPr>
+            </a:lvl6pPr>
+            <a:lvl7pPr marL="2743200" indent="0">
+              <a:buNone/>
+              <a:defRPr sz="1400">
+                <a:solidFill>
+                  <a:schemeClr val="tx1">
+                    <a:tint val="75000"/>
+                  </a:schemeClr>
+                </a:solidFill>
+              </a:defRPr>
+            </a:lvl7pPr>
+            <a:lvl8pPr marL="3200400" indent="0">
+              <a:buNone/>
+              <a:defRPr sz="1400">
+                <a:solidFill>
+                  <a:schemeClr val="tx1">
+                    <a:tint val="75000"/>
+                  </a:schemeClr>
+                </a:solidFill>
+              </a:defRPr>
+            </a:lvl8pPr>
+            <a:lvl9pPr marL="3657600" indent="0">
+              <a:buNone/>
+              <a:defRPr sz="1400">
+                <a:solidFill>
+                  <a:schemeClr val="tx1">
+                    <a:tint val="75000"/>
+                  </a:schemeClr>
+                </a:solidFill>
+              </a:defRPr>
+            </a:lvl9pPr>
+          </a:lstStyle>
+          <a:p>
+            <a:pPr lvl="0"/>
+            <a:r>
+              <a:rPr lang="fr-FR" smtClean="0"/>
+              <a:t>Modifiez les styles du texte du masque</a:t>
+            </a:r>
+          </a:p>
+        </p:txBody>
+      </p:sp>
+      <p:sp>
+        <p:nvSpPr>
+          <p:cNvPr id="4" name="Date Placeholder 3"/>
+          <p:cNvSpPr>
+            <a:spLocks noGrp="1"/>
+          </p:cNvSpPr>
+          <p:nvPr>
+            <p:ph type="dt" sz="half" idx="10"/>
+          </p:nvPr>
+        </p:nvSpPr>
+        <p:spPr/>
+        <p:txBody>
+          <a:bodyPr/>
+          <a:lstStyle/>
+          <a:p>
+            <a:fld id="{FE0551F4-6C62-42E5-A562-C69B050529F5}" type="datetimeFigureOut">
+              <a:rPr lang="fr-FR" smtClean="0"/>
+              <a:t>27/02/2022</a:t>
+            </a:fld>
+            <a:endParaRPr lang="fr-FR"/>
+          </a:p>
+        </p:txBody>
+      </p:sp>
+      <p:sp>
+        <p:nvSpPr>
+          <p:cNvPr id="5" name="Footer Placeholder 4"/>
+          <p:cNvSpPr>
+            <a:spLocks noGrp="1"/>
+          </p:cNvSpPr>
+          <p:nvPr>
+            <p:ph type="ftr" sz="quarter" idx="11"/>
+          </p:nvPr>
+        </p:nvSpPr>
+        <p:spPr/>
+        <p:txBody>
+          <a:bodyPr/>
+          <a:lstStyle/>
+          <a:p>
+            <a:endParaRPr lang="fr-FR"/>
+          </a:p>
+        </p:txBody>
+      </p:sp>
+      <p:sp>
+        <p:nvSpPr>
+          <p:cNvPr id="9" name="Freeform 11"/>
+          <p:cNvSpPr/>
+          <p:nvPr/>
+        </p:nvSpPr>
+        <p:spPr bwMode="auto">
+          <a:xfrm flipV="1">
+            <a:off x="-4189" y="3178175"/>
+            <a:ext cx="1588527" cy="507297"/>
+          </a:xfrm>
+          <a:custGeom>
+            <a:avLst/>
+            <a:gdLst/>
+            <a:ahLst/>
+            <a:cxnLst/>
+            <a:rect l="l" t="t" r="r" b="b"/>
+            <a:pathLst>
+              <a:path w="9248" h="10000">
+                <a:moveTo>
+                  <a:pt x="9248" y="4701"/>
+                </a:moveTo>
+                <a:lnTo>
+                  <a:pt x="7915" y="188"/>
+                </a:lnTo>
+                <a:cubicBezTo>
+                  <a:pt x="7906" y="156"/>
+                  <a:pt x="7895" y="126"/>
+                  <a:pt x="7886" y="94"/>
+                </a:cubicBezTo>
+                <a:cubicBezTo>
+                  <a:pt x="7859" y="0"/>
+                  <a:pt x="7831" y="0"/>
+                  <a:pt x="7803" y="0"/>
+                </a:cubicBezTo>
+                <a:lnTo>
+                  <a:pt x="7275" y="0"/>
+                </a:lnTo>
+                <a:lnTo>
+                  <a:pt x="0" y="70"/>
+                </a:lnTo>
+                <a:cubicBezTo>
+                  <a:pt x="8" y="3380"/>
+                  <a:pt x="17" y="6690"/>
+                  <a:pt x="25" y="10000"/>
+                </a:cubicBezTo>
+                <a:lnTo>
+                  <a:pt x="7275" y="9966"/>
+                </a:lnTo>
+                <a:lnTo>
+                  <a:pt x="7803" y="9966"/>
+                </a:lnTo>
+                <a:cubicBezTo>
+                  <a:pt x="7831" y="9966"/>
+                  <a:pt x="7859" y="9872"/>
+                  <a:pt x="7886" y="9872"/>
+                </a:cubicBezTo>
+                <a:cubicBezTo>
+                  <a:pt x="7886" y="9778"/>
+                  <a:pt x="7915" y="9778"/>
+                  <a:pt x="7915" y="9778"/>
+                </a:cubicBezTo>
+                <a:lnTo>
+                  <a:pt x="9248" y="5265"/>
+                </a:lnTo>
+                <a:cubicBezTo>
+                  <a:pt x="9303" y="5077"/>
+                  <a:pt x="9303" y="4889"/>
+                  <a:pt x="9248" y="4701"/>
+                </a:cubicBezTo>
+                <a:close/>
+              </a:path>
+            </a:pathLst>
+          </a:custGeom>
+          <a:solidFill>
+            <a:schemeClr val="accent1"/>
+          </a:solidFill>
+          <a:ln>
+            <a:noFill/>
+          </a:ln>
+        </p:spPr>
+      </p:sp>
+      <p:sp>
+        <p:nvSpPr>
+          <p:cNvPr id="6" name="Slide Number Placeholder 5"/>
+          <p:cNvSpPr>
+            <a:spLocks noGrp="1"/>
+          </p:cNvSpPr>
+          <p:nvPr>
+            <p:ph type="sldNum" sz="quarter" idx="12"/>
+          </p:nvPr>
+        </p:nvSpPr>
+        <p:spPr>
+          <a:xfrm>
+            <a:off x="531812" y="3244139"/>
+            <a:ext cx="779767" cy="365125"/>
+          </a:xfrm>
+        </p:spPr>
+        <p:txBody>
+          <a:bodyPr/>
+          <a:lstStyle/>
+          <a:p>
+            <a:fld id="{B288420D-35BC-4030-8307-73304AB35876}" type="slidenum">
+              <a:rPr lang="fr-FR" smtClean="0"/>
+              <a:t>‹N°›</a:t>
+            </a:fld>
+            <a:endParaRPr lang="fr-FR"/>
+          </a:p>
+        </p:txBody>
+      </p:sp>
+    </p:spTree>
+    <p:extLst>
+      <p:ext uri="{BB962C8B-B14F-4D97-AF65-F5344CB8AC3E}">
+        <p14:creationId xmlns:p14="http://schemas.microsoft.com/office/powerpoint/2010/main" val="3695457088"/>
+      </p:ext>
+    </p:extLst>
+  </p:cSld>
+  <p:clrMapOvr>
+    <a:masterClrMapping/>
+  </p:clrMapOvr>
+</p:sldLayout>
+</file>
+
+<file path=ppt/slideLayouts/slideLayout11.xml><?xml version="1.0" encoding="utf-8"?>
+<p:sldLayout xmlns:a="http://schemas.openxmlformats.org/drawingml/2006/main" xmlns:r="http://schemas.openxmlformats.org/officeDocument/2006/relationships" xmlns:p="http://schemas.openxmlformats.org/presentationml/2006/main" preserve="1">
+  <p:cSld name="Citation avec légende">
+    <p:spTree>
+      <p:nvGrpSpPr>
+        <p:cNvPr id="1" name=""/>
+        <p:cNvGrpSpPr/>
+        <p:nvPr/>
+      </p:nvGrpSpPr>
+      <p:grpSpPr>
+        <a:xfrm>
+          <a:off x="0" y="0"/>
+          <a:ext cx="0" cy="0"/>
+          <a:chOff x="0" y="0"/>
+          <a:chExt cx="0" cy="0"/>
+        </a:xfrm>
+      </p:grpSpPr>
+      <p:sp>
+        <p:nvSpPr>
+          <p:cNvPr id="2" name="Title 1"/>
+          <p:cNvSpPr>
+            <a:spLocks noGrp="1"/>
+          </p:cNvSpPr>
+          <p:nvPr>
+            <p:ph type="title"/>
+          </p:nvPr>
+        </p:nvSpPr>
+        <p:spPr>
+          <a:xfrm>
+            <a:off x="2849949" y="609600"/>
+            <a:ext cx="8393926" cy="2895600"/>
+          </a:xfrm>
+        </p:spPr>
+        <p:txBody>
+          <a:bodyPr anchor="ctr">
+            <a:normAutofit/>
+          </a:bodyPr>
+          <a:lstStyle>
+            <a:lvl1pPr algn="l">
+              <a:defRPr sz="4800" b="0" cap="none"/>
+            </a:lvl1pPr>
+          </a:lstStyle>
+          <a:p>
+            <a:r>
+              <a:rPr lang="fr-FR" smtClean="0"/>
+              <a:t>Modifiez le style du titre</a:t>
+            </a:r>
+            <a:endParaRPr lang="en-US" dirty="0"/>
+          </a:p>
+        </p:txBody>
+      </p:sp>
+      <p:sp>
+        <p:nvSpPr>
+          <p:cNvPr id="13" name="Text Placeholder 9"/>
+          <p:cNvSpPr>
+            <a:spLocks noGrp="1"/>
+          </p:cNvSpPr>
+          <p:nvPr>
+            <p:ph type="body" sz="quarter" idx="13"/>
+          </p:nvPr>
+        </p:nvSpPr>
+        <p:spPr>
+          <a:xfrm>
+            <a:off x="3275012" y="3505200"/>
+            <a:ext cx="7536554" cy="381000"/>
+          </a:xfrm>
+        </p:spPr>
+        <p:txBody>
+          <a:bodyPr anchor="ctr">
+            <a:noAutofit/>
+          </a:bodyPr>
+          <a:lstStyle>
+            <a:lvl1pPr marL="0" indent="0">
+              <a:buFontTx/>
+              <a:buNone/>
+              <a:defRPr sz="1600">
+                <a:solidFill>
+                  <a:schemeClr val="tx1">
+                    <a:lumMod val="50000"/>
+                    <a:lumOff val="50000"/>
+                  </a:schemeClr>
+                </a:solidFill>
+              </a:defRPr>
+            </a:lvl1pPr>
+            <a:lvl2pPr marL="457200" indent="0">
+              <a:buFontTx/>
+              <a:buNone/>
+              <a:defRPr/>
+            </a:lvl2pPr>
+            <a:lvl3pPr marL="914400" indent="0">
+              <a:buFontTx/>
+              <a:buNone/>
+              <a:defRPr/>
+            </a:lvl3pPr>
+            <a:lvl4pPr marL="1371600" indent="0">
+              <a:buFontTx/>
+              <a:buNone/>
+              <a:defRPr/>
+            </a:lvl4pPr>
+            <a:lvl5pPr marL="1828800" indent="0">
+              <a:buFontTx/>
+              <a:buNone/>
+              <a:defRPr/>
+            </a:lvl5pPr>
+          </a:lstStyle>
+          <a:p>
+            <a:pPr lvl="0"/>
+            <a:r>
+              <a:rPr lang="fr-FR" smtClean="0"/>
+              <a:t>Modifiez les styles du texte du masque</a:t>
+            </a:r>
+          </a:p>
+        </p:txBody>
+      </p:sp>
+      <p:sp>
+        <p:nvSpPr>
+          <p:cNvPr id="3" name="Text Placeholder 2"/>
+          <p:cNvSpPr>
+            <a:spLocks noGrp="1"/>
+          </p:cNvSpPr>
+          <p:nvPr>
+            <p:ph type="body" idx="1"/>
+          </p:nvPr>
+        </p:nvSpPr>
+        <p:spPr>
+          <a:xfrm>
+            <a:off x="2589212" y="4354046"/>
+            <a:ext cx="8915399" cy="1555864"/>
+          </a:xfrm>
+        </p:spPr>
+        <p:txBody>
+          <a:bodyPr anchor="ctr">
+            <a:normAutofit/>
+          </a:bodyPr>
+          <a:lstStyle>
+            <a:lvl1pPr marL="0" indent="0" algn="l">
+              <a:buNone/>
+              <a:defRPr sz="1800">
+                <a:solidFill>
+                  <a:schemeClr val="tx1">
+                    <a:lumMod val="65000"/>
+                    <a:lumOff val="35000"/>
+                  </a:schemeClr>
+                </a:solidFill>
+              </a:defRPr>
+            </a:lvl1pPr>
+            <a:lvl2pPr marL="457200" indent="0">
+              <a:buNone/>
+              <a:defRPr sz="1800">
+                <a:solidFill>
+                  <a:schemeClr val="tx1">
+                    <a:tint val="75000"/>
+                  </a:schemeClr>
+                </a:solidFill>
+              </a:defRPr>
+            </a:lvl2pPr>
+            <a:lvl3pPr marL="914400" indent="0">
+              <a:buNone/>
+              <a:defRPr sz="1600">
+                <a:solidFill>
+                  <a:schemeClr val="tx1">
+                    <a:tint val="75000"/>
+                  </a:schemeClr>
+                </a:solidFill>
+              </a:defRPr>
+            </a:lvl3pPr>
+            <a:lvl4pPr marL="1371600" indent="0">
+              <a:buNone/>
+              <a:defRPr sz="1400">
+                <a:solidFill>
+                  <a:schemeClr val="tx1">
+                    <a:tint val="75000"/>
+                  </a:schemeClr>
+                </a:solidFill>
+              </a:defRPr>
+            </a:lvl4pPr>
+            <a:lvl5pPr marL="1828800" indent="0">
+              <a:buNone/>
+              <a:defRPr sz="1400">
+                <a:solidFill>
+                  <a:schemeClr val="tx1">
+                    <a:tint val="75000"/>
+                  </a:schemeClr>
+                </a:solidFill>
+              </a:defRPr>
+            </a:lvl5pPr>
+            <a:lvl6pPr marL="2286000" indent="0">
+              <a:buNone/>
+              <a:defRPr sz="1400">
+                <a:solidFill>
+                  <a:schemeClr val="tx1">
+                    <a:tint val="75000"/>
+                  </a:schemeClr>
+                </a:solidFill>
+              </a:defRPr>
+            </a:lvl6pPr>
+            <a:lvl7pPr marL="2743200" indent="0">
+              <a:buNone/>
+              <a:defRPr sz="1400">
+                <a:solidFill>
+                  <a:schemeClr val="tx1">
+                    <a:tint val="75000"/>
+                  </a:schemeClr>
+                </a:solidFill>
+              </a:defRPr>
+            </a:lvl7pPr>
+            <a:lvl8pPr marL="3200400" indent="0">
+              <a:buNone/>
+              <a:defRPr sz="1400">
+                <a:solidFill>
+                  <a:schemeClr val="tx1">
+                    <a:tint val="75000"/>
+                  </a:schemeClr>
+                </a:solidFill>
+              </a:defRPr>
+            </a:lvl8pPr>
+            <a:lvl9pPr marL="3657600" indent="0">
+              <a:buNone/>
+              <a:defRPr sz="1400">
+                <a:solidFill>
+                  <a:schemeClr val="tx1">
+                    <a:tint val="75000"/>
+                  </a:schemeClr>
+                </a:solidFill>
+              </a:defRPr>
+            </a:lvl9pPr>
+          </a:lstStyle>
+          <a:p>
+            <a:pPr lvl="0"/>
+            <a:r>
+              <a:rPr lang="fr-FR" smtClean="0"/>
+              <a:t>Modifiez les styles du texte du masque</a:t>
+            </a:r>
+          </a:p>
+        </p:txBody>
+      </p:sp>
+      <p:sp>
+        <p:nvSpPr>
+          <p:cNvPr id="4" name="Date Placeholder 3"/>
+          <p:cNvSpPr>
+            <a:spLocks noGrp="1"/>
+          </p:cNvSpPr>
+          <p:nvPr>
+            <p:ph type="dt" sz="half" idx="10"/>
+          </p:nvPr>
+        </p:nvSpPr>
+        <p:spPr/>
+        <p:txBody>
+          <a:bodyPr/>
+          <a:lstStyle/>
+          <a:p>
+            <a:fld id="{FE0551F4-6C62-42E5-A562-C69B050529F5}" type="datetimeFigureOut">
+              <a:rPr lang="fr-FR" smtClean="0"/>
+              <a:t>27/02/2022</a:t>
+            </a:fld>
+            <a:endParaRPr lang="fr-FR"/>
+          </a:p>
+        </p:txBody>
+      </p:sp>
+      <p:sp>
+        <p:nvSpPr>
+          <p:cNvPr id="5" name="Footer Placeholder 4"/>
+          <p:cNvSpPr>
+            <a:spLocks noGrp="1"/>
+          </p:cNvSpPr>
+          <p:nvPr>
+            <p:ph type="ftr" sz="quarter" idx="11"/>
+          </p:nvPr>
+        </p:nvSpPr>
+        <p:spPr/>
+        <p:txBody>
+          <a:bodyPr/>
+          <a:lstStyle/>
+          <a:p>
+            <a:endParaRPr lang="fr-FR"/>
+          </a:p>
+        </p:txBody>
+      </p:sp>
+      <p:sp>
+        <p:nvSpPr>
+          <p:cNvPr id="11" name="Freeform 11"/>
+          <p:cNvSpPr/>
+          <p:nvPr/>
+        </p:nvSpPr>
+        <p:spPr bwMode="auto">
+          <a:xfrm flipV="1">
+            <a:off x="-4189" y="3178175"/>
+            <a:ext cx="1588527" cy="507297"/>
+          </a:xfrm>
+          <a:custGeom>
+            <a:avLst/>
+            <a:gdLst/>
+            <a:ahLst/>
+            <a:cxnLst/>
+            <a:rect l="l" t="t" r="r" b="b"/>
+            <a:pathLst>
+              <a:path w="9248" h="10000">
+                <a:moveTo>
+                  <a:pt x="9248" y="4701"/>
+                </a:moveTo>
+                <a:lnTo>
+                  <a:pt x="7915" y="188"/>
+                </a:lnTo>
+                <a:cubicBezTo>
+                  <a:pt x="7906" y="156"/>
+                  <a:pt x="7895" y="126"/>
+                  <a:pt x="7886" y="94"/>
+                </a:cubicBezTo>
+                <a:cubicBezTo>
+                  <a:pt x="7859" y="0"/>
+                  <a:pt x="7831" y="0"/>
+                  <a:pt x="7803" y="0"/>
+                </a:cubicBezTo>
+                <a:lnTo>
+                  <a:pt x="7275" y="0"/>
+                </a:lnTo>
+                <a:lnTo>
+                  <a:pt x="0" y="70"/>
+                </a:lnTo>
+                <a:cubicBezTo>
+                  <a:pt x="8" y="3380"/>
+                  <a:pt x="17" y="6690"/>
+                  <a:pt x="25" y="10000"/>
+                </a:cubicBezTo>
+                <a:lnTo>
+                  <a:pt x="7275" y="9966"/>
+                </a:lnTo>
+                <a:lnTo>
+                  <a:pt x="7803" y="9966"/>
+                </a:lnTo>
+                <a:cubicBezTo>
+                  <a:pt x="7831" y="9966"/>
+                  <a:pt x="7859" y="9872"/>
+                  <a:pt x="7886" y="9872"/>
+                </a:cubicBezTo>
+                <a:cubicBezTo>
+                  <a:pt x="7886" y="9778"/>
+                  <a:pt x="7915" y="9778"/>
+                  <a:pt x="7915" y="9778"/>
+                </a:cubicBezTo>
+                <a:lnTo>
+                  <a:pt x="9248" y="5265"/>
+                </a:lnTo>
+                <a:cubicBezTo>
+                  <a:pt x="9303" y="5077"/>
+                  <a:pt x="9303" y="4889"/>
+                  <a:pt x="9248" y="4701"/>
+                </a:cubicBezTo>
+                <a:close/>
+              </a:path>
+            </a:pathLst>
+          </a:custGeom>
+          <a:solidFill>
+            <a:schemeClr val="accent1"/>
+          </a:solidFill>
+          <a:ln>
+            <a:noFill/>
+          </a:ln>
+        </p:spPr>
+      </p:sp>
+      <p:sp>
+        <p:nvSpPr>
+          <p:cNvPr id="6" name="Slide Number Placeholder 5"/>
+          <p:cNvSpPr>
+            <a:spLocks noGrp="1"/>
+          </p:cNvSpPr>
+          <p:nvPr>
+            <p:ph type="sldNum" sz="quarter" idx="12"/>
+          </p:nvPr>
+        </p:nvSpPr>
+        <p:spPr>
+          <a:xfrm>
+            <a:off x="531812" y="3244139"/>
+            <a:ext cx="779767" cy="365125"/>
+          </a:xfrm>
+        </p:spPr>
+        <p:txBody>
+          <a:bodyPr/>
+          <a:lstStyle/>
+          <a:p>
+            <a:fld id="{B288420D-35BC-4030-8307-73304AB35876}" type="slidenum">
+              <a:rPr lang="fr-FR" smtClean="0"/>
+              <a:t>‹N°›</a:t>
+            </a:fld>
+            <a:endParaRPr lang="fr-FR"/>
+          </a:p>
+        </p:txBody>
+      </p:sp>
+      <p:sp>
+        <p:nvSpPr>
+          <p:cNvPr id="14" name="TextBox 13"/>
+          <p:cNvSpPr txBox="1"/>
+          <p:nvPr/>
+        </p:nvSpPr>
+        <p:spPr>
+          <a:xfrm>
+            <a:off x="2467652" y="648005"/>
+            <a:ext cx="609600" cy="584776"/>
+          </a:xfrm>
+          <a:prstGeom prst="rect">
+            <a:avLst/>
+          </a:prstGeom>
+        </p:spPr>
+        <p:txBody>
+          <a:bodyPr vert="horz" lIns="91440" tIns="45720" rIns="91440" bIns="45720" rtlCol="0" anchor="ctr">
+            <a:noAutofit/>
+          </a:bodyPr>
+          <a:lstStyle/>
+          <a:p>
+            <a:pPr lvl="0"/>
+            <a:r>
+              <a:rPr lang="en-US" sz="8000" baseline="0" dirty="0">
+                <a:ln w="3175" cmpd="sng">
+                  <a:noFill/>
+                </a:ln>
+                <a:solidFill>
+                  <a:schemeClr val="accent1"/>
+                </a:solidFill>
+                <a:effectLst/>
+                <a:latin typeface="Arial"/>
+              </a:rPr>
+              <a:t>“</a:t>
+            </a:r>
+          </a:p>
+        </p:txBody>
+      </p:sp>
+      <p:sp>
+        <p:nvSpPr>
+          <p:cNvPr id="15" name="TextBox 14"/>
+          <p:cNvSpPr txBox="1"/>
+          <p:nvPr/>
+        </p:nvSpPr>
+        <p:spPr>
+          <a:xfrm>
+            <a:off x="11114852" y="2905306"/>
+            <a:ext cx="609600" cy="584776"/>
+          </a:xfrm>
+          <a:prstGeom prst="rect">
+            <a:avLst/>
+          </a:prstGeom>
+        </p:spPr>
+        <p:txBody>
+          <a:bodyPr vert="horz" lIns="91440" tIns="45720" rIns="91440" bIns="45720" rtlCol="0" anchor="ctr">
+            <a:noAutofit/>
+          </a:bodyPr>
+          <a:lstStyle/>
+          <a:p>
+            <a:pPr lvl="0"/>
+            <a:r>
+              <a:rPr lang="en-US" sz="8000" baseline="0" dirty="0">
+                <a:ln w="3175" cmpd="sng">
+                  <a:noFill/>
+                </a:ln>
+                <a:solidFill>
+                  <a:schemeClr val="accent1"/>
+                </a:solidFill>
+                <a:effectLst/>
+                <a:latin typeface="Arial"/>
+              </a:rPr>
+              <a:t>”</a:t>
+            </a:r>
+          </a:p>
+        </p:txBody>
+      </p:sp>
+    </p:spTree>
+    <p:extLst>
+      <p:ext uri="{BB962C8B-B14F-4D97-AF65-F5344CB8AC3E}">
+        <p14:creationId xmlns:p14="http://schemas.microsoft.com/office/powerpoint/2010/main" val="3469896355"/>
+      </p:ext>
+    </p:extLst>
+  </p:cSld>
+  <p:clrMapOvr>
+    <a:masterClrMapping/>
+  </p:clrMapOvr>
+</p:sldLayout>
+</file>
+
+<file path=ppt/slideLayouts/slideLayout12.xml><?xml version="1.0" encoding="utf-8"?>
+<p:sldLayout xmlns:a="http://schemas.openxmlformats.org/drawingml/2006/main" xmlns:r="http://schemas.openxmlformats.org/officeDocument/2006/relationships" xmlns:p="http://schemas.openxmlformats.org/presentationml/2006/main" preserve="1">
+  <p:cSld name="Carte nom">
+    <p:spTree>
+      <p:nvGrpSpPr>
+        <p:cNvPr id="1" name=""/>
+        <p:cNvGrpSpPr/>
+        <p:nvPr/>
+      </p:nvGrpSpPr>
+      <p:grpSpPr>
+        <a:xfrm>
+          <a:off x="0" y="0"/>
+          <a:ext cx="0" cy="0"/>
+          <a:chOff x="0" y="0"/>
+          <a:chExt cx="0" cy="0"/>
+        </a:xfrm>
+      </p:grpSpPr>
+      <p:sp>
+        <p:nvSpPr>
+          <p:cNvPr id="2" name="Title 1"/>
+          <p:cNvSpPr>
+            <a:spLocks noGrp="1"/>
+          </p:cNvSpPr>
+          <p:nvPr>
+            <p:ph type="title"/>
+          </p:nvPr>
+        </p:nvSpPr>
+        <p:spPr>
+          <a:xfrm>
+            <a:off x="2589213" y="2438400"/>
+            <a:ext cx="8915400" cy="2724845"/>
+          </a:xfrm>
+        </p:spPr>
+        <p:txBody>
+          <a:bodyPr anchor="b">
+            <a:normAutofit/>
+          </a:bodyPr>
+          <a:lstStyle>
+            <a:lvl1pPr algn="l">
+              <a:defRPr sz="4800" b="0"/>
+            </a:lvl1pPr>
+          </a:lstStyle>
+          <a:p>
+            <a:r>
+              <a:rPr lang="fr-FR" smtClean="0"/>
+              <a:t>Modifiez le style du titre</a:t>
+            </a:r>
+            <a:endParaRPr lang="en-US" dirty="0"/>
+          </a:p>
+        </p:txBody>
+      </p:sp>
+      <p:sp>
+        <p:nvSpPr>
+          <p:cNvPr id="4" name="Text Placeholder 3"/>
+          <p:cNvSpPr>
+            <a:spLocks noGrp="1"/>
+          </p:cNvSpPr>
+          <p:nvPr>
+            <p:ph type="body" sz="half" idx="2"/>
+          </p:nvPr>
+        </p:nvSpPr>
+        <p:spPr>
+          <a:xfrm>
+            <a:off x="2589213" y="5181600"/>
+            <a:ext cx="8915400" cy="729622"/>
+          </a:xfrm>
+        </p:spPr>
+        <p:txBody>
+          <a:bodyPr vert="horz" lIns="91440" tIns="45720" rIns="91440" bIns="45720" rtlCol="0" anchor="t">
+            <a:normAutofit/>
+          </a:bodyPr>
+          <a:lstStyle>
+            <a:lvl1pPr>
+              <a:buNone/>
+              <a:defRPr lang="en-US">
+                <a:solidFill>
+                  <a:schemeClr val="tx1">
+                    <a:lumMod val="65000"/>
+                    <a:lumOff val="35000"/>
+                  </a:schemeClr>
+                </a:solidFill>
+              </a:defRPr>
+            </a:lvl1pPr>
+          </a:lstStyle>
+          <a:p>
+            <a:pPr marL="0" lvl="0" indent="0">
+              <a:buNone/>
+            </a:pPr>
+            <a:r>
+              <a:rPr lang="fr-FR" smtClean="0"/>
+              <a:t>Modifiez les styles du texte du masque</a:t>
+            </a:r>
+          </a:p>
+        </p:txBody>
+      </p:sp>
+      <p:sp>
+        <p:nvSpPr>
+          <p:cNvPr id="5" name="Date Placeholder 4"/>
+          <p:cNvSpPr>
+            <a:spLocks noGrp="1"/>
+          </p:cNvSpPr>
+          <p:nvPr>
+            <p:ph type="dt" sz="half" idx="10"/>
+          </p:nvPr>
+        </p:nvSpPr>
+        <p:spPr/>
+        <p:txBody>
+          <a:bodyPr/>
+          <a:lstStyle/>
+          <a:p>
+            <a:fld id="{FE0551F4-6C62-42E5-A562-C69B050529F5}" type="datetimeFigureOut">
+              <a:rPr lang="fr-FR" smtClean="0"/>
+              <a:t>27/02/2022</a:t>
+            </a:fld>
+            <a:endParaRPr lang="fr-FR"/>
+          </a:p>
+        </p:txBody>
+      </p:sp>
+      <p:sp>
+        <p:nvSpPr>
+          <p:cNvPr id="6" name="Footer Placeholder 5"/>
+          <p:cNvSpPr>
+            <a:spLocks noGrp="1"/>
+          </p:cNvSpPr>
+          <p:nvPr>
+            <p:ph type="ftr" sz="quarter" idx="11"/>
+          </p:nvPr>
+        </p:nvSpPr>
+        <p:spPr/>
+        <p:txBody>
+          <a:bodyPr/>
+          <a:lstStyle/>
+          <a:p>
+            <a:endParaRPr lang="fr-FR"/>
+          </a:p>
+        </p:txBody>
+      </p:sp>
+      <p:sp>
+        <p:nvSpPr>
+          <p:cNvPr id="9" name="Freeform 11"/>
+          <p:cNvSpPr/>
+          <p:nvPr/>
+        </p:nvSpPr>
+        <p:spPr bwMode="auto">
+          <a:xfrm flipV="1">
+            <a:off x="-4189" y="4911725"/>
+            <a:ext cx="1588527" cy="507297"/>
+          </a:xfrm>
+          <a:custGeom>
+            <a:avLst/>
+            <a:gdLst/>
+            <a:ahLst/>
+            <a:cxnLst/>
+            <a:rect l="l" t="t" r="r" b="b"/>
+            <a:pathLst>
+              <a:path w="9248" h="10000">
+                <a:moveTo>
+                  <a:pt x="9248" y="4701"/>
+                </a:moveTo>
+                <a:lnTo>
+                  <a:pt x="7915" y="188"/>
+                </a:lnTo>
+                <a:cubicBezTo>
+                  <a:pt x="7906" y="156"/>
+                  <a:pt x="7895" y="126"/>
+                  <a:pt x="7886" y="94"/>
+                </a:cubicBezTo>
+                <a:cubicBezTo>
+                  <a:pt x="7859" y="0"/>
+                  <a:pt x="7831" y="0"/>
+                  <a:pt x="7803" y="0"/>
+                </a:cubicBezTo>
+                <a:lnTo>
+                  <a:pt x="7275" y="0"/>
+                </a:lnTo>
+                <a:lnTo>
+                  <a:pt x="0" y="70"/>
+                </a:lnTo>
+                <a:cubicBezTo>
+                  <a:pt x="8" y="3380"/>
+                  <a:pt x="17" y="6690"/>
+                  <a:pt x="25" y="10000"/>
+                </a:cubicBezTo>
+                <a:lnTo>
+                  <a:pt x="7275" y="9966"/>
+                </a:lnTo>
+                <a:lnTo>
+                  <a:pt x="7803" y="9966"/>
+                </a:lnTo>
+                <a:cubicBezTo>
+                  <a:pt x="7831" y="9966"/>
+                  <a:pt x="7859" y="9872"/>
+                  <a:pt x="7886" y="9872"/>
+                </a:cubicBezTo>
+                <a:cubicBezTo>
+                  <a:pt x="7886" y="9778"/>
+                  <a:pt x="7915" y="9778"/>
+                  <a:pt x="7915" y="9778"/>
+                </a:cubicBezTo>
+                <a:lnTo>
+                  <a:pt x="9248" y="5265"/>
+                </a:lnTo>
+                <a:cubicBezTo>
+                  <a:pt x="9303" y="5077"/>
+                  <a:pt x="9303" y="4889"/>
+                  <a:pt x="9248" y="4701"/>
+                </a:cubicBezTo>
+                <a:close/>
+              </a:path>
+            </a:pathLst>
+          </a:custGeom>
+          <a:solidFill>
+            <a:schemeClr val="accent1"/>
+          </a:solidFill>
+          <a:ln>
+            <a:noFill/>
+          </a:ln>
+        </p:spPr>
+      </p:sp>
+      <p:sp>
+        <p:nvSpPr>
+          <p:cNvPr id="7" name="Slide Number Placeholder 6"/>
+          <p:cNvSpPr>
+            <a:spLocks noGrp="1"/>
+          </p:cNvSpPr>
+          <p:nvPr>
+            <p:ph type="sldNum" sz="quarter" idx="12"/>
+          </p:nvPr>
+        </p:nvSpPr>
+        <p:spPr>
+          <a:xfrm>
+            <a:off x="531812" y="4983087"/>
+            <a:ext cx="779767" cy="365125"/>
+          </a:xfrm>
+        </p:spPr>
+        <p:txBody>
+          <a:bodyPr/>
+          <a:lstStyle/>
+          <a:p>
+            <a:fld id="{B288420D-35BC-4030-8307-73304AB35876}" type="slidenum">
+              <a:rPr lang="fr-FR" smtClean="0"/>
+              <a:t>‹N°›</a:t>
+            </a:fld>
+            <a:endParaRPr lang="fr-FR"/>
+          </a:p>
+        </p:txBody>
+      </p:sp>
+    </p:spTree>
+    <p:extLst>
+      <p:ext uri="{BB962C8B-B14F-4D97-AF65-F5344CB8AC3E}">
+        <p14:creationId xmlns:p14="http://schemas.microsoft.com/office/powerpoint/2010/main" val="911787474"/>
+      </p:ext>
+    </p:extLst>
+  </p:cSld>
+  <p:clrMapOvr>
+    <a:masterClrMapping/>
+  </p:clrMapOvr>
+</p:sldLayout>
+</file>
+
+<file path=ppt/slideLayouts/slideLayout13.xml><?xml version="1.0" encoding="utf-8"?>
+<p:sldLayout xmlns:a="http://schemas.openxmlformats.org/drawingml/2006/main" xmlns:r="http://schemas.openxmlformats.org/officeDocument/2006/relationships" xmlns:p="http://schemas.openxmlformats.org/presentationml/2006/main" preserve="1">
+  <p:cSld name="Carte nom citation">
+    <p:spTree>
+      <p:nvGrpSpPr>
+        <p:cNvPr id="1" name=""/>
+        <p:cNvGrpSpPr/>
+        <p:nvPr/>
+      </p:nvGrpSpPr>
+      <p:grpSpPr>
+        <a:xfrm>
+          <a:off x="0" y="0"/>
+          <a:ext cx="0" cy="0"/>
+          <a:chOff x="0" y="0"/>
+          <a:chExt cx="0" cy="0"/>
+        </a:xfrm>
+      </p:grpSpPr>
+      <p:sp>
+        <p:nvSpPr>
+          <p:cNvPr id="12" name="Title 1"/>
+          <p:cNvSpPr>
+            <a:spLocks noGrp="1"/>
+          </p:cNvSpPr>
+          <p:nvPr>
+            <p:ph type="title"/>
+          </p:nvPr>
+        </p:nvSpPr>
+        <p:spPr>
+          <a:xfrm>
+            <a:off x="2849949" y="609600"/>
+            <a:ext cx="8393926" cy="2895600"/>
+          </a:xfrm>
+        </p:spPr>
+        <p:txBody>
+          <a:bodyPr anchor="ctr">
+            <a:normAutofit/>
+          </a:bodyPr>
+          <a:lstStyle>
+            <a:lvl1pPr algn="l">
+              <a:defRPr sz="4800" b="0" cap="none"/>
+            </a:lvl1pPr>
+          </a:lstStyle>
+          <a:p>
+            <a:r>
+              <a:rPr lang="fr-FR" smtClean="0"/>
+              <a:t>Modifiez le style du titre</a:t>
+            </a:r>
+            <a:endParaRPr lang="en-US" dirty="0"/>
+          </a:p>
+        </p:txBody>
+      </p:sp>
+      <p:sp>
+        <p:nvSpPr>
+          <p:cNvPr id="21" name="Text Placeholder 9"/>
+          <p:cNvSpPr>
+            <a:spLocks noGrp="1"/>
+          </p:cNvSpPr>
+          <p:nvPr>
+            <p:ph type="body" sz="quarter" idx="13"/>
+          </p:nvPr>
+        </p:nvSpPr>
+        <p:spPr>
+          <a:xfrm>
+            <a:off x="2589212" y="4343400"/>
+            <a:ext cx="8915400" cy="838200"/>
+          </a:xfrm>
+        </p:spPr>
+        <p:txBody>
+          <a:bodyPr anchor="b">
+            <a:noAutofit/>
+          </a:bodyPr>
+          <a:lstStyle>
+            <a:lvl1pPr marL="0" indent="0">
+              <a:buFontTx/>
+              <a:buNone/>
+              <a:defRPr sz="2400">
+                <a:solidFill>
+                  <a:schemeClr val="accent1"/>
+                </a:solidFill>
+              </a:defRPr>
+            </a:lvl1pPr>
+            <a:lvl2pPr marL="457200" indent="0">
+              <a:buFontTx/>
+              <a:buNone/>
+              <a:defRPr/>
+            </a:lvl2pPr>
+            <a:lvl3pPr marL="914400" indent="0">
+              <a:buFontTx/>
+              <a:buNone/>
+              <a:defRPr/>
+            </a:lvl3pPr>
+            <a:lvl4pPr marL="1371600" indent="0">
+              <a:buFontTx/>
+              <a:buNone/>
+              <a:defRPr/>
+            </a:lvl4pPr>
+            <a:lvl5pPr marL="1828800" indent="0">
+              <a:buFontTx/>
+              <a:buNone/>
+              <a:defRPr/>
+            </a:lvl5pPr>
+          </a:lstStyle>
+          <a:p>
+            <a:pPr lvl="0"/>
+            <a:r>
+              <a:rPr lang="fr-FR" smtClean="0"/>
+              <a:t>Modifiez les styles du texte du masque</a:t>
+            </a:r>
+          </a:p>
+        </p:txBody>
+      </p:sp>
+      <p:sp>
+        <p:nvSpPr>
+          <p:cNvPr id="4" name="Text Placeholder 3"/>
+          <p:cNvSpPr>
+            <a:spLocks noGrp="1"/>
+          </p:cNvSpPr>
+          <p:nvPr>
+            <p:ph type="body" sz="half" idx="2"/>
+          </p:nvPr>
+        </p:nvSpPr>
+        <p:spPr>
+          <a:xfrm>
+            <a:off x="2589213" y="5181600"/>
+            <a:ext cx="8915400" cy="729622"/>
+          </a:xfrm>
+        </p:spPr>
+        <p:txBody>
+          <a:bodyPr vert="horz" lIns="91440" tIns="45720" rIns="91440" bIns="45720" rtlCol="0" anchor="t">
+            <a:normAutofit/>
+          </a:bodyPr>
+          <a:lstStyle>
+            <a:lvl1pPr>
+              <a:buNone/>
+              <a:defRPr lang="en-US">
+                <a:solidFill>
+                  <a:schemeClr val="tx1">
+                    <a:lumMod val="65000"/>
+                    <a:lumOff val="35000"/>
+                  </a:schemeClr>
+                </a:solidFill>
+              </a:defRPr>
+            </a:lvl1pPr>
+          </a:lstStyle>
+          <a:p>
+            <a:pPr marL="0" lvl="0" indent="0">
+              <a:buNone/>
+            </a:pPr>
+            <a:r>
+              <a:rPr lang="fr-FR" smtClean="0"/>
+              <a:t>Modifiez les styles du texte du masque</a:t>
+            </a:r>
+          </a:p>
+        </p:txBody>
+      </p:sp>
+      <p:sp>
+        <p:nvSpPr>
+          <p:cNvPr id="5" name="Date Placeholder 4"/>
+          <p:cNvSpPr>
+            <a:spLocks noGrp="1"/>
+          </p:cNvSpPr>
+          <p:nvPr>
+            <p:ph type="dt" sz="half" idx="10"/>
+          </p:nvPr>
+        </p:nvSpPr>
+        <p:spPr/>
+        <p:txBody>
+          <a:bodyPr/>
+          <a:lstStyle/>
+          <a:p>
+            <a:fld id="{FE0551F4-6C62-42E5-A562-C69B050529F5}" type="datetimeFigureOut">
+              <a:rPr lang="fr-FR" smtClean="0"/>
+              <a:t>27/02/2022</a:t>
+            </a:fld>
+            <a:endParaRPr lang="fr-FR"/>
+          </a:p>
+        </p:txBody>
+      </p:sp>
+      <p:sp>
+        <p:nvSpPr>
+          <p:cNvPr id="6" name="Footer Placeholder 5"/>
+          <p:cNvSpPr>
+            <a:spLocks noGrp="1"/>
+          </p:cNvSpPr>
+          <p:nvPr>
+            <p:ph type="ftr" sz="quarter" idx="11"/>
+          </p:nvPr>
+        </p:nvSpPr>
+        <p:spPr/>
+        <p:txBody>
+          <a:bodyPr/>
+          <a:lstStyle/>
+          <a:p>
+            <a:endParaRPr lang="fr-FR"/>
+          </a:p>
+        </p:txBody>
+      </p:sp>
+      <p:sp>
+        <p:nvSpPr>
+          <p:cNvPr id="11" name="Freeform 11"/>
+          <p:cNvSpPr/>
+          <p:nvPr/>
+        </p:nvSpPr>
+        <p:spPr bwMode="auto">
+          <a:xfrm flipV="1">
+            <a:off x="-4189" y="4911725"/>
+            <a:ext cx="1588527" cy="507297"/>
+          </a:xfrm>
+          <a:custGeom>
+            <a:avLst/>
+            <a:gdLst/>
+            <a:ahLst/>
+            <a:cxnLst/>
+            <a:rect l="l" t="t" r="r" b="b"/>
+            <a:pathLst>
+              <a:path w="9248" h="10000">
+                <a:moveTo>
+                  <a:pt x="9248" y="4701"/>
+                </a:moveTo>
+                <a:lnTo>
+                  <a:pt x="7915" y="188"/>
+                </a:lnTo>
+                <a:cubicBezTo>
+                  <a:pt x="7906" y="156"/>
+                  <a:pt x="7895" y="126"/>
+                  <a:pt x="7886" y="94"/>
+                </a:cubicBezTo>
+                <a:cubicBezTo>
+                  <a:pt x="7859" y="0"/>
+                  <a:pt x="7831" y="0"/>
+                  <a:pt x="7803" y="0"/>
+                </a:cubicBezTo>
+                <a:lnTo>
+                  <a:pt x="7275" y="0"/>
+                </a:lnTo>
+                <a:lnTo>
+                  <a:pt x="0" y="70"/>
+                </a:lnTo>
+                <a:cubicBezTo>
+                  <a:pt x="8" y="3380"/>
+                  <a:pt x="17" y="6690"/>
+                  <a:pt x="25" y="10000"/>
+                </a:cubicBezTo>
+                <a:lnTo>
+                  <a:pt x="7275" y="9966"/>
+                </a:lnTo>
+                <a:lnTo>
+                  <a:pt x="7803" y="9966"/>
+                </a:lnTo>
+                <a:cubicBezTo>
+                  <a:pt x="7831" y="9966"/>
+                  <a:pt x="7859" y="9872"/>
+                  <a:pt x="7886" y="9872"/>
+                </a:cubicBezTo>
+                <a:cubicBezTo>
+                  <a:pt x="7886" y="9778"/>
+                  <a:pt x="7915" y="9778"/>
+                  <a:pt x="7915" y="9778"/>
+                </a:cubicBezTo>
+                <a:lnTo>
+                  <a:pt x="9248" y="5265"/>
+                </a:lnTo>
+                <a:cubicBezTo>
+                  <a:pt x="9303" y="5077"/>
+                  <a:pt x="9303" y="4889"/>
+                  <a:pt x="9248" y="4701"/>
+                </a:cubicBezTo>
+                <a:close/>
+              </a:path>
+            </a:pathLst>
+          </a:custGeom>
+          <a:solidFill>
+            <a:schemeClr val="accent1"/>
+          </a:solidFill>
+          <a:ln>
+            <a:noFill/>
+          </a:ln>
+        </p:spPr>
+      </p:sp>
+      <p:sp>
+        <p:nvSpPr>
+          <p:cNvPr id="7" name="Slide Number Placeholder 6"/>
+          <p:cNvSpPr>
+            <a:spLocks noGrp="1"/>
+          </p:cNvSpPr>
+          <p:nvPr>
+            <p:ph type="sldNum" sz="quarter" idx="12"/>
+          </p:nvPr>
+        </p:nvSpPr>
+        <p:spPr>
+          <a:xfrm>
+            <a:off x="531812" y="4983087"/>
+            <a:ext cx="779767" cy="365125"/>
+          </a:xfrm>
+        </p:spPr>
+        <p:txBody>
+          <a:bodyPr/>
+          <a:lstStyle/>
+          <a:p>
+            <a:fld id="{B288420D-35BC-4030-8307-73304AB35876}" type="slidenum">
+              <a:rPr lang="fr-FR" smtClean="0"/>
+              <a:t>‹N°›</a:t>
+            </a:fld>
+            <a:endParaRPr lang="fr-FR"/>
+          </a:p>
+        </p:txBody>
+      </p:sp>
+      <p:sp>
+        <p:nvSpPr>
+          <p:cNvPr id="17" name="TextBox 16"/>
+          <p:cNvSpPr txBox="1"/>
+          <p:nvPr/>
+        </p:nvSpPr>
+        <p:spPr>
+          <a:xfrm>
+            <a:off x="2467652" y="648005"/>
+            <a:ext cx="609600" cy="584776"/>
+          </a:xfrm>
+          <a:prstGeom prst="rect">
+            <a:avLst/>
+          </a:prstGeom>
+        </p:spPr>
+        <p:txBody>
+          <a:bodyPr vert="horz" lIns="91440" tIns="45720" rIns="91440" bIns="45720" rtlCol="0" anchor="ctr">
+            <a:noAutofit/>
+          </a:bodyPr>
+          <a:lstStyle/>
+          <a:p>
+            <a:pPr lvl="0"/>
+            <a:r>
+              <a:rPr lang="en-US" sz="8000" baseline="0" dirty="0">
+                <a:ln w="3175" cmpd="sng">
+                  <a:noFill/>
+                </a:ln>
+                <a:solidFill>
+                  <a:schemeClr val="accent1"/>
+                </a:solidFill>
+                <a:effectLst/>
+                <a:latin typeface="Arial"/>
+              </a:rPr>
+              <a:t>“</a:t>
+            </a:r>
+          </a:p>
+        </p:txBody>
+      </p:sp>
+      <p:sp>
+        <p:nvSpPr>
+          <p:cNvPr id="18" name="TextBox 17"/>
+          <p:cNvSpPr txBox="1"/>
+          <p:nvPr/>
+        </p:nvSpPr>
+        <p:spPr>
+          <a:xfrm>
+            <a:off x="11114852" y="2905306"/>
+            <a:ext cx="609600" cy="584776"/>
+          </a:xfrm>
+          <a:prstGeom prst="rect">
+            <a:avLst/>
+          </a:prstGeom>
+        </p:spPr>
+        <p:txBody>
+          <a:bodyPr vert="horz" lIns="91440" tIns="45720" rIns="91440" bIns="45720" rtlCol="0" anchor="ctr">
+            <a:noAutofit/>
+          </a:bodyPr>
+          <a:lstStyle/>
+          <a:p>
+            <a:pPr lvl="0"/>
+            <a:r>
+              <a:rPr lang="en-US" sz="8000" baseline="0" dirty="0">
+                <a:ln w="3175" cmpd="sng">
+                  <a:noFill/>
+                </a:ln>
+                <a:solidFill>
+                  <a:schemeClr val="accent1"/>
+                </a:solidFill>
+                <a:effectLst/>
+                <a:latin typeface="Arial"/>
+              </a:rPr>
+              <a:t>”</a:t>
+            </a:r>
+          </a:p>
+        </p:txBody>
+      </p:sp>
+    </p:spTree>
+    <p:extLst>
+      <p:ext uri="{BB962C8B-B14F-4D97-AF65-F5344CB8AC3E}">
+        <p14:creationId xmlns:p14="http://schemas.microsoft.com/office/powerpoint/2010/main" val="1279292240"/>
+      </p:ext>
+    </p:extLst>
+  </p:cSld>
+  <p:clrMapOvr>
+    <a:masterClrMapping/>
+  </p:clrMapOvr>
+</p:sldLayout>
+</file>
+
+<file path=ppt/slideLayouts/slideLayout14.xml><?xml version="1.0" encoding="utf-8"?>
+<p:sldLayout xmlns:a="http://schemas.openxmlformats.org/drawingml/2006/main" xmlns:r="http://schemas.openxmlformats.org/officeDocument/2006/relationships" xmlns:p="http://schemas.openxmlformats.org/presentationml/2006/main" preserve="1">
+  <p:cSld name="Vrai ou faux">
+    <p:spTree>
+      <p:nvGrpSpPr>
+        <p:cNvPr id="1" name=""/>
+        <p:cNvGrpSpPr/>
+        <p:nvPr/>
+      </p:nvGrpSpPr>
+      <p:grpSpPr>
+        <a:xfrm>
+          <a:off x="0" y="0"/>
+          <a:ext cx="0" cy="0"/>
+          <a:chOff x="0" y="0"/>
+          <a:chExt cx="0" cy="0"/>
+        </a:xfrm>
+      </p:grpSpPr>
+      <p:sp>
+        <p:nvSpPr>
+          <p:cNvPr id="2" name="Title 1"/>
+          <p:cNvSpPr>
+            <a:spLocks noGrp="1"/>
+          </p:cNvSpPr>
+          <p:nvPr>
+            <p:ph type="title"/>
+          </p:nvPr>
+        </p:nvSpPr>
+        <p:spPr>
+          <a:xfrm>
+            <a:off x="2589212" y="627407"/>
+            <a:ext cx="8915399" cy="2880020"/>
+          </a:xfrm>
+        </p:spPr>
+        <p:txBody>
+          <a:bodyPr anchor="ctr">
+            <a:normAutofit/>
+          </a:bodyPr>
+          <a:lstStyle>
+            <a:lvl1pPr algn="l">
+              <a:defRPr sz="4800" b="0"/>
+            </a:lvl1pPr>
+          </a:lstStyle>
+          <a:p>
+            <a:r>
+              <a:rPr lang="fr-FR" smtClean="0"/>
+              <a:t>Modifiez le style du titre</a:t>
+            </a:r>
+            <a:endParaRPr lang="en-US" dirty="0"/>
+          </a:p>
+        </p:txBody>
+      </p:sp>
+      <p:sp>
+        <p:nvSpPr>
+          <p:cNvPr id="21" name="Text Placeholder 9"/>
+          <p:cNvSpPr>
+            <a:spLocks noGrp="1"/>
+          </p:cNvSpPr>
+          <p:nvPr>
+            <p:ph type="body" sz="quarter" idx="13"/>
+          </p:nvPr>
+        </p:nvSpPr>
+        <p:spPr>
+          <a:xfrm>
+            <a:off x="2589212" y="4343400"/>
+            <a:ext cx="8915400" cy="838200"/>
+          </a:xfrm>
+        </p:spPr>
+        <p:txBody>
+          <a:bodyPr anchor="b">
+            <a:noAutofit/>
+          </a:bodyPr>
+          <a:lstStyle>
+            <a:lvl1pPr marL="0" indent="0">
+              <a:buFontTx/>
+              <a:buNone/>
+              <a:defRPr sz="2400">
+                <a:solidFill>
+                  <a:schemeClr val="accent1"/>
+                </a:solidFill>
+              </a:defRPr>
+            </a:lvl1pPr>
+            <a:lvl2pPr marL="457200" indent="0">
+              <a:buFontTx/>
+              <a:buNone/>
+              <a:defRPr/>
+            </a:lvl2pPr>
+            <a:lvl3pPr marL="914400" indent="0">
+              <a:buFontTx/>
+              <a:buNone/>
+              <a:defRPr/>
+            </a:lvl3pPr>
+            <a:lvl4pPr marL="1371600" indent="0">
+              <a:buFontTx/>
+              <a:buNone/>
+              <a:defRPr/>
+            </a:lvl4pPr>
+            <a:lvl5pPr marL="1828800" indent="0">
+              <a:buFontTx/>
+              <a:buNone/>
+              <a:defRPr/>
+            </a:lvl5pPr>
+          </a:lstStyle>
+          <a:p>
+            <a:pPr lvl="0"/>
+            <a:r>
+              <a:rPr lang="fr-FR" smtClean="0"/>
+              <a:t>Modifiez les styles du texte du masque</a:t>
+            </a:r>
+          </a:p>
+        </p:txBody>
+      </p:sp>
+      <p:sp>
+        <p:nvSpPr>
+          <p:cNvPr id="4" name="Text Placeholder 3"/>
+          <p:cNvSpPr>
+            <a:spLocks noGrp="1"/>
+          </p:cNvSpPr>
+          <p:nvPr>
+            <p:ph type="body" sz="half" idx="2"/>
+          </p:nvPr>
+        </p:nvSpPr>
+        <p:spPr>
+          <a:xfrm>
+            <a:off x="2589213" y="5181600"/>
+            <a:ext cx="8915400" cy="729622"/>
+          </a:xfrm>
+        </p:spPr>
+        <p:txBody>
+          <a:bodyPr vert="horz" lIns="91440" tIns="45720" rIns="91440" bIns="45720" rtlCol="0" anchor="t">
+            <a:normAutofit/>
+          </a:bodyPr>
+          <a:lstStyle>
+            <a:lvl1pPr>
+              <a:buNone/>
+              <a:defRPr lang="en-US">
+                <a:solidFill>
+                  <a:schemeClr val="tx1">
+                    <a:lumMod val="65000"/>
+                    <a:lumOff val="35000"/>
+                  </a:schemeClr>
+                </a:solidFill>
+              </a:defRPr>
+            </a:lvl1pPr>
+          </a:lstStyle>
+          <a:p>
+            <a:pPr marL="0" lvl="0" indent="0">
+              <a:buNone/>
+            </a:pPr>
+            <a:r>
+              <a:rPr lang="fr-FR" smtClean="0"/>
+              <a:t>Modifiez les styles du texte du masque</a:t>
+            </a:r>
+          </a:p>
+        </p:txBody>
+      </p:sp>
+      <p:sp>
+        <p:nvSpPr>
+          <p:cNvPr id="5" name="Date Placeholder 4"/>
+          <p:cNvSpPr>
+            <a:spLocks noGrp="1"/>
+          </p:cNvSpPr>
+          <p:nvPr>
+            <p:ph type="dt" sz="half" idx="10"/>
+          </p:nvPr>
+        </p:nvSpPr>
+        <p:spPr/>
+        <p:txBody>
+          <a:bodyPr/>
+          <a:lstStyle/>
+          <a:p>
+            <a:fld id="{FE0551F4-6C62-42E5-A562-C69B050529F5}" type="datetimeFigureOut">
+              <a:rPr lang="fr-FR" smtClean="0"/>
+              <a:t>27/02/2022</a:t>
+            </a:fld>
+            <a:endParaRPr lang="fr-FR"/>
+          </a:p>
+        </p:txBody>
+      </p:sp>
+      <p:sp>
+        <p:nvSpPr>
+          <p:cNvPr id="6" name="Footer Placeholder 5"/>
+          <p:cNvSpPr>
+            <a:spLocks noGrp="1"/>
+          </p:cNvSpPr>
+          <p:nvPr>
+            <p:ph type="ftr" sz="quarter" idx="11"/>
+          </p:nvPr>
+        </p:nvSpPr>
+        <p:spPr/>
+        <p:txBody>
+          <a:bodyPr/>
+          <a:lstStyle/>
+          <a:p>
+            <a:endParaRPr lang="fr-FR"/>
+          </a:p>
+        </p:txBody>
+      </p:sp>
+      <p:sp>
+        <p:nvSpPr>
+          <p:cNvPr id="9" name="Freeform 11"/>
+          <p:cNvSpPr/>
+          <p:nvPr/>
+        </p:nvSpPr>
+        <p:spPr bwMode="auto">
+          <a:xfrm flipV="1">
+            <a:off x="-4189" y="4911725"/>
+            <a:ext cx="1588527" cy="507297"/>
+          </a:xfrm>
+          <a:custGeom>
+            <a:avLst/>
+            <a:gdLst/>
+            <a:ahLst/>
+            <a:cxnLst/>
+            <a:rect l="l" t="t" r="r" b="b"/>
+            <a:pathLst>
+              <a:path w="9248" h="10000">
+                <a:moveTo>
+                  <a:pt x="9248" y="4701"/>
+                </a:moveTo>
+                <a:lnTo>
+                  <a:pt x="7915" y="188"/>
+                </a:lnTo>
+                <a:cubicBezTo>
+                  <a:pt x="7906" y="156"/>
+                  <a:pt x="7895" y="126"/>
+                  <a:pt x="7886" y="94"/>
+                </a:cubicBezTo>
+                <a:cubicBezTo>
+                  <a:pt x="7859" y="0"/>
+                  <a:pt x="7831" y="0"/>
+                  <a:pt x="7803" y="0"/>
+                </a:cubicBezTo>
+                <a:lnTo>
+                  <a:pt x="7275" y="0"/>
+                </a:lnTo>
+                <a:lnTo>
+                  <a:pt x="0" y="70"/>
+                </a:lnTo>
+                <a:cubicBezTo>
+                  <a:pt x="8" y="3380"/>
+                  <a:pt x="17" y="6690"/>
+                  <a:pt x="25" y="10000"/>
+                </a:cubicBezTo>
+                <a:lnTo>
+                  <a:pt x="7275" y="9966"/>
+                </a:lnTo>
+                <a:lnTo>
+                  <a:pt x="7803" y="9966"/>
+                </a:lnTo>
+                <a:cubicBezTo>
+                  <a:pt x="7831" y="9966"/>
+                  <a:pt x="7859" y="9872"/>
+                  <a:pt x="7886" y="9872"/>
+                </a:cubicBezTo>
+                <a:cubicBezTo>
+                  <a:pt x="7886" y="9778"/>
+                  <a:pt x="7915" y="9778"/>
+                  <a:pt x="7915" y="9778"/>
+                </a:cubicBezTo>
+                <a:lnTo>
+                  <a:pt x="9248" y="5265"/>
+                </a:lnTo>
+                <a:cubicBezTo>
+                  <a:pt x="9303" y="5077"/>
+                  <a:pt x="9303" y="4889"/>
+                  <a:pt x="9248" y="4701"/>
+                </a:cubicBezTo>
+                <a:close/>
+              </a:path>
+            </a:pathLst>
+          </a:custGeom>
+          <a:solidFill>
+            <a:schemeClr val="accent1"/>
+          </a:solidFill>
+          <a:ln>
+            <a:noFill/>
+          </a:ln>
+        </p:spPr>
+      </p:sp>
+      <p:sp>
+        <p:nvSpPr>
+          <p:cNvPr id="7" name="Slide Number Placeholder 6"/>
+          <p:cNvSpPr>
+            <a:spLocks noGrp="1"/>
+          </p:cNvSpPr>
+          <p:nvPr>
+            <p:ph type="sldNum" sz="quarter" idx="12"/>
+          </p:nvPr>
+        </p:nvSpPr>
+        <p:spPr>
+          <a:xfrm>
+            <a:off x="531812" y="4983087"/>
+            <a:ext cx="779767" cy="365125"/>
+          </a:xfrm>
+        </p:spPr>
+        <p:txBody>
+          <a:bodyPr/>
+          <a:lstStyle/>
+          <a:p>
+            <a:fld id="{B288420D-35BC-4030-8307-73304AB35876}" type="slidenum">
+              <a:rPr lang="fr-FR" smtClean="0"/>
+              <a:t>‹N°›</a:t>
+            </a:fld>
+            <a:endParaRPr lang="fr-FR"/>
+          </a:p>
+        </p:txBody>
+      </p:sp>
+    </p:spTree>
+    <p:extLst>
+      <p:ext uri="{BB962C8B-B14F-4D97-AF65-F5344CB8AC3E}">
+        <p14:creationId xmlns:p14="http://schemas.microsoft.com/office/powerpoint/2010/main" val="3192348687"/>
+      </p:ext>
+    </p:extLst>
+  </p:cSld>
+  <p:clrMapOvr>
+    <a:masterClrMapping/>
+  </p:clrMapOvr>
+</p:sldLayout>
+</file>
+
+<file path=ppt/slideLayouts/slideLayout15.xml><?xml version="1.0" encoding="utf-8"?>
 <p:sldLayout xmlns:a="http://schemas.openxmlformats.org/drawingml/2006/main" xmlns:r="http://schemas.openxmlformats.org/officeDocument/2006/relationships" xmlns:p="http://schemas.openxmlformats.org/presentationml/2006/main" type="vertTx" preserve="1">
   <p:cSld name="Titre et texte vertical">
     <p:spTree>
@@ -360,13 +2266,7 @@
       </p:grpSpPr>
       <p:sp>
         <p:nvSpPr>
-          <p:cNvPr id="2" name="Titre 1">
-            <a:extLst>
-              <a:ext uri="{FF2B5EF4-FFF2-40B4-BE49-F238E27FC236}">
-                <a16:creationId xmlns:a16="http://schemas.microsoft.com/office/drawing/2014/main" id="{E8385CE7-2FB3-43AE-ADA5-26894D03AA60}"/>
-              </a:ext>
-            </a:extLst>
-          </p:cNvPr>
+          <p:cNvPr id="2" name="Title 1"/>
           <p:cNvSpPr>
             <a:spLocks noGrp="1"/>
           </p:cNvSpPr>
@@ -380,21 +2280,16 @@
           <a:lstStyle/>
           <a:p>
             <a:r>
-              <a:rPr lang="fr-FR"/>
+              <a:rPr lang="fr-FR" smtClean="0"/>
               <a:t>Modifiez le style du titre</a:t>
             </a:r>
-          </a:p>
-        </p:txBody>
-      </p:sp>
-      <p:sp>
-        <p:nvSpPr>
-          <p:cNvPr id="3" name="Espace réservé du texte vertical 2">
-            <a:extLst>
-              <a:ext uri="{FF2B5EF4-FFF2-40B4-BE49-F238E27FC236}">
-                <a16:creationId xmlns:a16="http://schemas.microsoft.com/office/drawing/2014/main" id="{C40FFA24-5343-47F2-8CEA-15E7E27FCBDA}"/>
-              </a:ext>
-            </a:extLst>
-          </p:cNvPr>
+            <a:endParaRPr lang="en-US" dirty="0"/>
+          </a:p>
+        </p:txBody>
+      </p:sp>
+      <p:sp>
+        <p:nvSpPr>
+          <p:cNvPr id="3" name="Vertical Text Placeholder 2"/>
           <p:cNvSpPr>
             <a:spLocks noGrp="1"/>
           </p:cNvSpPr>
@@ -404,54 +2299,49 @@
         </p:nvSpPr>
         <p:spPr/>
         <p:txBody>
-          <a:bodyPr vert="eaVert"/>
+          <a:bodyPr vert="eaVert" anchor="t"/>
           <a:lstStyle/>
           <a:p>
             <a:pPr lvl="0"/>
             <a:r>
-              <a:rPr lang="fr-FR"/>
-              <a:t>Modifier les styles du texte du masque</a:t>
+              <a:rPr lang="fr-FR" smtClean="0"/>
+              <a:t>Modifiez les styles du texte du masque</a:t>
             </a:r>
           </a:p>
           <a:p>
             <a:pPr lvl="1"/>
             <a:r>
-              <a:rPr lang="fr-FR"/>
+              <a:rPr lang="fr-FR" smtClean="0"/>
               <a:t>Deuxième niveau</a:t>
             </a:r>
           </a:p>
           <a:p>
             <a:pPr lvl="2"/>
             <a:r>
-              <a:rPr lang="fr-FR"/>
+              <a:rPr lang="fr-FR" smtClean="0"/>
               <a:t>Troisième niveau</a:t>
             </a:r>
           </a:p>
           <a:p>
             <a:pPr lvl="3"/>
             <a:r>
-              <a:rPr lang="fr-FR"/>
+              <a:rPr lang="fr-FR" smtClean="0"/>
               <a:t>Quatrième niveau</a:t>
             </a:r>
           </a:p>
           <a:p>
             <a:pPr lvl="4"/>
             <a:r>
-              <a:rPr lang="fr-FR"/>
+              <a:rPr lang="fr-FR" smtClean="0"/>
               <a:t>Cinquième niveau</a:t>
             </a:r>
-          </a:p>
-        </p:txBody>
-      </p:sp>
-      <p:sp>
-        <p:nvSpPr>
-          <p:cNvPr id="4" name="Espace réservé de la date 3">
-            <a:extLst>
-              <a:ext uri="{FF2B5EF4-FFF2-40B4-BE49-F238E27FC236}">
-                <a16:creationId xmlns:a16="http://schemas.microsoft.com/office/drawing/2014/main" id="{18B0C054-50F6-46C2-8691-62B631233700}"/>
-              </a:ext>
-            </a:extLst>
-          </p:cNvPr>
+            <a:endParaRPr lang="en-US" dirty="0"/>
+          </a:p>
+        </p:txBody>
+      </p:sp>
+      <p:sp>
+        <p:nvSpPr>
+          <p:cNvPr id="4" name="Date Placeholder 3"/>
           <p:cNvSpPr>
             <a:spLocks noGrp="1"/>
           </p:cNvSpPr>
@@ -474,13 +2364,7 @@
       </p:sp>
       <p:sp>
         <p:nvSpPr>
-          <p:cNvPr id="5" name="Espace réservé du pied de page 4">
-            <a:extLst>
-              <a:ext uri="{FF2B5EF4-FFF2-40B4-BE49-F238E27FC236}">
-                <a16:creationId xmlns:a16="http://schemas.microsoft.com/office/drawing/2014/main" id="{44221FDA-C19B-4BAE-A1F2-70B659321415}"/>
-              </a:ext>
-            </a:extLst>
-          </p:cNvPr>
+          <p:cNvPr id="5" name="Footer Placeholder 4"/>
           <p:cNvSpPr>
             <a:spLocks noGrp="1"/>
           </p:cNvSpPr>
@@ -499,13 +2383,89 @@
       </p:sp>
       <p:sp>
         <p:nvSpPr>
-          <p:cNvPr id="6" name="Espace réservé du numéro de diapositive 5">
-            <a:extLst>
-              <a:ext uri="{FF2B5EF4-FFF2-40B4-BE49-F238E27FC236}">
-                <a16:creationId xmlns:a16="http://schemas.microsoft.com/office/drawing/2014/main" id="{F8AFE6B3-FD96-4966-BD46-718D597A35FE}"/>
-              </a:ext>
-            </a:extLst>
-          </p:cNvPr>
+          <p:cNvPr id="8" name="Freeform 11"/>
+          <p:cNvSpPr/>
+          <p:nvPr/>
+        </p:nvSpPr>
+        <p:spPr bwMode="auto">
+          <a:xfrm flipV="1">
+            <a:off x="-4189" y="714375"/>
+            <a:ext cx="1588527" cy="507297"/>
+          </a:xfrm>
+          <a:custGeom>
+            <a:avLst/>
+            <a:gdLst/>
+            <a:ahLst/>
+            <a:cxnLst/>
+            <a:rect l="l" t="t" r="r" b="b"/>
+            <a:pathLst>
+              <a:path w="9248" h="10000">
+                <a:moveTo>
+                  <a:pt x="9248" y="4701"/>
+                </a:moveTo>
+                <a:lnTo>
+                  <a:pt x="7915" y="188"/>
+                </a:lnTo>
+                <a:cubicBezTo>
+                  <a:pt x="7906" y="156"/>
+                  <a:pt x="7895" y="126"/>
+                  <a:pt x="7886" y="94"/>
+                </a:cubicBezTo>
+                <a:cubicBezTo>
+                  <a:pt x="7859" y="0"/>
+                  <a:pt x="7831" y="0"/>
+                  <a:pt x="7803" y="0"/>
+                </a:cubicBezTo>
+                <a:lnTo>
+                  <a:pt x="7275" y="0"/>
+                </a:lnTo>
+                <a:lnTo>
+                  <a:pt x="0" y="70"/>
+                </a:lnTo>
+                <a:cubicBezTo>
+                  <a:pt x="8" y="3380"/>
+                  <a:pt x="17" y="6690"/>
+                  <a:pt x="25" y="10000"/>
+                </a:cubicBezTo>
+                <a:lnTo>
+                  <a:pt x="7275" y="9966"/>
+                </a:lnTo>
+                <a:lnTo>
+                  <a:pt x="7803" y="9966"/>
+                </a:lnTo>
+                <a:cubicBezTo>
+                  <a:pt x="7831" y="9966"/>
+                  <a:pt x="7859" y="9872"/>
+                  <a:pt x="7886" y="9872"/>
+                </a:cubicBezTo>
+                <a:cubicBezTo>
+                  <a:pt x="7886" y="9778"/>
+                  <a:pt x="7915" y="9778"/>
+                  <a:pt x="7915" y="9778"/>
+                </a:cubicBezTo>
+                <a:lnTo>
+                  <a:pt x="9248" y="5265"/>
+                </a:lnTo>
+                <a:cubicBezTo>
+                  <a:pt x="9303" y="5077"/>
+                  <a:pt x="9303" y="4889"/>
+                  <a:pt x="9248" y="4701"/>
+                </a:cubicBezTo>
+                <a:close/>
+              </a:path>
+            </a:pathLst>
+          </a:custGeom>
+          <a:solidFill>
+            <a:schemeClr val="accent1"/>
+          </a:solidFill>
+          <a:ln>
+            <a:noFill/>
+          </a:ln>
+        </p:spPr>
+      </p:sp>
+      <p:sp>
+        <p:nvSpPr>
+          <p:cNvPr id="6" name="Slide Number Placeholder 5"/>
           <p:cNvSpPr>
             <a:spLocks noGrp="1"/>
           </p:cNvSpPr>
@@ -529,7 +2489,7 @@
     </p:spTree>
     <p:extLst>
       <p:ext uri="{BB962C8B-B14F-4D97-AF65-F5344CB8AC3E}">
-        <p14:creationId xmlns:p14="http://schemas.microsoft.com/office/powerpoint/2010/main" val="1073317425"/>
+        <p14:creationId xmlns:p14="http://schemas.microsoft.com/office/powerpoint/2010/main" val="2544656399"/>
       </p:ext>
     </p:extLst>
   </p:cSld>
@@ -539,7 +2499,7 @@
 </p:sldLayout>
 </file>
 
-<file path=ppt/slideLayouts/slideLayout11.xml><?xml version="1.0" encoding="utf-8"?>
+<file path=ppt/slideLayouts/slideLayout16.xml><?xml version="1.0" encoding="utf-8"?>
 <p:sldLayout xmlns:a="http://schemas.openxmlformats.org/drawingml/2006/main" xmlns:r="http://schemas.openxmlformats.org/officeDocument/2006/relationships" xmlns:p="http://schemas.openxmlformats.org/presentationml/2006/main" type="vertTitleAndTx" preserve="1">
   <p:cSld name="Titre vertical et texte">
     <p:spTree>
@@ -558,13 +2518,7 @@
       </p:grpSpPr>
       <p:sp>
         <p:nvSpPr>
-          <p:cNvPr id="2" name="Titre vertical 1">
-            <a:extLst>
-              <a:ext uri="{FF2B5EF4-FFF2-40B4-BE49-F238E27FC236}">
-                <a16:creationId xmlns:a16="http://schemas.microsoft.com/office/drawing/2014/main" id="{DCAC028E-DBB3-4F38-BD33-B90D71301058}"/>
-              </a:ext>
-            </a:extLst>
-          </p:cNvPr>
+          <p:cNvPr id="2" name="Vertical Title 1"/>
           <p:cNvSpPr>
             <a:spLocks noGrp="1"/>
           </p:cNvSpPr>
@@ -574,92 +2528,82 @@
         </p:nvSpPr>
         <p:spPr>
           <a:xfrm>
-            <a:off x="8724900" y="365125"/>
-            <a:ext cx="2628900" cy="5811838"/>
+            <a:off x="9294812" y="627405"/>
+            <a:ext cx="2207601" cy="5283817"/>
           </a:xfrm>
         </p:spPr>
         <p:txBody>
+          <a:bodyPr vert="eaVert" anchor="ctr"/>
+          <a:lstStyle/>
+          <a:p>
+            <a:r>
+              <a:rPr lang="fr-FR" smtClean="0"/>
+              <a:t>Modifiez le style du titre</a:t>
+            </a:r>
+            <a:endParaRPr lang="en-US" dirty="0"/>
+          </a:p>
+        </p:txBody>
+      </p:sp>
+      <p:sp>
+        <p:nvSpPr>
+          <p:cNvPr id="3" name="Vertical Text Placeholder 2"/>
+          <p:cNvSpPr>
+            <a:spLocks noGrp="1"/>
+          </p:cNvSpPr>
+          <p:nvPr>
+            <p:ph type="body" orient="vert" idx="1"/>
+          </p:nvPr>
+        </p:nvSpPr>
+        <p:spPr>
+          <a:xfrm>
+            <a:off x="2589212" y="627405"/>
+            <a:ext cx="6477000" cy="5283817"/>
+          </a:xfrm>
+        </p:spPr>
+        <p:txBody>
           <a:bodyPr vert="eaVert"/>
           <a:lstStyle/>
           <a:p>
-            <a:r>
-              <a:rPr lang="fr-FR"/>
-              <a:t>Modifiez le style du titre</a:t>
-            </a:r>
-          </a:p>
-        </p:txBody>
-      </p:sp>
-      <p:sp>
-        <p:nvSpPr>
-          <p:cNvPr id="3" name="Espace réservé du texte vertical 2">
-            <a:extLst>
-              <a:ext uri="{FF2B5EF4-FFF2-40B4-BE49-F238E27FC236}">
-                <a16:creationId xmlns:a16="http://schemas.microsoft.com/office/drawing/2014/main" id="{A01F7887-E4AA-40F9-830B-7D4685383E02}"/>
-              </a:ext>
-            </a:extLst>
-          </p:cNvPr>
-          <p:cNvSpPr>
-            <a:spLocks noGrp="1"/>
-          </p:cNvSpPr>
-          <p:nvPr>
-            <p:ph type="body" orient="vert" idx="1"/>
-          </p:nvPr>
-        </p:nvSpPr>
-        <p:spPr>
-          <a:xfrm>
-            <a:off x="838200" y="365125"/>
-            <a:ext cx="7734300" cy="5811838"/>
-          </a:xfrm>
-        </p:spPr>
-        <p:txBody>
-          <a:bodyPr vert="eaVert"/>
-          <a:lstStyle/>
-          <a:p>
             <a:pPr lvl="0"/>
             <a:r>
-              <a:rPr lang="fr-FR"/>
-              <a:t>Modifier les styles du texte du masque</a:t>
+              <a:rPr lang="fr-FR" smtClean="0"/>
+              <a:t>Modifiez les styles du texte du masque</a:t>
             </a:r>
           </a:p>
           <a:p>
             <a:pPr lvl="1"/>
             <a:r>
-              <a:rPr lang="fr-FR"/>
+              <a:rPr lang="fr-FR" smtClean="0"/>
               <a:t>Deuxième niveau</a:t>
             </a:r>
           </a:p>
           <a:p>
             <a:pPr lvl="2"/>
             <a:r>
-              <a:rPr lang="fr-FR"/>
+              <a:rPr lang="fr-FR" smtClean="0"/>
               <a:t>Troisième niveau</a:t>
             </a:r>
           </a:p>
           <a:p>
             <a:pPr lvl="3"/>
             <a:r>
-              <a:rPr lang="fr-FR"/>
+              <a:rPr lang="fr-FR" smtClean="0"/>
               <a:t>Quatrième niveau</a:t>
             </a:r>
           </a:p>
           <a:p>
             <a:pPr lvl="4"/>
             <a:r>
-              <a:rPr lang="fr-FR"/>
+              <a:rPr lang="fr-FR" smtClean="0"/>
               <a:t>Cinquième niveau</a:t>
             </a:r>
-          </a:p>
-        </p:txBody>
-      </p:sp>
-      <p:sp>
-        <p:nvSpPr>
-          <p:cNvPr id="4" name="Espace réservé de la date 3">
-            <a:extLst>
-              <a:ext uri="{FF2B5EF4-FFF2-40B4-BE49-F238E27FC236}">
-                <a16:creationId xmlns:a16="http://schemas.microsoft.com/office/drawing/2014/main" id="{1977B0EC-0BF7-4434-B22C-DD5B11F0B181}"/>
-              </a:ext>
-            </a:extLst>
-          </p:cNvPr>
+            <a:endParaRPr lang="en-US" dirty="0"/>
+          </a:p>
+        </p:txBody>
+      </p:sp>
+      <p:sp>
+        <p:nvSpPr>
+          <p:cNvPr id="4" name="Date Placeholder 3"/>
           <p:cNvSpPr>
             <a:spLocks noGrp="1"/>
           </p:cNvSpPr>
@@ -682,13 +2626,7 @@
       </p:sp>
       <p:sp>
         <p:nvSpPr>
-          <p:cNvPr id="5" name="Espace réservé du pied de page 4">
-            <a:extLst>
-              <a:ext uri="{FF2B5EF4-FFF2-40B4-BE49-F238E27FC236}">
-                <a16:creationId xmlns:a16="http://schemas.microsoft.com/office/drawing/2014/main" id="{B8D345F2-BA7F-4311-8FB4-2EF4817B6041}"/>
-              </a:ext>
-            </a:extLst>
-          </p:cNvPr>
+          <p:cNvPr id="5" name="Footer Placeholder 4"/>
           <p:cNvSpPr>
             <a:spLocks noGrp="1"/>
           </p:cNvSpPr>
@@ -707,13 +2645,89 @@
       </p:sp>
       <p:sp>
         <p:nvSpPr>
-          <p:cNvPr id="6" name="Espace réservé du numéro de diapositive 5">
-            <a:extLst>
-              <a:ext uri="{FF2B5EF4-FFF2-40B4-BE49-F238E27FC236}">
-                <a16:creationId xmlns:a16="http://schemas.microsoft.com/office/drawing/2014/main" id="{7D16E087-0EE5-45C5-9B22-9863CB264D86}"/>
-              </a:ext>
-            </a:extLst>
-          </p:cNvPr>
+          <p:cNvPr id="8" name="Freeform 11"/>
+          <p:cNvSpPr/>
+          <p:nvPr/>
+        </p:nvSpPr>
+        <p:spPr bwMode="auto">
+          <a:xfrm flipV="1">
+            <a:off x="-4189" y="714375"/>
+            <a:ext cx="1588527" cy="507297"/>
+          </a:xfrm>
+          <a:custGeom>
+            <a:avLst/>
+            <a:gdLst/>
+            <a:ahLst/>
+            <a:cxnLst/>
+            <a:rect l="l" t="t" r="r" b="b"/>
+            <a:pathLst>
+              <a:path w="9248" h="10000">
+                <a:moveTo>
+                  <a:pt x="9248" y="4701"/>
+                </a:moveTo>
+                <a:lnTo>
+                  <a:pt x="7915" y="188"/>
+                </a:lnTo>
+                <a:cubicBezTo>
+                  <a:pt x="7906" y="156"/>
+                  <a:pt x="7895" y="126"/>
+                  <a:pt x="7886" y="94"/>
+                </a:cubicBezTo>
+                <a:cubicBezTo>
+                  <a:pt x="7859" y="0"/>
+                  <a:pt x="7831" y="0"/>
+                  <a:pt x="7803" y="0"/>
+                </a:cubicBezTo>
+                <a:lnTo>
+                  <a:pt x="7275" y="0"/>
+                </a:lnTo>
+                <a:lnTo>
+                  <a:pt x="0" y="70"/>
+                </a:lnTo>
+                <a:cubicBezTo>
+                  <a:pt x="8" y="3380"/>
+                  <a:pt x="17" y="6690"/>
+                  <a:pt x="25" y="10000"/>
+                </a:cubicBezTo>
+                <a:lnTo>
+                  <a:pt x="7275" y="9966"/>
+                </a:lnTo>
+                <a:lnTo>
+                  <a:pt x="7803" y="9966"/>
+                </a:lnTo>
+                <a:cubicBezTo>
+                  <a:pt x="7831" y="9966"/>
+                  <a:pt x="7859" y="9872"/>
+                  <a:pt x="7886" y="9872"/>
+                </a:cubicBezTo>
+                <a:cubicBezTo>
+                  <a:pt x="7886" y="9778"/>
+                  <a:pt x="7915" y="9778"/>
+                  <a:pt x="7915" y="9778"/>
+                </a:cubicBezTo>
+                <a:lnTo>
+                  <a:pt x="9248" y="5265"/>
+                </a:lnTo>
+                <a:cubicBezTo>
+                  <a:pt x="9303" y="5077"/>
+                  <a:pt x="9303" y="4889"/>
+                  <a:pt x="9248" y="4701"/>
+                </a:cubicBezTo>
+                <a:close/>
+              </a:path>
+            </a:pathLst>
+          </a:custGeom>
+          <a:solidFill>
+            <a:schemeClr val="accent1"/>
+          </a:solidFill>
+          <a:ln>
+            <a:noFill/>
+          </a:ln>
+        </p:spPr>
+      </p:sp>
+      <p:sp>
+        <p:nvSpPr>
+          <p:cNvPr id="6" name="Slide Number Placeholder 5"/>
           <p:cNvSpPr>
             <a:spLocks noGrp="1"/>
           </p:cNvSpPr>
@@ -737,7 +2751,7 @@
     </p:spTree>
     <p:extLst>
       <p:ext uri="{BB962C8B-B14F-4D97-AF65-F5344CB8AC3E}">
-        <p14:creationId xmlns:p14="http://schemas.microsoft.com/office/powerpoint/2010/main" val="51108110"/>
+        <p14:creationId xmlns:p14="http://schemas.microsoft.com/office/powerpoint/2010/main" val="477681154"/>
       </p:ext>
     </p:extLst>
   </p:cSld>
@@ -766,13 +2780,7 @@
       </p:grpSpPr>
       <p:sp>
         <p:nvSpPr>
-          <p:cNvPr id="2" name="Titre 1">
-            <a:extLst>
-              <a:ext uri="{FF2B5EF4-FFF2-40B4-BE49-F238E27FC236}">
-                <a16:creationId xmlns:a16="http://schemas.microsoft.com/office/drawing/2014/main" id="{B32BA361-C8B9-4AC5-B140-725FE87316C4}"/>
-              </a:ext>
-            </a:extLst>
-          </p:cNvPr>
+          <p:cNvPr id="2" name="Title 1"/>
           <p:cNvSpPr>
             <a:spLocks noGrp="1"/>
           </p:cNvSpPr>
@@ -780,27 +2788,27 @@
             <p:ph type="title"/>
           </p:nvPr>
         </p:nvSpPr>
-        <p:spPr/>
+        <p:spPr>
+          <a:xfrm>
+            <a:off x="2592925" y="624110"/>
+            <a:ext cx="8911687" cy="1280890"/>
+          </a:xfrm>
+        </p:spPr>
         <p:txBody>
           <a:bodyPr/>
           <a:lstStyle/>
           <a:p>
             <a:r>
-              <a:rPr lang="fr-FR"/>
+              <a:rPr lang="fr-FR" smtClean="0"/>
               <a:t>Modifiez le style du titre</a:t>
             </a:r>
-          </a:p>
-        </p:txBody>
-      </p:sp>
-      <p:sp>
-        <p:nvSpPr>
-          <p:cNvPr id="3" name="Espace réservé du contenu 2">
-            <a:extLst>
-              <a:ext uri="{FF2B5EF4-FFF2-40B4-BE49-F238E27FC236}">
-                <a16:creationId xmlns:a16="http://schemas.microsoft.com/office/drawing/2014/main" id="{6D247298-0587-46F3-B305-8D3A301C176C}"/>
-              </a:ext>
-            </a:extLst>
-          </p:cNvPr>
+            <a:endParaRPr lang="en-US" dirty="0"/>
+          </a:p>
+        </p:txBody>
+      </p:sp>
+      <p:sp>
+        <p:nvSpPr>
+          <p:cNvPr id="3" name="Content Placeholder 2"/>
           <p:cNvSpPr>
             <a:spLocks noGrp="1"/>
           </p:cNvSpPr>
@@ -808,56 +2816,56 @@
             <p:ph idx="1"/>
           </p:nvPr>
         </p:nvSpPr>
-        <p:spPr/>
+        <p:spPr>
+          <a:xfrm>
+            <a:off x="2589212" y="2133600"/>
+            <a:ext cx="8915400" cy="3777622"/>
+          </a:xfrm>
+        </p:spPr>
         <p:txBody>
           <a:bodyPr/>
           <a:lstStyle/>
           <a:p>
             <a:pPr lvl="0"/>
             <a:r>
-              <a:rPr lang="fr-FR"/>
-              <a:t>Modifier les styles du texte du masque</a:t>
+              <a:rPr lang="fr-FR" smtClean="0"/>
+              <a:t>Modifiez les styles du texte du masque</a:t>
             </a:r>
           </a:p>
           <a:p>
             <a:pPr lvl="1"/>
             <a:r>
-              <a:rPr lang="fr-FR"/>
+              <a:rPr lang="fr-FR" smtClean="0"/>
               <a:t>Deuxième niveau</a:t>
             </a:r>
           </a:p>
           <a:p>
             <a:pPr lvl="2"/>
             <a:r>
-              <a:rPr lang="fr-FR"/>
+              <a:rPr lang="fr-FR" smtClean="0"/>
               <a:t>Troisième niveau</a:t>
             </a:r>
           </a:p>
           <a:p>
             <a:pPr lvl="3"/>
             <a:r>
-              <a:rPr lang="fr-FR"/>
+              <a:rPr lang="fr-FR" smtClean="0"/>
               <a:t>Quatrième niveau</a:t>
             </a:r>
           </a:p>
           <a:p>
             <a:pPr lvl="4"/>
             <a:r>
-              <a:rPr lang="fr-FR"/>
+              <a:rPr lang="fr-FR" smtClean="0"/>
               <a:t>Cinquième niveau</a:t>
             </a:r>
-          </a:p>
-        </p:txBody>
-      </p:sp>
-      <p:sp>
-        <p:nvSpPr>
-          <p:cNvPr id="4" name="Espace réservé de la date 3">
-            <a:extLst>
-              <a:ext uri="{FF2B5EF4-FFF2-40B4-BE49-F238E27FC236}">
-                <a16:creationId xmlns:a16="http://schemas.microsoft.com/office/drawing/2014/main" id="{4586A4A9-A22E-4294-AAC2-040A2CEDF5FD}"/>
-              </a:ext>
-            </a:extLst>
-          </p:cNvPr>
+            <a:endParaRPr lang="en-US" dirty="0"/>
+          </a:p>
+        </p:txBody>
+      </p:sp>
+      <p:sp>
+        <p:nvSpPr>
+          <p:cNvPr id="4" name="Date Placeholder 3"/>
           <p:cNvSpPr>
             <a:spLocks noGrp="1"/>
           </p:cNvSpPr>
@@ -880,13 +2888,7 @@
       </p:sp>
       <p:sp>
         <p:nvSpPr>
-          <p:cNvPr id="5" name="Espace réservé du pied de page 4">
-            <a:extLst>
-              <a:ext uri="{FF2B5EF4-FFF2-40B4-BE49-F238E27FC236}">
-                <a16:creationId xmlns:a16="http://schemas.microsoft.com/office/drawing/2014/main" id="{2BFFBCE4-FE72-40D3-8037-EA221DB6AD20}"/>
-              </a:ext>
-            </a:extLst>
-          </p:cNvPr>
+          <p:cNvPr id="5" name="Footer Placeholder 4"/>
           <p:cNvSpPr>
             <a:spLocks noGrp="1"/>
           </p:cNvSpPr>
@@ -905,13 +2907,89 @@
       </p:sp>
       <p:sp>
         <p:nvSpPr>
-          <p:cNvPr id="6" name="Espace réservé du numéro de diapositive 5">
-            <a:extLst>
-              <a:ext uri="{FF2B5EF4-FFF2-40B4-BE49-F238E27FC236}">
-                <a16:creationId xmlns:a16="http://schemas.microsoft.com/office/drawing/2014/main" id="{F593A6BE-B91B-479C-9212-4041E4830E5F}"/>
-              </a:ext>
-            </a:extLst>
-          </p:cNvPr>
+          <p:cNvPr id="8" name="Freeform 11"/>
+          <p:cNvSpPr/>
+          <p:nvPr/>
+        </p:nvSpPr>
+        <p:spPr bwMode="auto">
+          <a:xfrm flipV="1">
+            <a:off x="-4189" y="714375"/>
+            <a:ext cx="1588527" cy="507297"/>
+          </a:xfrm>
+          <a:custGeom>
+            <a:avLst/>
+            <a:gdLst/>
+            <a:ahLst/>
+            <a:cxnLst/>
+            <a:rect l="l" t="t" r="r" b="b"/>
+            <a:pathLst>
+              <a:path w="9248" h="10000">
+                <a:moveTo>
+                  <a:pt x="9248" y="4701"/>
+                </a:moveTo>
+                <a:lnTo>
+                  <a:pt x="7915" y="188"/>
+                </a:lnTo>
+                <a:cubicBezTo>
+                  <a:pt x="7906" y="156"/>
+                  <a:pt x="7895" y="126"/>
+                  <a:pt x="7886" y="94"/>
+                </a:cubicBezTo>
+                <a:cubicBezTo>
+                  <a:pt x="7859" y="0"/>
+                  <a:pt x="7831" y="0"/>
+                  <a:pt x="7803" y="0"/>
+                </a:cubicBezTo>
+                <a:lnTo>
+                  <a:pt x="7275" y="0"/>
+                </a:lnTo>
+                <a:lnTo>
+                  <a:pt x="0" y="70"/>
+                </a:lnTo>
+                <a:cubicBezTo>
+                  <a:pt x="8" y="3380"/>
+                  <a:pt x="17" y="6690"/>
+                  <a:pt x="25" y="10000"/>
+                </a:cubicBezTo>
+                <a:lnTo>
+                  <a:pt x="7275" y="9966"/>
+                </a:lnTo>
+                <a:lnTo>
+                  <a:pt x="7803" y="9966"/>
+                </a:lnTo>
+                <a:cubicBezTo>
+                  <a:pt x="7831" y="9966"/>
+                  <a:pt x="7859" y="9872"/>
+                  <a:pt x="7886" y="9872"/>
+                </a:cubicBezTo>
+                <a:cubicBezTo>
+                  <a:pt x="7886" y="9778"/>
+                  <a:pt x="7915" y="9778"/>
+                  <a:pt x="7915" y="9778"/>
+                </a:cubicBezTo>
+                <a:lnTo>
+                  <a:pt x="9248" y="5265"/>
+                </a:lnTo>
+                <a:cubicBezTo>
+                  <a:pt x="9303" y="5077"/>
+                  <a:pt x="9303" y="4889"/>
+                  <a:pt x="9248" y="4701"/>
+                </a:cubicBezTo>
+                <a:close/>
+              </a:path>
+            </a:pathLst>
+          </a:custGeom>
+          <a:solidFill>
+            <a:schemeClr val="accent1"/>
+          </a:solidFill>
+          <a:ln>
+            <a:noFill/>
+          </a:ln>
+        </p:spPr>
+      </p:sp>
+      <p:sp>
+        <p:nvSpPr>
+          <p:cNvPr id="6" name="Slide Number Placeholder 5"/>
           <p:cNvSpPr>
             <a:spLocks noGrp="1"/>
           </p:cNvSpPr>
@@ -935,7 +3013,7 @@
     </p:spTree>
     <p:extLst>
       <p:ext uri="{BB962C8B-B14F-4D97-AF65-F5344CB8AC3E}">
-        <p14:creationId xmlns:p14="http://schemas.microsoft.com/office/powerpoint/2010/main" val="1924466480"/>
+        <p14:creationId xmlns:p14="http://schemas.microsoft.com/office/powerpoint/2010/main" val="3727209332"/>
       </p:ext>
     </p:extLst>
   </p:cSld>
@@ -964,13 +3042,7 @@
       </p:grpSpPr>
       <p:sp>
         <p:nvSpPr>
-          <p:cNvPr id="2" name="Titre 1">
-            <a:extLst>
-              <a:ext uri="{FF2B5EF4-FFF2-40B4-BE49-F238E27FC236}">
-                <a16:creationId xmlns:a16="http://schemas.microsoft.com/office/drawing/2014/main" id="{43B5B4D5-822B-4E9D-9920-BC08373E384D}"/>
-              </a:ext>
-            </a:extLst>
-          </p:cNvPr>
+          <p:cNvPr id="2" name="Title 1"/>
           <p:cNvSpPr>
             <a:spLocks noGrp="1"/>
           </p:cNvSpPr>
@@ -980,34 +3052,29 @@
         </p:nvSpPr>
         <p:spPr>
           <a:xfrm>
-            <a:off x="831850" y="1709738"/>
-            <a:ext cx="10515600" cy="2852737"/>
+            <a:off x="2589212" y="2058750"/>
+            <a:ext cx="8915399" cy="1468800"/>
           </a:xfrm>
         </p:spPr>
         <p:txBody>
           <a:bodyPr anchor="b"/>
           <a:lstStyle>
-            <a:lvl1pPr>
-              <a:defRPr sz="6000"/>
+            <a:lvl1pPr algn="l">
+              <a:defRPr sz="4000" b="0" cap="none"/>
             </a:lvl1pPr>
           </a:lstStyle>
           <a:p>
             <a:r>
-              <a:rPr lang="fr-FR"/>
+              <a:rPr lang="fr-FR" smtClean="0"/>
               <a:t>Modifiez le style du titre</a:t>
             </a:r>
-          </a:p>
-        </p:txBody>
-      </p:sp>
-      <p:sp>
-        <p:nvSpPr>
-          <p:cNvPr id="3" name="Espace réservé du texte 2">
-            <a:extLst>
-              <a:ext uri="{FF2B5EF4-FFF2-40B4-BE49-F238E27FC236}">
-                <a16:creationId xmlns:a16="http://schemas.microsoft.com/office/drawing/2014/main" id="{F39043CC-336C-4F30-9322-A53ECD1D1899}"/>
-              </a:ext>
-            </a:extLst>
-          </p:cNvPr>
+            <a:endParaRPr lang="en-US" dirty="0"/>
+          </a:p>
+        </p:txBody>
+      </p:sp>
+      <p:sp>
+        <p:nvSpPr>
+          <p:cNvPr id="3" name="Text Placeholder 2"/>
           <p:cNvSpPr>
             <a:spLocks noGrp="1"/>
           </p:cNvSpPr>
@@ -1017,26 +3084,27 @@
         </p:nvSpPr>
         <p:spPr>
           <a:xfrm>
-            <a:off x="831850" y="4589463"/>
-            <a:ext cx="10515600" cy="1500187"/>
+            <a:off x="2589212" y="3530129"/>
+            <a:ext cx="8915399" cy="860400"/>
           </a:xfrm>
         </p:spPr>
         <p:txBody>
-          <a:bodyPr/>
+          <a:bodyPr anchor="t"/>
           <a:lstStyle>
-            <a:lvl1pPr marL="0" indent="0">
-              <a:buNone/>
-              <a:defRPr sz="2400">
+            <a:lvl1pPr marL="0" indent="0" algn="l">
+              <a:buNone/>
+              <a:defRPr sz="2000">
                 <a:solidFill>
                   <a:schemeClr val="tx1">
-                    <a:tint val="75000"/>
+                    <a:lumMod val="65000"/>
+                    <a:lumOff val="35000"/>
                   </a:schemeClr>
                 </a:solidFill>
               </a:defRPr>
             </a:lvl1pPr>
             <a:lvl2pPr marL="457200" indent="0">
               <a:buNone/>
-              <a:defRPr sz="2000">
+              <a:defRPr sz="1800">
                 <a:solidFill>
                   <a:schemeClr val="tx1">
                     <a:tint val="75000"/>
@@ -1046,7 +3114,7 @@
             </a:lvl2pPr>
             <a:lvl3pPr marL="914400" indent="0">
               <a:buNone/>
-              <a:defRPr sz="1800">
+              <a:defRPr sz="1600">
                 <a:solidFill>
                   <a:schemeClr val="tx1">
                     <a:tint val="75000"/>
@@ -1056,7 +3124,7 @@
             </a:lvl3pPr>
             <a:lvl4pPr marL="1371600" indent="0">
               <a:buNone/>
-              <a:defRPr sz="1600">
+              <a:defRPr sz="1400">
                 <a:solidFill>
                   <a:schemeClr val="tx1">
                     <a:tint val="75000"/>
@@ -1066,7 +3134,7 @@
             </a:lvl4pPr>
             <a:lvl5pPr marL="1828800" indent="0">
               <a:buNone/>
-              <a:defRPr sz="1600">
+              <a:defRPr sz="1400">
                 <a:solidFill>
                   <a:schemeClr val="tx1">
                     <a:tint val="75000"/>
@@ -1076,7 +3144,7 @@
             </a:lvl5pPr>
             <a:lvl6pPr marL="2286000" indent="0">
               <a:buNone/>
-              <a:defRPr sz="1600">
+              <a:defRPr sz="1400">
                 <a:solidFill>
                   <a:schemeClr val="tx1">
                     <a:tint val="75000"/>
@@ -1086,7 +3154,7 @@
             </a:lvl6pPr>
             <a:lvl7pPr marL="2743200" indent="0">
               <a:buNone/>
-              <a:defRPr sz="1600">
+              <a:defRPr sz="1400">
                 <a:solidFill>
                   <a:schemeClr val="tx1">
                     <a:tint val="75000"/>
@@ -1096,7 +3164,7 @@
             </a:lvl7pPr>
             <a:lvl8pPr marL="3200400" indent="0">
               <a:buNone/>
-              <a:defRPr sz="1600">
+              <a:defRPr sz="1400">
                 <a:solidFill>
                   <a:schemeClr val="tx1">
                     <a:tint val="75000"/>
@@ -1106,7 +3174,7 @@
             </a:lvl8pPr>
             <a:lvl9pPr marL="3657600" indent="0">
               <a:buNone/>
-              <a:defRPr sz="1600">
+              <a:defRPr sz="1400">
                 <a:solidFill>
                   <a:schemeClr val="tx1">
                     <a:tint val="75000"/>
@@ -1118,21 +3186,15 @@
           <a:p>
             <a:pPr lvl="0"/>
             <a:r>
-              <a:rPr lang="fr-FR"/>
-              <a:t>Modifier les styles du texte du masque</a:t>
-            </a:r>
-          </a:p>
-        </p:txBody>
-      </p:sp>
-      <p:sp>
-        <p:nvSpPr>
-          <p:cNvPr id="4" name="Espace réservé de la date 3">
-            <a:extLst>
-              <a:ext uri="{FF2B5EF4-FFF2-40B4-BE49-F238E27FC236}">
-                <a16:creationId xmlns:a16="http://schemas.microsoft.com/office/drawing/2014/main" id="{6764CAE3-1A88-4E7C-94E5-28E281F3B41D}"/>
-              </a:ext>
-            </a:extLst>
-          </p:cNvPr>
+              <a:rPr lang="fr-FR" smtClean="0"/>
+              <a:t>Modifiez les styles du texte du masque</a:t>
+            </a:r>
+          </a:p>
+        </p:txBody>
+      </p:sp>
+      <p:sp>
+        <p:nvSpPr>
+          <p:cNvPr id="4" name="Date Placeholder 3"/>
           <p:cNvSpPr>
             <a:spLocks noGrp="1"/>
           </p:cNvSpPr>
@@ -1155,13 +3217,7 @@
       </p:sp>
       <p:sp>
         <p:nvSpPr>
-          <p:cNvPr id="5" name="Espace réservé du pied de page 4">
-            <a:extLst>
-              <a:ext uri="{FF2B5EF4-FFF2-40B4-BE49-F238E27FC236}">
-                <a16:creationId xmlns:a16="http://schemas.microsoft.com/office/drawing/2014/main" id="{EA2432A1-D8F8-4838-A642-39F779F88FE6}"/>
-              </a:ext>
-            </a:extLst>
-          </p:cNvPr>
+          <p:cNvPr id="5" name="Footer Placeholder 4"/>
           <p:cNvSpPr>
             <a:spLocks noGrp="1"/>
           </p:cNvSpPr>
@@ -1180,13 +3236,89 @@
       </p:sp>
       <p:sp>
         <p:nvSpPr>
-          <p:cNvPr id="6" name="Espace réservé du numéro de diapositive 5">
-            <a:extLst>
-              <a:ext uri="{FF2B5EF4-FFF2-40B4-BE49-F238E27FC236}">
-                <a16:creationId xmlns:a16="http://schemas.microsoft.com/office/drawing/2014/main" id="{FB386081-0D4A-423B-94CA-7752699D63D7}"/>
-              </a:ext>
-            </a:extLst>
-          </p:cNvPr>
+          <p:cNvPr id="9" name="Freeform 11"/>
+          <p:cNvSpPr/>
+          <p:nvPr/>
+        </p:nvSpPr>
+        <p:spPr bwMode="auto">
+          <a:xfrm flipV="1">
+            <a:off x="-4189" y="3178175"/>
+            <a:ext cx="1588527" cy="507297"/>
+          </a:xfrm>
+          <a:custGeom>
+            <a:avLst/>
+            <a:gdLst/>
+            <a:ahLst/>
+            <a:cxnLst/>
+            <a:rect l="l" t="t" r="r" b="b"/>
+            <a:pathLst>
+              <a:path w="9248" h="10000">
+                <a:moveTo>
+                  <a:pt x="9248" y="4701"/>
+                </a:moveTo>
+                <a:lnTo>
+                  <a:pt x="7915" y="188"/>
+                </a:lnTo>
+                <a:cubicBezTo>
+                  <a:pt x="7906" y="156"/>
+                  <a:pt x="7895" y="126"/>
+                  <a:pt x="7886" y="94"/>
+                </a:cubicBezTo>
+                <a:cubicBezTo>
+                  <a:pt x="7859" y="0"/>
+                  <a:pt x="7831" y="0"/>
+                  <a:pt x="7803" y="0"/>
+                </a:cubicBezTo>
+                <a:lnTo>
+                  <a:pt x="7275" y="0"/>
+                </a:lnTo>
+                <a:lnTo>
+                  <a:pt x="0" y="70"/>
+                </a:lnTo>
+                <a:cubicBezTo>
+                  <a:pt x="8" y="3380"/>
+                  <a:pt x="17" y="6690"/>
+                  <a:pt x="25" y="10000"/>
+                </a:cubicBezTo>
+                <a:lnTo>
+                  <a:pt x="7275" y="9966"/>
+                </a:lnTo>
+                <a:lnTo>
+                  <a:pt x="7803" y="9966"/>
+                </a:lnTo>
+                <a:cubicBezTo>
+                  <a:pt x="7831" y="9966"/>
+                  <a:pt x="7859" y="9872"/>
+                  <a:pt x="7886" y="9872"/>
+                </a:cubicBezTo>
+                <a:cubicBezTo>
+                  <a:pt x="7886" y="9778"/>
+                  <a:pt x="7915" y="9778"/>
+                  <a:pt x="7915" y="9778"/>
+                </a:cubicBezTo>
+                <a:lnTo>
+                  <a:pt x="9248" y="5265"/>
+                </a:lnTo>
+                <a:cubicBezTo>
+                  <a:pt x="9303" y="5077"/>
+                  <a:pt x="9303" y="4889"/>
+                  <a:pt x="9248" y="4701"/>
+                </a:cubicBezTo>
+                <a:close/>
+              </a:path>
+            </a:pathLst>
+          </a:custGeom>
+          <a:solidFill>
+            <a:schemeClr val="accent1"/>
+          </a:solidFill>
+          <a:ln>
+            <a:noFill/>
+          </a:ln>
+        </p:spPr>
+      </p:sp>
+      <p:sp>
+        <p:nvSpPr>
+          <p:cNvPr id="6" name="Slide Number Placeholder 5"/>
           <p:cNvSpPr>
             <a:spLocks noGrp="1"/>
           </p:cNvSpPr>
@@ -1194,7 +3326,12 @@
             <p:ph type="sldNum" sz="quarter" idx="12"/>
           </p:nvPr>
         </p:nvSpPr>
-        <p:spPr/>
+        <p:spPr>
+          <a:xfrm>
+            <a:off x="531812" y="3244139"/>
+            <a:ext cx="779767" cy="365125"/>
+          </a:xfrm>
+        </p:spPr>
         <p:txBody>
           <a:bodyPr/>
           <a:lstStyle/>
@@ -1210,7 +3347,7 @@
     </p:spTree>
     <p:extLst>
       <p:ext uri="{BB962C8B-B14F-4D97-AF65-F5344CB8AC3E}">
-        <p14:creationId xmlns:p14="http://schemas.microsoft.com/office/powerpoint/2010/main" val="864870067"/>
+        <p14:creationId xmlns:p14="http://schemas.microsoft.com/office/powerpoint/2010/main" val="3940953703"/>
       </p:ext>
     </p:extLst>
   </p:cSld>
@@ -1239,13 +3376,7 @@
       </p:grpSpPr>
       <p:sp>
         <p:nvSpPr>
-          <p:cNvPr id="2" name="Titre 1">
-            <a:extLst>
-              <a:ext uri="{FF2B5EF4-FFF2-40B4-BE49-F238E27FC236}">
-                <a16:creationId xmlns:a16="http://schemas.microsoft.com/office/drawing/2014/main" id="{71BA184B-368F-4092-97BF-189619CD58B1}"/>
-              </a:ext>
-            </a:extLst>
-          </p:cNvPr>
+          <p:cNvPr id="8" name="Title 7"/>
           <p:cNvSpPr>
             <a:spLocks noGrp="1"/>
           </p:cNvSpPr>
@@ -1259,21 +3390,16 @@
           <a:lstStyle/>
           <a:p>
             <a:r>
-              <a:rPr lang="fr-FR"/>
+              <a:rPr lang="fr-FR" smtClean="0"/>
               <a:t>Modifiez le style du titre</a:t>
             </a:r>
-          </a:p>
-        </p:txBody>
-      </p:sp>
-      <p:sp>
-        <p:nvSpPr>
-          <p:cNvPr id="3" name="Espace réservé du contenu 2">
-            <a:extLst>
-              <a:ext uri="{FF2B5EF4-FFF2-40B4-BE49-F238E27FC236}">
-                <a16:creationId xmlns:a16="http://schemas.microsoft.com/office/drawing/2014/main" id="{3FC064E4-0CC2-4D9B-9D31-F76D3129E233}"/>
-              </a:ext>
-            </a:extLst>
-          </p:cNvPr>
+            <a:endParaRPr lang="en-US" dirty="0"/>
+          </a:p>
+        </p:txBody>
+      </p:sp>
+      <p:sp>
+        <p:nvSpPr>
+          <p:cNvPr id="3" name="Content Placeholder 2"/>
           <p:cNvSpPr>
             <a:spLocks noGrp="1"/>
           </p:cNvSpPr>
@@ -1283,59 +3409,56 @@
         </p:nvSpPr>
         <p:spPr>
           <a:xfrm>
-            <a:off x="838200" y="1825625"/>
-            <a:ext cx="5181600" cy="4351338"/>
+            <a:off x="2589212" y="2133600"/>
+            <a:ext cx="4313864" cy="3777622"/>
           </a:xfrm>
         </p:spPr>
         <p:txBody>
-          <a:bodyPr/>
+          <a:bodyPr>
+            <a:normAutofit/>
+          </a:bodyPr>
           <a:lstStyle/>
           <a:p>
             <a:pPr lvl="0"/>
             <a:r>
-              <a:rPr lang="fr-FR"/>
-              <a:t>Modifier les styles du texte du masque</a:t>
+              <a:rPr lang="fr-FR" smtClean="0"/>
+              <a:t>Modifiez les styles du texte du masque</a:t>
             </a:r>
           </a:p>
           <a:p>
             <a:pPr lvl="1"/>
             <a:r>
-              <a:rPr lang="fr-FR"/>
+              <a:rPr lang="fr-FR" smtClean="0"/>
               <a:t>Deuxième niveau</a:t>
             </a:r>
           </a:p>
           <a:p>
             <a:pPr lvl="2"/>
             <a:r>
-              <a:rPr lang="fr-FR"/>
+              <a:rPr lang="fr-FR" smtClean="0"/>
               <a:t>Troisième niveau</a:t>
             </a:r>
           </a:p>
           <a:p>
             <a:pPr lvl="3"/>
             <a:r>
-              <a:rPr lang="fr-FR"/>
+              <a:rPr lang="fr-FR" smtClean="0"/>
               <a:t>Quatrième niveau</a:t>
             </a:r>
           </a:p>
           <a:p>
             <a:pPr lvl="4"/>
             <a:r>
-              <a:rPr lang="fr-FR"/>
+              <a:rPr lang="fr-FR" smtClean="0"/>
               <a:t>Cinquième niveau</a:t>
             </a:r>
-          </a:p>
-        </p:txBody>
-      </p:sp>
-      <p:sp>
-        <p:nvSpPr>
-          <p:cNvPr id="4" name="Espace réservé du contenu 3">
-            <a:extLst>
-              <a:ext uri="{FF2B5EF4-FFF2-40B4-BE49-F238E27FC236}">
-                <a16:creationId xmlns:a16="http://schemas.microsoft.com/office/drawing/2014/main" id="{CF404BA3-B283-46A9-ADE9-CD21908621C8}"/>
-              </a:ext>
-            </a:extLst>
-          </p:cNvPr>
+            <a:endParaRPr lang="en-US" dirty="0"/>
+          </a:p>
+        </p:txBody>
+      </p:sp>
+      <p:sp>
+        <p:nvSpPr>
+          <p:cNvPr id="4" name="Content Placeholder 3"/>
           <p:cNvSpPr>
             <a:spLocks noGrp="1"/>
           </p:cNvSpPr>
@@ -1345,59 +3468,56 @@
         </p:nvSpPr>
         <p:spPr>
           <a:xfrm>
-            <a:off x="6172200" y="1825625"/>
-            <a:ext cx="5181600" cy="4351338"/>
+            <a:off x="7190747" y="2126222"/>
+            <a:ext cx="4313864" cy="3777622"/>
           </a:xfrm>
         </p:spPr>
         <p:txBody>
-          <a:bodyPr/>
+          <a:bodyPr>
+            <a:normAutofit/>
+          </a:bodyPr>
           <a:lstStyle/>
           <a:p>
             <a:pPr lvl="0"/>
             <a:r>
-              <a:rPr lang="fr-FR"/>
-              <a:t>Modifier les styles du texte du masque</a:t>
+              <a:rPr lang="fr-FR" smtClean="0"/>
+              <a:t>Modifiez les styles du texte du masque</a:t>
             </a:r>
           </a:p>
           <a:p>
             <a:pPr lvl="1"/>
             <a:r>
-              <a:rPr lang="fr-FR"/>
+              <a:rPr lang="fr-FR" smtClean="0"/>
               <a:t>Deuxième niveau</a:t>
             </a:r>
           </a:p>
           <a:p>
             <a:pPr lvl="2"/>
             <a:r>
-              <a:rPr lang="fr-FR"/>
+              <a:rPr lang="fr-FR" smtClean="0"/>
               <a:t>Troisième niveau</a:t>
             </a:r>
           </a:p>
           <a:p>
             <a:pPr lvl="3"/>
             <a:r>
-              <a:rPr lang="fr-FR"/>
+              <a:rPr lang="fr-FR" smtClean="0"/>
               <a:t>Quatrième niveau</a:t>
             </a:r>
           </a:p>
           <a:p>
             <a:pPr lvl="4"/>
             <a:r>
-              <a:rPr lang="fr-FR"/>
+              <a:rPr lang="fr-FR" smtClean="0"/>
               <a:t>Cinquième niveau</a:t>
             </a:r>
-          </a:p>
-        </p:txBody>
-      </p:sp>
-      <p:sp>
-        <p:nvSpPr>
-          <p:cNvPr id="5" name="Espace réservé de la date 4">
-            <a:extLst>
-              <a:ext uri="{FF2B5EF4-FFF2-40B4-BE49-F238E27FC236}">
-                <a16:creationId xmlns:a16="http://schemas.microsoft.com/office/drawing/2014/main" id="{4C340C04-AD0C-44F1-AF17-24BC44CE7D37}"/>
-              </a:ext>
-            </a:extLst>
-          </p:cNvPr>
+            <a:endParaRPr lang="en-US" dirty="0"/>
+          </a:p>
+        </p:txBody>
+      </p:sp>
+      <p:sp>
+        <p:nvSpPr>
+          <p:cNvPr id="5" name="Date Placeholder 4"/>
           <p:cNvSpPr>
             <a:spLocks noGrp="1"/>
           </p:cNvSpPr>
@@ -1420,13 +3540,7 @@
       </p:sp>
       <p:sp>
         <p:nvSpPr>
-          <p:cNvPr id="6" name="Espace réservé du pied de page 5">
-            <a:extLst>
-              <a:ext uri="{FF2B5EF4-FFF2-40B4-BE49-F238E27FC236}">
-                <a16:creationId xmlns:a16="http://schemas.microsoft.com/office/drawing/2014/main" id="{86623B43-66A0-482F-A7C2-24EF6199BC92}"/>
-              </a:ext>
-            </a:extLst>
-          </p:cNvPr>
+          <p:cNvPr id="6" name="Footer Placeholder 5"/>
           <p:cNvSpPr>
             <a:spLocks noGrp="1"/>
           </p:cNvSpPr>
@@ -1445,13 +3559,89 @@
       </p:sp>
       <p:sp>
         <p:nvSpPr>
-          <p:cNvPr id="7" name="Espace réservé du numéro de diapositive 6">
-            <a:extLst>
-              <a:ext uri="{FF2B5EF4-FFF2-40B4-BE49-F238E27FC236}">
-                <a16:creationId xmlns:a16="http://schemas.microsoft.com/office/drawing/2014/main" id="{05689DFE-BD92-41A7-B821-7C241EA77A5F}"/>
-              </a:ext>
-            </a:extLst>
-          </p:cNvPr>
+          <p:cNvPr id="10" name="Freeform 11"/>
+          <p:cNvSpPr/>
+          <p:nvPr/>
+        </p:nvSpPr>
+        <p:spPr bwMode="auto">
+          <a:xfrm flipV="1">
+            <a:off x="-4189" y="714375"/>
+            <a:ext cx="1588527" cy="507297"/>
+          </a:xfrm>
+          <a:custGeom>
+            <a:avLst/>
+            <a:gdLst/>
+            <a:ahLst/>
+            <a:cxnLst/>
+            <a:rect l="l" t="t" r="r" b="b"/>
+            <a:pathLst>
+              <a:path w="9248" h="10000">
+                <a:moveTo>
+                  <a:pt x="9248" y="4701"/>
+                </a:moveTo>
+                <a:lnTo>
+                  <a:pt x="7915" y="188"/>
+                </a:lnTo>
+                <a:cubicBezTo>
+                  <a:pt x="7906" y="156"/>
+                  <a:pt x="7895" y="126"/>
+                  <a:pt x="7886" y="94"/>
+                </a:cubicBezTo>
+                <a:cubicBezTo>
+                  <a:pt x="7859" y="0"/>
+                  <a:pt x="7831" y="0"/>
+                  <a:pt x="7803" y="0"/>
+                </a:cubicBezTo>
+                <a:lnTo>
+                  <a:pt x="7275" y="0"/>
+                </a:lnTo>
+                <a:lnTo>
+                  <a:pt x="0" y="70"/>
+                </a:lnTo>
+                <a:cubicBezTo>
+                  <a:pt x="8" y="3380"/>
+                  <a:pt x="17" y="6690"/>
+                  <a:pt x="25" y="10000"/>
+                </a:cubicBezTo>
+                <a:lnTo>
+                  <a:pt x="7275" y="9966"/>
+                </a:lnTo>
+                <a:lnTo>
+                  <a:pt x="7803" y="9966"/>
+                </a:lnTo>
+                <a:cubicBezTo>
+                  <a:pt x="7831" y="9966"/>
+                  <a:pt x="7859" y="9872"/>
+                  <a:pt x="7886" y="9872"/>
+                </a:cubicBezTo>
+                <a:cubicBezTo>
+                  <a:pt x="7886" y="9778"/>
+                  <a:pt x="7915" y="9778"/>
+                  <a:pt x="7915" y="9778"/>
+                </a:cubicBezTo>
+                <a:lnTo>
+                  <a:pt x="9248" y="5265"/>
+                </a:lnTo>
+                <a:cubicBezTo>
+                  <a:pt x="9303" y="5077"/>
+                  <a:pt x="9303" y="4889"/>
+                  <a:pt x="9248" y="4701"/>
+                </a:cubicBezTo>
+                <a:close/>
+              </a:path>
+            </a:pathLst>
+          </a:custGeom>
+          <a:solidFill>
+            <a:schemeClr val="accent1"/>
+          </a:solidFill>
+          <a:ln>
+            <a:noFill/>
+          </a:ln>
+        </p:spPr>
+      </p:sp>
+      <p:sp>
+        <p:nvSpPr>
+          <p:cNvPr id="11" name="Slide Number Placeholder 5"/>
           <p:cNvSpPr>
             <a:spLocks noGrp="1"/>
           </p:cNvSpPr>
@@ -1459,7 +3649,12 @@
             <p:ph type="sldNum" sz="quarter" idx="12"/>
           </p:nvPr>
         </p:nvSpPr>
-        <p:spPr/>
+        <p:spPr>
+          <a:xfrm>
+            <a:off x="531812" y="787782"/>
+            <a:ext cx="779767" cy="365125"/>
+          </a:xfrm>
+        </p:spPr>
         <p:txBody>
           <a:bodyPr/>
           <a:lstStyle/>
@@ -1475,7 +3670,7 @@
     </p:spTree>
     <p:extLst>
       <p:ext uri="{BB962C8B-B14F-4D97-AF65-F5344CB8AC3E}">
-        <p14:creationId xmlns:p14="http://schemas.microsoft.com/office/powerpoint/2010/main" val="1368544912"/>
+        <p14:creationId xmlns:p14="http://schemas.microsoft.com/office/powerpoint/2010/main" val="2511555304"/>
       </p:ext>
     </p:extLst>
   </p:cSld>
@@ -1504,65 +3699,51 @@
       </p:grpSpPr>
       <p:sp>
         <p:nvSpPr>
-          <p:cNvPr id="2" name="Titre 1">
-            <a:extLst>
-              <a:ext uri="{FF2B5EF4-FFF2-40B4-BE49-F238E27FC236}">
-                <a16:creationId xmlns:a16="http://schemas.microsoft.com/office/drawing/2014/main" id="{7AE80606-D1D7-49A6-B6B4-1F8AF05C3821}"/>
-              </a:ext>
-            </a:extLst>
-          </p:cNvPr>
+          <p:cNvPr id="10" name="Title 9"/>
           <p:cNvSpPr>
             <a:spLocks noGrp="1"/>
           </p:cNvSpPr>
           <p:nvPr>
             <p:ph type="title"/>
+          </p:nvPr>
+        </p:nvSpPr>
+        <p:spPr/>
+        <p:txBody>
+          <a:bodyPr/>
+          <a:lstStyle/>
+          <a:p>
+            <a:r>
+              <a:rPr lang="fr-FR" smtClean="0"/>
+              <a:t>Modifiez le style du titre</a:t>
+            </a:r>
+            <a:endParaRPr lang="en-US" dirty="0"/>
+          </a:p>
+        </p:txBody>
+      </p:sp>
+      <p:sp>
+        <p:nvSpPr>
+          <p:cNvPr id="3" name="Text Placeholder 2"/>
+          <p:cNvSpPr>
+            <a:spLocks noGrp="1"/>
+          </p:cNvSpPr>
+          <p:nvPr>
+            <p:ph type="body" idx="1"/>
           </p:nvPr>
         </p:nvSpPr>
         <p:spPr>
           <a:xfrm>
-            <a:off x="839788" y="365125"/>
-            <a:ext cx="10515600" cy="1325563"/>
+            <a:off x="2939373" y="1972703"/>
+            <a:ext cx="3992732" cy="576262"/>
           </a:xfrm>
         </p:spPr>
         <p:txBody>
-          <a:bodyPr/>
-          <a:lstStyle/>
-          <a:p>
-            <a:r>
-              <a:rPr lang="fr-FR"/>
-              <a:t>Modifiez le style du titre</a:t>
-            </a:r>
-          </a:p>
-        </p:txBody>
-      </p:sp>
-      <p:sp>
-        <p:nvSpPr>
-          <p:cNvPr id="3" name="Espace réservé du texte 2">
-            <a:extLst>
-              <a:ext uri="{FF2B5EF4-FFF2-40B4-BE49-F238E27FC236}">
-                <a16:creationId xmlns:a16="http://schemas.microsoft.com/office/drawing/2014/main" id="{1E11262C-3CD9-47FC-AE65-C4C5FD43C1E2}"/>
-              </a:ext>
-            </a:extLst>
-          </p:cNvPr>
-          <p:cNvSpPr>
-            <a:spLocks noGrp="1"/>
-          </p:cNvSpPr>
-          <p:nvPr>
-            <p:ph type="body" idx="1"/>
-          </p:nvPr>
-        </p:nvSpPr>
-        <p:spPr>
-          <a:xfrm>
-            <a:off x="839788" y="1681163"/>
-            <a:ext cx="5157787" cy="823912"/>
-          </a:xfrm>
-        </p:spPr>
-        <p:txBody>
-          <a:bodyPr anchor="b"/>
+          <a:bodyPr anchor="b">
+            <a:noAutofit/>
+          </a:bodyPr>
           <a:lstStyle>
             <a:lvl1pPr marL="0" indent="0">
               <a:buNone/>
-              <a:defRPr sz="2400" b="1"/>
+              <a:defRPr sz="2400" b="0"/>
             </a:lvl1pPr>
             <a:lvl2pPr marL="457200" indent="0">
               <a:buNone/>
@@ -1600,21 +3781,15 @@
           <a:p>
             <a:pPr lvl="0"/>
             <a:r>
-              <a:rPr lang="fr-FR"/>
-              <a:t>Modifier les styles du texte du masque</a:t>
-            </a:r>
-          </a:p>
-        </p:txBody>
-      </p:sp>
-      <p:sp>
-        <p:nvSpPr>
-          <p:cNvPr id="4" name="Espace réservé du contenu 3">
-            <a:extLst>
-              <a:ext uri="{FF2B5EF4-FFF2-40B4-BE49-F238E27FC236}">
-                <a16:creationId xmlns:a16="http://schemas.microsoft.com/office/drawing/2014/main" id="{3D0F9B4F-B5F8-4203-8934-FBEB6CD929C6}"/>
-              </a:ext>
-            </a:extLst>
-          </p:cNvPr>
+              <a:rPr lang="fr-FR" smtClean="0"/>
+              <a:t>Modifiez les styles du texte du masque</a:t>
+            </a:r>
+          </a:p>
+        </p:txBody>
+      </p:sp>
+      <p:sp>
+        <p:nvSpPr>
+          <p:cNvPr id="4" name="Content Placeholder 3"/>
           <p:cNvSpPr>
             <a:spLocks noGrp="1"/>
           </p:cNvSpPr>
@@ -1624,59 +3799,56 @@
         </p:nvSpPr>
         <p:spPr>
           <a:xfrm>
-            <a:off x="839788" y="2505075"/>
-            <a:ext cx="5157787" cy="3684588"/>
+            <a:off x="2589212" y="2548966"/>
+            <a:ext cx="4342893" cy="3354060"/>
           </a:xfrm>
         </p:spPr>
         <p:txBody>
-          <a:bodyPr/>
+          <a:bodyPr>
+            <a:normAutofit/>
+          </a:bodyPr>
           <a:lstStyle/>
           <a:p>
             <a:pPr lvl="0"/>
             <a:r>
-              <a:rPr lang="fr-FR"/>
-              <a:t>Modifier les styles du texte du masque</a:t>
+              <a:rPr lang="fr-FR" smtClean="0"/>
+              <a:t>Modifiez les styles du texte du masque</a:t>
             </a:r>
           </a:p>
           <a:p>
             <a:pPr lvl="1"/>
             <a:r>
-              <a:rPr lang="fr-FR"/>
+              <a:rPr lang="fr-FR" smtClean="0"/>
               <a:t>Deuxième niveau</a:t>
             </a:r>
           </a:p>
           <a:p>
             <a:pPr lvl="2"/>
             <a:r>
-              <a:rPr lang="fr-FR"/>
+              <a:rPr lang="fr-FR" smtClean="0"/>
               <a:t>Troisième niveau</a:t>
             </a:r>
           </a:p>
           <a:p>
             <a:pPr lvl="3"/>
             <a:r>
-              <a:rPr lang="fr-FR"/>
+              <a:rPr lang="fr-FR" smtClean="0"/>
               <a:t>Quatrième niveau</a:t>
             </a:r>
           </a:p>
           <a:p>
             <a:pPr lvl="4"/>
             <a:r>
-              <a:rPr lang="fr-FR"/>
+              <a:rPr lang="fr-FR" smtClean="0"/>
               <a:t>Cinquième niveau</a:t>
             </a:r>
-          </a:p>
-        </p:txBody>
-      </p:sp>
-      <p:sp>
-        <p:nvSpPr>
-          <p:cNvPr id="5" name="Espace réservé du texte 4">
-            <a:extLst>
-              <a:ext uri="{FF2B5EF4-FFF2-40B4-BE49-F238E27FC236}">
-                <a16:creationId xmlns:a16="http://schemas.microsoft.com/office/drawing/2014/main" id="{77BAA980-D757-4B18-8FA3-FB543D795950}"/>
-              </a:ext>
-            </a:extLst>
-          </p:cNvPr>
+            <a:endParaRPr lang="en-US" dirty="0"/>
+          </a:p>
+        </p:txBody>
+      </p:sp>
+      <p:sp>
+        <p:nvSpPr>
+          <p:cNvPr id="5" name="Text Placeholder 4"/>
           <p:cNvSpPr>
             <a:spLocks noGrp="1"/>
           </p:cNvSpPr>
@@ -1686,16 +3858,18 @@
         </p:nvSpPr>
         <p:spPr>
           <a:xfrm>
-            <a:off x="6172200" y="1681163"/>
-            <a:ext cx="5183188" cy="823912"/>
+            <a:off x="7506629" y="1969475"/>
+            <a:ext cx="3999001" cy="576262"/>
           </a:xfrm>
         </p:spPr>
         <p:txBody>
-          <a:bodyPr anchor="b"/>
+          <a:bodyPr anchor="b">
+            <a:noAutofit/>
+          </a:bodyPr>
           <a:lstStyle>
             <a:lvl1pPr marL="0" indent="0">
               <a:buNone/>
-              <a:defRPr sz="2400" b="1"/>
+              <a:defRPr sz="2400" b="0"/>
             </a:lvl1pPr>
             <a:lvl2pPr marL="457200" indent="0">
               <a:buNone/>
@@ -1733,21 +3907,15 @@
           <a:p>
             <a:pPr lvl="0"/>
             <a:r>
-              <a:rPr lang="fr-FR"/>
-              <a:t>Modifier les styles du texte du masque</a:t>
-            </a:r>
-          </a:p>
-        </p:txBody>
-      </p:sp>
-      <p:sp>
-        <p:nvSpPr>
-          <p:cNvPr id="6" name="Espace réservé du contenu 5">
-            <a:extLst>
-              <a:ext uri="{FF2B5EF4-FFF2-40B4-BE49-F238E27FC236}">
-                <a16:creationId xmlns:a16="http://schemas.microsoft.com/office/drawing/2014/main" id="{98F97E96-D1F1-43B2-A1E3-C9A214A14D4E}"/>
-              </a:ext>
-            </a:extLst>
-          </p:cNvPr>
+              <a:rPr lang="fr-FR" smtClean="0"/>
+              <a:t>Modifiez les styles du texte du masque</a:t>
+            </a:r>
+          </a:p>
+        </p:txBody>
+      </p:sp>
+      <p:sp>
+        <p:nvSpPr>
+          <p:cNvPr id="6" name="Content Placeholder 5"/>
           <p:cNvSpPr>
             <a:spLocks noGrp="1"/>
           </p:cNvSpPr>
@@ -1757,59 +3925,56 @@
         </p:nvSpPr>
         <p:spPr>
           <a:xfrm>
-            <a:off x="6172200" y="2505075"/>
-            <a:ext cx="5183188" cy="3684588"/>
+            <a:off x="7166957" y="2545738"/>
+            <a:ext cx="4338674" cy="3354060"/>
           </a:xfrm>
         </p:spPr>
         <p:txBody>
-          <a:bodyPr/>
+          <a:bodyPr>
+            <a:normAutofit/>
+          </a:bodyPr>
           <a:lstStyle/>
           <a:p>
             <a:pPr lvl="0"/>
             <a:r>
-              <a:rPr lang="fr-FR"/>
-              <a:t>Modifier les styles du texte du masque</a:t>
+              <a:rPr lang="fr-FR" smtClean="0"/>
+              <a:t>Modifiez les styles du texte du masque</a:t>
             </a:r>
           </a:p>
           <a:p>
             <a:pPr lvl="1"/>
             <a:r>
-              <a:rPr lang="fr-FR"/>
+              <a:rPr lang="fr-FR" smtClean="0"/>
               <a:t>Deuxième niveau</a:t>
             </a:r>
           </a:p>
           <a:p>
             <a:pPr lvl="2"/>
             <a:r>
-              <a:rPr lang="fr-FR"/>
+              <a:rPr lang="fr-FR" smtClean="0"/>
               <a:t>Troisième niveau</a:t>
             </a:r>
           </a:p>
           <a:p>
             <a:pPr lvl="3"/>
             <a:r>
-              <a:rPr lang="fr-FR"/>
+              <a:rPr lang="fr-FR" smtClean="0"/>
               <a:t>Quatrième niveau</a:t>
             </a:r>
           </a:p>
           <a:p>
             <a:pPr lvl="4"/>
             <a:r>
-              <a:rPr lang="fr-FR"/>
+              <a:rPr lang="fr-FR" smtClean="0"/>
               <a:t>Cinquième niveau</a:t>
             </a:r>
-          </a:p>
-        </p:txBody>
-      </p:sp>
-      <p:sp>
-        <p:nvSpPr>
-          <p:cNvPr id="7" name="Espace réservé de la date 6">
-            <a:extLst>
-              <a:ext uri="{FF2B5EF4-FFF2-40B4-BE49-F238E27FC236}">
-                <a16:creationId xmlns:a16="http://schemas.microsoft.com/office/drawing/2014/main" id="{FE498CA3-DC7D-451F-ADC9-6B092F8721B8}"/>
-              </a:ext>
-            </a:extLst>
-          </p:cNvPr>
+            <a:endParaRPr lang="en-US" dirty="0"/>
+          </a:p>
+        </p:txBody>
+      </p:sp>
+      <p:sp>
+        <p:nvSpPr>
+          <p:cNvPr id="7" name="Date Placeholder 6"/>
           <p:cNvSpPr>
             <a:spLocks noGrp="1"/>
           </p:cNvSpPr>
@@ -1832,13 +3997,7 @@
       </p:sp>
       <p:sp>
         <p:nvSpPr>
-          <p:cNvPr id="8" name="Espace réservé du pied de page 7">
-            <a:extLst>
-              <a:ext uri="{FF2B5EF4-FFF2-40B4-BE49-F238E27FC236}">
-                <a16:creationId xmlns:a16="http://schemas.microsoft.com/office/drawing/2014/main" id="{6CD8979C-6B5B-4E2B-8BDC-193BAA368F48}"/>
-              </a:ext>
-            </a:extLst>
-          </p:cNvPr>
+          <p:cNvPr id="8" name="Footer Placeholder 7"/>
           <p:cNvSpPr>
             <a:spLocks noGrp="1"/>
           </p:cNvSpPr>
@@ -1857,13 +4016,89 @@
       </p:sp>
       <p:sp>
         <p:nvSpPr>
-          <p:cNvPr id="9" name="Espace réservé du numéro de diapositive 8">
-            <a:extLst>
-              <a:ext uri="{FF2B5EF4-FFF2-40B4-BE49-F238E27FC236}">
-                <a16:creationId xmlns:a16="http://schemas.microsoft.com/office/drawing/2014/main" id="{EF43B03F-AA0B-4ECB-BF5C-2FEBF1CB9AF2}"/>
-              </a:ext>
-            </a:extLst>
-          </p:cNvPr>
+          <p:cNvPr id="12" name="Freeform 11"/>
+          <p:cNvSpPr/>
+          <p:nvPr/>
+        </p:nvSpPr>
+        <p:spPr bwMode="auto">
+          <a:xfrm flipV="1">
+            <a:off x="-4189" y="714375"/>
+            <a:ext cx="1588527" cy="507297"/>
+          </a:xfrm>
+          <a:custGeom>
+            <a:avLst/>
+            <a:gdLst/>
+            <a:ahLst/>
+            <a:cxnLst/>
+            <a:rect l="l" t="t" r="r" b="b"/>
+            <a:pathLst>
+              <a:path w="9248" h="10000">
+                <a:moveTo>
+                  <a:pt x="9248" y="4701"/>
+                </a:moveTo>
+                <a:lnTo>
+                  <a:pt x="7915" y="188"/>
+                </a:lnTo>
+                <a:cubicBezTo>
+                  <a:pt x="7906" y="156"/>
+                  <a:pt x="7895" y="126"/>
+                  <a:pt x="7886" y="94"/>
+                </a:cubicBezTo>
+                <a:cubicBezTo>
+                  <a:pt x="7859" y="0"/>
+                  <a:pt x="7831" y="0"/>
+                  <a:pt x="7803" y="0"/>
+                </a:cubicBezTo>
+                <a:lnTo>
+                  <a:pt x="7275" y="0"/>
+                </a:lnTo>
+                <a:lnTo>
+                  <a:pt x="0" y="70"/>
+                </a:lnTo>
+                <a:cubicBezTo>
+                  <a:pt x="8" y="3380"/>
+                  <a:pt x="17" y="6690"/>
+                  <a:pt x="25" y="10000"/>
+                </a:cubicBezTo>
+                <a:lnTo>
+                  <a:pt x="7275" y="9966"/>
+                </a:lnTo>
+                <a:lnTo>
+                  <a:pt x="7803" y="9966"/>
+                </a:lnTo>
+                <a:cubicBezTo>
+                  <a:pt x="7831" y="9966"/>
+                  <a:pt x="7859" y="9872"/>
+                  <a:pt x="7886" y="9872"/>
+                </a:cubicBezTo>
+                <a:cubicBezTo>
+                  <a:pt x="7886" y="9778"/>
+                  <a:pt x="7915" y="9778"/>
+                  <a:pt x="7915" y="9778"/>
+                </a:cubicBezTo>
+                <a:lnTo>
+                  <a:pt x="9248" y="5265"/>
+                </a:lnTo>
+                <a:cubicBezTo>
+                  <a:pt x="9303" y="5077"/>
+                  <a:pt x="9303" y="4889"/>
+                  <a:pt x="9248" y="4701"/>
+                </a:cubicBezTo>
+                <a:close/>
+              </a:path>
+            </a:pathLst>
+          </a:custGeom>
+          <a:solidFill>
+            <a:schemeClr val="accent1"/>
+          </a:solidFill>
+          <a:ln>
+            <a:noFill/>
+          </a:ln>
+        </p:spPr>
+      </p:sp>
+      <p:sp>
+        <p:nvSpPr>
+          <p:cNvPr id="13" name="Slide Number Placeholder 5"/>
           <p:cNvSpPr>
             <a:spLocks noGrp="1"/>
           </p:cNvSpPr>
@@ -1871,7 +4106,12 @@
             <p:ph type="sldNum" sz="quarter" idx="12"/>
           </p:nvPr>
         </p:nvSpPr>
-        <p:spPr/>
+        <p:spPr>
+          <a:xfrm>
+            <a:off x="531812" y="787782"/>
+            <a:ext cx="779767" cy="365125"/>
+          </a:xfrm>
+        </p:spPr>
         <p:txBody>
           <a:bodyPr/>
           <a:lstStyle/>
@@ -1887,7 +4127,7 @@
     </p:spTree>
     <p:extLst>
       <p:ext uri="{BB962C8B-B14F-4D97-AF65-F5344CB8AC3E}">
-        <p14:creationId xmlns:p14="http://schemas.microsoft.com/office/powerpoint/2010/main" val="2942841629"/>
+        <p14:creationId xmlns:p14="http://schemas.microsoft.com/office/powerpoint/2010/main" val="156008414"/>
       </p:ext>
     </p:extLst>
   </p:cSld>
@@ -1916,13 +4156,7 @@
       </p:grpSpPr>
       <p:sp>
         <p:nvSpPr>
-          <p:cNvPr id="2" name="Titre 1">
-            <a:extLst>
-              <a:ext uri="{FF2B5EF4-FFF2-40B4-BE49-F238E27FC236}">
-                <a16:creationId xmlns:a16="http://schemas.microsoft.com/office/drawing/2014/main" id="{B1081B82-3A0C-41EC-8E77-7FEE19143182}"/>
-              </a:ext>
-            </a:extLst>
-          </p:cNvPr>
+          <p:cNvPr id="2" name="Title 1"/>
           <p:cNvSpPr>
             <a:spLocks noGrp="1"/>
           </p:cNvSpPr>
@@ -1936,21 +4170,16 @@
           <a:lstStyle/>
           <a:p>
             <a:r>
-              <a:rPr lang="fr-FR"/>
+              <a:rPr lang="fr-FR" smtClean="0"/>
               <a:t>Modifiez le style du titre</a:t>
             </a:r>
-          </a:p>
-        </p:txBody>
-      </p:sp>
-      <p:sp>
-        <p:nvSpPr>
-          <p:cNvPr id="3" name="Espace réservé de la date 2">
-            <a:extLst>
-              <a:ext uri="{FF2B5EF4-FFF2-40B4-BE49-F238E27FC236}">
-                <a16:creationId xmlns:a16="http://schemas.microsoft.com/office/drawing/2014/main" id="{D2C1CFA9-712E-4743-81AA-1850055FEB65}"/>
-              </a:ext>
-            </a:extLst>
-          </p:cNvPr>
+            <a:endParaRPr lang="en-US" dirty="0"/>
+          </a:p>
+        </p:txBody>
+      </p:sp>
+      <p:sp>
+        <p:nvSpPr>
+          <p:cNvPr id="3" name="Date Placeholder 2"/>
           <p:cNvSpPr>
             <a:spLocks noGrp="1"/>
           </p:cNvSpPr>
@@ -1973,13 +4202,7 @@
       </p:sp>
       <p:sp>
         <p:nvSpPr>
-          <p:cNvPr id="4" name="Espace réservé du pied de page 3">
-            <a:extLst>
-              <a:ext uri="{FF2B5EF4-FFF2-40B4-BE49-F238E27FC236}">
-                <a16:creationId xmlns:a16="http://schemas.microsoft.com/office/drawing/2014/main" id="{111863F9-478F-463C-BB47-50D07BAE598C}"/>
-              </a:ext>
-            </a:extLst>
-          </p:cNvPr>
+          <p:cNvPr id="4" name="Footer Placeholder 3"/>
           <p:cNvSpPr>
             <a:spLocks noGrp="1"/>
           </p:cNvSpPr>
@@ -1998,13 +4221,89 @@
       </p:sp>
       <p:sp>
         <p:nvSpPr>
-          <p:cNvPr id="5" name="Espace réservé du numéro de diapositive 4">
-            <a:extLst>
-              <a:ext uri="{FF2B5EF4-FFF2-40B4-BE49-F238E27FC236}">
-                <a16:creationId xmlns:a16="http://schemas.microsoft.com/office/drawing/2014/main" id="{20B44B1D-700A-49E5-AA1C-8E90FF5756C8}"/>
-              </a:ext>
-            </a:extLst>
-          </p:cNvPr>
+          <p:cNvPr id="7" name="Freeform 11"/>
+          <p:cNvSpPr/>
+          <p:nvPr/>
+        </p:nvSpPr>
+        <p:spPr bwMode="auto">
+          <a:xfrm flipV="1">
+            <a:off x="-4189" y="714375"/>
+            <a:ext cx="1588527" cy="507297"/>
+          </a:xfrm>
+          <a:custGeom>
+            <a:avLst/>
+            <a:gdLst/>
+            <a:ahLst/>
+            <a:cxnLst/>
+            <a:rect l="l" t="t" r="r" b="b"/>
+            <a:pathLst>
+              <a:path w="9248" h="10000">
+                <a:moveTo>
+                  <a:pt x="9248" y="4701"/>
+                </a:moveTo>
+                <a:lnTo>
+                  <a:pt x="7915" y="188"/>
+                </a:lnTo>
+                <a:cubicBezTo>
+                  <a:pt x="7906" y="156"/>
+                  <a:pt x="7895" y="126"/>
+                  <a:pt x="7886" y="94"/>
+                </a:cubicBezTo>
+                <a:cubicBezTo>
+                  <a:pt x="7859" y="0"/>
+                  <a:pt x="7831" y="0"/>
+                  <a:pt x="7803" y="0"/>
+                </a:cubicBezTo>
+                <a:lnTo>
+                  <a:pt x="7275" y="0"/>
+                </a:lnTo>
+                <a:lnTo>
+                  <a:pt x="0" y="70"/>
+                </a:lnTo>
+                <a:cubicBezTo>
+                  <a:pt x="8" y="3380"/>
+                  <a:pt x="17" y="6690"/>
+                  <a:pt x="25" y="10000"/>
+                </a:cubicBezTo>
+                <a:lnTo>
+                  <a:pt x="7275" y="9966"/>
+                </a:lnTo>
+                <a:lnTo>
+                  <a:pt x="7803" y="9966"/>
+                </a:lnTo>
+                <a:cubicBezTo>
+                  <a:pt x="7831" y="9966"/>
+                  <a:pt x="7859" y="9872"/>
+                  <a:pt x="7886" y="9872"/>
+                </a:cubicBezTo>
+                <a:cubicBezTo>
+                  <a:pt x="7886" y="9778"/>
+                  <a:pt x="7915" y="9778"/>
+                  <a:pt x="7915" y="9778"/>
+                </a:cubicBezTo>
+                <a:lnTo>
+                  <a:pt x="9248" y="5265"/>
+                </a:lnTo>
+                <a:cubicBezTo>
+                  <a:pt x="9303" y="5077"/>
+                  <a:pt x="9303" y="4889"/>
+                  <a:pt x="9248" y="4701"/>
+                </a:cubicBezTo>
+                <a:close/>
+              </a:path>
+            </a:pathLst>
+          </a:custGeom>
+          <a:solidFill>
+            <a:schemeClr val="accent1"/>
+          </a:solidFill>
+          <a:ln>
+            <a:noFill/>
+          </a:ln>
+        </p:spPr>
+      </p:sp>
+      <p:sp>
+        <p:nvSpPr>
+          <p:cNvPr id="5" name="Slide Number Placeholder 4"/>
           <p:cNvSpPr>
             <a:spLocks noGrp="1"/>
           </p:cNvSpPr>
@@ -2028,7 +4327,7 @@
     </p:spTree>
     <p:extLst>
       <p:ext uri="{BB962C8B-B14F-4D97-AF65-F5344CB8AC3E}">
-        <p14:creationId xmlns:p14="http://schemas.microsoft.com/office/powerpoint/2010/main" val="3471354764"/>
+        <p14:creationId xmlns:p14="http://schemas.microsoft.com/office/powerpoint/2010/main" val="1496345416"/>
       </p:ext>
     </p:extLst>
   </p:cSld>
@@ -2057,13 +4356,7 @@
       </p:grpSpPr>
       <p:sp>
         <p:nvSpPr>
-          <p:cNvPr id="2" name="Espace réservé de la date 1">
-            <a:extLst>
-              <a:ext uri="{FF2B5EF4-FFF2-40B4-BE49-F238E27FC236}">
-                <a16:creationId xmlns:a16="http://schemas.microsoft.com/office/drawing/2014/main" id="{7F091799-4ECC-4663-AEFD-ECC821917523}"/>
-              </a:ext>
-            </a:extLst>
-          </p:cNvPr>
+          <p:cNvPr id="2" name="Date Placeholder 1"/>
           <p:cNvSpPr>
             <a:spLocks noGrp="1"/>
           </p:cNvSpPr>
@@ -2086,13 +4379,7 @@
       </p:sp>
       <p:sp>
         <p:nvSpPr>
-          <p:cNvPr id="3" name="Espace réservé du pied de page 2">
-            <a:extLst>
-              <a:ext uri="{FF2B5EF4-FFF2-40B4-BE49-F238E27FC236}">
-                <a16:creationId xmlns:a16="http://schemas.microsoft.com/office/drawing/2014/main" id="{BCE86191-573C-4295-BD08-083C576A5275}"/>
-              </a:ext>
-            </a:extLst>
-          </p:cNvPr>
+          <p:cNvPr id="3" name="Footer Placeholder 2"/>
           <p:cNvSpPr>
             <a:spLocks noGrp="1"/>
           </p:cNvSpPr>
@@ -2111,13 +4398,89 @@
       </p:sp>
       <p:sp>
         <p:nvSpPr>
-          <p:cNvPr id="4" name="Espace réservé du numéro de diapositive 3">
-            <a:extLst>
-              <a:ext uri="{FF2B5EF4-FFF2-40B4-BE49-F238E27FC236}">
-                <a16:creationId xmlns:a16="http://schemas.microsoft.com/office/drawing/2014/main" id="{3EDDCE85-D755-4E08-A931-54910E74A37D}"/>
-              </a:ext>
-            </a:extLst>
-          </p:cNvPr>
+          <p:cNvPr id="6" name="Freeform 11"/>
+          <p:cNvSpPr/>
+          <p:nvPr/>
+        </p:nvSpPr>
+        <p:spPr bwMode="auto">
+          <a:xfrm flipV="1">
+            <a:off x="-4189" y="714375"/>
+            <a:ext cx="1588527" cy="507297"/>
+          </a:xfrm>
+          <a:custGeom>
+            <a:avLst/>
+            <a:gdLst/>
+            <a:ahLst/>
+            <a:cxnLst/>
+            <a:rect l="l" t="t" r="r" b="b"/>
+            <a:pathLst>
+              <a:path w="9248" h="10000">
+                <a:moveTo>
+                  <a:pt x="9248" y="4701"/>
+                </a:moveTo>
+                <a:lnTo>
+                  <a:pt x="7915" y="188"/>
+                </a:lnTo>
+                <a:cubicBezTo>
+                  <a:pt x="7906" y="156"/>
+                  <a:pt x="7895" y="126"/>
+                  <a:pt x="7886" y="94"/>
+                </a:cubicBezTo>
+                <a:cubicBezTo>
+                  <a:pt x="7859" y="0"/>
+                  <a:pt x="7831" y="0"/>
+                  <a:pt x="7803" y="0"/>
+                </a:cubicBezTo>
+                <a:lnTo>
+                  <a:pt x="7275" y="0"/>
+                </a:lnTo>
+                <a:lnTo>
+                  <a:pt x="0" y="70"/>
+                </a:lnTo>
+                <a:cubicBezTo>
+                  <a:pt x="8" y="3380"/>
+                  <a:pt x="17" y="6690"/>
+                  <a:pt x="25" y="10000"/>
+                </a:cubicBezTo>
+                <a:lnTo>
+                  <a:pt x="7275" y="9966"/>
+                </a:lnTo>
+                <a:lnTo>
+                  <a:pt x="7803" y="9966"/>
+                </a:lnTo>
+                <a:cubicBezTo>
+                  <a:pt x="7831" y="9966"/>
+                  <a:pt x="7859" y="9872"/>
+                  <a:pt x="7886" y="9872"/>
+                </a:cubicBezTo>
+                <a:cubicBezTo>
+                  <a:pt x="7886" y="9778"/>
+                  <a:pt x="7915" y="9778"/>
+                  <a:pt x="7915" y="9778"/>
+                </a:cubicBezTo>
+                <a:lnTo>
+                  <a:pt x="9248" y="5265"/>
+                </a:lnTo>
+                <a:cubicBezTo>
+                  <a:pt x="9303" y="5077"/>
+                  <a:pt x="9303" y="4889"/>
+                  <a:pt x="9248" y="4701"/>
+                </a:cubicBezTo>
+                <a:close/>
+              </a:path>
+            </a:pathLst>
+          </a:custGeom>
+          <a:solidFill>
+            <a:schemeClr val="accent1"/>
+          </a:solidFill>
+          <a:ln>
+            <a:noFill/>
+          </a:ln>
+        </p:spPr>
+      </p:sp>
+      <p:sp>
+        <p:nvSpPr>
+          <p:cNvPr id="4" name="Slide Number Placeholder 3"/>
           <p:cNvSpPr>
             <a:spLocks noGrp="1"/>
           </p:cNvSpPr>
@@ -2141,7 +4504,7 @@
     </p:spTree>
     <p:extLst>
       <p:ext uri="{BB962C8B-B14F-4D97-AF65-F5344CB8AC3E}">
-        <p14:creationId xmlns:p14="http://schemas.microsoft.com/office/powerpoint/2010/main" val="3467356923"/>
+        <p14:creationId xmlns:p14="http://schemas.microsoft.com/office/powerpoint/2010/main" val="2252424023"/>
       </p:ext>
     </p:extLst>
   </p:cSld>
@@ -2170,13 +4533,7 @@
       </p:grpSpPr>
       <p:sp>
         <p:nvSpPr>
-          <p:cNvPr id="2" name="Titre 1">
-            <a:extLst>
-              <a:ext uri="{FF2B5EF4-FFF2-40B4-BE49-F238E27FC236}">
-                <a16:creationId xmlns:a16="http://schemas.microsoft.com/office/drawing/2014/main" id="{DC0486C7-6D0C-4F1D-8232-67013FA85F4B}"/>
-              </a:ext>
-            </a:extLst>
-          </p:cNvPr>
+          <p:cNvPr id="2" name="Title 1"/>
           <p:cNvSpPr>
             <a:spLocks noGrp="1"/>
           </p:cNvSpPr>
@@ -2186,34 +4543,29 @@
         </p:nvSpPr>
         <p:spPr>
           <a:xfrm>
-            <a:off x="839788" y="457200"/>
-            <a:ext cx="3932237" cy="1600200"/>
+            <a:off x="2589212" y="446088"/>
+            <a:ext cx="3505199" cy="976312"/>
           </a:xfrm>
         </p:spPr>
         <p:txBody>
           <a:bodyPr anchor="b"/>
           <a:lstStyle>
-            <a:lvl1pPr>
-              <a:defRPr sz="3200"/>
+            <a:lvl1pPr algn="l">
+              <a:defRPr sz="2000" b="0"/>
             </a:lvl1pPr>
           </a:lstStyle>
           <a:p>
             <a:r>
-              <a:rPr lang="fr-FR"/>
+              <a:rPr lang="fr-FR" smtClean="0"/>
               <a:t>Modifiez le style du titre</a:t>
             </a:r>
-          </a:p>
-        </p:txBody>
-      </p:sp>
-      <p:sp>
-        <p:nvSpPr>
-          <p:cNvPr id="3" name="Espace réservé du contenu 2">
-            <a:extLst>
-              <a:ext uri="{FF2B5EF4-FFF2-40B4-BE49-F238E27FC236}">
-                <a16:creationId xmlns:a16="http://schemas.microsoft.com/office/drawing/2014/main" id="{10C94BA5-5DC0-43D4-BCF8-3EAABE03DA08}"/>
-              </a:ext>
-            </a:extLst>
-          </p:cNvPr>
+            <a:endParaRPr lang="en-US" dirty="0"/>
+          </a:p>
+        </p:txBody>
+      </p:sp>
+      <p:sp>
+        <p:nvSpPr>
+          <p:cNvPr id="3" name="Content Placeholder 2"/>
           <p:cNvSpPr>
             <a:spLocks noGrp="1"/>
           </p:cNvSpPr>
@@ -2223,87 +4575,56 @@
         </p:nvSpPr>
         <p:spPr>
           <a:xfrm>
-            <a:off x="5183188" y="987425"/>
-            <a:ext cx="6172200" cy="4873625"/>
+            <a:off x="6323012" y="446088"/>
+            <a:ext cx="5181600" cy="5414963"/>
           </a:xfrm>
         </p:spPr>
         <p:txBody>
-          <a:bodyPr/>
-          <a:lstStyle>
-            <a:lvl1pPr>
-              <a:defRPr sz="3200"/>
-            </a:lvl1pPr>
-            <a:lvl2pPr>
-              <a:defRPr sz="2800"/>
-            </a:lvl2pPr>
-            <a:lvl3pPr>
-              <a:defRPr sz="2400"/>
-            </a:lvl3pPr>
-            <a:lvl4pPr>
-              <a:defRPr sz="2000"/>
-            </a:lvl4pPr>
-            <a:lvl5pPr>
-              <a:defRPr sz="2000"/>
-            </a:lvl5pPr>
-            <a:lvl6pPr>
-              <a:defRPr sz="2000"/>
-            </a:lvl6pPr>
-            <a:lvl7pPr>
-              <a:defRPr sz="2000"/>
-            </a:lvl7pPr>
-            <a:lvl8pPr>
-              <a:defRPr sz="2000"/>
-            </a:lvl8pPr>
-            <a:lvl9pPr>
-              <a:defRPr sz="2000"/>
-            </a:lvl9pPr>
-          </a:lstStyle>
+          <a:bodyPr anchor="ctr">
+            <a:normAutofit/>
+          </a:bodyPr>
+          <a:lstStyle/>
           <a:p>
             <a:pPr lvl="0"/>
             <a:r>
-              <a:rPr lang="fr-FR"/>
-              <a:t>Modifier les styles du texte du masque</a:t>
+              <a:rPr lang="fr-FR" smtClean="0"/>
+              <a:t>Modifiez les styles du texte du masque</a:t>
             </a:r>
           </a:p>
           <a:p>
             <a:pPr lvl="1"/>
             <a:r>
-              <a:rPr lang="fr-FR"/>
+              <a:rPr lang="fr-FR" smtClean="0"/>
               <a:t>Deuxième niveau</a:t>
             </a:r>
           </a:p>
           <a:p>
             <a:pPr lvl="2"/>
             <a:r>
-              <a:rPr lang="fr-FR"/>
+              <a:rPr lang="fr-FR" smtClean="0"/>
               <a:t>Troisième niveau</a:t>
             </a:r>
           </a:p>
           <a:p>
             <a:pPr lvl="3"/>
             <a:r>
-              <a:rPr lang="fr-FR"/>
+              <a:rPr lang="fr-FR" smtClean="0"/>
               <a:t>Quatrième niveau</a:t>
             </a:r>
           </a:p>
           <a:p>
             <a:pPr lvl="4"/>
             <a:r>
-              <a:rPr lang="fr-FR"/>
+              <a:rPr lang="fr-FR" smtClean="0"/>
               <a:t>Cinquième niveau</a:t>
             </a:r>
-          </a:p>
-        </p:txBody>
-      </p:sp>
-      <p:sp>
-        <p:nvSpPr>
-          <p:cNvPr id="4" name="Espace réservé du texte 3">
-            <a:extLst>
-              <a:ext uri="{FF2B5EF4-FFF2-40B4-BE49-F238E27FC236}">
-                <a16:creationId xmlns:a16="http://schemas.microsoft.com/office/drawing/2014/main" id="{5C542C75-9FA7-4002-8DB2-9CB4722BD6B7}"/>
-              </a:ext>
-            </a:extLst>
-          </p:cNvPr>
+            <a:endParaRPr lang="en-US" dirty="0"/>
+          </a:p>
+        </p:txBody>
+      </p:sp>
+      <p:sp>
+        <p:nvSpPr>
+          <p:cNvPr id="4" name="Text Placeholder 3"/>
           <p:cNvSpPr>
             <a:spLocks noGrp="1"/>
           </p:cNvSpPr>
@@ -2313,8 +4634,8 @@
         </p:nvSpPr>
         <p:spPr>
           <a:xfrm>
-            <a:off x="839788" y="2057400"/>
-            <a:ext cx="3932237" cy="3811588"/>
+            <a:off x="2589212" y="1598613"/>
+            <a:ext cx="3505199" cy="4262436"/>
           </a:xfrm>
         </p:spPr>
         <p:txBody>
@@ -2322,59 +4643,53 @@
           <a:lstStyle>
             <a:lvl1pPr marL="0" indent="0">
               <a:buNone/>
-              <a:defRPr sz="1600"/>
+              <a:defRPr sz="1400"/>
             </a:lvl1pPr>
             <a:lvl2pPr marL="457200" indent="0">
               <a:buNone/>
-              <a:defRPr sz="1400"/>
+              <a:defRPr sz="1200"/>
             </a:lvl2pPr>
             <a:lvl3pPr marL="914400" indent="0">
               <a:buNone/>
-              <a:defRPr sz="1200"/>
+              <a:defRPr sz="1000"/>
             </a:lvl3pPr>
             <a:lvl4pPr marL="1371600" indent="0">
               <a:buNone/>
-              <a:defRPr sz="1000"/>
+              <a:defRPr sz="900"/>
             </a:lvl4pPr>
             <a:lvl5pPr marL="1828800" indent="0">
               <a:buNone/>
-              <a:defRPr sz="1000"/>
+              <a:defRPr sz="900"/>
             </a:lvl5pPr>
             <a:lvl6pPr marL="2286000" indent="0">
               <a:buNone/>
-              <a:defRPr sz="1000"/>
+              <a:defRPr sz="900"/>
             </a:lvl6pPr>
             <a:lvl7pPr marL="2743200" indent="0">
               <a:buNone/>
-              <a:defRPr sz="1000"/>
+              <a:defRPr sz="900"/>
             </a:lvl7pPr>
             <a:lvl8pPr marL="3200400" indent="0">
               <a:buNone/>
-              <a:defRPr sz="1000"/>
+              <a:defRPr sz="900"/>
             </a:lvl8pPr>
             <a:lvl9pPr marL="3657600" indent="0">
               <a:buNone/>
-              <a:defRPr sz="1000"/>
+              <a:defRPr sz="900"/>
             </a:lvl9pPr>
           </a:lstStyle>
           <a:p>
             <a:pPr lvl="0"/>
             <a:r>
-              <a:rPr lang="fr-FR"/>
-              <a:t>Modifier les styles du texte du masque</a:t>
-            </a:r>
-          </a:p>
-        </p:txBody>
-      </p:sp>
-      <p:sp>
-        <p:nvSpPr>
-          <p:cNvPr id="5" name="Espace réservé de la date 4">
-            <a:extLst>
-              <a:ext uri="{FF2B5EF4-FFF2-40B4-BE49-F238E27FC236}">
-                <a16:creationId xmlns:a16="http://schemas.microsoft.com/office/drawing/2014/main" id="{C649D445-309D-4FC4-BAD8-78048925BBFE}"/>
-              </a:ext>
-            </a:extLst>
-          </p:cNvPr>
+              <a:rPr lang="fr-FR" smtClean="0"/>
+              <a:t>Modifiez les styles du texte du masque</a:t>
+            </a:r>
+          </a:p>
+        </p:txBody>
+      </p:sp>
+      <p:sp>
+        <p:nvSpPr>
+          <p:cNvPr id="5" name="Date Placeholder 4"/>
           <p:cNvSpPr>
             <a:spLocks noGrp="1"/>
           </p:cNvSpPr>
@@ -2397,13 +4712,7 @@
       </p:sp>
       <p:sp>
         <p:nvSpPr>
-          <p:cNvPr id="6" name="Espace réservé du pied de page 5">
-            <a:extLst>
-              <a:ext uri="{FF2B5EF4-FFF2-40B4-BE49-F238E27FC236}">
-                <a16:creationId xmlns:a16="http://schemas.microsoft.com/office/drawing/2014/main" id="{575CB46C-D444-430F-973E-5746CFD3F4E7}"/>
-              </a:ext>
-            </a:extLst>
-          </p:cNvPr>
+          <p:cNvPr id="6" name="Footer Placeholder 5"/>
           <p:cNvSpPr>
             <a:spLocks noGrp="1"/>
           </p:cNvSpPr>
@@ -2422,13 +4731,89 @@
       </p:sp>
       <p:sp>
         <p:nvSpPr>
-          <p:cNvPr id="7" name="Espace réservé du numéro de diapositive 6">
-            <a:extLst>
-              <a:ext uri="{FF2B5EF4-FFF2-40B4-BE49-F238E27FC236}">
-                <a16:creationId xmlns:a16="http://schemas.microsoft.com/office/drawing/2014/main" id="{E823E224-7F33-456A-88CB-0B1792940AA8}"/>
-              </a:ext>
-            </a:extLst>
-          </p:cNvPr>
+          <p:cNvPr id="9" name="Freeform 11"/>
+          <p:cNvSpPr/>
+          <p:nvPr/>
+        </p:nvSpPr>
+        <p:spPr bwMode="auto">
+          <a:xfrm flipV="1">
+            <a:off x="-4189" y="714375"/>
+            <a:ext cx="1588527" cy="507297"/>
+          </a:xfrm>
+          <a:custGeom>
+            <a:avLst/>
+            <a:gdLst/>
+            <a:ahLst/>
+            <a:cxnLst/>
+            <a:rect l="l" t="t" r="r" b="b"/>
+            <a:pathLst>
+              <a:path w="9248" h="10000">
+                <a:moveTo>
+                  <a:pt x="9248" y="4701"/>
+                </a:moveTo>
+                <a:lnTo>
+                  <a:pt x="7915" y="188"/>
+                </a:lnTo>
+                <a:cubicBezTo>
+                  <a:pt x="7906" y="156"/>
+                  <a:pt x="7895" y="126"/>
+                  <a:pt x="7886" y="94"/>
+                </a:cubicBezTo>
+                <a:cubicBezTo>
+                  <a:pt x="7859" y="0"/>
+                  <a:pt x="7831" y="0"/>
+                  <a:pt x="7803" y="0"/>
+                </a:cubicBezTo>
+                <a:lnTo>
+                  <a:pt x="7275" y="0"/>
+                </a:lnTo>
+                <a:lnTo>
+                  <a:pt x="0" y="70"/>
+                </a:lnTo>
+                <a:cubicBezTo>
+                  <a:pt x="8" y="3380"/>
+                  <a:pt x="17" y="6690"/>
+                  <a:pt x="25" y="10000"/>
+                </a:cubicBezTo>
+                <a:lnTo>
+                  <a:pt x="7275" y="9966"/>
+                </a:lnTo>
+                <a:lnTo>
+                  <a:pt x="7803" y="9966"/>
+                </a:lnTo>
+                <a:cubicBezTo>
+                  <a:pt x="7831" y="9966"/>
+                  <a:pt x="7859" y="9872"/>
+                  <a:pt x="7886" y="9872"/>
+                </a:cubicBezTo>
+                <a:cubicBezTo>
+                  <a:pt x="7886" y="9778"/>
+                  <a:pt x="7915" y="9778"/>
+                  <a:pt x="7915" y="9778"/>
+                </a:cubicBezTo>
+                <a:lnTo>
+                  <a:pt x="9248" y="5265"/>
+                </a:lnTo>
+                <a:cubicBezTo>
+                  <a:pt x="9303" y="5077"/>
+                  <a:pt x="9303" y="4889"/>
+                  <a:pt x="9248" y="4701"/>
+                </a:cubicBezTo>
+                <a:close/>
+              </a:path>
+            </a:pathLst>
+          </a:custGeom>
+          <a:solidFill>
+            <a:schemeClr val="accent1"/>
+          </a:solidFill>
+          <a:ln>
+            <a:noFill/>
+          </a:ln>
+        </p:spPr>
+      </p:sp>
+      <p:sp>
+        <p:nvSpPr>
+          <p:cNvPr id="7" name="Slide Number Placeholder 6"/>
           <p:cNvSpPr>
             <a:spLocks noGrp="1"/>
           </p:cNvSpPr>
@@ -2452,7 +4837,7 @@
     </p:spTree>
     <p:extLst>
       <p:ext uri="{BB962C8B-B14F-4D97-AF65-F5344CB8AC3E}">
-        <p14:creationId xmlns:p14="http://schemas.microsoft.com/office/powerpoint/2010/main" val="104847807"/>
+        <p14:creationId xmlns:p14="http://schemas.microsoft.com/office/powerpoint/2010/main" val="2022810248"/>
       </p:ext>
     </p:extLst>
   </p:cSld>
@@ -2481,13 +4866,7 @@
       </p:grpSpPr>
       <p:sp>
         <p:nvSpPr>
-          <p:cNvPr id="2" name="Titre 1">
-            <a:extLst>
-              <a:ext uri="{FF2B5EF4-FFF2-40B4-BE49-F238E27FC236}">
-                <a16:creationId xmlns:a16="http://schemas.microsoft.com/office/drawing/2014/main" id="{C7D4601D-EF5E-45DD-93CF-C3155A0DCF9B}"/>
-              </a:ext>
-            </a:extLst>
-          </p:cNvPr>
+          <p:cNvPr id="2" name="Title 1"/>
           <p:cNvSpPr>
             <a:spLocks noGrp="1"/>
           </p:cNvSpPr>
@@ -2497,36 +4876,33 @@
         </p:nvSpPr>
         <p:spPr>
           <a:xfrm>
-            <a:off x="839788" y="457200"/>
-            <a:ext cx="3932237" cy="1600200"/>
+            <a:off x="2589213" y="4800600"/>
+            <a:ext cx="8915400" cy="566738"/>
           </a:xfrm>
         </p:spPr>
         <p:txBody>
-          <a:bodyPr anchor="b"/>
+          <a:bodyPr anchor="b">
+            <a:normAutofit/>
+          </a:bodyPr>
           <a:lstStyle>
-            <a:lvl1pPr>
-              <a:defRPr sz="3200"/>
+            <a:lvl1pPr algn="l">
+              <a:defRPr sz="2400" b="0"/>
             </a:lvl1pPr>
           </a:lstStyle>
           <a:p>
             <a:r>
-              <a:rPr lang="fr-FR"/>
+              <a:rPr lang="fr-FR" smtClean="0"/>
               <a:t>Modifiez le style du titre</a:t>
             </a:r>
-          </a:p>
-        </p:txBody>
-      </p:sp>
-      <p:sp>
-        <p:nvSpPr>
-          <p:cNvPr id="3" name="Espace réservé pour une image  2">
-            <a:extLst>
-              <a:ext uri="{FF2B5EF4-FFF2-40B4-BE49-F238E27FC236}">
-                <a16:creationId xmlns:a16="http://schemas.microsoft.com/office/drawing/2014/main" id="{79672853-1C9A-4D1E-BB15-98119E2DEFA4}"/>
-              </a:ext>
-            </a:extLst>
-          </p:cNvPr>
-          <p:cNvSpPr>
-            <a:spLocks noGrp="1"/>
+            <a:endParaRPr lang="en-US" dirty="0"/>
+          </a:p>
+        </p:txBody>
+      </p:sp>
+      <p:sp>
+        <p:nvSpPr>
+          <p:cNvPr id="3" name="Picture Placeholder 2"/>
+          <p:cNvSpPr>
+            <a:spLocks noGrp="1" noChangeAspect="1"/>
           </p:cNvSpPr>
           <p:nvPr>
             <p:ph type="pic" idx="1"/>
@@ -2534,135 +4910,131 @@
         </p:nvSpPr>
         <p:spPr>
           <a:xfrm>
-            <a:off x="5183188" y="987425"/>
-            <a:ext cx="6172200" cy="4873625"/>
+            <a:off x="2589212" y="634965"/>
+            <a:ext cx="8915400" cy="3854970"/>
           </a:xfrm>
         </p:spPr>
         <p:txBody>
-          <a:bodyPr/>
+          <a:bodyPr anchor="t">
+            <a:normAutofit/>
+          </a:bodyPr>
           <a:lstStyle>
-            <a:lvl1pPr marL="0" indent="0">
-              <a:buNone/>
-              <a:defRPr sz="3200"/>
-            </a:lvl1pPr>
-            <a:lvl2pPr marL="457200" indent="0">
-              <a:buNone/>
-              <a:defRPr sz="2800"/>
-            </a:lvl2pPr>
-            <a:lvl3pPr marL="914400" indent="0">
-              <a:buNone/>
-              <a:defRPr sz="2400"/>
-            </a:lvl3pPr>
-            <a:lvl4pPr marL="1371600" indent="0">
-              <a:buNone/>
-              <a:defRPr sz="2000"/>
-            </a:lvl4pPr>
-            <a:lvl5pPr marL="1828800" indent="0">
-              <a:buNone/>
-              <a:defRPr sz="2000"/>
-            </a:lvl5pPr>
-            <a:lvl6pPr marL="2286000" indent="0">
-              <a:buNone/>
-              <a:defRPr sz="2000"/>
-            </a:lvl6pPr>
-            <a:lvl7pPr marL="2743200" indent="0">
-              <a:buNone/>
-              <a:defRPr sz="2000"/>
-            </a:lvl7pPr>
-            <a:lvl8pPr marL="3200400" indent="0">
-              <a:buNone/>
-              <a:defRPr sz="2000"/>
-            </a:lvl8pPr>
-            <a:lvl9pPr marL="3657600" indent="0">
-              <a:buNone/>
-              <a:defRPr sz="2000"/>
-            </a:lvl9pPr>
-          </a:lstStyle>
-          <a:p>
-            <a:endParaRPr lang="fr-FR"/>
-          </a:p>
-        </p:txBody>
-      </p:sp>
-      <p:sp>
-        <p:nvSpPr>
-          <p:cNvPr id="4" name="Espace réservé du texte 3">
-            <a:extLst>
-              <a:ext uri="{FF2B5EF4-FFF2-40B4-BE49-F238E27FC236}">
-                <a16:creationId xmlns:a16="http://schemas.microsoft.com/office/drawing/2014/main" id="{C3723F20-C294-43D8-8947-8D323CEAEBEB}"/>
-              </a:ext>
-            </a:extLst>
-          </p:cNvPr>
-          <p:cNvSpPr>
-            <a:spLocks noGrp="1"/>
-          </p:cNvSpPr>
-          <p:nvPr>
-            <p:ph type="body" sz="half" idx="2"/>
-          </p:nvPr>
-        </p:nvSpPr>
-        <p:spPr>
-          <a:xfrm>
-            <a:off x="839788" y="2057400"/>
-            <a:ext cx="3932237" cy="3811588"/>
-          </a:xfrm>
-        </p:spPr>
-        <p:txBody>
-          <a:bodyPr/>
-          <a:lstStyle>
-            <a:lvl1pPr marL="0" indent="0">
+            <a:lvl1pPr marL="0" indent="0" algn="ctr">
               <a:buNone/>
               <a:defRPr sz="1600"/>
             </a:lvl1pPr>
             <a:lvl2pPr marL="457200" indent="0">
               <a:buNone/>
-              <a:defRPr sz="1400"/>
+              <a:defRPr sz="1600"/>
             </a:lvl2pPr>
             <a:lvl3pPr marL="914400" indent="0">
               <a:buNone/>
-              <a:defRPr sz="1200"/>
+              <a:defRPr sz="1600"/>
             </a:lvl3pPr>
             <a:lvl4pPr marL="1371600" indent="0">
               <a:buNone/>
-              <a:defRPr sz="1000"/>
+              <a:defRPr sz="1600"/>
             </a:lvl4pPr>
             <a:lvl5pPr marL="1828800" indent="0">
               <a:buNone/>
-              <a:defRPr sz="1000"/>
+              <a:defRPr sz="1600"/>
             </a:lvl5pPr>
             <a:lvl6pPr marL="2286000" indent="0">
               <a:buNone/>
-              <a:defRPr sz="1000"/>
+              <a:defRPr sz="1600"/>
             </a:lvl6pPr>
             <a:lvl7pPr marL="2743200" indent="0">
               <a:buNone/>
-              <a:defRPr sz="1000"/>
+              <a:defRPr sz="1600"/>
             </a:lvl7pPr>
             <a:lvl8pPr marL="3200400" indent="0">
               <a:buNone/>
-              <a:defRPr sz="1000"/>
+              <a:defRPr sz="1600"/>
             </a:lvl8pPr>
             <a:lvl9pPr marL="3657600" indent="0">
               <a:buNone/>
-              <a:defRPr sz="1000"/>
+              <a:defRPr sz="1600"/>
             </a:lvl9pPr>
           </a:lstStyle>
           <a:p>
+            <a:r>
+              <a:rPr lang="fr-FR" smtClean="0"/>
+              <a:t>Cliquez sur l'icône pour ajouter une image</a:t>
+            </a:r>
+            <a:endParaRPr lang="en-US" dirty="0"/>
+          </a:p>
+        </p:txBody>
+      </p:sp>
+      <p:sp>
+        <p:nvSpPr>
+          <p:cNvPr id="4" name="Text Placeholder 3"/>
+          <p:cNvSpPr>
+            <a:spLocks noGrp="1"/>
+          </p:cNvSpPr>
+          <p:nvPr>
+            <p:ph type="body" sz="half" idx="2"/>
+          </p:nvPr>
+        </p:nvSpPr>
+        <p:spPr>
+          <a:xfrm>
+            <a:off x="2589213" y="5367338"/>
+            <a:ext cx="8915400" cy="493712"/>
+          </a:xfrm>
+        </p:spPr>
+        <p:txBody>
+          <a:bodyPr>
+            <a:normAutofit/>
+          </a:bodyPr>
+          <a:lstStyle>
+            <a:lvl1pPr marL="0" indent="0">
+              <a:buNone/>
+              <a:defRPr sz="1200"/>
+            </a:lvl1pPr>
+            <a:lvl2pPr marL="457200" indent="0">
+              <a:buNone/>
+              <a:defRPr sz="1200"/>
+            </a:lvl2pPr>
+            <a:lvl3pPr marL="914400" indent="0">
+              <a:buNone/>
+              <a:defRPr sz="1000"/>
+            </a:lvl3pPr>
+            <a:lvl4pPr marL="1371600" indent="0">
+              <a:buNone/>
+              <a:defRPr sz="900"/>
+            </a:lvl4pPr>
+            <a:lvl5pPr marL="1828800" indent="0">
+              <a:buNone/>
+              <a:defRPr sz="900"/>
+            </a:lvl5pPr>
+            <a:lvl6pPr marL="2286000" indent="0">
+              <a:buNone/>
+              <a:defRPr sz="900"/>
+            </a:lvl6pPr>
+            <a:lvl7pPr marL="2743200" indent="0">
+              <a:buNone/>
+              <a:defRPr sz="900"/>
+            </a:lvl7pPr>
+            <a:lvl8pPr marL="3200400" indent="0">
+              <a:buNone/>
+              <a:defRPr sz="900"/>
+            </a:lvl8pPr>
+            <a:lvl9pPr marL="3657600" indent="0">
+              <a:buNone/>
+              <a:defRPr sz="900"/>
+            </a:lvl9pPr>
+          </a:lstStyle>
+          <a:p>
             <a:pPr lvl="0"/>
             <a:r>
-              <a:rPr lang="fr-FR"/>
-              <a:t>Modifier les styles du texte du masque</a:t>
-            </a:r>
-          </a:p>
-        </p:txBody>
-      </p:sp>
-      <p:sp>
-        <p:nvSpPr>
-          <p:cNvPr id="5" name="Espace réservé de la date 4">
-            <a:extLst>
-              <a:ext uri="{FF2B5EF4-FFF2-40B4-BE49-F238E27FC236}">
-                <a16:creationId xmlns:a16="http://schemas.microsoft.com/office/drawing/2014/main" id="{27537A81-A339-416B-96BE-A995F190482E}"/>
-              </a:ext>
-            </a:extLst>
-          </p:cNvPr>
+              <a:rPr lang="fr-FR" smtClean="0"/>
+              <a:t>Modifiez les styles du texte du masque</a:t>
+            </a:r>
+          </a:p>
+        </p:txBody>
+      </p:sp>
+      <p:sp>
+        <p:nvSpPr>
+          <p:cNvPr id="5" name="Date Placeholder 4"/>
           <p:cNvSpPr>
             <a:spLocks noGrp="1"/>
           </p:cNvSpPr>
@@ -2685,13 +5057,7 @@
       </p:sp>
       <p:sp>
         <p:nvSpPr>
-          <p:cNvPr id="6" name="Espace réservé du pied de page 5">
-            <a:extLst>
-              <a:ext uri="{FF2B5EF4-FFF2-40B4-BE49-F238E27FC236}">
-                <a16:creationId xmlns:a16="http://schemas.microsoft.com/office/drawing/2014/main" id="{22AB621D-86CB-4195-98B0-8A2E303C564F}"/>
-              </a:ext>
-            </a:extLst>
-          </p:cNvPr>
+          <p:cNvPr id="6" name="Footer Placeholder 5"/>
           <p:cNvSpPr>
             <a:spLocks noGrp="1"/>
           </p:cNvSpPr>
@@ -2710,13 +5076,89 @@
       </p:sp>
       <p:sp>
         <p:nvSpPr>
-          <p:cNvPr id="7" name="Espace réservé du numéro de diapositive 6">
-            <a:extLst>
-              <a:ext uri="{FF2B5EF4-FFF2-40B4-BE49-F238E27FC236}">
-                <a16:creationId xmlns:a16="http://schemas.microsoft.com/office/drawing/2014/main" id="{ED9FDABA-0E03-450C-B65C-A1314409B917}"/>
-              </a:ext>
-            </a:extLst>
-          </p:cNvPr>
+          <p:cNvPr id="9" name="Freeform 11"/>
+          <p:cNvSpPr/>
+          <p:nvPr/>
+        </p:nvSpPr>
+        <p:spPr bwMode="auto">
+          <a:xfrm flipV="1">
+            <a:off x="-4189" y="4911725"/>
+            <a:ext cx="1588527" cy="507297"/>
+          </a:xfrm>
+          <a:custGeom>
+            <a:avLst/>
+            <a:gdLst/>
+            <a:ahLst/>
+            <a:cxnLst/>
+            <a:rect l="l" t="t" r="r" b="b"/>
+            <a:pathLst>
+              <a:path w="9248" h="10000">
+                <a:moveTo>
+                  <a:pt x="9248" y="4701"/>
+                </a:moveTo>
+                <a:lnTo>
+                  <a:pt x="7915" y="188"/>
+                </a:lnTo>
+                <a:cubicBezTo>
+                  <a:pt x="7906" y="156"/>
+                  <a:pt x="7895" y="126"/>
+                  <a:pt x="7886" y="94"/>
+                </a:cubicBezTo>
+                <a:cubicBezTo>
+                  <a:pt x="7859" y="0"/>
+                  <a:pt x="7831" y="0"/>
+                  <a:pt x="7803" y="0"/>
+                </a:cubicBezTo>
+                <a:lnTo>
+                  <a:pt x="7275" y="0"/>
+                </a:lnTo>
+                <a:lnTo>
+                  <a:pt x="0" y="70"/>
+                </a:lnTo>
+                <a:cubicBezTo>
+                  <a:pt x="8" y="3380"/>
+                  <a:pt x="17" y="6690"/>
+                  <a:pt x="25" y="10000"/>
+                </a:cubicBezTo>
+                <a:lnTo>
+                  <a:pt x="7275" y="9966"/>
+                </a:lnTo>
+                <a:lnTo>
+                  <a:pt x="7803" y="9966"/>
+                </a:lnTo>
+                <a:cubicBezTo>
+                  <a:pt x="7831" y="9966"/>
+                  <a:pt x="7859" y="9872"/>
+                  <a:pt x="7886" y="9872"/>
+                </a:cubicBezTo>
+                <a:cubicBezTo>
+                  <a:pt x="7886" y="9778"/>
+                  <a:pt x="7915" y="9778"/>
+                  <a:pt x="7915" y="9778"/>
+                </a:cubicBezTo>
+                <a:lnTo>
+                  <a:pt x="9248" y="5265"/>
+                </a:lnTo>
+                <a:cubicBezTo>
+                  <a:pt x="9303" y="5077"/>
+                  <a:pt x="9303" y="4889"/>
+                  <a:pt x="9248" y="4701"/>
+                </a:cubicBezTo>
+                <a:close/>
+              </a:path>
+            </a:pathLst>
+          </a:custGeom>
+          <a:solidFill>
+            <a:schemeClr val="accent1"/>
+          </a:solidFill>
+          <a:ln>
+            <a:noFill/>
+          </a:ln>
+        </p:spPr>
+      </p:sp>
+      <p:sp>
+        <p:nvSpPr>
+          <p:cNvPr id="7" name="Slide Number Placeholder 6"/>
           <p:cNvSpPr>
             <a:spLocks noGrp="1"/>
           </p:cNvSpPr>
@@ -2724,7 +5166,12 @@
             <p:ph type="sldNum" sz="quarter" idx="12"/>
           </p:nvPr>
         </p:nvSpPr>
-        <p:spPr/>
+        <p:spPr>
+          <a:xfrm>
+            <a:off x="531812" y="4983087"/>
+            <a:ext cx="779767" cy="365125"/>
+          </a:xfrm>
+        </p:spPr>
         <p:txBody>
           <a:bodyPr/>
           <a:lstStyle/>
@@ -2740,7 +5187,7 @@
     </p:spTree>
     <p:extLst>
       <p:ext uri="{BB962C8B-B14F-4D97-AF65-F5344CB8AC3E}">
-        <p14:creationId xmlns:p14="http://schemas.microsoft.com/office/powerpoint/2010/main" val="1350712864"/>
+        <p14:creationId xmlns:p14="http://schemas.microsoft.com/office/powerpoint/2010/main" val="154343709"/>
       </p:ext>
     </p:extLst>
   </p:cSld>
@@ -2754,8 +5201,8 @@
 <p:sldMaster xmlns:a="http://schemas.openxmlformats.org/drawingml/2006/main" xmlns:r="http://schemas.openxmlformats.org/officeDocument/2006/relationships" xmlns:p="http://schemas.openxmlformats.org/presentationml/2006/main">
   <p:cSld>
     <p:bg>
-      <p:bgRef idx="1001">
-        <a:schemeClr val="bg1"/>
+      <p:bgRef idx="1003">
+        <a:schemeClr val="bg2"/>
       </p:bgRef>
     </p:bg>
     <p:spTree>
@@ -2772,53 +5219,1859 @@
           <a:chExt cx="0" cy="0"/>
         </a:xfrm>
       </p:grpSpPr>
-      <p:sp>
-        <p:nvSpPr>
-          <p:cNvPr id="2" name="Espace réservé du titre 1">
-            <a:extLst>
-              <a:ext uri="{FF2B5EF4-FFF2-40B4-BE49-F238E27FC236}">
-                <a16:creationId xmlns:a16="http://schemas.microsoft.com/office/drawing/2014/main" id="{8F7F1AD8-9641-4CFF-830B-44544EBF070D}"/>
-              </a:ext>
-            </a:extLst>
-          </p:cNvPr>
-          <p:cNvSpPr>
-            <a:spLocks noGrp="1"/>
-          </p:cNvSpPr>
-          <p:nvPr>
-            <p:ph type="title"/>
-          </p:nvPr>
+      <p:grpSp>
+        <p:nvGrpSpPr>
+          <p:cNvPr id="23" name="Group 22"/>
+          <p:cNvGrpSpPr/>
+          <p:nvPr/>
+        </p:nvGrpSpPr>
+        <p:grpSpPr>
+          <a:xfrm>
+            <a:off x="1" y="228600"/>
+            <a:ext cx="2851516" cy="6638628"/>
+            <a:chOff x="2487613" y="285750"/>
+            <a:chExt cx="2428875" cy="5654676"/>
+          </a:xfrm>
+        </p:grpSpPr>
+        <p:sp>
+          <p:nvSpPr>
+            <p:cNvPr id="24" name="Freeform 11"/>
+            <p:cNvSpPr/>
+            <p:nvPr/>
+          </p:nvSpPr>
+          <p:spPr bwMode="auto">
+            <a:xfrm>
+              <a:off x="2487613" y="2284413"/>
+              <a:ext cx="85725" cy="533400"/>
+            </a:xfrm>
+            <a:custGeom>
+              <a:avLst/>
+              <a:gdLst/>
+              <a:ahLst/>
+              <a:cxnLst/>
+              <a:rect l="0" t="0" r="r" b="b"/>
+              <a:pathLst>
+                <a:path w="22" h="136">
+                  <a:moveTo>
+                    <a:pt x="22" y="136"/>
+                  </a:moveTo>
+                  <a:cubicBezTo>
+                    <a:pt x="20" y="117"/>
+                    <a:pt x="19" y="99"/>
+                    <a:pt x="17" y="80"/>
+                  </a:cubicBezTo>
+                  <a:cubicBezTo>
+                    <a:pt x="11" y="54"/>
+                    <a:pt x="6" y="27"/>
+                    <a:pt x="0" y="0"/>
+                  </a:cubicBezTo>
+                  <a:cubicBezTo>
+                    <a:pt x="0" y="35"/>
+                    <a:pt x="0" y="35"/>
+                    <a:pt x="0" y="35"/>
+                  </a:cubicBezTo>
+                  <a:cubicBezTo>
+                    <a:pt x="6" y="64"/>
+                    <a:pt x="13" y="94"/>
+                    <a:pt x="20" y="124"/>
+                  </a:cubicBezTo>
+                  <a:cubicBezTo>
+                    <a:pt x="20" y="128"/>
+                    <a:pt x="21" y="132"/>
+                    <a:pt x="22" y="136"/>
+                  </a:cubicBezTo>
+                  <a:close/>
+                </a:path>
+              </a:pathLst>
+            </a:custGeom>
+            <a:solidFill>
+              <a:schemeClr val="tx2">
+                <a:alpha val="20000"/>
+              </a:schemeClr>
+            </a:solidFill>
+            <a:ln>
+              <a:noFill/>
+            </a:ln>
+          </p:spPr>
+        </p:sp>
+        <p:sp>
+          <p:nvSpPr>
+            <p:cNvPr id="25" name="Freeform 12"/>
+            <p:cNvSpPr/>
+            <p:nvPr/>
+          </p:nvSpPr>
+          <p:spPr bwMode="auto">
+            <a:xfrm>
+              <a:off x="2597151" y="2779713"/>
+              <a:ext cx="550863" cy="1978025"/>
+            </a:xfrm>
+            <a:custGeom>
+              <a:avLst/>
+              <a:gdLst/>
+              <a:ahLst/>
+              <a:cxnLst/>
+              <a:rect l="0" t="0" r="r" b="b"/>
+              <a:pathLst>
+                <a:path w="140" h="504">
+                  <a:moveTo>
+                    <a:pt x="86" y="350"/>
+                  </a:moveTo>
+                  <a:cubicBezTo>
+                    <a:pt x="103" y="402"/>
+                    <a:pt x="120" y="453"/>
+                    <a:pt x="139" y="504"/>
+                  </a:cubicBezTo>
+                  <a:cubicBezTo>
+                    <a:pt x="139" y="495"/>
+                    <a:pt x="139" y="487"/>
+                    <a:pt x="140" y="478"/>
+                  </a:cubicBezTo>
+                  <a:cubicBezTo>
+                    <a:pt x="124" y="435"/>
+                    <a:pt x="109" y="391"/>
+                    <a:pt x="95" y="347"/>
+                  </a:cubicBezTo>
+                  <a:cubicBezTo>
+                    <a:pt x="58" y="233"/>
+                    <a:pt x="27" y="117"/>
+                    <a:pt x="0" y="0"/>
+                  </a:cubicBezTo>
+                  <a:cubicBezTo>
+                    <a:pt x="2" y="20"/>
+                    <a:pt x="4" y="41"/>
+                    <a:pt x="6" y="61"/>
+                  </a:cubicBezTo>
+                  <a:cubicBezTo>
+                    <a:pt x="30" y="158"/>
+                    <a:pt x="56" y="255"/>
+                    <a:pt x="86" y="350"/>
+                  </a:cubicBezTo>
+                  <a:close/>
+                </a:path>
+              </a:pathLst>
+            </a:custGeom>
+            <a:solidFill>
+              <a:schemeClr val="tx2">
+                <a:alpha val="20000"/>
+              </a:schemeClr>
+            </a:solidFill>
+            <a:ln>
+              <a:noFill/>
+            </a:ln>
+          </p:spPr>
+        </p:sp>
+        <p:sp>
+          <p:nvSpPr>
+            <p:cNvPr id="26" name="Freeform 13"/>
+            <p:cNvSpPr/>
+            <p:nvPr/>
+          </p:nvSpPr>
+          <p:spPr bwMode="auto">
+            <a:xfrm>
+              <a:off x="3175001" y="4730750"/>
+              <a:ext cx="519113" cy="1209675"/>
+            </a:xfrm>
+            <a:custGeom>
+              <a:avLst/>
+              <a:gdLst/>
+              <a:ahLst/>
+              <a:cxnLst/>
+              <a:rect l="0" t="0" r="r" b="b"/>
+              <a:pathLst>
+                <a:path w="132" h="308">
+                  <a:moveTo>
+                    <a:pt x="8" y="22"/>
+                  </a:moveTo>
+                  <a:cubicBezTo>
+                    <a:pt x="5" y="15"/>
+                    <a:pt x="2" y="8"/>
+                    <a:pt x="0" y="0"/>
+                  </a:cubicBezTo>
+                  <a:cubicBezTo>
+                    <a:pt x="0" y="10"/>
+                    <a:pt x="0" y="19"/>
+                    <a:pt x="0" y="29"/>
+                  </a:cubicBezTo>
+                  <a:cubicBezTo>
+                    <a:pt x="21" y="85"/>
+                    <a:pt x="44" y="140"/>
+                    <a:pt x="68" y="194"/>
+                  </a:cubicBezTo>
+                  <a:cubicBezTo>
+                    <a:pt x="85" y="232"/>
+                    <a:pt x="104" y="270"/>
+                    <a:pt x="123" y="308"/>
+                  </a:cubicBezTo>
+                  <a:cubicBezTo>
+                    <a:pt x="132" y="308"/>
+                    <a:pt x="132" y="308"/>
+                    <a:pt x="132" y="308"/>
+                  </a:cubicBezTo>
+                  <a:cubicBezTo>
+                    <a:pt x="113" y="269"/>
+                    <a:pt x="94" y="230"/>
+                    <a:pt x="77" y="190"/>
+                  </a:cubicBezTo>
+                  <a:cubicBezTo>
+                    <a:pt x="52" y="135"/>
+                    <a:pt x="29" y="79"/>
+                    <a:pt x="8" y="22"/>
+                  </a:cubicBezTo>
+                  <a:close/>
+                </a:path>
+              </a:pathLst>
+            </a:custGeom>
+            <a:solidFill>
+              <a:schemeClr val="tx2">
+                <a:alpha val="20000"/>
+              </a:schemeClr>
+            </a:solidFill>
+            <a:ln>
+              <a:noFill/>
+            </a:ln>
+          </p:spPr>
+        </p:sp>
+        <p:sp>
+          <p:nvSpPr>
+            <p:cNvPr id="27" name="Freeform 14"/>
+            <p:cNvSpPr/>
+            <p:nvPr/>
+          </p:nvSpPr>
+          <p:spPr bwMode="auto">
+            <a:xfrm>
+              <a:off x="3305176" y="5630863"/>
+              <a:ext cx="146050" cy="309563"/>
+            </a:xfrm>
+            <a:custGeom>
+              <a:avLst/>
+              <a:gdLst/>
+              <a:ahLst/>
+              <a:cxnLst/>
+              <a:rect l="0" t="0" r="r" b="b"/>
+              <a:pathLst>
+                <a:path w="37" h="79">
+                  <a:moveTo>
+                    <a:pt x="28" y="79"/>
+                  </a:moveTo>
+                  <a:cubicBezTo>
+                    <a:pt x="37" y="79"/>
+                    <a:pt x="37" y="79"/>
+                    <a:pt x="37" y="79"/>
+                  </a:cubicBezTo>
+                  <a:cubicBezTo>
+                    <a:pt x="24" y="53"/>
+                    <a:pt x="12" y="27"/>
+                    <a:pt x="0" y="0"/>
+                  </a:cubicBezTo>
+                  <a:cubicBezTo>
+                    <a:pt x="8" y="27"/>
+                    <a:pt x="17" y="53"/>
+                    <a:pt x="28" y="79"/>
+                  </a:cubicBezTo>
+                  <a:close/>
+                </a:path>
+              </a:pathLst>
+            </a:custGeom>
+            <a:solidFill>
+              <a:schemeClr val="tx2">
+                <a:alpha val="20000"/>
+              </a:schemeClr>
+            </a:solidFill>
+            <a:ln>
+              <a:noFill/>
+            </a:ln>
+          </p:spPr>
+        </p:sp>
+        <p:sp>
+          <p:nvSpPr>
+            <p:cNvPr id="28" name="Freeform 15"/>
+            <p:cNvSpPr/>
+            <p:nvPr/>
+          </p:nvSpPr>
+          <p:spPr bwMode="auto">
+            <a:xfrm>
+              <a:off x="2573338" y="2817813"/>
+              <a:ext cx="700088" cy="2835275"/>
+            </a:xfrm>
+            <a:custGeom>
+              <a:avLst/>
+              <a:gdLst/>
+              <a:ahLst/>
+              <a:cxnLst/>
+              <a:rect l="0" t="0" r="r" b="b"/>
+              <a:pathLst>
+                <a:path w="178" h="722">
+                  <a:moveTo>
+                    <a:pt x="162" y="660"/>
+                  </a:moveTo>
+                  <a:cubicBezTo>
+                    <a:pt x="145" y="618"/>
+                    <a:pt x="130" y="576"/>
+                    <a:pt x="116" y="534"/>
+                  </a:cubicBezTo>
+                  <a:cubicBezTo>
+                    <a:pt x="84" y="437"/>
+                    <a:pt x="59" y="337"/>
+                    <a:pt x="40" y="236"/>
+                  </a:cubicBezTo>
+                  <a:cubicBezTo>
+                    <a:pt x="29" y="175"/>
+                    <a:pt x="20" y="113"/>
+                    <a:pt x="12" y="51"/>
+                  </a:cubicBezTo>
+                  <a:cubicBezTo>
+                    <a:pt x="8" y="34"/>
+                    <a:pt x="4" y="17"/>
+                    <a:pt x="0" y="0"/>
+                  </a:cubicBezTo>
+                  <a:cubicBezTo>
+                    <a:pt x="8" y="79"/>
+                    <a:pt x="19" y="159"/>
+                    <a:pt x="33" y="237"/>
+                  </a:cubicBezTo>
+                  <a:cubicBezTo>
+                    <a:pt x="51" y="339"/>
+                    <a:pt x="76" y="439"/>
+                    <a:pt x="107" y="537"/>
+                  </a:cubicBezTo>
+                  <a:cubicBezTo>
+                    <a:pt x="123" y="586"/>
+                    <a:pt x="141" y="634"/>
+                    <a:pt x="160" y="681"/>
+                  </a:cubicBezTo>
+                  <a:cubicBezTo>
+                    <a:pt x="166" y="695"/>
+                    <a:pt x="172" y="708"/>
+                    <a:pt x="178" y="722"/>
+                  </a:cubicBezTo>
+                  <a:cubicBezTo>
+                    <a:pt x="176" y="717"/>
+                    <a:pt x="175" y="713"/>
+                    <a:pt x="174" y="708"/>
+                  </a:cubicBezTo>
+                  <a:cubicBezTo>
+                    <a:pt x="169" y="692"/>
+                    <a:pt x="165" y="676"/>
+                    <a:pt x="162" y="660"/>
+                  </a:cubicBezTo>
+                  <a:close/>
+                </a:path>
+              </a:pathLst>
+            </a:custGeom>
+            <a:solidFill>
+              <a:schemeClr val="tx2">
+                <a:alpha val="20000"/>
+              </a:schemeClr>
+            </a:solidFill>
+            <a:ln>
+              <a:noFill/>
+            </a:ln>
+          </p:spPr>
+        </p:sp>
+        <p:sp>
+          <p:nvSpPr>
+            <p:cNvPr id="29" name="Freeform 16"/>
+            <p:cNvSpPr/>
+            <p:nvPr/>
+          </p:nvSpPr>
+          <p:spPr bwMode="auto">
+            <a:xfrm>
+              <a:off x="2506663" y="285750"/>
+              <a:ext cx="90488" cy="2493963"/>
+            </a:xfrm>
+            <a:custGeom>
+              <a:avLst/>
+              <a:gdLst/>
+              <a:ahLst/>
+              <a:cxnLst/>
+              <a:rect l="0" t="0" r="r" b="b"/>
+              <a:pathLst>
+                <a:path w="23" h="635">
+                  <a:moveTo>
+                    <a:pt x="11" y="577"/>
+                  </a:moveTo>
+                  <a:cubicBezTo>
+                    <a:pt x="12" y="581"/>
+                    <a:pt x="12" y="585"/>
+                    <a:pt x="12" y="589"/>
+                  </a:cubicBezTo>
+                  <a:cubicBezTo>
+                    <a:pt x="15" y="603"/>
+                    <a:pt x="19" y="617"/>
+                    <a:pt x="22" y="632"/>
+                  </a:cubicBezTo>
+                  <a:cubicBezTo>
+                    <a:pt x="22" y="633"/>
+                    <a:pt x="22" y="634"/>
+                    <a:pt x="23" y="635"/>
+                  </a:cubicBezTo>
+                  <a:cubicBezTo>
+                    <a:pt x="21" y="615"/>
+                    <a:pt x="19" y="596"/>
+                    <a:pt x="17" y="576"/>
+                  </a:cubicBezTo>
+                  <a:cubicBezTo>
+                    <a:pt x="9" y="474"/>
+                    <a:pt x="5" y="372"/>
+                    <a:pt x="5" y="269"/>
+                  </a:cubicBezTo>
+                  <a:cubicBezTo>
+                    <a:pt x="6" y="179"/>
+                    <a:pt x="9" y="90"/>
+                    <a:pt x="15" y="0"/>
+                  </a:cubicBezTo>
+                  <a:cubicBezTo>
+                    <a:pt x="12" y="0"/>
+                    <a:pt x="12" y="0"/>
+                    <a:pt x="12" y="0"/>
+                  </a:cubicBezTo>
+                  <a:cubicBezTo>
+                    <a:pt x="5" y="89"/>
+                    <a:pt x="2" y="179"/>
+                    <a:pt x="1" y="269"/>
+                  </a:cubicBezTo>
+                  <a:cubicBezTo>
+                    <a:pt x="0" y="372"/>
+                    <a:pt x="3" y="474"/>
+                    <a:pt x="11" y="577"/>
+                  </a:cubicBezTo>
+                  <a:close/>
+                </a:path>
+              </a:pathLst>
+            </a:custGeom>
+            <a:solidFill>
+              <a:schemeClr val="tx2">
+                <a:alpha val="20000"/>
+              </a:schemeClr>
+            </a:solidFill>
+            <a:ln>
+              <a:noFill/>
+            </a:ln>
+          </p:spPr>
+        </p:sp>
+        <p:sp>
+          <p:nvSpPr>
+            <p:cNvPr id="30" name="Freeform 17"/>
+            <p:cNvSpPr/>
+            <p:nvPr/>
+          </p:nvSpPr>
+          <p:spPr bwMode="auto">
+            <a:xfrm>
+              <a:off x="2554288" y="2598738"/>
+              <a:ext cx="66675" cy="420688"/>
+            </a:xfrm>
+            <a:custGeom>
+              <a:avLst/>
+              <a:gdLst/>
+              <a:ahLst/>
+              <a:cxnLst/>
+              <a:rect l="0" t="0" r="r" b="b"/>
+              <a:pathLst>
+                <a:path w="17" h="107">
+                  <a:moveTo>
+                    <a:pt x="0" y="0"/>
+                  </a:moveTo>
+                  <a:cubicBezTo>
+                    <a:pt x="2" y="19"/>
+                    <a:pt x="3" y="37"/>
+                    <a:pt x="5" y="56"/>
+                  </a:cubicBezTo>
+                  <a:cubicBezTo>
+                    <a:pt x="9" y="73"/>
+                    <a:pt x="13" y="90"/>
+                    <a:pt x="17" y="107"/>
+                  </a:cubicBezTo>
+                  <a:cubicBezTo>
+                    <a:pt x="15" y="87"/>
+                    <a:pt x="13" y="66"/>
+                    <a:pt x="11" y="46"/>
+                  </a:cubicBezTo>
+                  <a:cubicBezTo>
+                    <a:pt x="10" y="45"/>
+                    <a:pt x="10" y="44"/>
+                    <a:pt x="10" y="43"/>
+                  </a:cubicBezTo>
+                  <a:cubicBezTo>
+                    <a:pt x="7" y="28"/>
+                    <a:pt x="3" y="14"/>
+                    <a:pt x="0" y="0"/>
+                  </a:cubicBezTo>
+                  <a:close/>
+                </a:path>
+              </a:pathLst>
+            </a:custGeom>
+            <a:solidFill>
+              <a:schemeClr val="tx2">
+                <a:alpha val="20000"/>
+              </a:schemeClr>
+            </a:solidFill>
+            <a:ln>
+              <a:noFill/>
+            </a:ln>
+          </p:spPr>
+        </p:sp>
+        <p:sp>
+          <p:nvSpPr>
+            <p:cNvPr id="31" name="Freeform 18"/>
+            <p:cNvSpPr/>
+            <p:nvPr/>
+          </p:nvSpPr>
+          <p:spPr bwMode="auto">
+            <a:xfrm>
+              <a:off x="3143251" y="4757738"/>
+              <a:ext cx="161925" cy="873125"/>
+            </a:xfrm>
+            <a:custGeom>
+              <a:avLst/>
+              <a:gdLst/>
+              <a:ahLst/>
+              <a:cxnLst/>
+              <a:rect l="0" t="0" r="r" b="b"/>
+              <a:pathLst>
+                <a:path w="41" h="222">
+                  <a:moveTo>
+                    <a:pt x="0" y="0"/>
+                  </a:moveTo>
+                  <a:cubicBezTo>
+                    <a:pt x="0" y="31"/>
+                    <a:pt x="2" y="62"/>
+                    <a:pt x="5" y="93"/>
+                  </a:cubicBezTo>
+                  <a:cubicBezTo>
+                    <a:pt x="8" y="117"/>
+                    <a:pt x="12" y="142"/>
+                    <a:pt x="17" y="166"/>
+                  </a:cubicBezTo>
+                  <a:cubicBezTo>
+                    <a:pt x="19" y="172"/>
+                    <a:pt x="22" y="178"/>
+                    <a:pt x="24" y="184"/>
+                  </a:cubicBezTo>
+                  <a:cubicBezTo>
+                    <a:pt x="30" y="197"/>
+                    <a:pt x="35" y="209"/>
+                    <a:pt x="41" y="222"/>
+                  </a:cubicBezTo>
+                  <a:cubicBezTo>
+                    <a:pt x="40" y="219"/>
+                    <a:pt x="39" y="215"/>
+                    <a:pt x="38" y="212"/>
+                  </a:cubicBezTo>
+                  <a:cubicBezTo>
+                    <a:pt x="26" y="172"/>
+                    <a:pt x="18" y="132"/>
+                    <a:pt x="13" y="92"/>
+                  </a:cubicBezTo>
+                  <a:cubicBezTo>
+                    <a:pt x="11" y="68"/>
+                    <a:pt x="9" y="45"/>
+                    <a:pt x="8" y="22"/>
+                  </a:cubicBezTo>
+                  <a:cubicBezTo>
+                    <a:pt x="8" y="21"/>
+                    <a:pt x="7" y="20"/>
+                    <a:pt x="7" y="18"/>
+                  </a:cubicBezTo>
+                  <a:cubicBezTo>
+                    <a:pt x="5" y="12"/>
+                    <a:pt x="2" y="6"/>
+                    <a:pt x="0" y="0"/>
+                  </a:cubicBezTo>
+                  <a:close/>
+                </a:path>
+              </a:pathLst>
+            </a:custGeom>
+            <a:solidFill>
+              <a:schemeClr val="tx2">
+                <a:alpha val="20000"/>
+              </a:schemeClr>
+            </a:solidFill>
+            <a:ln>
+              <a:noFill/>
+            </a:ln>
+          </p:spPr>
+        </p:sp>
+        <p:sp>
+          <p:nvSpPr>
+            <p:cNvPr id="32" name="Freeform 19"/>
+            <p:cNvSpPr/>
+            <p:nvPr/>
+          </p:nvSpPr>
+          <p:spPr bwMode="auto">
+            <a:xfrm>
+              <a:off x="3148013" y="1282700"/>
+              <a:ext cx="1768475" cy="3448050"/>
+            </a:xfrm>
+            <a:custGeom>
+              <a:avLst/>
+              <a:gdLst/>
+              <a:ahLst/>
+              <a:cxnLst/>
+              <a:rect l="0" t="0" r="r" b="b"/>
+              <a:pathLst>
+                <a:path w="450" h="878">
+                  <a:moveTo>
+                    <a:pt x="7" y="854"/>
+                  </a:moveTo>
+                  <a:cubicBezTo>
+                    <a:pt x="10" y="772"/>
+                    <a:pt x="26" y="691"/>
+                    <a:pt x="50" y="613"/>
+                  </a:cubicBezTo>
+                  <a:cubicBezTo>
+                    <a:pt x="75" y="535"/>
+                    <a:pt x="109" y="460"/>
+                    <a:pt x="149" y="388"/>
+                  </a:cubicBezTo>
+                  <a:cubicBezTo>
+                    <a:pt x="189" y="316"/>
+                    <a:pt x="235" y="248"/>
+                    <a:pt x="285" y="183"/>
+                  </a:cubicBezTo>
+                  <a:cubicBezTo>
+                    <a:pt x="310" y="151"/>
+                    <a:pt x="337" y="119"/>
+                    <a:pt x="364" y="89"/>
+                  </a:cubicBezTo>
+                  <a:cubicBezTo>
+                    <a:pt x="378" y="74"/>
+                    <a:pt x="392" y="58"/>
+                    <a:pt x="406" y="44"/>
+                  </a:cubicBezTo>
+                  <a:cubicBezTo>
+                    <a:pt x="421" y="29"/>
+                    <a:pt x="435" y="15"/>
+                    <a:pt x="450" y="1"/>
+                  </a:cubicBezTo>
+                  <a:cubicBezTo>
+                    <a:pt x="450" y="0"/>
+                    <a:pt x="450" y="0"/>
+                    <a:pt x="450" y="0"/>
+                  </a:cubicBezTo>
+                  <a:cubicBezTo>
+                    <a:pt x="434" y="14"/>
+                    <a:pt x="420" y="28"/>
+                    <a:pt x="405" y="43"/>
+                  </a:cubicBezTo>
+                  <a:cubicBezTo>
+                    <a:pt x="391" y="57"/>
+                    <a:pt x="377" y="72"/>
+                    <a:pt x="363" y="88"/>
+                  </a:cubicBezTo>
+                  <a:cubicBezTo>
+                    <a:pt x="335" y="118"/>
+                    <a:pt x="308" y="149"/>
+                    <a:pt x="283" y="181"/>
+                  </a:cubicBezTo>
+                  <a:cubicBezTo>
+                    <a:pt x="232" y="246"/>
+                    <a:pt x="185" y="314"/>
+                    <a:pt x="145" y="386"/>
+                  </a:cubicBezTo>
+                  <a:cubicBezTo>
+                    <a:pt x="104" y="457"/>
+                    <a:pt x="70" y="533"/>
+                    <a:pt x="45" y="611"/>
+                  </a:cubicBezTo>
+                  <a:cubicBezTo>
+                    <a:pt x="19" y="690"/>
+                    <a:pt x="3" y="771"/>
+                    <a:pt x="0" y="854"/>
+                  </a:cubicBezTo>
+                  <a:cubicBezTo>
+                    <a:pt x="0" y="856"/>
+                    <a:pt x="0" y="857"/>
+                    <a:pt x="0" y="859"/>
+                  </a:cubicBezTo>
+                  <a:cubicBezTo>
+                    <a:pt x="2" y="865"/>
+                    <a:pt x="4" y="872"/>
+                    <a:pt x="7" y="878"/>
+                  </a:cubicBezTo>
+                  <a:cubicBezTo>
+                    <a:pt x="7" y="870"/>
+                    <a:pt x="7" y="862"/>
+                    <a:pt x="7" y="854"/>
+                  </a:cubicBezTo>
+                  <a:close/>
+                </a:path>
+              </a:pathLst>
+            </a:custGeom>
+            <a:solidFill>
+              <a:schemeClr val="tx2">
+                <a:alpha val="20000"/>
+              </a:schemeClr>
+            </a:solidFill>
+            <a:ln>
+              <a:noFill/>
+            </a:ln>
+          </p:spPr>
+        </p:sp>
+        <p:sp>
+          <p:nvSpPr>
+            <p:cNvPr id="33" name="Freeform 20"/>
+            <p:cNvSpPr/>
+            <p:nvPr/>
+          </p:nvSpPr>
+          <p:spPr bwMode="auto">
+            <a:xfrm>
+              <a:off x="3273426" y="5653088"/>
+              <a:ext cx="138113" cy="287338"/>
+            </a:xfrm>
+            <a:custGeom>
+              <a:avLst/>
+              <a:gdLst/>
+              <a:ahLst/>
+              <a:cxnLst/>
+              <a:rect l="0" t="0" r="r" b="b"/>
+              <a:pathLst>
+                <a:path w="35" h="73">
+                  <a:moveTo>
+                    <a:pt x="0" y="0"/>
+                  </a:moveTo>
+                  <a:cubicBezTo>
+                    <a:pt x="7" y="24"/>
+                    <a:pt x="16" y="49"/>
+                    <a:pt x="26" y="73"/>
+                  </a:cubicBezTo>
+                  <a:cubicBezTo>
+                    <a:pt x="35" y="73"/>
+                    <a:pt x="35" y="73"/>
+                    <a:pt x="35" y="73"/>
+                  </a:cubicBezTo>
+                  <a:cubicBezTo>
+                    <a:pt x="23" y="49"/>
+                    <a:pt x="11" y="24"/>
+                    <a:pt x="0" y="0"/>
+                  </a:cubicBezTo>
+                  <a:close/>
+                </a:path>
+              </a:pathLst>
+            </a:custGeom>
+            <a:solidFill>
+              <a:schemeClr val="tx2">
+                <a:alpha val="20000"/>
+              </a:schemeClr>
+            </a:solidFill>
+            <a:ln>
+              <a:noFill/>
+            </a:ln>
+          </p:spPr>
+        </p:sp>
+        <p:sp>
+          <p:nvSpPr>
+            <p:cNvPr id="34" name="Freeform 21"/>
+            <p:cNvSpPr/>
+            <p:nvPr/>
+          </p:nvSpPr>
+          <p:spPr bwMode="auto">
+            <a:xfrm>
+              <a:off x="3143251" y="4656138"/>
+              <a:ext cx="31750" cy="188913"/>
+            </a:xfrm>
+            <a:custGeom>
+              <a:avLst/>
+              <a:gdLst/>
+              <a:ahLst/>
+              <a:cxnLst/>
+              <a:rect l="0" t="0" r="r" b="b"/>
+              <a:pathLst>
+                <a:path w="8" h="48">
+                  <a:moveTo>
+                    <a:pt x="7" y="44"/>
+                  </a:moveTo>
+                  <a:cubicBezTo>
+                    <a:pt x="7" y="46"/>
+                    <a:pt x="8" y="47"/>
+                    <a:pt x="8" y="48"/>
+                  </a:cubicBezTo>
+                  <a:cubicBezTo>
+                    <a:pt x="8" y="38"/>
+                    <a:pt x="8" y="29"/>
+                    <a:pt x="8" y="19"/>
+                  </a:cubicBezTo>
+                  <a:cubicBezTo>
+                    <a:pt x="5" y="13"/>
+                    <a:pt x="3" y="6"/>
+                    <a:pt x="1" y="0"/>
+                  </a:cubicBezTo>
+                  <a:cubicBezTo>
+                    <a:pt x="0" y="9"/>
+                    <a:pt x="0" y="17"/>
+                    <a:pt x="0" y="26"/>
+                  </a:cubicBezTo>
+                  <a:cubicBezTo>
+                    <a:pt x="2" y="32"/>
+                    <a:pt x="5" y="38"/>
+                    <a:pt x="7" y="44"/>
+                  </a:cubicBezTo>
+                  <a:close/>
+                </a:path>
+              </a:pathLst>
+            </a:custGeom>
+            <a:solidFill>
+              <a:schemeClr val="tx2">
+                <a:alpha val="20000"/>
+              </a:schemeClr>
+            </a:solidFill>
+            <a:ln>
+              <a:noFill/>
+            </a:ln>
+          </p:spPr>
+        </p:sp>
+        <p:sp>
+          <p:nvSpPr>
+            <p:cNvPr id="35" name="Freeform 22"/>
+            <p:cNvSpPr/>
+            <p:nvPr/>
+          </p:nvSpPr>
+          <p:spPr bwMode="auto">
+            <a:xfrm>
+              <a:off x="3211513" y="5410200"/>
+              <a:ext cx="203200" cy="530225"/>
+            </a:xfrm>
+            <a:custGeom>
+              <a:avLst/>
+              <a:gdLst/>
+              <a:ahLst/>
+              <a:cxnLst/>
+              <a:rect l="0" t="0" r="r" b="b"/>
+              <a:pathLst>
+                <a:path w="52" h="135">
+                  <a:moveTo>
+                    <a:pt x="7" y="18"/>
+                  </a:moveTo>
+                  <a:cubicBezTo>
+                    <a:pt x="5" y="12"/>
+                    <a:pt x="2" y="6"/>
+                    <a:pt x="0" y="0"/>
+                  </a:cubicBezTo>
+                  <a:cubicBezTo>
+                    <a:pt x="3" y="16"/>
+                    <a:pt x="7" y="32"/>
+                    <a:pt x="12" y="48"/>
+                  </a:cubicBezTo>
+                  <a:cubicBezTo>
+                    <a:pt x="13" y="53"/>
+                    <a:pt x="14" y="57"/>
+                    <a:pt x="16" y="62"/>
+                  </a:cubicBezTo>
+                  <a:cubicBezTo>
+                    <a:pt x="27" y="86"/>
+                    <a:pt x="39" y="111"/>
+                    <a:pt x="51" y="135"/>
+                  </a:cubicBezTo>
+                  <a:cubicBezTo>
+                    <a:pt x="52" y="135"/>
+                    <a:pt x="52" y="135"/>
+                    <a:pt x="52" y="135"/>
+                  </a:cubicBezTo>
+                  <a:cubicBezTo>
+                    <a:pt x="41" y="109"/>
+                    <a:pt x="32" y="83"/>
+                    <a:pt x="24" y="56"/>
+                  </a:cubicBezTo>
+                  <a:cubicBezTo>
+                    <a:pt x="18" y="43"/>
+                    <a:pt x="13" y="31"/>
+                    <a:pt x="7" y="18"/>
+                  </a:cubicBezTo>
+                  <a:close/>
+                </a:path>
+              </a:pathLst>
+            </a:custGeom>
+            <a:solidFill>
+              <a:schemeClr val="tx2">
+                <a:alpha val="20000"/>
+              </a:schemeClr>
+            </a:solidFill>
+            <a:ln>
+              <a:noFill/>
+            </a:ln>
+          </p:spPr>
+        </p:sp>
+      </p:grpSp>
+      <p:grpSp>
+        <p:nvGrpSpPr>
+          <p:cNvPr id="10" name="Group 9"/>
+          <p:cNvGrpSpPr/>
+          <p:nvPr/>
+        </p:nvGrpSpPr>
+        <p:grpSpPr>
+          <a:xfrm>
+            <a:off x="27221" y="-786"/>
+            <a:ext cx="2356674" cy="6854039"/>
+            <a:chOff x="6627813" y="194833"/>
+            <a:chExt cx="1952625" cy="5678918"/>
+          </a:xfrm>
+        </p:grpSpPr>
+        <p:sp>
+          <p:nvSpPr>
+            <p:cNvPr id="11" name="Freeform 27"/>
+            <p:cNvSpPr/>
+            <p:nvPr/>
+          </p:nvSpPr>
+          <p:spPr bwMode="auto">
+            <a:xfrm>
+              <a:off x="6627813" y="194833"/>
+              <a:ext cx="409575" cy="3646488"/>
+            </a:xfrm>
+            <a:custGeom>
+              <a:avLst/>
+              <a:gdLst/>
+              <a:ahLst/>
+              <a:cxnLst/>
+              <a:rect l="0" t="0" r="r" b="b"/>
+              <a:pathLst>
+                <a:path w="103" h="920">
+                  <a:moveTo>
+                    <a:pt x="7" y="210"/>
+                  </a:moveTo>
+                  <a:cubicBezTo>
+                    <a:pt x="11" y="288"/>
+                    <a:pt x="17" y="367"/>
+                    <a:pt x="26" y="445"/>
+                  </a:cubicBezTo>
+                  <a:cubicBezTo>
+                    <a:pt x="34" y="523"/>
+                    <a:pt x="44" y="601"/>
+                    <a:pt x="57" y="679"/>
+                  </a:cubicBezTo>
+                  <a:cubicBezTo>
+                    <a:pt x="69" y="757"/>
+                    <a:pt x="84" y="834"/>
+                    <a:pt x="101" y="911"/>
+                  </a:cubicBezTo>
+                  <a:cubicBezTo>
+                    <a:pt x="102" y="914"/>
+                    <a:pt x="103" y="917"/>
+                    <a:pt x="103" y="920"/>
+                  </a:cubicBezTo>
+                  <a:cubicBezTo>
+                    <a:pt x="102" y="905"/>
+                    <a:pt x="100" y="889"/>
+                    <a:pt x="99" y="874"/>
+                  </a:cubicBezTo>
+                  <a:cubicBezTo>
+                    <a:pt x="99" y="871"/>
+                    <a:pt x="99" y="868"/>
+                    <a:pt x="99" y="866"/>
+                  </a:cubicBezTo>
+                  <a:cubicBezTo>
+                    <a:pt x="85" y="803"/>
+                    <a:pt x="73" y="741"/>
+                    <a:pt x="63" y="678"/>
+                  </a:cubicBezTo>
+                  <a:cubicBezTo>
+                    <a:pt x="50" y="600"/>
+                    <a:pt x="39" y="523"/>
+                    <a:pt x="30" y="444"/>
+                  </a:cubicBezTo>
+                  <a:cubicBezTo>
+                    <a:pt x="21" y="366"/>
+                    <a:pt x="14" y="288"/>
+                    <a:pt x="9" y="209"/>
+                  </a:cubicBezTo>
+                  <a:cubicBezTo>
+                    <a:pt x="7" y="170"/>
+                    <a:pt x="5" y="131"/>
+                    <a:pt x="3" y="92"/>
+                  </a:cubicBezTo>
+                  <a:cubicBezTo>
+                    <a:pt x="2" y="61"/>
+                    <a:pt x="1" y="31"/>
+                    <a:pt x="1" y="0"/>
+                  </a:cubicBezTo>
+                  <a:cubicBezTo>
+                    <a:pt x="0" y="0"/>
+                    <a:pt x="0" y="0"/>
+                    <a:pt x="0" y="0"/>
+                  </a:cubicBezTo>
+                  <a:cubicBezTo>
+                    <a:pt x="0" y="31"/>
+                    <a:pt x="1" y="61"/>
+                    <a:pt x="1" y="92"/>
+                  </a:cubicBezTo>
+                  <a:cubicBezTo>
+                    <a:pt x="3" y="131"/>
+                    <a:pt x="4" y="170"/>
+                    <a:pt x="7" y="210"/>
+                  </a:cubicBezTo>
+                  <a:close/>
+                </a:path>
+              </a:pathLst>
+            </a:custGeom>
+            <a:solidFill>
+              <a:schemeClr val="tx2"/>
+            </a:solidFill>
+            <a:ln>
+              <a:noFill/>
+            </a:ln>
+          </p:spPr>
+        </p:sp>
+        <p:sp>
+          <p:nvSpPr>
+            <p:cNvPr id="12" name="Freeform 28"/>
+            <p:cNvSpPr/>
+            <p:nvPr/>
+          </p:nvSpPr>
+          <p:spPr bwMode="auto">
+            <a:xfrm>
+              <a:off x="7061201" y="3771900"/>
+              <a:ext cx="350838" cy="1309688"/>
+            </a:xfrm>
+            <a:custGeom>
+              <a:avLst/>
+              <a:gdLst/>
+              <a:ahLst/>
+              <a:cxnLst/>
+              <a:rect l="0" t="0" r="r" b="b"/>
+              <a:pathLst>
+                <a:path w="88" h="330">
+                  <a:moveTo>
+                    <a:pt x="53" y="229"/>
+                  </a:moveTo>
+                  <a:cubicBezTo>
+                    <a:pt x="64" y="263"/>
+                    <a:pt x="75" y="297"/>
+                    <a:pt x="88" y="330"/>
+                  </a:cubicBezTo>
+                  <a:cubicBezTo>
+                    <a:pt x="88" y="323"/>
+                    <a:pt x="88" y="315"/>
+                    <a:pt x="88" y="308"/>
+                  </a:cubicBezTo>
+                  <a:cubicBezTo>
+                    <a:pt x="88" y="307"/>
+                    <a:pt x="88" y="305"/>
+                    <a:pt x="88" y="304"/>
+                  </a:cubicBezTo>
+                  <a:cubicBezTo>
+                    <a:pt x="79" y="278"/>
+                    <a:pt x="70" y="252"/>
+                    <a:pt x="62" y="226"/>
+                  </a:cubicBezTo>
+                  <a:cubicBezTo>
+                    <a:pt x="38" y="152"/>
+                    <a:pt x="17" y="76"/>
+                    <a:pt x="0" y="0"/>
+                  </a:cubicBezTo>
+                  <a:cubicBezTo>
+                    <a:pt x="2" y="21"/>
+                    <a:pt x="4" y="42"/>
+                    <a:pt x="7" y="63"/>
+                  </a:cubicBezTo>
+                  <a:cubicBezTo>
+                    <a:pt x="21" y="119"/>
+                    <a:pt x="36" y="174"/>
+                    <a:pt x="53" y="229"/>
+                  </a:cubicBezTo>
+                  <a:close/>
+                </a:path>
+              </a:pathLst>
+            </a:custGeom>
+            <a:solidFill>
+              <a:schemeClr val="tx2"/>
+            </a:solidFill>
+            <a:ln>
+              <a:noFill/>
+            </a:ln>
+          </p:spPr>
+        </p:sp>
+        <p:sp>
+          <p:nvSpPr>
+            <p:cNvPr id="13" name="Freeform 29"/>
+            <p:cNvSpPr/>
+            <p:nvPr/>
+          </p:nvSpPr>
+          <p:spPr bwMode="auto">
+            <a:xfrm>
+              <a:off x="7439026" y="5053013"/>
+              <a:ext cx="357188" cy="820738"/>
+            </a:xfrm>
+            <a:custGeom>
+              <a:avLst/>
+              <a:gdLst/>
+              <a:ahLst/>
+              <a:cxnLst/>
+              <a:rect l="0" t="0" r="r" b="b"/>
+              <a:pathLst>
+                <a:path w="90" h="207">
+                  <a:moveTo>
+                    <a:pt x="6" y="15"/>
+                  </a:moveTo>
+                  <a:cubicBezTo>
+                    <a:pt x="4" y="10"/>
+                    <a:pt x="2" y="5"/>
+                    <a:pt x="0" y="0"/>
+                  </a:cubicBezTo>
+                  <a:cubicBezTo>
+                    <a:pt x="0" y="9"/>
+                    <a:pt x="0" y="19"/>
+                    <a:pt x="1" y="29"/>
+                  </a:cubicBezTo>
+                  <a:cubicBezTo>
+                    <a:pt x="14" y="62"/>
+                    <a:pt x="27" y="95"/>
+                    <a:pt x="42" y="127"/>
+                  </a:cubicBezTo>
+                  <a:cubicBezTo>
+                    <a:pt x="54" y="154"/>
+                    <a:pt x="67" y="181"/>
+                    <a:pt x="80" y="207"/>
+                  </a:cubicBezTo>
+                  <a:cubicBezTo>
+                    <a:pt x="90" y="207"/>
+                    <a:pt x="90" y="207"/>
+                    <a:pt x="90" y="207"/>
+                  </a:cubicBezTo>
+                  <a:cubicBezTo>
+                    <a:pt x="76" y="180"/>
+                    <a:pt x="63" y="152"/>
+                    <a:pt x="50" y="123"/>
+                  </a:cubicBezTo>
+                  <a:cubicBezTo>
+                    <a:pt x="34" y="88"/>
+                    <a:pt x="20" y="51"/>
+                    <a:pt x="6" y="15"/>
+                  </a:cubicBezTo>
+                  <a:close/>
+                </a:path>
+              </a:pathLst>
+            </a:custGeom>
+            <a:solidFill>
+              <a:schemeClr val="tx2"/>
+            </a:solidFill>
+            <a:ln>
+              <a:noFill/>
+            </a:ln>
+          </p:spPr>
+        </p:sp>
+        <p:sp>
+          <p:nvSpPr>
+            <p:cNvPr id="14" name="Freeform 30"/>
+            <p:cNvSpPr/>
+            <p:nvPr/>
+          </p:nvSpPr>
+          <p:spPr bwMode="auto">
+            <a:xfrm>
+              <a:off x="7037388" y="3811588"/>
+              <a:ext cx="457200" cy="1852613"/>
+            </a:xfrm>
+            <a:custGeom>
+              <a:avLst/>
+              <a:gdLst/>
+              <a:ahLst/>
+              <a:cxnLst/>
+              <a:rect l="0" t="0" r="r" b="b"/>
+              <a:pathLst>
+                <a:path w="115" h="467">
+                  <a:moveTo>
+                    <a:pt x="101" y="409"/>
+                  </a:moveTo>
+                  <a:cubicBezTo>
+                    <a:pt x="93" y="388"/>
+                    <a:pt x="85" y="366"/>
+                    <a:pt x="78" y="344"/>
+                  </a:cubicBezTo>
+                  <a:cubicBezTo>
+                    <a:pt x="57" y="281"/>
+                    <a:pt x="41" y="216"/>
+                    <a:pt x="29" y="151"/>
+                  </a:cubicBezTo>
+                  <a:cubicBezTo>
+                    <a:pt x="22" y="119"/>
+                    <a:pt x="17" y="86"/>
+                    <a:pt x="13" y="53"/>
+                  </a:cubicBezTo>
+                  <a:cubicBezTo>
+                    <a:pt x="9" y="35"/>
+                    <a:pt x="4" y="18"/>
+                    <a:pt x="0" y="0"/>
+                  </a:cubicBezTo>
+                  <a:cubicBezTo>
+                    <a:pt x="5" y="51"/>
+                    <a:pt x="12" y="102"/>
+                    <a:pt x="21" y="152"/>
+                  </a:cubicBezTo>
+                  <a:cubicBezTo>
+                    <a:pt x="33" y="218"/>
+                    <a:pt x="49" y="283"/>
+                    <a:pt x="69" y="347"/>
+                  </a:cubicBezTo>
+                  <a:cubicBezTo>
+                    <a:pt x="79" y="378"/>
+                    <a:pt x="90" y="410"/>
+                    <a:pt x="103" y="441"/>
+                  </a:cubicBezTo>
+                  <a:cubicBezTo>
+                    <a:pt x="107" y="449"/>
+                    <a:pt x="111" y="458"/>
+                    <a:pt x="115" y="467"/>
+                  </a:cubicBezTo>
+                  <a:cubicBezTo>
+                    <a:pt x="114" y="464"/>
+                    <a:pt x="113" y="461"/>
+                    <a:pt x="112" y="458"/>
+                  </a:cubicBezTo>
+                  <a:cubicBezTo>
+                    <a:pt x="108" y="442"/>
+                    <a:pt x="104" y="425"/>
+                    <a:pt x="101" y="409"/>
+                  </a:cubicBezTo>
+                  <a:close/>
+                </a:path>
+              </a:pathLst>
+            </a:custGeom>
+            <a:solidFill>
+              <a:schemeClr val="tx2"/>
+            </a:solidFill>
+            <a:ln>
+              <a:noFill/>
+            </a:ln>
+          </p:spPr>
+        </p:sp>
+        <p:sp>
+          <p:nvSpPr>
+            <p:cNvPr id="15" name="Freeform 31"/>
+            <p:cNvSpPr/>
+            <p:nvPr/>
+          </p:nvSpPr>
+          <p:spPr bwMode="auto">
+            <a:xfrm>
+              <a:off x="6992938" y="1263650"/>
+              <a:ext cx="144463" cy="2508250"/>
+            </a:xfrm>
+            <a:custGeom>
+              <a:avLst/>
+              <a:gdLst/>
+              <a:ahLst/>
+              <a:cxnLst/>
+              <a:rect l="0" t="0" r="r" b="b"/>
+              <a:pathLst>
+                <a:path w="36" h="633">
+                  <a:moveTo>
+                    <a:pt x="17" y="633"/>
+                  </a:moveTo>
+                  <a:cubicBezTo>
+                    <a:pt x="15" y="621"/>
+                    <a:pt x="14" y="609"/>
+                    <a:pt x="13" y="597"/>
+                  </a:cubicBezTo>
+                  <a:cubicBezTo>
+                    <a:pt x="8" y="530"/>
+                    <a:pt x="5" y="464"/>
+                    <a:pt x="5" y="398"/>
+                  </a:cubicBezTo>
+                  <a:cubicBezTo>
+                    <a:pt x="5" y="331"/>
+                    <a:pt x="8" y="265"/>
+                    <a:pt x="13" y="198"/>
+                  </a:cubicBezTo>
+                  <a:cubicBezTo>
+                    <a:pt x="15" y="165"/>
+                    <a:pt x="18" y="132"/>
+                    <a:pt x="22" y="99"/>
+                  </a:cubicBezTo>
+                  <a:cubicBezTo>
+                    <a:pt x="26" y="66"/>
+                    <a:pt x="30" y="33"/>
+                    <a:pt x="36" y="0"/>
+                  </a:cubicBezTo>
+                  <a:cubicBezTo>
+                    <a:pt x="35" y="0"/>
+                    <a:pt x="35" y="0"/>
+                    <a:pt x="35" y="0"/>
+                  </a:cubicBezTo>
+                  <a:cubicBezTo>
+                    <a:pt x="29" y="33"/>
+                    <a:pt x="24" y="66"/>
+                    <a:pt x="20" y="99"/>
+                  </a:cubicBezTo>
+                  <a:cubicBezTo>
+                    <a:pt x="16" y="132"/>
+                    <a:pt x="13" y="165"/>
+                    <a:pt x="10" y="198"/>
+                  </a:cubicBezTo>
+                  <a:cubicBezTo>
+                    <a:pt x="4" y="264"/>
+                    <a:pt x="1" y="331"/>
+                    <a:pt x="1" y="398"/>
+                  </a:cubicBezTo>
+                  <a:cubicBezTo>
+                    <a:pt x="0" y="461"/>
+                    <a:pt x="2" y="525"/>
+                    <a:pt x="7" y="589"/>
+                  </a:cubicBezTo>
+                  <a:cubicBezTo>
+                    <a:pt x="10" y="603"/>
+                    <a:pt x="13" y="618"/>
+                    <a:pt x="16" y="632"/>
+                  </a:cubicBezTo>
+                  <a:cubicBezTo>
+                    <a:pt x="16" y="632"/>
+                    <a:pt x="17" y="633"/>
+                    <a:pt x="17" y="633"/>
+                  </a:cubicBezTo>
+                  <a:close/>
+                </a:path>
+              </a:pathLst>
+            </a:custGeom>
+            <a:solidFill>
+              <a:schemeClr val="tx2"/>
+            </a:solidFill>
+            <a:ln>
+              <a:noFill/>
+            </a:ln>
+          </p:spPr>
+        </p:sp>
+        <p:sp>
+          <p:nvSpPr>
+            <p:cNvPr id="16" name="Freeform 32"/>
+            <p:cNvSpPr/>
+            <p:nvPr/>
+          </p:nvSpPr>
+          <p:spPr bwMode="auto">
+            <a:xfrm>
+              <a:off x="7526338" y="5640388"/>
+              <a:ext cx="111125" cy="233363"/>
+            </a:xfrm>
+            <a:custGeom>
+              <a:avLst/>
+              <a:gdLst/>
+              <a:ahLst/>
+              <a:cxnLst/>
+              <a:rect l="0" t="0" r="r" b="b"/>
+              <a:pathLst>
+                <a:path w="28" h="59">
+                  <a:moveTo>
+                    <a:pt x="22" y="59"/>
+                  </a:moveTo>
+                  <a:cubicBezTo>
+                    <a:pt x="28" y="59"/>
+                    <a:pt x="28" y="59"/>
+                    <a:pt x="28" y="59"/>
+                  </a:cubicBezTo>
+                  <a:cubicBezTo>
+                    <a:pt x="18" y="40"/>
+                    <a:pt x="9" y="20"/>
+                    <a:pt x="0" y="0"/>
+                  </a:cubicBezTo>
+                  <a:cubicBezTo>
+                    <a:pt x="6" y="20"/>
+                    <a:pt x="13" y="40"/>
+                    <a:pt x="22" y="59"/>
+                  </a:cubicBezTo>
+                  <a:close/>
+                </a:path>
+              </a:pathLst>
+            </a:custGeom>
+            <a:solidFill>
+              <a:schemeClr val="tx2"/>
+            </a:solidFill>
+            <a:ln>
+              <a:noFill/>
+            </a:ln>
+          </p:spPr>
+        </p:sp>
+        <p:sp>
+          <p:nvSpPr>
+            <p:cNvPr id="17" name="Freeform 33"/>
+            <p:cNvSpPr/>
+            <p:nvPr/>
+          </p:nvSpPr>
+          <p:spPr bwMode="auto">
+            <a:xfrm>
+              <a:off x="7021513" y="3598863"/>
+              <a:ext cx="68263" cy="423863"/>
+            </a:xfrm>
+            <a:custGeom>
+              <a:avLst/>
+              <a:gdLst/>
+              <a:ahLst/>
+              <a:cxnLst/>
+              <a:rect l="0" t="0" r="r" b="b"/>
+              <a:pathLst>
+                <a:path w="17" h="107">
+                  <a:moveTo>
+                    <a:pt x="4" y="54"/>
+                  </a:moveTo>
+                  <a:cubicBezTo>
+                    <a:pt x="8" y="72"/>
+                    <a:pt x="13" y="89"/>
+                    <a:pt x="17" y="107"/>
+                  </a:cubicBezTo>
+                  <a:cubicBezTo>
+                    <a:pt x="14" y="86"/>
+                    <a:pt x="12" y="65"/>
+                    <a:pt x="10" y="44"/>
+                  </a:cubicBezTo>
+                  <a:cubicBezTo>
+                    <a:pt x="10" y="44"/>
+                    <a:pt x="9" y="43"/>
+                    <a:pt x="9" y="43"/>
+                  </a:cubicBezTo>
+                  <a:cubicBezTo>
+                    <a:pt x="6" y="29"/>
+                    <a:pt x="3" y="14"/>
+                    <a:pt x="0" y="0"/>
+                  </a:cubicBezTo>
+                  <a:cubicBezTo>
+                    <a:pt x="0" y="2"/>
+                    <a:pt x="0" y="5"/>
+                    <a:pt x="0" y="8"/>
+                  </a:cubicBezTo>
+                  <a:cubicBezTo>
+                    <a:pt x="1" y="23"/>
+                    <a:pt x="3" y="39"/>
+                    <a:pt x="4" y="54"/>
+                  </a:cubicBezTo>
+                  <a:close/>
+                </a:path>
+              </a:pathLst>
+            </a:custGeom>
+            <a:solidFill>
+              <a:schemeClr val="tx2"/>
+            </a:solidFill>
+            <a:ln>
+              <a:noFill/>
+            </a:ln>
+          </p:spPr>
+        </p:sp>
+        <p:sp>
+          <p:nvSpPr>
+            <p:cNvPr id="18" name="Freeform 34"/>
+            <p:cNvSpPr/>
+            <p:nvPr/>
+          </p:nvSpPr>
+          <p:spPr bwMode="auto">
+            <a:xfrm>
+              <a:off x="7412038" y="2801938"/>
+              <a:ext cx="1168400" cy="2251075"/>
+            </a:xfrm>
+            <a:custGeom>
+              <a:avLst/>
+              <a:gdLst/>
+              <a:ahLst/>
+              <a:cxnLst/>
+              <a:rect l="0" t="0" r="r" b="b"/>
+              <a:pathLst>
+                <a:path w="294" h="568">
+                  <a:moveTo>
+                    <a:pt x="8" y="553"/>
+                  </a:moveTo>
+                  <a:cubicBezTo>
+                    <a:pt x="9" y="501"/>
+                    <a:pt x="19" y="448"/>
+                    <a:pt x="35" y="397"/>
+                  </a:cubicBezTo>
+                  <a:cubicBezTo>
+                    <a:pt x="51" y="347"/>
+                    <a:pt x="73" y="298"/>
+                    <a:pt x="99" y="252"/>
+                  </a:cubicBezTo>
+                  <a:cubicBezTo>
+                    <a:pt x="124" y="205"/>
+                    <a:pt x="154" y="161"/>
+                    <a:pt x="187" y="119"/>
+                  </a:cubicBezTo>
+                  <a:cubicBezTo>
+                    <a:pt x="203" y="98"/>
+                    <a:pt x="220" y="77"/>
+                    <a:pt x="238" y="58"/>
+                  </a:cubicBezTo>
+                  <a:cubicBezTo>
+                    <a:pt x="247" y="48"/>
+                    <a:pt x="256" y="38"/>
+                    <a:pt x="265" y="28"/>
+                  </a:cubicBezTo>
+                  <a:cubicBezTo>
+                    <a:pt x="274" y="19"/>
+                    <a:pt x="284" y="9"/>
+                    <a:pt x="294" y="0"/>
+                  </a:cubicBezTo>
+                  <a:cubicBezTo>
+                    <a:pt x="293" y="0"/>
+                    <a:pt x="293" y="0"/>
+                    <a:pt x="293" y="0"/>
+                  </a:cubicBezTo>
+                  <a:cubicBezTo>
+                    <a:pt x="283" y="9"/>
+                    <a:pt x="273" y="18"/>
+                    <a:pt x="264" y="27"/>
+                  </a:cubicBezTo>
+                  <a:cubicBezTo>
+                    <a:pt x="255" y="37"/>
+                    <a:pt x="246" y="47"/>
+                    <a:pt x="237" y="56"/>
+                  </a:cubicBezTo>
+                  <a:cubicBezTo>
+                    <a:pt x="218" y="76"/>
+                    <a:pt x="201" y="96"/>
+                    <a:pt x="185" y="117"/>
+                  </a:cubicBezTo>
+                  <a:cubicBezTo>
+                    <a:pt x="151" y="159"/>
+                    <a:pt x="121" y="203"/>
+                    <a:pt x="95" y="249"/>
+                  </a:cubicBezTo>
+                  <a:cubicBezTo>
+                    <a:pt x="68" y="296"/>
+                    <a:pt x="46" y="345"/>
+                    <a:pt x="30" y="396"/>
+                  </a:cubicBezTo>
+                  <a:cubicBezTo>
+                    <a:pt x="13" y="445"/>
+                    <a:pt x="3" y="497"/>
+                    <a:pt x="0" y="549"/>
+                  </a:cubicBezTo>
+                  <a:cubicBezTo>
+                    <a:pt x="3" y="555"/>
+                    <a:pt x="5" y="561"/>
+                    <a:pt x="7" y="568"/>
+                  </a:cubicBezTo>
+                  <a:cubicBezTo>
+                    <a:pt x="7" y="563"/>
+                    <a:pt x="7" y="558"/>
+                    <a:pt x="8" y="553"/>
+                  </a:cubicBezTo>
+                  <a:close/>
+                </a:path>
+              </a:pathLst>
+            </a:custGeom>
+            <a:solidFill>
+              <a:schemeClr val="tx2"/>
+            </a:solidFill>
+            <a:ln>
+              <a:noFill/>
+            </a:ln>
+          </p:spPr>
+        </p:sp>
+        <p:sp>
+          <p:nvSpPr>
+            <p:cNvPr id="19" name="Freeform 35"/>
+            <p:cNvSpPr/>
+            <p:nvPr/>
+          </p:nvSpPr>
+          <p:spPr bwMode="auto">
+            <a:xfrm>
+              <a:off x="7494588" y="5664200"/>
+              <a:ext cx="100013" cy="209550"/>
+            </a:xfrm>
+            <a:custGeom>
+              <a:avLst/>
+              <a:gdLst/>
+              <a:ahLst/>
+              <a:cxnLst/>
+              <a:rect l="0" t="0" r="r" b="b"/>
+              <a:pathLst>
+                <a:path w="25" h="53">
+                  <a:moveTo>
+                    <a:pt x="0" y="0"/>
+                  </a:moveTo>
+                  <a:cubicBezTo>
+                    <a:pt x="5" y="18"/>
+                    <a:pt x="12" y="36"/>
+                    <a:pt x="19" y="53"/>
+                  </a:cubicBezTo>
+                  <a:cubicBezTo>
+                    <a:pt x="25" y="53"/>
+                    <a:pt x="25" y="53"/>
+                    <a:pt x="25" y="53"/>
+                  </a:cubicBezTo>
+                  <a:cubicBezTo>
+                    <a:pt x="16" y="36"/>
+                    <a:pt x="8" y="18"/>
+                    <a:pt x="0" y="0"/>
+                  </a:cubicBezTo>
+                  <a:close/>
+                </a:path>
+              </a:pathLst>
+            </a:custGeom>
+            <a:solidFill>
+              <a:schemeClr val="tx2"/>
+            </a:solidFill>
+            <a:ln>
+              <a:noFill/>
+            </a:ln>
+          </p:spPr>
+        </p:sp>
+        <p:sp>
+          <p:nvSpPr>
+            <p:cNvPr id="20" name="Freeform 36"/>
+            <p:cNvSpPr/>
+            <p:nvPr/>
+          </p:nvSpPr>
+          <p:spPr bwMode="auto">
+            <a:xfrm>
+              <a:off x="7412038" y="5081588"/>
+              <a:ext cx="114300" cy="558800"/>
+            </a:xfrm>
+            <a:custGeom>
+              <a:avLst/>
+              <a:gdLst/>
+              <a:ahLst/>
+              <a:cxnLst/>
+              <a:rect l="0" t="0" r="r" b="b"/>
+              <a:pathLst>
+                <a:path w="29" h="141">
+                  <a:moveTo>
+                    <a:pt x="0" y="0"/>
+                  </a:moveTo>
+                  <a:cubicBezTo>
+                    <a:pt x="0" y="30"/>
+                    <a:pt x="2" y="60"/>
+                    <a:pt x="7" y="89"/>
+                  </a:cubicBezTo>
+                  <a:cubicBezTo>
+                    <a:pt x="11" y="98"/>
+                    <a:pt x="14" y="108"/>
+                    <a:pt x="18" y="117"/>
+                  </a:cubicBezTo>
+                  <a:cubicBezTo>
+                    <a:pt x="22" y="125"/>
+                    <a:pt x="25" y="133"/>
+                    <a:pt x="29" y="141"/>
+                  </a:cubicBezTo>
+                  <a:cubicBezTo>
+                    <a:pt x="28" y="139"/>
+                    <a:pt x="28" y="137"/>
+                    <a:pt x="27" y="135"/>
+                  </a:cubicBezTo>
+                  <a:cubicBezTo>
+                    <a:pt x="16" y="98"/>
+                    <a:pt x="10" y="60"/>
+                    <a:pt x="8" y="22"/>
+                  </a:cubicBezTo>
+                  <a:cubicBezTo>
+                    <a:pt x="7" y="18"/>
+                    <a:pt x="5" y="15"/>
+                    <a:pt x="4" y="11"/>
+                  </a:cubicBezTo>
+                  <a:cubicBezTo>
+                    <a:pt x="2" y="7"/>
+                    <a:pt x="1" y="3"/>
+                    <a:pt x="0" y="0"/>
+                  </a:cubicBezTo>
+                  <a:close/>
+                </a:path>
+              </a:pathLst>
+            </a:custGeom>
+            <a:solidFill>
+              <a:schemeClr val="tx2"/>
+            </a:solidFill>
+            <a:ln>
+              <a:noFill/>
+            </a:ln>
+          </p:spPr>
+        </p:sp>
+        <p:sp>
+          <p:nvSpPr>
+            <p:cNvPr id="21" name="Freeform 37"/>
+            <p:cNvSpPr/>
+            <p:nvPr/>
+          </p:nvSpPr>
+          <p:spPr bwMode="auto">
+            <a:xfrm>
+              <a:off x="7412038" y="4978400"/>
+              <a:ext cx="31750" cy="188913"/>
+            </a:xfrm>
+            <a:custGeom>
+              <a:avLst/>
+              <a:gdLst/>
+              <a:ahLst/>
+              <a:cxnLst/>
+              <a:rect l="0" t="0" r="r" b="b"/>
+              <a:pathLst>
+                <a:path w="8" h="48">
+                  <a:moveTo>
+                    <a:pt x="0" y="26"/>
+                  </a:moveTo>
+                  <a:cubicBezTo>
+                    <a:pt x="1" y="29"/>
+                    <a:pt x="2" y="33"/>
+                    <a:pt x="4" y="37"/>
+                  </a:cubicBezTo>
+                  <a:cubicBezTo>
+                    <a:pt x="5" y="41"/>
+                    <a:pt x="7" y="44"/>
+                    <a:pt x="8" y="48"/>
+                  </a:cubicBezTo>
+                  <a:cubicBezTo>
+                    <a:pt x="7" y="38"/>
+                    <a:pt x="7" y="28"/>
+                    <a:pt x="7" y="19"/>
+                  </a:cubicBezTo>
+                  <a:cubicBezTo>
+                    <a:pt x="5" y="12"/>
+                    <a:pt x="3" y="6"/>
+                    <a:pt x="0" y="0"/>
+                  </a:cubicBezTo>
+                  <a:cubicBezTo>
+                    <a:pt x="0" y="1"/>
+                    <a:pt x="0" y="3"/>
+                    <a:pt x="0" y="4"/>
+                  </a:cubicBezTo>
+                  <a:cubicBezTo>
+                    <a:pt x="0" y="11"/>
+                    <a:pt x="0" y="19"/>
+                    <a:pt x="0" y="26"/>
+                  </a:cubicBezTo>
+                  <a:close/>
+                </a:path>
+              </a:pathLst>
+            </a:custGeom>
+            <a:solidFill>
+              <a:schemeClr val="tx2"/>
+            </a:solidFill>
+            <a:ln>
+              <a:noFill/>
+            </a:ln>
+          </p:spPr>
+        </p:sp>
+        <p:sp>
+          <p:nvSpPr>
+            <p:cNvPr id="22" name="Freeform 38"/>
+            <p:cNvSpPr/>
+            <p:nvPr/>
+          </p:nvSpPr>
+          <p:spPr bwMode="auto">
+            <a:xfrm>
+              <a:off x="7439026" y="5434013"/>
+              <a:ext cx="174625" cy="439738"/>
+            </a:xfrm>
+            <a:custGeom>
+              <a:avLst/>
+              <a:gdLst/>
+              <a:ahLst/>
+              <a:cxnLst/>
+              <a:rect l="0" t="0" r="r" b="b"/>
+              <a:pathLst>
+                <a:path w="44" h="111">
+                  <a:moveTo>
+                    <a:pt x="11" y="28"/>
+                  </a:moveTo>
+                  <a:cubicBezTo>
+                    <a:pt x="7" y="19"/>
+                    <a:pt x="4" y="9"/>
+                    <a:pt x="0" y="0"/>
+                  </a:cubicBezTo>
+                  <a:cubicBezTo>
+                    <a:pt x="3" y="16"/>
+                    <a:pt x="7" y="33"/>
+                    <a:pt x="11" y="49"/>
+                  </a:cubicBezTo>
+                  <a:cubicBezTo>
+                    <a:pt x="12" y="52"/>
+                    <a:pt x="13" y="55"/>
+                    <a:pt x="14" y="58"/>
+                  </a:cubicBezTo>
+                  <a:cubicBezTo>
+                    <a:pt x="22" y="76"/>
+                    <a:pt x="30" y="94"/>
+                    <a:pt x="39" y="111"/>
+                  </a:cubicBezTo>
+                  <a:cubicBezTo>
+                    <a:pt x="44" y="111"/>
+                    <a:pt x="44" y="111"/>
+                    <a:pt x="44" y="111"/>
+                  </a:cubicBezTo>
+                  <a:cubicBezTo>
+                    <a:pt x="35" y="92"/>
+                    <a:pt x="28" y="72"/>
+                    <a:pt x="22" y="52"/>
+                  </a:cubicBezTo>
+                  <a:cubicBezTo>
+                    <a:pt x="18" y="44"/>
+                    <a:pt x="15" y="36"/>
+                    <a:pt x="11" y="28"/>
+                  </a:cubicBezTo>
+                  <a:close/>
+                </a:path>
+              </a:pathLst>
+            </a:custGeom>
+            <a:solidFill>
+              <a:schemeClr val="tx2"/>
+            </a:solidFill>
+            <a:ln>
+              <a:noFill/>
+            </a:ln>
+          </p:spPr>
+        </p:sp>
+      </p:grpSp>
+      <p:sp>
+        <p:nvSpPr>
+          <p:cNvPr id="7" name="Rectangle 6"/>
+          <p:cNvSpPr/>
+          <p:nvPr/>
         </p:nvSpPr>
         <p:spPr>
           <a:xfrm>
-            <a:off x="838200" y="365125"/>
-            <a:ext cx="10515600" cy="1325563"/>
+            <a:off x="0" y="0"/>
+            <a:ext cx="182880" cy="6858000"/>
+          </a:xfrm>
+          <a:prstGeom prst="rect">
+            <a:avLst/>
+          </a:prstGeom>
+          <a:solidFill>
+            <a:schemeClr val="tx2"/>
+          </a:solidFill>
+          <a:ln>
+            <a:noFill/>
+          </a:ln>
+          <a:effectLst/>
+        </p:spPr>
+        <p:style>
+          <a:lnRef idx="1">
+            <a:schemeClr val="accent1"/>
+          </a:lnRef>
+          <a:fillRef idx="3">
+            <a:schemeClr val="accent1"/>
+          </a:fillRef>
+          <a:effectRef idx="2">
+            <a:schemeClr val="accent1"/>
+          </a:effectRef>
+          <a:fontRef idx="minor">
+            <a:schemeClr val="lt1"/>
+          </a:fontRef>
+        </p:style>
+      </p:sp>
+      <p:sp>
+        <p:nvSpPr>
+          <p:cNvPr id="2" name="Title Placeholder 1"/>
+          <p:cNvSpPr>
+            <a:spLocks noGrp="1"/>
+          </p:cNvSpPr>
+          <p:nvPr>
+            <p:ph type="title"/>
+          </p:nvPr>
+        </p:nvSpPr>
+        <p:spPr>
+          <a:xfrm>
+            <a:off x="2592924" y="624110"/>
+            <a:ext cx="8911687" cy="1280890"/>
           </a:xfrm>
           <a:prstGeom prst="rect">
             <a:avLst/>
           </a:prstGeom>
         </p:spPr>
         <p:txBody>
-          <a:bodyPr vert="horz" lIns="91440" tIns="45720" rIns="91440" bIns="45720" rtlCol="0" anchor="ctr">
+          <a:bodyPr vert="horz" lIns="91440" tIns="45720" rIns="91440" bIns="45720" rtlCol="0" anchor="t">
             <a:normAutofit/>
           </a:bodyPr>
           <a:lstStyle/>
           <a:p>
             <a:r>
-              <a:rPr lang="fr-FR"/>
+              <a:rPr lang="fr-FR" smtClean="0"/>
               <a:t>Modifiez le style du titre</a:t>
             </a:r>
-          </a:p>
-        </p:txBody>
-      </p:sp>
-      <p:sp>
-        <p:nvSpPr>
-          <p:cNvPr id="3" name="Espace réservé du texte 2">
-            <a:extLst>
-              <a:ext uri="{FF2B5EF4-FFF2-40B4-BE49-F238E27FC236}">
-                <a16:creationId xmlns:a16="http://schemas.microsoft.com/office/drawing/2014/main" id="{A41EB0EA-BE25-4958-A262-C53E2CC63416}"/>
-              </a:ext>
-            </a:extLst>
-          </p:cNvPr>
+            <a:endParaRPr lang="en-US" dirty="0"/>
+          </a:p>
+        </p:txBody>
+      </p:sp>
+      <p:sp>
+        <p:nvSpPr>
+          <p:cNvPr id="3" name="Text Placeholder 2"/>
           <p:cNvSpPr>
             <a:spLocks noGrp="1"/>
           </p:cNvSpPr>
@@ -2828,8 +7081,8 @@
         </p:nvSpPr>
         <p:spPr>
           <a:xfrm>
-            <a:off x="838200" y="1825625"/>
-            <a:ext cx="10515600" cy="4351338"/>
+            <a:off x="2589212" y="2133600"/>
+            <a:ext cx="8915400" cy="3886200"/>
           </a:xfrm>
           <a:prstGeom prst="rect">
             <a:avLst/>
@@ -2843,49 +7096,44 @@
           <a:p>
             <a:pPr lvl="0"/>
             <a:r>
-              <a:rPr lang="fr-FR"/>
-              <a:t>Modifier les styles du texte du masque</a:t>
+              <a:rPr lang="fr-FR" smtClean="0"/>
+              <a:t>Modifiez les styles du texte du masque</a:t>
             </a:r>
           </a:p>
           <a:p>
             <a:pPr lvl="1"/>
             <a:r>
-              <a:rPr lang="fr-FR"/>
+              <a:rPr lang="fr-FR" smtClean="0"/>
               <a:t>Deuxième niveau</a:t>
             </a:r>
           </a:p>
           <a:p>
             <a:pPr lvl="2"/>
             <a:r>
-              <a:rPr lang="fr-FR"/>
+              <a:rPr lang="fr-FR" smtClean="0"/>
               <a:t>Troisième niveau</a:t>
             </a:r>
           </a:p>
           <a:p>
             <a:pPr lvl="3"/>
             <a:r>
-              <a:rPr lang="fr-FR"/>
+              <a:rPr lang="fr-FR" smtClean="0"/>
               <a:t>Quatrième niveau</a:t>
             </a:r>
           </a:p>
           <a:p>
             <a:pPr lvl="4"/>
             <a:r>
-              <a:rPr lang="fr-FR"/>
+              <a:rPr lang="fr-FR" smtClean="0"/>
               <a:t>Cinquième niveau</a:t>
             </a:r>
-          </a:p>
-        </p:txBody>
-      </p:sp>
-      <p:sp>
-        <p:nvSpPr>
-          <p:cNvPr id="4" name="Espace réservé de la date 3">
-            <a:extLst>
-              <a:ext uri="{FF2B5EF4-FFF2-40B4-BE49-F238E27FC236}">
-                <a16:creationId xmlns:a16="http://schemas.microsoft.com/office/drawing/2014/main" id="{B66B9829-5F22-42C3-87D5-F2BED6B56C58}"/>
-              </a:ext>
-            </a:extLst>
-          </p:cNvPr>
+            <a:endParaRPr lang="en-US" dirty="0"/>
+          </a:p>
+        </p:txBody>
+      </p:sp>
+      <p:sp>
+        <p:nvSpPr>
+          <p:cNvPr id="4" name="Date Placeholder 3"/>
           <p:cNvSpPr>
             <a:spLocks noGrp="1"/>
           </p:cNvSpPr>
@@ -2895,8 +7143,8 @@
         </p:nvSpPr>
         <p:spPr>
           <a:xfrm>
-            <a:off x="838200" y="6356350"/>
-            <a:ext cx="2743200" cy="365125"/>
+            <a:off x="10361612" y="6130437"/>
+            <a:ext cx="1146283" cy="370396"/>
           </a:xfrm>
           <a:prstGeom prst="rect">
             <a:avLst/>
@@ -2905,8 +7153,8 @@
         <p:txBody>
           <a:bodyPr vert="horz" lIns="91440" tIns="45720" rIns="91440" bIns="45720" rtlCol="0" anchor="ctr"/>
           <a:lstStyle>
-            <a:lvl1pPr algn="l">
-              <a:defRPr sz="1200">
+            <a:lvl1pPr algn="r">
+              <a:defRPr sz="900">
                 <a:solidFill>
                   <a:schemeClr val="tx1">
                     <a:tint val="75000"/>
@@ -2926,13 +7174,7 @@
       </p:sp>
       <p:sp>
         <p:nvSpPr>
-          <p:cNvPr id="5" name="Espace réservé du pied de page 4">
-            <a:extLst>
-              <a:ext uri="{FF2B5EF4-FFF2-40B4-BE49-F238E27FC236}">
-                <a16:creationId xmlns:a16="http://schemas.microsoft.com/office/drawing/2014/main" id="{7C9D3E97-8664-4642-B4AF-8320C5CE965D}"/>
-              </a:ext>
-            </a:extLst>
-          </p:cNvPr>
+          <p:cNvPr id="5" name="Footer Placeholder 4"/>
           <p:cNvSpPr>
             <a:spLocks noGrp="1"/>
           </p:cNvSpPr>
@@ -2942,8 +7184,8 @@
         </p:nvSpPr>
         <p:spPr>
           <a:xfrm>
-            <a:off x="4038600" y="6356350"/>
-            <a:ext cx="4114800" cy="365125"/>
+            <a:off x="2589212" y="6135808"/>
+            <a:ext cx="7619999" cy="365125"/>
           </a:xfrm>
           <a:prstGeom prst="rect">
             <a:avLst/>
@@ -2952,8 +7194,8 @@
         <p:txBody>
           <a:bodyPr vert="horz" lIns="91440" tIns="45720" rIns="91440" bIns="45720" rtlCol="0" anchor="ctr"/>
           <a:lstStyle>
-            <a:lvl1pPr algn="ctr">
-              <a:defRPr sz="1200">
+            <a:lvl1pPr algn="l">
+              <a:defRPr sz="900">
                 <a:solidFill>
                   <a:schemeClr val="tx1">
                     <a:tint val="75000"/>
@@ -2969,13 +7211,7 @@
       </p:sp>
       <p:sp>
         <p:nvSpPr>
-          <p:cNvPr id="6" name="Espace réservé du numéro de diapositive 5">
-            <a:extLst>
-              <a:ext uri="{FF2B5EF4-FFF2-40B4-BE49-F238E27FC236}">
-                <a16:creationId xmlns:a16="http://schemas.microsoft.com/office/drawing/2014/main" id="{8634E563-BA8A-461D-B742-8B6B4CD6D8B1}"/>
-              </a:ext>
-            </a:extLst>
-          </p:cNvPr>
+          <p:cNvPr id="6" name="Slide Number Placeholder 5"/>
           <p:cNvSpPr>
             <a:spLocks noGrp="1"/>
           </p:cNvSpPr>
@@ -2983,10 +7219,10 @@
             <p:ph type="sldNum" sz="quarter" idx="4"/>
           </p:nvPr>
         </p:nvSpPr>
-        <p:spPr>
+        <p:spPr bwMode="gray">
           <a:xfrm>
-            <a:off x="8610600" y="6356350"/>
-            <a:ext cx="2743200" cy="365125"/>
+            <a:off x="531812" y="787782"/>
+            <a:ext cx="779767" cy="365125"/>
           </a:xfrm>
           <a:prstGeom prst="rect">
             <a:avLst/>
@@ -2996,11 +7232,9 @@
           <a:bodyPr vert="horz" lIns="91440" tIns="45720" rIns="91440" bIns="45720" rtlCol="0" anchor="ctr"/>
           <a:lstStyle>
             <a:lvl1pPr algn="r">
-              <a:defRPr sz="1200">
+              <a:defRPr sz="2000">
                 <a:solidFill>
-                  <a:schemeClr val="tx1">
-                    <a:tint val="75000"/>
-                  </a:schemeClr>
+                  <a:srgbClr val="FEFFFF"/>
                 </a:solidFill>
               </a:defRPr>
             </a:lvl1pPr>
@@ -3017,55 +7251,329 @@
     </p:spTree>
     <p:extLst>
       <p:ext uri="{BB962C8B-B14F-4D97-AF65-F5344CB8AC3E}">
-        <p14:creationId xmlns:p14="http://schemas.microsoft.com/office/powerpoint/2010/main" val="2578274332"/>
+        <p14:creationId xmlns:p14="http://schemas.microsoft.com/office/powerpoint/2010/main" val="1775326174"/>
       </p:ext>
     </p:extLst>
   </p:cSld>
   <p:clrMap bg1="lt1" tx1="dk1" bg2="lt2" tx2="dk2" accent1="accent1" accent2="accent2" accent3="accent3" accent4="accent4" accent5="accent5" accent6="accent6" hlink="hlink" folHlink="folHlink"/>
   <p:sldLayoutIdLst>
-    <p:sldLayoutId id="2147483649" r:id="rId1"/>
-    <p:sldLayoutId id="2147483650" r:id="rId2"/>
-    <p:sldLayoutId id="2147483651" r:id="rId3"/>
-    <p:sldLayoutId id="2147483652" r:id="rId4"/>
-    <p:sldLayoutId id="2147483653" r:id="rId5"/>
-    <p:sldLayoutId id="2147483654" r:id="rId6"/>
-    <p:sldLayoutId id="2147483655" r:id="rId7"/>
-    <p:sldLayoutId id="2147483656" r:id="rId8"/>
-    <p:sldLayoutId id="2147483657" r:id="rId9"/>
-    <p:sldLayoutId id="2147483658" r:id="rId10"/>
-    <p:sldLayoutId id="2147483659" r:id="rId11"/>
+    <p:sldLayoutId id="2147483696" r:id="rId1"/>
+    <p:sldLayoutId id="2147483697" r:id="rId2"/>
+    <p:sldLayoutId id="2147483698" r:id="rId3"/>
+    <p:sldLayoutId id="2147483699" r:id="rId4"/>
+    <p:sldLayoutId id="2147483700" r:id="rId5"/>
+    <p:sldLayoutId id="2147483701" r:id="rId6"/>
+    <p:sldLayoutId id="2147483702" r:id="rId7"/>
+    <p:sldLayoutId id="2147483703" r:id="rId8"/>
+    <p:sldLayoutId id="2147483704" r:id="rId9"/>
+    <p:sldLayoutId id="2147483705" r:id="rId10"/>
+    <p:sldLayoutId id="2147483706" r:id="rId11"/>
+    <p:sldLayoutId id="2147483707" r:id="rId12"/>
+    <p:sldLayoutId id="2147483708" r:id="rId13"/>
+    <p:sldLayoutId id="2147483709" r:id="rId14"/>
+    <p:sldLayoutId id="2147483710" r:id="rId15"/>
+    <p:sldLayoutId id="2147483711" r:id="rId16"/>
   </p:sldLayoutIdLst>
   <p:txStyles>
     <p:titleStyle>
-      <a:lvl1pPr algn="l" defTabSz="914400" rtl="0" eaLnBrk="1" latinLnBrk="0" hangingPunct="1">
-        <a:lnSpc>
-          <a:spcPct val="90000"/>
-        </a:lnSpc>
+      <a:lvl1pPr algn="l" defTabSz="457200" rtl="0" eaLnBrk="1" latinLnBrk="0" hangingPunct="1">
         <a:spcBef>
           <a:spcPct val="0"/>
         </a:spcBef>
         <a:buNone/>
-        <a:defRPr sz="4400" kern="1200">
+        <a:defRPr sz="3600" kern="1200">
           <a:solidFill>
-            <a:schemeClr val="tx1"/>
+            <a:schemeClr val="tx1">
+              <a:lumMod val="85000"/>
+              <a:lumOff val="15000"/>
+            </a:schemeClr>
           </a:solidFill>
           <a:latin typeface="+mj-lt"/>
           <a:ea typeface="+mj-ea"/>
           <a:cs typeface="+mj-cs"/>
         </a:defRPr>
       </a:lvl1pPr>
+      <a:lvl2pPr eaLnBrk="1" hangingPunct="1">
+        <a:defRPr>
+          <a:solidFill>
+            <a:schemeClr val="tx2"/>
+          </a:solidFill>
+        </a:defRPr>
+      </a:lvl2pPr>
+      <a:lvl3pPr eaLnBrk="1" hangingPunct="1">
+        <a:defRPr>
+          <a:solidFill>
+            <a:schemeClr val="tx2"/>
+          </a:solidFill>
+        </a:defRPr>
+      </a:lvl3pPr>
+      <a:lvl4pPr eaLnBrk="1" hangingPunct="1">
+        <a:defRPr>
+          <a:solidFill>
+            <a:schemeClr val="tx2"/>
+          </a:solidFill>
+        </a:defRPr>
+      </a:lvl4pPr>
+      <a:lvl5pPr eaLnBrk="1" hangingPunct="1">
+        <a:defRPr>
+          <a:solidFill>
+            <a:schemeClr val="tx2"/>
+          </a:solidFill>
+        </a:defRPr>
+      </a:lvl5pPr>
+      <a:lvl6pPr eaLnBrk="1" hangingPunct="1">
+        <a:defRPr>
+          <a:solidFill>
+            <a:schemeClr val="tx2"/>
+          </a:solidFill>
+        </a:defRPr>
+      </a:lvl6pPr>
+      <a:lvl7pPr eaLnBrk="1" hangingPunct="1">
+        <a:defRPr>
+          <a:solidFill>
+            <a:schemeClr val="tx2"/>
+          </a:solidFill>
+        </a:defRPr>
+      </a:lvl7pPr>
+      <a:lvl8pPr eaLnBrk="1" hangingPunct="1">
+        <a:defRPr>
+          <a:solidFill>
+            <a:schemeClr val="tx2"/>
+          </a:solidFill>
+        </a:defRPr>
+      </a:lvl8pPr>
+      <a:lvl9pPr eaLnBrk="1" hangingPunct="1">
+        <a:defRPr>
+          <a:solidFill>
+            <a:schemeClr val="tx2"/>
+          </a:solidFill>
+        </a:defRPr>
+      </a:lvl9pPr>
     </p:titleStyle>
     <p:bodyStyle>
-      <a:lvl1pPr marL="228600" indent="-228600" algn="l" defTabSz="914400" rtl="0" eaLnBrk="1" latinLnBrk="0" hangingPunct="1">
-        <a:lnSpc>
-          <a:spcPct val="90000"/>
-        </a:lnSpc>
+      <a:lvl1pPr marL="342900" indent="-342900" algn="l" defTabSz="457200" rtl="0" eaLnBrk="1" latinLnBrk="0" hangingPunct="1">
         <a:spcBef>
           <a:spcPts val="1000"/>
         </a:spcBef>
-        <a:buFont typeface="Arial" panose="020B0604020202020204" pitchFamily="34" charset="0"/>
-        <a:buChar char="•"/>
-        <a:defRPr sz="2800" kern="1200">
+        <a:spcAft>
+          <a:spcPts val="0"/>
+        </a:spcAft>
+        <a:buClr>
+          <a:schemeClr val="accent1"/>
+        </a:buClr>
+        <a:buFont typeface="Wingdings 3" charset="2"/>
+        <a:buChar char=""/>
+        <a:defRPr sz="1800" kern="1200">
+          <a:solidFill>
+            <a:schemeClr val="tx1">
+              <a:lumMod val="75000"/>
+              <a:lumOff val="25000"/>
+            </a:schemeClr>
+          </a:solidFill>
+          <a:latin typeface="+mn-lt"/>
+          <a:ea typeface="+mn-ea"/>
+          <a:cs typeface="+mn-cs"/>
+        </a:defRPr>
+      </a:lvl1pPr>
+      <a:lvl2pPr marL="742950" indent="-285750" algn="l" defTabSz="457200" rtl="0" eaLnBrk="1" latinLnBrk="0" hangingPunct="1">
+        <a:spcBef>
+          <a:spcPts val="1000"/>
+        </a:spcBef>
+        <a:spcAft>
+          <a:spcPts val="0"/>
+        </a:spcAft>
+        <a:buClr>
+          <a:schemeClr val="accent1"/>
+        </a:buClr>
+        <a:buFont typeface="Wingdings 3" charset="2"/>
+        <a:buChar char=""/>
+        <a:defRPr sz="1600" kern="1200">
+          <a:solidFill>
+            <a:schemeClr val="tx1">
+              <a:lumMod val="75000"/>
+              <a:lumOff val="25000"/>
+            </a:schemeClr>
+          </a:solidFill>
+          <a:latin typeface="+mn-lt"/>
+          <a:ea typeface="+mn-ea"/>
+          <a:cs typeface="+mn-cs"/>
+        </a:defRPr>
+      </a:lvl2pPr>
+      <a:lvl3pPr marL="1143000" indent="-228600" algn="l" defTabSz="457200" rtl="0" eaLnBrk="1" latinLnBrk="0" hangingPunct="1">
+        <a:spcBef>
+          <a:spcPts val="1000"/>
+        </a:spcBef>
+        <a:spcAft>
+          <a:spcPts val="0"/>
+        </a:spcAft>
+        <a:buClr>
+          <a:schemeClr val="accent1"/>
+        </a:buClr>
+        <a:buFont typeface="Wingdings 3" charset="2"/>
+        <a:buChar char=""/>
+        <a:defRPr sz="1400" kern="1200">
+          <a:solidFill>
+            <a:schemeClr val="tx1">
+              <a:lumMod val="75000"/>
+              <a:lumOff val="25000"/>
+            </a:schemeClr>
+          </a:solidFill>
+          <a:latin typeface="+mn-lt"/>
+          <a:ea typeface="+mn-ea"/>
+          <a:cs typeface="+mn-cs"/>
+        </a:defRPr>
+      </a:lvl3pPr>
+      <a:lvl4pPr marL="1600200" indent="-228600" algn="l" defTabSz="457200" rtl="0" eaLnBrk="1" latinLnBrk="0" hangingPunct="1">
+        <a:spcBef>
+          <a:spcPts val="1000"/>
+        </a:spcBef>
+        <a:spcAft>
+          <a:spcPts val="0"/>
+        </a:spcAft>
+        <a:buClr>
+          <a:schemeClr val="accent1"/>
+        </a:buClr>
+        <a:buFont typeface="Wingdings 3" charset="2"/>
+        <a:buChar char=""/>
+        <a:defRPr sz="1200" kern="1200">
+          <a:solidFill>
+            <a:schemeClr val="tx1">
+              <a:lumMod val="75000"/>
+              <a:lumOff val="25000"/>
+            </a:schemeClr>
+          </a:solidFill>
+          <a:latin typeface="+mn-lt"/>
+          <a:ea typeface="+mn-ea"/>
+          <a:cs typeface="+mn-cs"/>
+        </a:defRPr>
+      </a:lvl4pPr>
+      <a:lvl5pPr marL="2057400" indent="-228600" algn="l" defTabSz="457200" rtl="0" eaLnBrk="1" latinLnBrk="0" hangingPunct="1">
+        <a:spcBef>
+          <a:spcPts val="1000"/>
+        </a:spcBef>
+        <a:spcAft>
+          <a:spcPts val="0"/>
+        </a:spcAft>
+        <a:buClr>
+          <a:schemeClr val="accent1"/>
+        </a:buClr>
+        <a:buFont typeface="Wingdings 3" charset="2"/>
+        <a:buChar char=""/>
+        <a:defRPr sz="1200" kern="1200">
+          <a:solidFill>
+            <a:schemeClr val="tx1">
+              <a:lumMod val="75000"/>
+              <a:lumOff val="25000"/>
+            </a:schemeClr>
+          </a:solidFill>
+          <a:latin typeface="+mn-lt"/>
+          <a:ea typeface="+mn-ea"/>
+          <a:cs typeface="+mn-cs"/>
+        </a:defRPr>
+      </a:lvl5pPr>
+      <a:lvl6pPr marL="2514600" indent="-228600" algn="l" defTabSz="457200" rtl="0" eaLnBrk="1" latinLnBrk="0" hangingPunct="1">
+        <a:spcBef>
+          <a:spcPts val="1000"/>
+        </a:spcBef>
+        <a:spcAft>
+          <a:spcPts val="0"/>
+        </a:spcAft>
+        <a:buClr>
+          <a:schemeClr val="accent1"/>
+        </a:buClr>
+        <a:buFont typeface="Wingdings 3" charset="2"/>
+        <a:buChar char=""/>
+        <a:defRPr sz="1200" kern="1200">
+          <a:solidFill>
+            <a:schemeClr val="tx1">
+              <a:lumMod val="75000"/>
+              <a:lumOff val="25000"/>
+            </a:schemeClr>
+          </a:solidFill>
+          <a:latin typeface="+mn-lt"/>
+          <a:ea typeface="+mn-ea"/>
+          <a:cs typeface="+mn-cs"/>
+        </a:defRPr>
+      </a:lvl6pPr>
+      <a:lvl7pPr marL="2971800" indent="-228600" algn="l" defTabSz="457200" rtl="0" eaLnBrk="1" latinLnBrk="0" hangingPunct="1">
+        <a:spcBef>
+          <a:spcPts val="1000"/>
+        </a:spcBef>
+        <a:spcAft>
+          <a:spcPts val="0"/>
+        </a:spcAft>
+        <a:buClr>
+          <a:schemeClr val="accent1"/>
+        </a:buClr>
+        <a:buFont typeface="Wingdings 3" charset="2"/>
+        <a:buChar char=""/>
+        <a:defRPr sz="1200" kern="1200">
+          <a:solidFill>
+            <a:schemeClr val="tx1">
+              <a:lumMod val="75000"/>
+              <a:lumOff val="25000"/>
+            </a:schemeClr>
+          </a:solidFill>
+          <a:latin typeface="+mn-lt"/>
+          <a:ea typeface="+mn-ea"/>
+          <a:cs typeface="+mn-cs"/>
+        </a:defRPr>
+      </a:lvl7pPr>
+      <a:lvl8pPr marL="3429000" indent="-228600" algn="l" defTabSz="457200" rtl="0" eaLnBrk="1" latinLnBrk="0" hangingPunct="1">
+        <a:spcBef>
+          <a:spcPts val="1000"/>
+        </a:spcBef>
+        <a:spcAft>
+          <a:spcPts val="0"/>
+        </a:spcAft>
+        <a:buClr>
+          <a:schemeClr val="accent1"/>
+        </a:buClr>
+        <a:buFont typeface="Wingdings 3" charset="2"/>
+        <a:buChar char=""/>
+        <a:defRPr sz="1200" kern="1200">
+          <a:solidFill>
+            <a:schemeClr val="tx1">
+              <a:lumMod val="75000"/>
+              <a:lumOff val="25000"/>
+            </a:schemeClr>
+          </a:solidFill>
+          <a:latin typeface="+mn-lt"/>
+          <a:ea typeface="+mn-ea"/>
+          <a:cs typeface="+mn-cs"/>
+        </a:defRPr>
+      </a:lvl8pPr>
+      <a:lvl9pPr marL="3886200" indent="-228600" algn="l" defTabSz="457200" rtl="0" eaLnBrk="1" latinLnBrk="0" hangingPunct="1">
+        <a:spcBef>
+          <a:spcPts val="1000"/>
+        </a:spcBef>
+        <a:spcAft>
+          <a:spcPts val="0"/>
+        </a:spcAft>
+        <a:buClr>
+          <a:schemeClr val="accent1"/>
+        </a:buClr>
+        <a:buFont typeface="Wingdings 3" charset="2"/>
+        <a:buChar char=""/>
+        <a:defRPr sz="1200" kern="1200">
+          <a:solidFill>
+            <a:schemeClr val="tx1">
+              <a:lumMod val="75000"/>
+              <a:lumOff val="25000"/>
+            </a:schemeClr>
+          </a:solidFill>
+          <a:latin typeface="+mn-lt"/>
+          <a:ea typeface="+mn-ea"/>
+          <a:cs typeface="+mn-cs"/>
+        </a:defRPr>
+      </a:lvl9pPr>
+    </p:bodyStyle>
+    <p:otherStyle>
+      <a:defPPr>
+        <a:defRPr lang="en-US"/>
+      </a:defPPr>
+      <a:lvl1pPr marL="0" algn="l" defTabSz="457200" rtl="0" eaLnBrk="1" latinLnBrk="0" hangingPunct="1">
+        <a:defRPr sz="1800" kern="1200">
           <a:solidFill>
             <a:schemeClr val="tx1"/>
           </a:solidFill>
@@ -3074,16 +7582,8 @@
           <a:cs typeface="+mn-cs"/>
         </a:defRPr>
       </a:lvl1pPr>
-      <a:lvl2pPr marL="685800" indent="-228600" algn="l" defTabSz="914400" rtl="0" eaLnBrk="1" latinLnBrk="0" hangingPunct="1">
-        <a:lnSpc>
-          <a:spcPct val="90000"/>
-        </a:lnSpc>
-        <a:spcBef>
-          <a:spcPts val="500"/>
-        </a:spcBef>
-        <a:buFont typeface="Arial" panose="020B0604020202020204" pitchFamily="34" charset="0"/>
-        <a:buChar char="•"/>
-        <a:defRPr sz="2400" kern="1200">
+      <a:lvl2pPr marL="457200" algn="l" defTabSz="457200" rtl="0" eaLnBrk="1" latinLnBrk="0" hangingPunct="1">
+        <a:defRPr sz="1800" kern="1200">
           <a:solidFill>
             <a:schemeClr val="tx1"/>
           </a:solidFill>
@@ -3092,16 +7592,8 @@
           <a:cs typeface="+mn-cs"/>
         </a:defRPr>
       </a:lvl2pPr>
-      <a:lvl3pPr marL="1143000" indent="-228600" algn="l" defTabSz="914400" rtl="0" eaLnBrk="1" latinLnBrk="0" hangingPunct="1">
-        <a:lnSpc>
-          <a:spcPct val="90000"/>
-        </a:lnSpc>
-        <a:spcBef>
-          <a:spcPts val="500"/>
-        </a:spcBef>
-        <a:buFont typeface="Arial" panose="020B0604020202020204" pitchFamily="34" charset="0"/>
-        <a:buChar char="•"/>
-        <a:defRPr sz="2000" kern="1200">
+      <a:lvl3pPr marL="914400" algn="l" defTabSz="457200" rtl="0" eaLnBrk="1" latinLnBrk="0" hangingPunct="1">
+        <a:defRPr sz="1800" kern="1200">
           <a:solidFill>
             <a:schemeClr val="tx1"/>
           </a:solidFill>
@@ -3110,15 +7602,7 @@
           <a:cs typeface="+mn-cs"/>
         </a:defRPr>
       </a:lvl3pPr>
-      <a:lvl4pPr marL="1600200" indent="-228600" algn="l" defTabSz="914400" rtl="0" eaLnBrk="1" latinLnBrk="0" hangingPunct="1">
-        <a:lnSpc>
-          <a:spcPct val="90000"/>
-        </a:lnSpc>
-        <a:spcBef>
-          <a:spcPts val="500"/>
-        </a:spcBef>
-        <a:buFont typeface="Arial" panose="020B0604020202020204" pitchFamily="34" charset="0"/>
-        <a:buChar char="•"/>
+      <a:lvl4pPr marL="1371600" algn="l" defTabSz="457200" rtl="0" eaLnBrk="1" latinLnBrk="0" hangingPunct="1">
         <a:defRPr sz="1800" kern="1200">
           <a:solidFill>
             <a:schemeClr val="tx1"/>
@@ -3128,15 +7612,7 @@
           <a:cs typeface="+mn-cs"/>
         </a:defRPr>
       </a:lvl4pPr>
-      <a:lvl5pPr marL="2057400" indent="-228600" algn="l" defTabSz="914400" rtl="0" eaLnBrk="1" latinLnBrk="0" hangingPunct="1">
-        <a:lnSpc>
-          <a:spcPct val="90000"/>
-        </a:lnSpc>
-        <a:spcBef>
-          <a:spcPts val="500"/>
-        </a:spcBef>
-        <a:buFont typeface="Arial" panose="020B0604020202020204" pitchFamily="34" charset="0"/>
-        <a:buChar char="•"/>
+      <a:lvl5pPr marL="1828800" algn="l" defTabSz="457200" rtl="0" eaLnBrk="1" latinLnBrk="0" hangingPunct="1">
         <a:defRPr sz="1800" kern="1200">
           <a:solidFill>
             <a:schemeClr val="tx1"/>
@@ -3146,15 +7622,7 @@
           <a:cs typeface="+mn-cs"/>
         </a:defRPr>
       </a:lvl5pPr>
-      <a:lvl6pPr marL="2514600" indent="-228600" algn="l" defTabSz="914400" rtl="0" eaLnBrk="1" latinLnBrk="0" hangingPunct="1">
-        <a:lnSpc>
-          <a:spcPct val="90000"/>
-        </a:lnSpc>
-        <a:spcBef>
-          <a:spcPts val="500"/>
-        </a:spcBef>
-        <a:buFont typeface="Arial" panose="020B0604020202020204" pitchFamily="34" charset="0"/>
-        <a:buChar char="•"/>
+      <a:lvl6pPr marL="2286000" algn="l" defTabSz="457200" rtl="0" eaLnBrk="1" latinLnBrk="0" hangingPunct="1">
         <a:defRPr sz="1800" kern="1200">
           <a:solidFill>
             <a:schemeClr val="tx1"/>
@@ -3164,15 +7632,7 @@
           <a:cs typeface="+mn-cs"/>
         </a:defRPr>
       </a:lvl6pPr>
-      <a:lvl7pPr marL="2971800" indent="-228600" algn="l" defTabSz="914400" rtl="0" eaLnBrk="1" latinLnBrk="0" hangingPunct="1">
-        <a:lnSpc>
-          <a:spcPct val="90000"/>
-        </a:lnSpc>
-        <a:spcBef>
-          <a:spcPts val="500"/>
-        </a:spcBef>
-        <a:buFont typeface="Arial" panose="020B0604020202020204" pitchFamily="34" charset="0"/>
-        <a:buChar char="•"/>
+      <a:lvl7pPr marL="2743200" algn="l" defTabSz="457200" rtl="0" eaLnBrk="1" latinLnBrk="0" hangingPunct="1">
         <a:defRPr sz="1800" kern="1200">
           <a:solidFill>
             <a:schemeClr val="tx1"/>
@@ -3182,15 +7642,7 @@
           <a:cs typeface="+mn-cs"/>
         </a:defRPr>
       </a:lvl7pPr>
-      <a:lvl8pPr marL="3429000" indent="-228600" algn="l" defTabSz="914400" rtl="0" eaLnBrk="1" latinLnBrk="0" hangingPunct="1">
-        <a:lnSpc>
-          <a:spcPct val="90000"/>
-        </a:lnSpc>
-        <a:spcBef>
-          <a:spcPts val="500"/>
-        </a:spcBef>
-        <a:buFont typeface="Arial" panose="020B0604020202020204" pitchFamily="34" charset="0"/>
-        <a:buChar char="•"/>
+      <a:lvl8pPr marL="3200400" algn="l" defTabSz="457200" rtl="0" eaLnBrk="1" latinLnBrk="0" hangingPunct="1">
         <a:defRPr sz="1800" kern="1200">
           <a:solidFill>
             <a:schemeClr val="tx1"/>
@@ -3200,110 +7652,7 @@
           <a:cs typeface="+mn-cs"/>
         </a:defRPr>
       </a:lvl8pPr>
-      <a:lvl9pPr marL="3886200" indent="-228600" algn="l" defTabSz="914400" rtl="0" eaLnBrk="1" latinLnBrk="0" hangingPunct="1">
-        <a:lnSpc>
-          <a:spcPct val="90000"/>
-        </a:lnSpc>
-        <a:spcBef>
-          <a:spcPts val="500"/>
-        </a:spcBef>
-        <a:buFont typeface="Arial" panose="020B0604020202020204" pitchFamily="34" charset="0"/>
-        <a:buChar char="•"/>
-        <a:defRPr sz="1800" kern="1200">
-          <a:solidFill>
-            <a:schemeClr val="tx1"/>
-          </a:solidFill>
-          <a:latin typeface="+mn-lt"/>
-          <a:ea typeface="+mn-ea"/>
-          <a:cs typeface="+mn-cs"/>
-        </a:defRPr>
-      </a:lvl9pPr>
-    </p:bodyStyle>
-    <p:otherStyle>
-      <a:defPPr>
-        <a:defRPr lang="fr-FR"/>
-      </a:defPPr>
-      <a:lvl1pPr marL="0" algn="l" defTabSz="914400" rtl="0" eaLnBrk="1" latinLnBrk="0" hangingPunct="1">
-        <a:defRPr sz="1800" kern="1200">
-          <a:solidFill>
-            <a:schemeClr val="tx1"/>
-          </a:solidFill>
-          <a:latin typeface="+mn-lt"/>
-          <a:ea typeface="+mn-ea"/>
-          <a:cs typeface="+mn-cs"/>
-        </a:defRPr>
-      </a:lvl1pPr>
-      <a:lvl2pPr marL="457200" algn="l" defTabSz="914400" rtl="0" eaLnBrk="1" latinLnBrk="0" hangingPunct="1">
-        <a:defRPr sz="1800" kern="1200">
-          <a:solidFill>
-            <a:schemeClr val="tx1"/>
-          </a:solidFill>
-          <a:latin typeface="+mn-lt"/>
-          <a:ea typeface="+mn-ea"/>
-          <a:cs typeface="+mn-cs"/>
-        </a:defRPr>
-      </a:lvl2pPr>
-      <a:lvl3pPr marL="914400" algn="l" defTabSz="914400" rtl="0" eaLnBrk="1" latinLnBrk="0" hangingPunct="1">
-        <a:defRPr sz="1800" kern="1200">
-          <a:solidFill>
-            <a:schemeClr val="tx1"/>
-          </a:solidFill>
-          <a:latin typeface="+mn-lt"/>
-          <a:ea typeface="+mn-ea"/>
-          <a:cs typeface="+mn-cs"/>
-        </a:defRPr>
-      </a:lvl3pPr>
-      <a:lvl4pPr marL="1371600" algn="l" defTabSz="914400" rtl="0" eaLnBrk="1" latinLnBrk="0" hangingPunct="1">
-        <a:defRPr sz="1800" kern="1200">
-          <a:solidFill>
-            <a:schemeClr val="tx1"/>
-          </a:solidFill>
-          <a:latin typeface="+mn-lt"/>
-          <a:ea typeface="+mn-ea"/>
-          <a:cs typeface="+mn-cs"/>
-        </a:defRPr>
-      </a:lvl4pPr>
-      <a:lvl5pPr marL="1828800" algn="l" defTabSz="914400" rtl="0" eaLnBrk="1" latinLnBrk="0" hangingPunct="1">
-        <a:defRPr sz="1800" kern="1200">
-          <a:solidFill>
-            <a:schemeClr val="tx1"/>
-          </a:solidFill>
-          <a:latin typeface="+mn-lt"/>
-          <a:ea typeface="+mn-ea"/>
-          <a:cs typeface="+mn-cs"/>
-        </a:defRPr>
-      </a:lvl5pPr>
-      <a:lvl6pPr marL="2286000" algn="l" defTabSz="914400" rtl="0" eaLnBrk="1" latinLnBrk="0" hangingPunct="1">
-        <a:defRPr sz="1800" kern="1200">
-          <a:solidFill>
-            <a:schemeClr val="tx1"/>
-          </a:solidFill>
-          <a:latin typeface="+mn-lt"/>
-          <a:ea typeface="+mn-ea"/>
-          <a:cs typeface="+mn-cs"/>
-        </a:defRPr>
-      </a:lvl6pPr>
-      <a:lvl7pPr marL="2743200" algn="l" defTabSz="914400" rtl="0" eaLnBrk="1" latinLnBrk="0" hangingPunct="1">
-        <a:defRPr sz="1800" kern="1200">
-          <a:solidFill>
-            <a:schemeClr val="tx1"/>
-          </a:solidFill>
-          <a:latin typeface="+mn-lt"/>
-          <a:ea typeface="+mn-ea"/>
-          <a:cs typeface="+mn-cs"/>
-        </a:defRPr>
-      </a:lvl7pPr>
-      <a:lvl8pPr marL="3200400" algn="l" defTabSz="914400" rtl="0" eaLnBrk="1" latinLnBrk="0" hangingPunct="1">
-        <a:defRPr sz="1800" kern="1200">
-          <a:solidFill>
-            <a:schemeClr val="tx1"/>
-          </a:solidFill>
-          <a:latin typeface="+mn-lt"/>
-          <a:ea typeface="+mn-ea"/>
-          <a:cs typeface="+mn-cs"/>
-        </a:defRPr>
-      </a:lvl8pPr>
-      <a:lvl9pPr marL="3657600" algn="l" defTabSz="914400" rtl="0" eaLnBrk="1" latinLnBrk="0" hangingPunct="1">
+      <a:lvl9pPr marL="3657600" algn="l" defTabSz="457200" rtl="0" eaLnBrk="1" latinLnBrk="0" hangingPunct="1">
         <a:defRPr sz="1800" kern="1200">
           <a:solidFill>
             <a:schemeClr val="tx1"/>
@@ -3340,7 +7689,7 @@
           <p:cNvPr id="2" name="Titre 1">
             <a:extLst>
               <a:ext uri="{FF2B5EF4-FFF2-40B4-BE49-F238E27FC236}">
-                <a16:creationId xmlns:a16="http://schemas.microsoft.com/office/drawing/2014/main" id="{BCA55924-3156-483C-BFDF-A01B5FDC85A6}"/>
+                <a16:creationId xmlns:a16="http://schemas.microsoft.com/office/drawing/2014/main" xmlns="" id="{BCA55924-3156-483C-BFDF-A01B5FDC85A6}"/>
               </a:ext>
             </a:extLst>
           </p:cNvPr>
@@ -3369,7 +7718,7 @@
           <p:cNvPr id="3" name="Sous-titre 2">
             <a:extLst>
               <a:ext uri="{FF2B5EF4-FFF2-40B4-BE49-F238E27FC236}">
-                <a16:creationId xmlns:a16="http://schemas.microsoft.com/office/drawing/2014/main" id="{3A945783-3908-4488-BAAD-0C4BDEB58A44}"/>
+                <a16:creationId xmlns:a16="http://schemas.microsoft.com/office/drawing/2014/main" xmlns="" id="{3A945783-3908-4488-BAAD-0C4BDEB58A44}"/>
               </a:ext>
             </a:extLst>
           </p:cNvPr>
@@ -3396,106 +7745,6 @@
     <p:extLst>
       <p:ext uri="{BB962C8B-B14F-4D97-AF65-F5344CB8AC3E}">
         <p14:creationId xmlns:p14="http://schemas.microsoft.com/office/powerpoint/2010/main" val="956260763"/>
-      </p:ext>
-    </p:extLst>
-  </p:cSld>
-  <p:clrMapOvr>
-    <a:masterClrMapping/>
-  </p:clrMapOvr>
-</p:sld>
-</file>
-
-<file path=ppt/slides/slide10.xml><?xml version="1.0" encoding="utf-8"?>
-<p:sld xmlns:a="http://schemas.openxmlformats.org/drawingml/2006/main" xmlns:r="http://schemas.openxmlformats.org/officeDocument/2006/relationships" xmlns:p="http://schemas.openxmlformats.org/presentationml/2006/main">
-  <p:cSld>
-    <p:spTree>
-      <p:nvGrpSpPr>
-        <p:cNvPr id="1" name=""/>
-        <p:cNvGrpSpPr/>
-        <p:nvPr/>
-      </p:nvGrpSpPr>
-      <p:grpSpPr>
-        <a:xfrm>
-          <a:off x="0" y="0"/>
-          <a:ext cx="0" cy="0"/>
-          <a:chOff x="0" y="0"/>
-          <a:chExt cx="0" cy="0"/>
-        </a:xfrm>
-      </p:grpSpPr>
-      <p:sp>
-        <p:nvSpPr>
-          <p:cNvPr id="2" name="Titre 1">
-            <a:extLst>
-              <a:ext uri="{FF2B5EF4-FFF2-40B4-BE49-F238E27FC236}">
-                <a16:creationId xmlns:a16="http://schemas.microsoft.com/office/drawing/2014/main" id="{84241AA3-265C-49A6-995B-7060E3AE5B5A}"/>
-              </a:ext>
-            </a:extLst>
-          </p:cNvPr>
-          <p:cNvSpPr>
-            <a:spLocks noGrp="1"/>
-          </p:cNvSpPr>
-          <p:nvPr>
-            <p:ph type="title"/>
-          </p:nvPr>
-        </p:nvSpPr>
-        <p:spPr/>
-        <p:txBody>
-          <a:bodyPr/>
-          <a:lstStyle/>
-          <a:p>
-            <a:r>
-              <a:rPr lang="fr-FR" dirty="0"/>
-              <a:t>Perspective d’avenir/avancement projet</a:t>
-            </a:r>
-          </a:p>
-        </p:txBody>
-      </p:sp>
-      <p:sp>
-        <p:nvSpPr>
-          <p:cNvPr id="3" name="Espace réservé du contenu 2">
-            <a:extLst>
-              <a:ext uri="{FF2B5EF4-FFF2-40B4-BE49-F238E27FC236}">
-                <a16:creationId xmlns:a16="http://schemas.microsoft.com/office/drawing/2014/main" id="{D7C8A4AA-F3A5-4C52-B220-969A86683A5B}"/>
-              </a:ext>
-            </a:extLst>
-          </p:cNvPr>
-          <p:cNvSpPr>
-            <a:spLocks noGrp="1"/>
-          </p:cNvSpPr>
-          <p:nvPr>
-            <p:ph idx="1"/>
-          </p:nvPr>
-        </p:nvSpPr>
-        <p:spPr/>
-        <p:txBody>
-          <a:bodyPr/>
-          <a:lstStyle/>
-          <a:p>
-            <a:endParaRPr lang="fr-FR" dirty="0"/>
-          </a:p>
-          <a:p>
-            <a:endParaRPr lang="fr-FR" dirty="0"/>
-          </a:p>
-          <a:p>
-            <a:r>
-              <a:rPr lang="fr-FR" dirty="0"/>
-              <a:t>Un puzzle </a:t>
-            </a:r>
-            <a:r>
-              <a:rPr lang="fr-FR" dirty="0" err="1"/>
-              <a:t>game</a:t>
-            </a:r>
-            <a:r>
-              <a:rPr lang="fr-FR" dirty="0"/>
-              <a:t> en 3D dans lequel le joueur contrôle un avatar et parcourt des tableaux quadrillés. la topologie des tableaux évolue en fonction des mouvements du joueurs, ceux-ci étant décomptés. Lorsque le joueur consomme tous ses déplacements, les éléments du monde et son avatar sont renvoyé à leur position d'origine. le joueur doit explorer l'environnement et comprendre son rythme afin de résoudre le puzzle de chaque tableau. </a:t>
-            </a:r>
-          </a:p>
-        </p:txBody>
-      </p:sp>
-    </p:spTree>
-    <p:extLst>
-      <p:ext uri="{BB962C8B-B14F-4D97-AF65-F5344CB8AC3E}">
-        <p14:creationId xmlns:p14="http://schemas.microsoft.com/office/powerpoint/2010/main" val="768694219"/>
       </p:ext>
     </p:extLst>
   </p:cSld>
@@ -3527,7 +7776,7 @@
           <p:cNvPr id="2" name="Titre 1">
             <a:extLst>
               <a:ext uri="{FF2B5EF4-FFF2-40B4-BE49-F238E27FC236}">
-                <a16:creationId xmlns:a16="http://schemas.microsoft.com/office/drawing/2014/main" id="{ABF1725B-46F3-4141-82BD-60F7ABF49059}"/>
+                <a16:creationId xmlns:a16="http://schemas.microsoft.com/office/drawing/2014/main" xmlns="" id="{ABF1725B-46F3-4141-82BD-60F7ABF49059}"/>
               </a:ext>
             </a:extLst>
           </p:cNvPr>
@@ -3555,7 +7804,7 @@
           <p:cNvPr id="3" name="Espace réservé du contenu 2">
             <a:extLst>
               <a:ext uri="{FF2B5EF4-FFF2-40B4-BE49-F238E27FC236}">
-                <a16:creationId xmlns:a16="http://schemas.microsoft.com/office/drawing/2014/main" id="{BE91B0A3-C419-49B5-8447-613E8708AE00}"/>
+                <a16:creationId xmlns:a16="http://schemas.microsoft.com/office/drawing/2014/main" xmlns="" id="{BE91B0A3-C419-49B5-8447-613E8708AE00}"/>
               </a:ext>
             </a:extLst>
           </p:cNvPr>
@@ -3700,7 +7949,7 @@
           <p:cNvPr id="2" name="Titre 1">
             <a:extLst>
               <a:ext uri="{FF2B5EF4-FFF2-40B4-BE49-F238E27FC236}">
-                <a16:creationId xmlns:a16="http://schemas.microsoft.com/office/drawing/2014/main" id="{7B7E37D8-D604-4081-BC32-2961BB34D7C5}"/>
+                <a16:creationId xmlns:a16="http://schemas.microsoft.com/office/drawing/2014/main" xmlns="" id="{7B7E37D8-D604-4081-BC32-2961BB34D7C5}"/>
               </a:ext>
             </a:extLst>
           </p:cNvPr>
@@ -3728,7 +7977,7 @@
           <p:cNvPr id="4" name="Espace réservé du contenu 3">
             <a:extLst>
               <a:ext uri="{FF2B5EF4-FFF2-40B4-BE49-F238E27FC236}">
-                <a16:creationId xmlns:a16="http://schemas.microsoft.com/office/drawing/2014/main" id="{914AF26B-611D-4D27-864F-75280AAD0DA5}"/>
+                <a16:creationId xmlns:a16="http://schemas.microsoft.com/office/drawing/2014/main" xmlns="" id="{914AF26B-611D-4D27-864F-75280AAD0DA5}"/>
               </a:ext>
             </a:extLst>
           </p:cNvPr>
@@ -3777,7 +8026,7 @@
           <p:cNvPr id="5" name="Espace réservé du contenu 4">
             <a:extLst>
               <a:ext uri="{FF2B5EF4-FFF2-40B4-BE49-F238E27FC236}">
-                <a16:creationId xmlns:a16="http://schemas.microsoft.com/office/drawing/2014/main" id="{4341EAE7-FA46-4FD3-B4E7-D7D4E6598075}"/>
+                <a16:creationId xmlns:a16="http://schemas.microsoft.com/office/drawing/2014/main" xmlns="" id="{4341EAE7-FA46-4FD3-B4E7-D7D4E6598075}"/>
               </a:ext>
             </a:extLst>
           </p:cNvPr>
@@ -3856,7 +8105,7 @@
           <p:cNvPr id="2" name="Titre 1">
             <a:extLst>
               <a:ext uri="{FF2B5EF4-FFF2-40B4-BE49-F238E27FC236}">
-                <a16:creationId xmlns:a16="http://schemas.microsoft.com/office/drawing/2014/main" id="{7B7E37D8-D604-4081-BC32-2961BB34D7C5}"/>
+                <a16:creationId xmlns:a16="http://schemas.microsoft.com/office/drawing/2014/main" xmlns="" id="{7B7E37D8-D604-4081-BC32-2961BB34D7C5}"/>
               </a:ext>
             </a:extLst>
           </p:cNvPr>
@@ -3884,7 +8133,7 @@
           <p:cNvPr id="3" name="Espace réservé du contenu 2">
             <a:extLst>
               <a:ext uri="{FF2B5EF4-FFF2-40B4-BE49-F238E27FC236}">
-                <a16:creationId xmlns:a16="http://schemas.microsoft.com/office/drawing/2014/main" id="{2F472399-789B-4429-983B-25A477EC5895}"/>
+                <a16:creationId xmlns:a16="http://schemas.microsoft.com/office/drawing/2014/main" xmlns="" id="{2F472399-789B-4429-983B-25A477EC5895}"/>
               </a:ext>
             </a:extLst>
           </p:cNvPr>
@@ -3898,7 +8147,7 @@
         <p:spPr/>
         <p:txBody>
           <a:bodyPr>
-            <a:normAutofit lnSpcReduction="10000"/>
+            <a:normAutofit/>
           </a:bodyPr>
           <a:lstStyle/>
           <a:p>
@@ -3907,13 +8156,44 @@
           <a:p>
             <a:r>
               <a:rPr lang="fr-FR" dirty="0"/>
-              <a:t>Faire découvrir au joueur des éléments dans un temps imparti, avec un système de boucle qui lui permet d’analyser son environnements à chaque cycle. </a:t>
+              <a:t>D</a:t>
+            </a:r>
+            <a:r>
+              <a:rPr lang="fr-FR" dirty="0" smtClean="0"/>
+              <a:t>es </a:t>
+            </a:r>
+            <a:r>
+              <a:rPr lang="fr-FR" dirty="0"/>
+              <a:t>éléments dans un temps </a:t>
+            </a:r>
+            <a:r>
+              <a:rPr lang="fr-FR" dirty="0" smtClean="0"/>
+              <a:t>imparti</a:t>
+            </a:r>
+            <a:r>
+              <a:rPr lang="fr-FR" dirty="0"/>
+              <a:t> </a:t>
+            </a:r>
+            <a:r>
+              <a:rPr lang="fr-FR" dirty="0" smtClean="0"/>
+              <a:t>et des boucles</a:t>
+            </a:r>
+          </a:p>
+          <a:p>
+            <a:pPr marL="0" indent="0">
+              <a:buNone/>
+            </a:pPr>
+            <a:r>
+              <a:rPr lang="fr-FR" dirty="0" smtClean="0">
+                <a:sym typeface="Wingdings" panose="05000000000000000000" pitchFamily="2" charset="2"/>
+              </a:rPr>
+              <a:t> </a:t>
             </a:r>
             <a:r>
               <a:rPr lang="fr-FR" dirty="0">
                 <a:sym typeface="Wingdings" panose="05000000000000000000" pitchFamily="2" charset="2"/>
               </a:rPr>
-              <a:t> exploration et réflexion</a:t>
+              <a:t>exploration et réflexion</a:t>
             </a:r>
             <a:endParaRPr lang="fr-FR" dirty="0"/>
           </a:p>
@@ -3922,22 +8202,27 @@
           </a:p>
           <a:p>
             <a:r>
-              <a:rPr lang="fr-FR" dirty="0"/>
-              <a:t>Chaque niveau possède son propre rythme avec des </a:t>
-            </a:r>
-            <a:r>
-              <a:rPr lang="fr-FR" dirty="0" err="1"/>
-              <a:t>élements</a:t>
-            </a:r>
-            <a:r>
-              <a:rPr lang="fr-FR" dirty="0"/>
-              <a:t> en son sein qui évolue durant la boucle </a:t>
+              <a:rPr lang="fr-FR" dirty="0" smtClean="0">
+                <a:sym typeface="Wingdings" panose="05000000000000000000" pitchFamily="2" charset="2"/>
+              </a:rPr>
+              <a:t>Des rythmes qui évoluent au fur et à mesure du niveau </a:t>
+            </a:r>
+          </a:p>
+          <a:p>
+            <a:pPr marL="0" indent="0">
+              <a:buNone/>
+            </a:pPr>
+            <a:r>
+              <a:rPr lang="fr-FR" dirty="0" smtClean="0">
+                <a:sym typeface="Wingdings" panose="05000000000000000000" pitchFamily="2" charset="2"/>
+              </a:rPr>
+              <a:t> </a:t>
             </a:r>
             <a:r>
               <a:rPr lang="fr-FR" dirty="0">
                 <a:sym typeface="Wingdings" panose="05000000000000000000" pitchFamily="2" charset="2"/>
               </a:rPr>
-              <a:t> apprendre et s’adapter</a:t>
+              <a:t>apprendre et s’adapter</a:t>
             </a:r>
             <a:endParaRPr lang="fr-FR" dirty="0"/>
           </a:p>
@@ -3946,14 +8231,27 @@
           </a:p>
           <a:p>
             <a:r>
-              <a:rPr lang="fr-FR" dirty="0"/>
-              <a:t>Certains éléments ne seraient pas impacté par la réinitialisation de la boucle </a:t>
+              <a:rPr lang="fr-FR" dirty="0" smtClean="0">
+                <a:sym typeface="Wingdings" panose="05000000000000000000" pitchFamily="2" charset="2"/>
+              </a:rPr>
+              <a:t>Des éléments indépendant des boucles</a:t>
+            </a:r>
+          </a:p>
+          <a:p>
+            <a:pPr marL="0" indent="0">
+              <a:buNone/>
+            </a:pPr>
+            <a:r>
+              <a:rPr lang="fr-FR" dirty="0" smtClean="0">
+                <a:sym typeface="Wingdings" panose="05000000000000000000" pitchFamily="2" charset="2"/>
+              </a:rPr>
+              <a:t> </a:t>
             </a:r>
             <a:r>
               <a:rPr lang="fr-FR" dirty="0">
                 <a:sym typeface="Wingdings" panose="05000000000000000000" pitchFamily="2" charset="2"/>
               </a:rPr>
-              <a:t> nouveaux angles de réflexion</a:t>
+              <a:t>nouveaux angles de réflexion</a:t>
             </a:r>
             <a:endParaRPr lang="fr-FR" dirty="0"/>
           </a:p>
@@ -3994,7 +8292,7 @@
           <p:cNvPr id="2" name="Titre 1">
             <a:extLst>
               <a:ext uri="{FF2B5EF4-FFF2-40B4-BE49-F238E27FC236}">
-                <a16:creationId xmlns:a16="http://schemas.microsoft.com/office/drawing/2014/main" id="{7B7E37D8-D604-4081-BC32-2961BB34D7C5}"/>
+                <a16:creationId xmlns:a16="http://schemas.microsoft.com/office/drawing/2014/main" xmlns="" id="{7B7E37D8-D604-4081-BC32-2961BB34D7C5}"/>
               </a:ext>
             </a:extLst>
           </p:cNvPr>
@@ -4022,7 +8320,7 @@
           <p:cNvPr id="4" name="Espace réservé du contenu 3">
             <a:extLst>
               <a:ext uri="{FF2B5EF4-FFF2-40B4-BE49-F238E27FC236}">
-                <a16:creationId xmlns:a16="http://schemas.microsoft.com/office/drawing/2014/main" id="{2D3716B2-8C0D-4BE3-8AA6-BFB20D78DDAA}"/>
+                <a16:creationId xmlns:a16="http://schemas.microsoft.com/office/drawing/2014/main" xmlns="" id="{2D3716B2-8C0D-4BE3-8AA6-BFB20D78DDAA}"/>
               </a:ext>
             </a:extLst>
           </p:cNvPr>
@@ -4042,12 +8340,60 @@
           </a:p>
         </p:txBody>
       </p:sp>
+      <p:pic>
+        <p:nvPicPr>
+          <p:cNvPr id="1030" name="Picture 6" descr="https://cdn2.unrealengine.com/Diesel%2Fproductv2%2Fminit%2Fhome%2FEGS_DEVOLVER_MINIT_N1_newsfeed_primary-2560x1440-318e6762d0f76b27a07b86271b432bbee92fef2b.jpg">
+            <a:extLst>
+              <a:ext uri="{FF2B5EF4-FFF2-40B4-BE49-F238E27FC236}">
+                <a16:creationId xmlns:a16="http://schemas.microsoft.com/office/drawing/2014/main" xmlns="" id="{100D78ED-98CC-43BB-8808-D68532880F89}"/>
+              </a:ext>
+            </a:extLst>
+          </p:cNvPr>
+          <p:cNvPicPr>
+            <a:picLocks noGrp="1" noChangeAspect="1" noChangeArrowheads="1"/>
+          </p:cNvPicPr>
+          <p:nvPr>
+            <p:ph sz="half" idx="2"/>
+          </p:nvPr>
+        </p:nvPicPr>
+        <p:blipFill>
+          <a:blip r:embed="rId2" cstate="print">
+            <a:extLst>
+              <a:ext uri="{28A0092B-C50C-407E-A947-70E740481C1C}">
+                <a14:useLocalDpi xmlns:a14="http://schemas.microsoft.com/office/drawing/2010/main" val="0"/>
+              </a:ext>
+            </a:extLst>
+          </a:blip>
+          <a:stretch>
+            <a:fillRect/>
+          </a:stretch>
+        </p:blipFill>
+        <p:spPr bwMode="auto">
+          <a:xfrm>
+            <a:off x="7191375" y="2801690"/>
+            <a:ext cx="4313238" cy="2426196"/>
+          </a:xfrm>
+          <a:prstGeom prst="rect">
+            <a:avLst/>
+          </a:prstGeom>
+          <a:noFill/>
+          <a:extLst>
+            <a:ext uri="{909E8E84-426E-40DD-AFC4-6F175D3DCCD1}">
+              <a14:hiddenFill xmlns:a14="http://schemas.microsoft.com/office/drawing/2010/main">
+                <a:solidFill>
+                  <a:srgbClr val="FFFFFF"/>
+                </a:solidFill>
+              </a14:hiddenFill>
+            </a:ext>
+          </a:extLst>
+        </p:spPr>
+      </p:pic>
       <p:pic>
         <p:nvPicPr>
           <p:cNvPr id="1028" name="Picture 4" descr="https://cdn1.epicgames.com/salesEvent/salesEvent/EGS_DEATHLOOP_ArkaneStudios_S1_2560x1440-bf6d342edbd2411ccf24e326852fca93">
             <a:extLst>
               <a:ext uri="{FF2B5EF4-FFF2-40B4-BE49-F238E27FC236}">
-                <a16:creationId xmlns:a16="http://schemas.microsoft.com/office/drawing/2014/main" id="{2FF4D097-C78A-4F45-AF52-186F4DB3C0D6}"/>
+                <a16:creationId xmlns:a16="http://schemas.microsoft.com/office/drawing/2014/main" xmlns="" id="{2FF4D097-C78A-4F45-AF52-186F4DB3C0D6}"/>
               </a:ext>
             </a:extLst>
           </p:cNvPr>
@@ -4057,7 +8403,7 @@
           <p:nvPr/>
         </p:nvPicPr>
         <p:blipFill>
-          <a:blip r:embed="rId2">
+          <a:blip r:embed="rId3" cstate="print">
             <a:extLst>
               <a:ext uri="{28A0092B-C50C-407E-A947-70E740481C1C}">
                 <a14:useLocalDpi xmlns:a14="http://schemas.microsoft.com/office/drawing/2010/main" val="0"/>
@@ -4089,61 +8435,12 @@
           </a:extLst>
         </p:spPr>
       </p:pic>
-      <p:pic>
-        <p:nvPicPr>
-          <p:cNvPr id="1030" name="Picture 6" descr="https://cdn2.unrealengine.com/Diesel%2Fproductv2%2Fminit%2Fhome%2FEGS_DEVOLVER_MINIT_N1_newsfeed_primary-2560x1440-318e6762d0f76b27a07b86271b432bbee92fef2b.jpg">
-            <a:extLst>
-              <a:ext uri="{FF2B5EF4-FFF2-40B4-BE49-F238E27FC236}">
-                <a16:creationId xmlns:a16="http://schemas.microsoft.com/office/drawing/2014/main" id="{100D78ED-98CC-43BB-8808-D68532880F89}"/>
-              </a:ext>
-            </a:extLst>
-          </p:cNvPr>
-          <p:cNvPicPr>
-            <a:picLocks noGrp="1" noChangeAspect="1" noChangeArrowheads="1"/>
-          </p:cNvPicPr>
-          <p:nvPr>
-            <p:ph sz="half" idx="2"/>
-          </p:nvPr>
-        </p:nvPicPr>
-        <p:blipFill>
-          <a:blip r:embed="rId3">
-            <a:extLst>
-              <a:ext uri="{28A0092B-C50C-407E-A947-70E740481C1C}">
-                <a14:useLocalDpi xmlns:a14="http://schemas.microsoft.com/office/drawing/2010/main" val="0"/>
-              </a:ext>
-            </a:extLst>
-          </a:blip>
-          <a:srcRect/>
-          <a:stretch>
-            <a:fillRect/>
-          </a:stretch>
-        </p:blipFill>
-        <p:spPr bwMode="auto">
-          <a:xfrm>
-            <a:off x="6172200" y="2543969"/>
-            <a:ext cx="5181600" cy="2914650"/>
-          </a:xfrm>
-          <a:prstGeom prst="rect">
-            <a:avLst/>
-          </a:prstGeom>
-          <a:noFill/>
-          <a:extLst>
-            <a:ext uri="{909E8E84-426E-40DD-AFC4-6F175D3DCCD1}">
-              <a14:hiddenFill xmlns:a14="http://schemas.microsoft.com/office/drawing/2010/main">
-                <a:solidFill>
-                  <a:srgbClr val="FFFFFF"/>
-                </a:solidFill>
-              </a14:hiddenFill>
-            </a:ext>
-          </a:extLst>
-        </p:spPr>
-      </p:pic>
       <p:sp>
         <p:nvSpPr>
           <p:cNvPr id="6" name="ZoneTexte 5">
             <a:extLst>
               <a:ext uri="{FF2B5EF4-FFF2-40B4-BE49-F238E27FC236}">
-                <a16:creationId xmlns:a16="http://schemas.microsoft.com/office/drawing/2014/main" id="{2EB0E6AC-F0C7-46FD-83DA-F1FCEFC46EAC}"/>
+                <a16:creationId xmlns:a16="http://schemas.microsoft.com/office/drawing/2014/main" xmlns="" id="{2EB0E6AC-F0C7-46FD-83DA-F1FCEFC46EAC}"/>
               </a:ext>
             </a:extLst>
           </p:cNvPr>
@@ -4190,7 +8487,7 @@
           <p:cNvPr id="7" name="ZoneTexte 6">
             <a:extLst>
               <a:ext uri="{FF2B5EF4-FFF2-40B4-BE49-F238E27FC236}">
-                <a16:creationId xmlns:a16="http://schemas.microsoft.com/office/drawing/2014/main" id="{43F5FAF9-ADAB-4180-8569-6C683968C942}"/>
+                <a16:creationId xmlns:a16="http://schemas.microsoft.com/office/drawing/2014/main" xmlns="" id="{43F5FAF9-ADAB-4180-8569-6C683968C942}"/>
               </a:ext>
             </a:extLst>
           </p:cNvPr>
@@ -4275,7 +8572,7 @@
           <p:cNvPr id="2" name="Titre 1">
             <a:extLst>
               <a:ext uri="{FF2B5EF4-FFF2-40B4-BE49-F238E27FC236}">
-                <a16:creationId xmlns:a16="http://schemas.microsoft.com/office/drawing/2014/main" id="{7B7E37D8-D604-4081-BC32-2961BB34D7C5}"/>
+                <a16:creationId xmlns:a16="http://schemas.microsoft.com/office/drawing/2014/main" xmlns="" id="{7B7E37D8-D604-4081-BC32-2961BB34D7C5}"/>
               </a:ext>
             </a:extLst>
           </p:cNvPr>
@@ -4303,7 +8600,7 @@
           <p:cNvPr id="2052" name="Picture 4" descr="https://assets.nintendo.com/image/upload/ar_16:9,b_auto,c_pad,dpr_3.0,f_auto,q_auto,w_500/b_rgb:ffffff/v1/ncom/fr_CA/games/switch/s/superhot-switch/hero">
             <a:extLst>
               <a:ext uri="{FF2B5EF4-FFF2-40B4-BE49-F238E27FC236}">
-                <a16:creationId xmlns:a16="http://schemas.microsoft.com/office/drawing/2014/main" id="{DE89C4A3-28D5-49D5-826D-3BB3CFC66BD1}"/>
+                <a16:creationId xmlns:a16="http://schemas.microsoft.com/office/drawing/2014/main" xmlns="" id="{DE89C4A3-28D5-49D5-826D-3BB3CFC66BD1}"/>
               </a:ext>
             </a:extLst>
           </p:cNvPr>
@@ -4315,22 +8612,21 @@
           </p:nvPr>
         </p:nvPicPr>
         <p:blipFill>
-          <a:blip r:embed="rId2">
+          <a:blip r:embed="rId2" cstate="print">
             <a:extLst>
               <a:ext uri="{28A0092B-C50C-407E-A947-70E740481C1C}">
                 <a14:useLocalDpi xmlns:a14="http://schemas.microsoft.com/office/drawing/2010/main" val="0"/>
               </a:ext>
             </a:extLst>
           </a:blip>
-          <a:srcRect/>
           <a:stretch>
             <a:fillRect/>
           </a:stretch>
         </p:blipFill>
         <p:spPr bwMode="auto">
           <a:xfrm>
-            <a:off x="838200" y="2543537"/>
-            <a:ext cx="5181600" cy="2915513"/>
+            <a:off x="2589213" y="2809268"/>
+            <a:ext cx="4313237" cy="2426914"/>
           </a:xfrm>
           <a:prstGeom prst="rect">
             <a:avLst/>
@@ -4352,7 +8648,7 @@
           <p:cNvPr id="2058" name="Picture 10" descr="https://www.pdvg.it/wp-content/uploads/2020/03/Pok%C3%A9mon-Mystery-Dungeon_copertina.jpg">
             <a:extLst>
               <a:ext uri="{FF2B5EF4-FFF2-40B4-BE49-F238E27FC236}">
-                <a16:creationId xmlns:a16="http://schemas.microsoft.com/office/drawing/2014/main" id="{EE29FD53-4C02-450F-850C-BF3B62CE7741}"/>
+                <a16:creationId xmlns:a16="http://schemas.microsoft.com/office/drawing/2014/main" xmlns="" id="{EE29FD53-4C02-450F-850C-BF3B62CE7741}"/>
               </a:ext>
             </a:extLst>
           </p:cNvPr>
@@ -4364,22 +8660,21 @@
           </p:nvPr>
         </p:nvPicPr>
         <p:blipFill>
-          <a:blip r:embed="rId3">
+          <a:blip r:embed="rId3" cstate="print">
             <a:extLst>
               <a:ext uri="{28A0092B-C50C-407E-A947-70E740481C1C}">
                 <a14:useLocalDpi xmlns:a14="http://schemas.microsoft.com/office/drawing/2010/main" val="0"/>
               </a:ext>
             </a:extLst>
           </a:blip>
-          <a:srcRect/>
           <a:stretch>
             <a:fillRect/>
           </a:stretch>
         </p:blipFill>
         <p:spPr bwMode="auto">
           <a:xfrm>
-            <a:off x="6172200" y="2543969"/>
-            <a:ext cx="5181600" cy="2914650"/>
+            <a:off x="7191375" y="2801690"/>
+            <a:ext cx="4313238" cy="2426196"/>
           </a:xfrm>
           <a:prstGeom prst="rect">
             <a:avLst/>
@@ -4401,7 +8696,7 @@
           <p:cNvPr id="12" name="ZoneTexte 11">
             <a:extLst>
               <a:ext uri="{FF2B5EF4-FFF2-40B4-BE49-F238E27FC236}">
-                <a16:creationId xmlns:a16="http://schemas.microsoft.com/office/drawing/2014/main" id="{C343ACA2-BC15-43E9-9F2A-33596E917F05}"/>
+                <a16:creationId xmlns:a16="http://schemas.microsoft.com/office/drawing/2014/main" xmlns="" id="{C343ACA2-BC15-43E9-9F2A-33596E917F05}"/>
               </a:ext>
             </a:extLst>
           </p:cNvPr>
@@ -4448,7 +8743,7 @@
           <p:cNvPr id="13" name="ZoneTexte 12">
             <a:extLst>
               <a:ext uri="{FF2B5EF4-FFF2-40B4-BE49-F238E27FC236}">
-                <a16:creationId xmlns:a16="http://schemas.microsoft.com/office/drawing/2014/main" id="{9AAC0354-8E4A-4075-B2F9-A8B0548FBFE0}"/>
+                <a16:creationId xmlns:a16="http://schemas.microsoft.com/office/drawing/2014/main" xmlns="" id="{9AAC0354-8E4A-4075-B2F9-A8B0548FBFE0}"/>
               </a:ext>
             </a:extLst>
           </p:cNvPr>
@@ -4541,7 +8836,7 @@
           <p:cNvPr id="2" name="Titre 1">
             <a:extLst>
               <a:ext uri="{FF2B5EF4-FFF2-40B4-BE49-F238E27FC236}">
-                <a16:creationId xmlns:a16="http://schemas.microsoft.com/office/drawing/2014/main" id="{7B7E37D8-D604-4081-BC32-2961BB34D7C5}"/>
+                <a16:creationId xmlns:a16="http://schemas.microsoft.com/office/drawing/2014/main" xmlns="" id="{7B7E37D8-D604-4081-BC32-2961BB34D7C5}"/>
               </a:ext>
             </a:extLst>
           </p:cNvPr>
@@ -4566,10 +8861,10 @@
       </p:sp>
       <p:pic>
         <p:nvPicPr>
-          <p:cNvPr id="3076" name="Picture 4" descr="https://cdn.akamai.steamstatic.com/steam/apps/1276790/capsule_616x353.jpg?t=1637186196">
+          <p:cNvPr id="3078" name="Picture 6" descr="https://www.nintendo-difference.com/wp-content/uploads/2021/11/002-4.jpg">
             <a:extLst>
               <a:ext uri="{FF2B5EF4-FFF2-40B4-BE49-F238E27FC236}">
-                <a16:creationId xmlns:a16="http://schemas.microsoft.com/office/drawing/2014/main" id="{8B987F12-831A-439E-9B9C-49925DC581E7}"/>
+                <a16:creationId xmlns:a16="http://schemas.microsoft.com/office/drawing/2014/main" xmlns="" id="{FF4B3BB8-20BD-48FF-A345-8E9C6EEC05AB}"/>
               </a:ext>
             </a:extLst>
           </p:cNvPr>
@@ -4577,26 +8872,25 @@
             <a:picLocks noGrp="1" noChangeAspect="1" noChangeArrowheads="1"/>
           </p:cNvPicPr>
           <p:nvPr>
-            <p:ph sz="half" idx="2"/>
+            <p:ph sz="half" idx="1"/>
           </p:nvPr>
         </p:nvPicPr>
         <p:blipFill>
-          <a:blip r:embed="rId2">
+          <a:blip r:embed="rId2" cstate="print">
             <a:extLst>
               <a:ext uri="{28A0092B-C50C-407E-A947-70E740481C1C}">
                 <a14:useLocalDpi xmlns:a14="http://schemas.microsoft.com/office/drawing/2010/main" val="0"/>
               </a:ext>
             </a:extLst>
           </a:blip>
-          <a:srcRect/>
           <a:stretch>
             <a:fillRect/>
           </a:stretch>
         </p:blipFill>
         <p:spPr bwMode="auto">
           <a:xfrm>
-            <a:off x="6172200" y="2516631"/>
-            <a:ext cx="5181600" cy="2969325"/>
+            <a:off x="2589213" y="2809627"/>
+            <a:ext cx="4313237" cy="2426195"/>
           </a:xfrm>
           <a:prstGeom prst="rect">
             <a:avLst/>
@@ -4615,10 +8909,10 @@
       </p:pic>
       <p:pic>
         <p:nvPicPr>
-          <p:cNvPr id="3078" name="Picture 6" descr="https://www.nintendo-difference.com/wp-content/uploads/2021/11/002-4.jpg">
+          <p:cNvPr id="3076" name="Picture 4" descr="https://cdn.akamai.steamstatic.com/steam/apps/1276790/capsule_616x353.jpg?t=1637186196">
             <a:extLst>
               <a:ext uri="{FF2B5EF4-FFF2-40B4-BE49-F238E27FC236}">
-                <a16:creationId xmlns:a16="http://schemas.microsoft.com/office/drawing/2014/main" id="{FF4B3BB8-20BD-48FF-A345-8E9C6EEC05AB}"/>
+                <a16:creationId xmlns:a16="http://schemas.microsoft.com/office/drawing/2014/main" xmlns="" id="{8B987F12-831A-439E-9B9C-49925DC581E7}"/>
               </a:ext>
             </a:extLst>
           </p:cNvPr>
@@ -4626,7 +8920,7 @@
             <a:picLocks noGrp="1" noChangeAspect="1" noChangeArrowheads="1"/>
           </p:cNvPicPr>
           <p:nvPr>
-            <p:ph sz="half" idx="1"/>
+            <p:ph sz="half" idx="2"/>
           </p:nvPr>
         </p:nvPicPr>
         <p:blipFill>
@@ -4637,15 +8931,14 @@
               </a:ext>
             </a:extLst>
           </a:blip>
-          <a:srcRect/>
           <a:stretch>
             <a:fillRect/>
           </a:stretch>
         </p:blipFill>
         <p:spPr bwMode="auto">
           <a:xfrm>
-            <a:off x="838200" y="2543969"/>
-            <a:ext cx="5181600" cy="2914650"/>
+            <a:off x="7191375" y="2778933"/>
+            <a:ext cx="4313238" cy="2471709"/>
           </a:xfrm>
           <a:prstGeom prst="rect">
             <a:avLst/>
@@ -4667,7 +8960,7 @@
           <p:cNvPr id="8" name="ZoneTexte 7">
             <a:extLst>
               <a:ext uri="{FF2B5EF4-FFF2-40B4-BE49-F238E27FC236}">
-                <a16:creationId xmlns:a16="http://schemas.microsoft.com/office/drawing/2014/main" id="{B1292441-3F9F-4A56-8630-008E95063494}"/>
+                <a16:creationId xmlns:a16="http://schemas.microsoft.com/office/drawing/2014/main" xmlns="" id="{B1292441-3F9F-4A56-8630-008E95063494}"/>
               </a:ext>
             </a:extLst>
           </p:cNvPr>
@@ -4722,7 +9015,7 @@
           <p:cNvPr id="9" name="ZoneTexte 8">
             <a:extLst>
               <a:ext uri="{FF2B5EF4-FFF2-40B4-BE49-F238E27FC236}">
-                <a16:creationId xmlns:a16="http://schemas.microsoft.com/office/drawing/2014/main" id="{53CF2C25-DCD9-4E30-B3BC-8B42D9CE6246}"/>
+                <a16:creationId xmlns:a16="http://schemas.microsoft.com/office/drawing/2014/main" xmlns="" id="{53CF2C25-DCD9-4E30-B3BC-8B42D9CE6246}"/>
               </a:ext>
             </a:extLst>
           </p:cNvPr>
@@ -4811,7 +9104,7 @@
           <p:cNvPr id="2" name="Titre 1">
             <a:extLst>
               <a:ext uri="{FF2B5EF4-FFF2-40B4-BE49-F238E27FC236}">
-                <a16:creationId xmlns:a16="http://schemas.microsoft.com/office/drawing/2014/main" id="{B389C232-4101-458B-963E-2DEC435F526C}"/>
+                <a16:creationId xmlns:a16="http://schemas.microsoft.com/office/drawing/2014/main" xmlns="" id="{CF8A4BDF-9C69-4AFB-AC72-800DC1901A30}"/>
               </a:ext>
             </a:extLst>
           </p:cNvPr>
@@ -4823,130 +9116,6 @@
           </p:nvPr>
         </p:nvSpPr>
         <p:spPr/>
-        <p:txBody>
-          <a:bodyPr/>
-          <a:lstStyle/>
-          <a:p>
-            <a:r>
-              <a:rPr lang="fr-FR" dirty="0" err="1"/>
-              <a:t>Core</a:t>
-            </a:r>
-            <a:r>
-              <a:rPr lang="fr-FR" dirty="0"/>
-              <a:t> </a:t>
-            </a:r>
-            <a:r>
-              <a:rPr lang="fr-FR" dirty="0" err="1"/>
-              <a:t>mechanics</a:t>
-            </a:r>
-            <a:endParaRPr lang="fr-FR" dirty="0"/>
-          </a:p>
-        </p:txBody>
-      </p:sp>
-      <p:sp>
-        <p:nvSpPr>
-          <p:cNvPr id="6" name="Espace réservé du contenu 5">
-            <a:extLst>
-              <a:ext uri="{FF2B5EF4-FFF2-40B4-BE49-F238E27FC236}">
-                <a16:creationId xmlns:a16="http://schemas.microsoft.com/office/drawing/2014/main" id="{50753167-D28B-40EF-9A91-FD0A364E3387}"/>
-              </a:ext>
-            </a:extLst>
-          </p:cNvPr>
-          <p:cNvSpPr>
-            <a:spLocks noGrp="1"/>
-          </p:cNvSpPr>
-          <p:nvPr>
-            <p:ph idx="1"/>
-          </p:nvPr>
-        </p:nvSpPr>
-        <p:spPr/>
-        <p:txBody>
-          <a:bodyPr/>
-          <a:lstStyle/>
-          <a:p>
-            <a:r>
-              <a:rPr lang="fr-FR" dirty="0"/>
-              <a:t>Le joueur contrôle un avatar et parcourt un world quadrillé, il se déplace case par case et à une limite de case qu’il peut parcourir.</a:t>
-            </a:r>
-          </a:p>
-          <a:p>
-            <a:pPr marL="0" indent="0">
-              <a:buNone/>
-            </a:pPr>
-            <a:r>
-              <a:rPr lang="fr-FR" dirty="0"/>
-              <a:t> </a:t>
-            </a:r>
-          </a:p>
-          <a:p>
-            <a:r>
-              <a:rPr lang="fr-FR" dirty="0"/>
-              <a:t>La topologie du world évolue en fonction des mouvements du joueurs</a:t>
-            </a:r>
-          </a:p>
-          <a:p>
-            <a:endParaRPr lang="fr-FR" dirty="0"/>
-          </a:p>
-          <a:p>
-            <a:r>
-              <a:rPr lang="fr-FR" dirty="0"/>
-              <a:t>Lorsque le joueur consomme tous ses déplacements, les éléments du monde et son avatar sont renvoyé à leur position d'origine. </a:t>
-            </a:r>
-          </a:p>
-        </p:txBody>
-      </p:sp>
-    </p:spTree>
-    <p:extLst>
-      <p:ext uri="{BB962C8B-B14F-4D97-AF65-F5344CB8AC3E}">
-        <p14:creationId xmlns:p14="http://schemas.microsoft.com/office/powerpoint/2010/main" val="2483118731"/>
-      </p:ext>
-    </p:extLst>
-  </p:cSld>
-  <p:clrMapOvr>
-    <a:masterClrMapping/>
-  </p:clrMapOvr>
-</p:sld>
-</file>
-
-<file path=ppt/slides/slide9.xml><?xml version="1.0" encoding="utf-8"?>
-<p:sld xmlns:a="http://schemas.openxmlformats.org/drawingml/2006/main" xmlns:r="http://schemas.openxmlformats.org/officeDocument/2006/relationships" xmlns:p="http://schemas.openxmlformats.org/presentationml/2006/main">
-  <p:cSld>
-    <p:spTree>
-      <p:nvGrpSpPr>
-        <p:cNvPr id="1" name=""/>
-        <p:cNvGrpSpPr/>
-        <p:nvPr/>
-      </p:nvGrpSpPr>
-      <p:grpSpPr>
-        <a:xfrm>
-          <a:off x="0" y="0"/>
-          <a:ext cx="0" cy="0"/>
-          <a:chOff x="0" y="0"/>
-          <a:chExt cx="0" cy="0"/>
-        </a:xfrm>
-      </p:grpSpPr>
-      <p:sp>
-        <p:nvSpPr>
-          <p:cNvPr id="2" name="Titre 1">
-            <a:extLst>
-              <a:ext uri="{FF2B5EF4-FFF2-40B4-BE49-F238E27FC236}">
-                <a16:creationId xmlns:a16="http://schemas.microsoft.com/office/drawing/2014/main" id="{CF8A4BDF-9C69-4AFB-AC72-800DC1901A30}"/>
-              </a:ext>
-            </a:extLst>
-          </p:cNvPr>
-          <p:cNvSpPr>
-            <a:spLocks noGrp="1"/>
-          </p:cNvSpPr>
-          <p:nvPr>
-            <p:ph type="title"/>
-          </p:nvPr>
-        </p:nvSpPr>
-        <p:spPr>
-          <a:xfrm>
-            <a:off x="838200" y="365125"/>
-            <a:ext cx="10515600" cy="1325563"/>
-          </a:xfrm>
-        </p:spPr>
         <p:txBody>
           <a:bodyPr/>
           <a:lstStyle/>
@@ -4968,7 +9137,7 @@
           <p:cNvPr id="4" name="Espace réservé du contenu 3">
             <a:extLst>
               <a:ext uri="{FF2B5EF4-FFF2-40B4-BE49-F238E27FC236}">
-                <a16:creationId xmlns:a16="http://schemas.microsoft.com/office/drawing/2014/main" id="{7E3B1450-1310-499D-A510-95A29732D715}"/>
+                <a16:creationId xmlns:a16="http://schemas.microsoft.com/office/drawing/2014/main" xmlns="" id="{7E3B1450-1310-499D-A510-95A29732D715}"/>
               </a:ext>
             </a:extLst>
           </p:cNvPr>
@@ -5008,10 +9177,172 @@
 </p:sld>
 </file>
 
+<file path=ppt/slides/slide9.xml><?xml version="1.0" encoding="utf-8"?>
+<p:sld xmlns:a="http://schemas.openxmlformats.org/drawingml/2006/main" xmlns:r="http://schemas.openxmlformats.org/officeDocument/2006/relationships" xmlns:p="http://schemas.openxmlformats.org/presentationml/2006/main">
+  <p:cSld>
+    <p:spTree>
+      <p:nvGrpSpPr>
+        <p:cNvPr id="1" name=""/>
+        <p:cNvGrpSpPr/>
+        <p:nvPr/>
+      </p:nvGrpSpPr>
+      <p:grpSpPr>
+        <a:xfrm>
+          <a:off x="0" y="0"/>
+          <a:ext cx="0" cy="0"/>
+          <a:chOff x="0" y="0"/>
+          <a:chExt cx="0" cy="0"/>
+        </a:xfrm>
+      </p:grpSpPr>
+      <p:sp>
+        <p:nvSpPr>
+          <p:cNvPr id="2" name="Titre 1">
+            <a:extLst>
+              <a:ext uri="{FF2B5EF4-FFF2-40B4-BE49-F238E27FC236}">
+                <a16:creationId xmlns:a16="http://schemas.microsoft.com/office/drawing/2014/main" xmlns="" id="{84241AA3-265C-49A6-995B-7060E3AE5B5A}"/>
+              </a:ext>
+            </a:extLst>
+          </p:cNvPr>
+          <p:cNvSpPr>
+            <a:spLocks noGrp="1"/>
+          </p:cNvSpPr>
+          <p:nvPr>
+            <p:ph type="title"/>
+          </p:nvPr>
+        </p:nvSpPr>
+        <p:spPr/>
+        <p:txBody>
+          <a:bodyPr/>
+          <a:lstStyle/>
+          <a:p>
+            <a:r>
+              <a:rPr lang="fr-FR" dirty="0"/>
+              <a:t>Perspective d’avenir/avancement projet</a:t>
+            </a:r>
+          </a:p>
+        </p:txBody>
+      </p:sp>
+      <p:sp>
+        <p:nvSpPr>
+          <p:cNvPr id="3" name="Espace réservé du contenu 2">
+            <a:extLst>
+              <a:ext uri="{FF2B5EF4-FFF2-40B4-BE49-F238E27FC236}">
+                <a16:creationId xmlns:a16="http://schemas.microsoft.com/office/drawing/2014/main" xmlns="" id="{D7C8A4AA-F3A5-4C52-B220-969A86683A5B}"/>
+              </a:ext>
+            </a:extLst>
+          </p:cNvPr>
+          <p:cNvSpPr>
+            <a:spLocks noGrp="1"/>
+          </p:cNvSpPr>
+          <p:nvPr>
+            <p:ph sz="half" idx="1"/>
+          </p:nvPr>
+        </p:nvSpPr>
+        <p:spPr/>
+        <p:txBody>
+          <a:bodyPr/>
+          <a:lstStyle/>
+          <a:p>
+            <a:endParaRPr lang="fr-FR" dirty="0"/>
+          </a:p>
+          <a:p>
+            <a:endParaRPr lang="fr-FR" dirty="0"/>
+          </a:p>
+          <a:p>
+            <a:r>
+              <a:rPr lang="fr-FR" dirty="0" smtClean="0"/>
+              <a:t>Puzzle Game 3D</a:t>
+            </a:r>
+          </a:p>
+          <a:p>
+            <a:endParaRPr lang="fr-FR" dirty="0" smtClean="0"/>
+          </a:p>
+          <a:p>
+            <a:r>
+              <a:rPr lang="fr-FR" dirty="0"/>
+              <a:t>T</a:t>
+            </a:r>
+            <a:r>
+              <a:rPr lang="fr-FR" dirty="0" smtClean="0"/>
+              <a:t>ravail de Level Design</a:t>
+            </a:r>
+          </a:p>
+          <a:p>
+            <a:endParaRPr lang="fr-FR" dirty="0"/>
+          </a:p>
+          <a:p>
+            <a:endParaRPr lang="fr-FR" dirty="0"/>
+          </a:p>
+          <a:p>
+            <a:endParaRPr lang="fr-FR" dirty="0"/>
+          </a:p>
+        </p:txBody>
+      </p:sp>
+      <p:sp>
+        <p:nvSpPr>
+          <p:cNvPr id="4" name="Espace réservé du contenu 3"/>
+          <p:cNvSpPr>
+            <a:spLocks noGrp="1"/>
+          </p:cNvSpPr>
+          <p:nvPr>
+            <p:ph sz="half" idx="2"/>
+          </p:nvPr>
+        </p:nvSpPr>
+        <p:spPr/>
+        <p:txBody>
+          <a:bodyPr/>
+          <a:lstStyle/>
+          <a:p>
+            <a:endParaRPr lang="fr-FR" dirty="0" smtClean="0"/>
+          </a:p>
+          <a:p>
+            <a:endParaRPr lang="fr-FR" dirty="0" smtClean="0"/>
+          </a:p>
+          <a:p>
+            <a:r>
+              <a:rPr lang="fr-FR" dirty="0" smtClean="0"/>
+              <a:t>RGD et recherche d’ingrédient</a:t>
+            </a:r>
+          </a:p>
+          <a:p>
+            <a:endParaRPr lang="fr-FR" dirty="0"/>
+          </a:p>
+          <a:p>
+            <a:r>
+              <a:rPr lang="fr-FR" dirty="0" smtClean="0"/>
+              <a:t>Level Editor et Outils dans </a:t>
+            </a:r>
+            <a:r>
+              <a:rPr lang="fr-FR" dirty="0" err="1" smtClean="0"/>
+              <a:t>Unity</a:t>
+            </a:r>
+            <a:endParaRPr lang="fr-FR" dirty="0" smtClean="0"/>
+          </a:p>
+          <a:p>
+            <a:endParaRPr lang="fr-FR" dirty="0" smtClean="0"/>
+          </a:p>
+          <a:p>
+            <a:endParaRPr lang="fr-FR" dirty="0"/>
+          </a:p>
+        </p:txBody>
+      </p:sp>
+    </p:spTree>
+    <p:extLst>
+      <p:ext uri="{BB962C8B-B14F-4D97-AF65-F5344CB8AC3E}">
+        <p14:creationId xmlns:p14="http://schemas.microsoft.com/office/powerpoint/2010/main" val="768694219"/>
+      </p:ext>
+    </p:extLst>
+  </p:cSld>
+  <p:clrMapOvr>
+    <a:masterClrMapping/>
+  </p:clrMapOvr>
+</p:sld>
+</file>
+
 <file path=ppt/theme/theme1.xml><?xml version="1.0" encoding="utf-8"?>
-<a:theme xmlns:a="http://schemas.openxmlformats.org/drawingml/2006/main" name="Thème Office">
+<a:theme xmlns:a="http://schemas.openxmlformats.org/drawingml/2006/main" name="Brin">
   <a:themeElements>
-    <a:clrScheme name="Office">
+    <a:clrScheme name="Brin">
       <a:dk1>
         <a:sysClr val="windowText" lastClr="000000"/>
       </a:dk1>
@@ -5019,100 +9350,48 @@
         <a:sysClr val="window" lastClr="FFFFFF"/>
       </a:lt1>
       <a:dk2>
-        <a:srgbClr val="44546A"/>
+        <a:srgbClr val="766F54"/>
       </a:dk2>
       <a:lt2>
-        <a:srgbClr val="E7E6E6"/>
+        <a:srgbClr val="E3EACF"/>
       </a:lt2>
       <a:accent1>
-        <a:srgbClr val="4472C4"/>
+        <a:srgbClr val="A53010"/>
       </a:accent1>
       <a:accent2>
-        <a:srgbClr val="ED7D31"/>
+        <a:srgbClr val="DE7E18"/>
       </a:accent2>
       <a:accent3>
-        <a:srgbClr val="A5A5A5"/>
+        <a:srgbClr val="9F8351"/>
       </a:accent3>
       <a:accent4>
-        <a:srgbClr val="FFC000"/>
+        <a:srgbClr val="728653"/>
       </a:accent4>
       <a:accent5>
-        <a:srgbClr val="5B9BD5"/>
+        <a:srgbClr val="92AA4C"/>
       </a:accent5>
       <a:accent6>
-        <a:srgbClr val="70AD47"/>
+        <a:srgbClr val="6AAC91"/>
       </a:accent6>
       <a:hlink>
-        <a:srgbClr val="0563C1"/>
+        <a:srgbClr val="FB4A18"/>
       </a:hlink>
       <a:folHlink>
-        <a:srgbClr val="954F72"/>
+        <a:srgbClr val="FB9318"/>
       </a:folHlink>
     </a:clrScheme>
-    <a:fontScheme name="Office">
+    <a:fontScheme name="Brin">
       <a:majorFont>
-        <a:latin typeface="Calibri Light" panose="020F0302020204030204"/>
+        <a:latin typeface="Century Gothic" panose="020B0502020202020204"/>
         <a:ea typeface=""/>
         <a:cs typeface=""/>
-        <a:font script="Jpan" typeface="游ゴシック Light"/>
-        <a:font script="Hang" typeface="맑은 고딕"/>
-        <a:font script="Hans" typeface="等线 Light"/>
-        <a:font script="Hant" typeface="新細明體"/>
-        <a:font script="Arab" typeface="Times New Roman"/>
-        <a:font script="Hebr" typeface="Times New Roman"/>
-        <a:font script="Thai" typeface="Angsana New"/>
-        <a:font script="Ethi" typeface="Nyala"/>
-        <a:font script="Beng" typeface="Vrinda"/>
-        <a:font script="Gujr" typeface="Shruti"/>
-        <a:font script="Khmr" typeface="MoolBoran"/>
-        <a:font script="Knda" typeface="Tunga"/>
-        <a:font script="Guru" typeface="Raavi"/>
-        <a:font script="Cans" typeface="Euphemia"/>
-        <a:font script="Cher" typeface="Plantagenet Cherokee"/>
-        <a:font script="Yiii" typeface="Microsoft Yi Baiti"/>
-        <a:font script="Tibt" typeface="Microsoft Himalaya"/>
-        <a:font script="Thaa" typeface="MV Boli"/>
-        <a:font script="Deva" typeface="Mangal"/>
-        <a:font script="Telu" typeface="Gautami"/>
-        <a:font script="Taml" typeface="Latha"/>
-        <a:font script="Syrc" typeface="Estrangelo Edessa"/>
-        <a:font script="Orya" typeface="Kalinga"/>
-        <a:font script="Mlym" typeface="Kartika"/>
-        <a:font script="Laoo" typeface="DokChampa"/>
-        <a:font script="Sinh" typeface="Iskoola Pota"/>
-        <a:font script="Mong" typeface="Mongolian Baiti"/>
-        <a:font script="Viet" typeface="Times New Roman"/>
-        <a:font script="Uigh" typeface="Microsoft Uighur"/>
-        <a:font script="Geor" typeface="Sylfaen"/>
-        <a:font script="Armn" typeface="Arial"/>
-        <a:font script="Bugi" typeface="Leelawadee UI"/>
-        <a:font script="Bopo" typeface="Microsoft JhengHei"/>
-        <a:font script="Java" typeface="Javanese Text"/>
-        <a:font script="Lisu" typeface="Segoe UI"/>
-        <a:font script="Mymr" typeface="Myanmar Text"/>
-        <a:font script="Nkoo" typeface="Ebrima"/>
-        <a:font script="Olck" typeface="Nirmala UI"/>
-        <a:font script="Osma" typeface="Ebrima"/>
-        <a:font script="Phag" typeface="Phagspa"/>
-        <a:font script="Syrn" typeface="Estrangelo Edessa"/>
-        <a:font script="Syrj" typeface="Estrangelo Edessa"/>
-        <a:font script="Syre" typeface="Estrangelo Edessa"/>
-        <a:font script="Sora" typeface="Nirmala UI"/>
-        <a:font script="Tale" typeface="Microsoft Tai Le"/>
-        <a:font script="Talu" typeface="Microsoft New Tai Lue"/>
-        <a:font script="Tfng" typeface="Ebrima"/>
-      </a:majorFont>
-      <a:minorFont>
-        <a:latin typeface="Calibri" panose="020F0502020204030204"/>
-        <a:ea typeface=""/>
-        <a:cs typeface=""/>
-        <a:font script="Jpan" typeface="游ゴシック"/>
-        <a:font script="Hang" typeface="맑은 고딕"/>
-        <a:font script="Hans" typeface="等线"/>
-        <a:font script="Hant" typeface="新細明體"/>
-        <a:font script="Arab" typeface="Arial"/>
-        <a:font script="Hebr" typeface="Arial"/>
-        <a:font script="Thai" typeface="Cordia New"/>
+        <a:font script="Jpan" typeface="メイリオ"/>
+        <a:font script="Hang" typeface="HY중고딕"/>
+        <a:font script="Hans" typeface="幼圆"/>
+        <a:font script="Hant" typeface="微軟正黑體"/>
+        <a:font script="Arab" typeface="Tahoma"/>
+        <a:font script="Hebr" typeface="Gisha"/>
+        <a:font script="Thai" typeface="DilleniaUPC"/>
         <a:font script="Ethi" typeface="Nyala"/>
         <a:font script="Beng" typeface="Vrinda"/>
         <a:font script="Gujr" typeface="Shruti"/>
@@ -5133,30 +9412,121 @@
         <a:font script="Laoo" typeface="DokChampa"/>
         <a:font script="Sinh" typeface="Iskoola Pota"/>
         <a:font script="Mong" typeface="Mongolian Baiti"/>
-        <a:font script="Viet" typeface="Arial"/>
+        <a:font script="Viet" typeface="Tahoma"/>
         <a:font script="Uigh" typeface="Microsoft Uighur"/>
         <a:font script="Geor" typeface="Sylfaen"/>
-        <a:font script="Armn" typeface="Arial"/>
-        <a:font script="Bugi" typeface="Leelawadee UI"/>
-        <a:font script="Bopo" typeface="Microsoft JhengHei"/>
-        <a:font script="Java" typeface="Javanese Text"/>
-        <a:font script="Lisu" typeface="Segoe UI"/>
-        <a:font script="Mymr" typeface="Myanmar Text"/>
-        <a:font script="Nkoo" typeface="Ebrima"/>
-        <a:font script="Olck" typeface="Nirmala UI"/>
-        <a:font script="Osma" typeface="Ebrima"/>
-        <a:font script="Phag" typeface="Phagspa"/>
-        <a:font script="Syrn" typeface="Estrangelo Edessa"/>
-        <a:font script="Syrj" typeface="Estrangelo Edessa"/>
-        <a:font script="Syre" typeface="Estrangelo Edessa"/>
-        <a:font script="Sora" typeface="Nirmala UI"/>
-        <a:font script="Tale" typeface="Microsoft Tai Le"/>
-        <a:font script="Talu" typeface="Microsoft New Tai Lue"/>
-        <a:font script="Tfng" typeface="Ebrima"/>
+      </a:majorFont>
+      <a:minorFont>
+        <a:latin typeface="Century Gothic" panose="020B0502020202020204"/>
+        <a:ea typeface=""/>
+        <a:cs typeface=""/>
+        <a:font script="Jpan" typeface="メイリオ"/>
+        <a:font script="Hang" typeface="HY중고딕"/>
+        <a:font script="Hans" typeface="幼圆"/>
+        <a:font script="Hant" typeface="微軟正黑體"/>
+        <a:font script="Arab" typeface="Tahoma"/>
+        <a:font script="Hebr" typeface="Gisha"/>
+        <a:font script="Thai" typeface="DilleniaUPC"/>
+        <a:font script="Ethi" typeface="Nyala"/>
+        <a:font script="Beng" typeface="Vrinda"/>
+        <a:font script="Gujr" typeface="Shruti"/>
+        <a:font script="Khmr" typeface="DaunPenh"/>
+        <a:font script="Knda" typeface="Tunga"/>
+        <a:font script="Guru" typeface="Raavi"/>
+        <a:font script="Cans" typeface="Euphemia"/>
+        <a:font script="Cher" typeface="Plantagenet Cherokee"/>
+        <a:font script="Yiii" typeface="Microsoft Yi Baiti"/>
+        <a:font script="Tibt" typeface="Microsoft Himalaya"/>
+        <a:font script="Thaa" typeface="MV Boli"/>
+        <a:font script="Deva" typeface="Mangal"/>
+        <a:font script="Telu" typeface="Gautami"/>
+        <a:font script="Taml" typeface="Latha"/>
+        <a:font script="Syrc" typeface="Estrangelo Edessa"/>
+        <a:font script="Orya" typeface="Kalinga"/>
+        <a:font script="Mlym" typeface="Kartika"/>
+        <a:font script="Laoo" typeface="DokChampa"/>
+        <a:font script="Sinh" typeface="Iskoola Pota"/>
+        <a:font script="Mong" typeface="Mongolian Baiti"/>
+        <a:font script="Viet" typeface="Tahoma"/>
+        <a:font script="Uigh" typeface="Microsoft Uighur"/>
+        <a:font script="Geor" typeface="Sylfaen"/>
       </a:minorFont>
     </a:fontScheme>
-    <a:fmtScheme name="Office">
+    <a:fmtScheme name="Brin">
       <a:fillStyleLst>
+        <a:solidFill>
+          <a:schemeClr val="phClr"/>
+        </a:solidFill>
+        <a:solidFill>
+          <a:schemeClr val="phClr">
+            <a:tint val="70000"/>
+            <a:lumMod val="104000"/>
+          </a:schemeClr>
+        </a:solidFill>
+        <a:gradFill rotWithShape="1">
+          <a:gsLst>
+            <a:gs pos="0">
+              <a:schemeClr val="phClr">
+                <a:tint val="96000"/>
+                <a:lumMod val="104000"/>
+              </a:schemeClr>
+            </a:gs>
+            <a:gs pos="100000">
+              <a:schemeClr val="phClr">
+                <a:shade val="98000"/>
+                <a:lumMod val="94000"/>
+              </a:schemeClr>
+            </a:gs>
+          </a:gsLst>
+          <a:lin ang="5400000" scaled="0"/>
+        </a:gradFill>
+      </a:fillStyleLst>
+      <a:lnStyleLst>
+        <a:ln w="9525" cap="rnd" cmpd="sng" algn="ctr">
+          <a:solidFill>
+            <a:schemeClr val="phClr">
+              <a:shade val="90000"/>
+            </a:schemeClr>
+          </a:solidFill>
+          <a:prstDash val="solid"/>
+        </a:ln>
+        <a:ln w="15875" cap="rnd" cmpd="sng" algn="ctr">
+          <a:solidFill>
+            <a:schemeClr val="phClr"/>
+          </a:solidFill>
+          <a:prstDash val="solid"/>
+        </a:ln>
+        <a:ln w="22225" cap="rnd" cmpd="sng" algn="ctr">
+          <a:solidFill>
+            <a:schemeClr val="phClr"/>
+          </a:solidFill>
+          <a:prstDash val="solid"/>
+        </a:ln>
+      </a:lnStyleLst>
+      <a:effectStyleLst>
+        <a:effectStyle>
+          <a:effectLst/>
+        </a:effectStyle>
+        <a:effectStyle>
+          <a:effectLst>
+            <a:outerShdw blurRad="38100" dist="25400" dir="5400000" rotWithShape="0">
+              <a:srgbClr val="000000">
+                <a:alpha val="25000"/>
+              </a:srgbClr>
+            </a:outerShdw>
+          </a:effectLst>
+        </a:effectStyle>
+        <a:effectStyle>
+          <a:effectLst>
+            <a:outerShdw blurRad="50800" dist="38100" dir="5400000" rotWithShape="0">
+              <a:srgbClr val="000000">
+                <a:alpha val="60000"/>
+              </a:srgbClr>
+            </a:outerShdw>
+          </a:effectLst>
+        </a:effectStyle>
+      </a:effectStyleLst>
+      <a:bgFillStyleLst>
         <a:solidFill>
           <a:schemeClr val="phClr"/>
         </a:solidFill>
@@ -5164,23 +9534,15 @@
           <a:gsLst>
             <a:gs pos="0">
               <a:schemeClr val="phClr">
-                <a:lumMod val="110000"/>
-                <a:satMod val="105000"/>
-                <a:tint val="67000"/>
-              </a:schemeClr>
-            </a:gs>
-            <a:gs pos="50000">
-              <a:schemeClr val="phClr">
-                <a:lumMod val="105000"/>
-                <a:satMod val="103000"/>
-                <a:tint val="73000"/>
+                <a:tint val="90000"/>
+                <a:lumMod val="120000"/>
               </a:schemeClr>
             </a:gs>
             <a:gs pos="100000">
               <a:schemeClr val="phClr">
-                <a:lumMod val="105000"/>
-                <a:satMod val="109000"/>
-                <a:tint val="81000"/>
+                <a:shade val="98000"/>
+                <a:satMod val="120000"/>
+                <a:lumMod val="98000"/>
               </a:schemeClr>
             </a:gs>
           </a:gsLst>
@@ -5190,105 +9552,22 @@
           <a:gsLst>
             <a:gs pos="0">
               <a:schemeClr val="phClr">
-                <a:satMod val="103000"/>
-                <a:lumMod val="102000"/>
-                <a:tint val="94000"/>
-              </a:schemeClr>
-            </a:gs>
-            <a:gs pos="50000">
-              <a:schemeClr val="phClr">
-                <a:satMod val="110000"/>
-                <a:lumMod val="100000"/>
-                <a:shade val="100000"/>
+                <a:tint val="90000"/>
+                <a:satMod val="92000"/>
+                <a:lumMod val="120000"/>
               </a:schemeClr>
             </a:gs>
             <a:gs pos="100000">
               <a:schemeClr val="phClr">
-                <a:lumMod val="99000"/>
+                <a:shade val="98000"/>
                 <a:satMod val="120000"/>
-                <a:shade val="78000"/>
+                <a:lumMod val="98000"/>
               </a:schemeClr>
             </a:gs>
           </a:gsLst>
-          <a:lin ang="5400000" scaled="0"/>
-        </a:gradFill>
-      </a:fillStyleLst>
-      <a:lnStyleLst>
-        <a:ln w="6350" cap="flat" cmpd="sng" algn="ctr">
-          <a:solidFill>
-            <a:schemeClr val="phClr"/>
-          </a:solidFill>
-          <a:prstDash val="solid"/>
-          <a:miter lim="800000"/>
-        </a:ln>
-        <a:ln w="12700" cap="flat" cmpd="sng" algn="ctr">
-          <a:solidFill>
-            <a:schemeClr val="phClr"/>
-          </a:solidFill>
-          <a:prstDash val="solid"/>
-          <a:miter lim="800000"/>
-        </a:ln>
-        <a:ln w="19050" cap="flat" cmpd="sng" algn="ctr">
-          <a:solidFill>
-            <a:schemeClr val="phClr"/>
-          </a:solidFill>
-          <a:prstDash val="solid"/>
-          <a:miter lim="800000"/>
-        </a:ln>
-      </a:lnStyleLst>
-      <a:effectStyleLst>
-        <a:effectStyle>
-          <a:effectLst/>
-        </a:effectStyle>
-        <a:effectStyle>
-          <a:effectLst/>
-        </a:effectStyle>
-        <a:effectStyle>
-          <a:effectLst>
-            <a:outerShdw blurRad="57150" dist="19050" dir="5400000" algn="ctr" rotWithShape="0">
-              <a:srgbClr val="000000">
-                <a:alpha val="63000"/>
-              </a:srgbClr>
-            </a:outerShdw>
-          </a:effectLst>
-        </a:effectStyle>
-      </a:effectStyleLst>
-      <a:bgFillStyleLst>
-        <a:solidFill>
-          <a:schemeClr val="phClr"/>
-        </a:solidFill>
-        <a:solidFill>
-          <a:schemeClr val="phClr">
-            <a:tint val="95000"/>
-            <a:satMod val="170000"/>
-          </a:schemeClr>
-        </a:solidFill>
-        <a:gradFill rotWithShape="1">
-          <a:gsLst>
-            <a:gs pos="0">
-              <a:schemeClr val="phClr">
-                <a:tint val="93000"/>
-                <a:satMod val="150000"/>
-                <a:shade val="98000"/>
-                <a:lumMod val="102000"/>
-              </a:schemeClr>
-            </a:gs>
-            <a:gs pos="50000">
-              <a:schemeClr val="phClr">
-                <a:tint val="98000"/>
-                <a:satMod val="130000"/>
-                <a:shade val="90000"/>
-                <a:lumMod val="103000"/>
-              </a:schemeClr>
-            </a:gs>
-            <a:gs pos="100000">
-              <a:schemeClr val="phClr">
-                <a:shade val="63000"/>
-                <a:satMod val="120000"/>
-              </a:schemeClr>
-            </a:gs>
-          </a:gsLst>
-          <a:lin ang="5400000" scaled="0"/>
+          <a:path path="circle">
+            <a:fillToRect l="50000" t="50000" r="100000" b="100000"/>
+          </a:path>
         </a:gradFill>
       </a:bgFillStyleLst>
     </a:fmtScheme>
@@ -5297,7 +9576,7 @@
   <a:extraClrSchemeLst/>
   <a:extLst>
     <a:ext uri="{05A4C25C-085E-4340-85A3-A5531E510DB2}">
-      <thm15:themeFamily xmlns:thm15="http://schemas.microsoft.com/office/thememl/2012/main" name="Office Theme" id="{62F939B6-93AF-4DB8-9C6B-D6C7DFDC589F}" vid="{4A3C46E8-61CC-4603-A589-7422A47A8E4A}"/>
+      <thm15:themeFamily xmlns:thm15="http://schemas.microsoft.com/office/thememl/2012/main" name="Wisp" id="{7CB32D59-10C0-40DD-B7BD-2E94284A981C}" vid="{24B1A44C-C006-48B2-A4D7-E5549B3D8CD4}"/>
     </a:ext>
   </a:extLst>
 </a:theme>

--- a/Documents/Prez/Phainiks.pptx
+++ b/Documents/Prez/Phainiks.pptx
@@ -7689,7 +7689,7 @@
           <p:cNvPr id="2" name="Titre 1">
             <a:extLst>
               <a:ext uri="{FF2B5EF4-FFF2-40B4-BE49-F238E27FC236}">
-                <a16:creationId xmlns:a16="http://schemas.microsoft.com/office/drawing/2014/main" xmlns="" id="{BCA55924-3156-483C-BFDF-A01B5FDC85A6}"/>
+                <a16:creationId xmlns="" xmlns:a16="http://schemas.microsoft.com/office/drawing/2014/main" id="{BCA55924-3156-483C-BFDF-A01B5FDC85A6}"/>
               </a:ext>
             </a:extLst>
           </p:cNvPr>
@@ -7718,7 +7718,7 @@
           <p:cNvPr id="3" name="Sous-titre 2">
             <a:extLst>
               <a:ext uri="{FF2B5EF4-FFF2-40B4-BE49-F238E27FC236}">
-                <a16:creationId xmlns:a16="http://schemas.microsoft.com/office/drawing/2014/main" xmlns="" id="{3A945783-3908-4488-BAAD-0C4BDEB58A44}"/>
+                <a16:creationId xmlns="" xmlns:a16="http://schemas.microsoft.com/office/drawing/2014/main" id="{3A945783-3908-4488-BAAD-0C4BDEB58A44}"/>
               </a:ext>
             </a:extLst>
           </p:cNvPr>
@@ -7776,7 +7776,7 @@
           <p:cNvPr id="2" name="Titre 1">
             <a:extLst>
               <a:ext uri="{FF2B5EF4-FFF2-40B4-BE49-F238E27FC236}">
-                <a16:creationId xmlns:a16="http://schemas.microsoft.com/office/drawing/2014/main" xmlns="" id="{ABF1725B-46F3-4141-82BD-60F7ABF49059}"/>
+                <a16:creationId xmlns="" xmlns:a16="http://schemas.microsoft.com/office/drawing/2014/main" id="{ABF1725B-46F3-4141-82BD-60F7ABF49059}"/>
               </a:ext>
             </a:extLst>
           </p:cNvPr>
@@ -7804,7 +7804,7 @@
           <p:cNvPr id="3" name="Espace réservé du contenu 2">
             <a:extLst>
               <a:ext uri="{FF2B5EF4-FFF2-40B4-BE49-F238E27FC236}">
-                <a16:creationId xmlns:a16="http://schemas.microsoft.com/office/drawing/2014/main" xmlns="" id="{BE91B0A3-C419-49B5-8447-613E8708AE00}"/>
+                <a16:creationId xmlns="" xmlns:a16="http://schemas.microsoft.com/office/drawing/2014/main" id="{BE91B0A3-C419-49B5-8447-613E8708AE00}"/>
               </a:ext>
             </a:extLst>
           </p:cNvPr>
@@ -7949,7 +7949,7 @@
           <p:cNvPr id="2" name="Titre 1">
             <a:extLst>
               <a:ext uri="{FF2B5EF4-FFF2-40B4-BE49-F238E27FC236}">
-                <a16:creationId xmlns:a16="http://schemas.microsoft.com/office/drawing/2014/main" xmlns="" id="{7B7E37D8-D604-4081-BC32-2961BB34D7C5}"/>
+                <a16:creationId xmlns="" xmlns:a16="http://schemas.microsoft.com/office/drawing/2014/main" id="{7B7E37D8-D604-4081-BC32-2961BB34D7C5}"/>
               </a:ext>
             </a:extLst>
           </p:cNvPr>
@@ -7977,7 +7977,7 @@
           <p:cNvPr id="4" name="Espace réservé du contenu 3">
             <a:extLst>
               <a:ext uri="{FF2B5EF4-FFF2-40B4-BE49-F238E27FC236}">
-                <a16:creationId xmlns:a16="http://schemas.microsoft.com/office/drawing/2014/main" xmlns="" id="{914AF26B-611D-4D27-864F-75280AAD0DA5}"/>
+                <a16:creationId xmlns="" xmlns:a16="http://schemas.microsoft.com/office/drawing/2014/main" id="{914AF26B-611D-4D27-864F-75280AAD0DA5}"/>
               </a:ext>
             </a:extLst>
           </p:cNvPr>
@@ -8026,7 +8026,7 @@
           <p:cNvPr id="5" name="Espace réservé du contenu 4">
             <a:extLst>
               <a:ext uri="{FF2B5EF4-FFF2-40B4-BE49-F238E27FC236}">
-                <a16:creationId xmlns:a16="http://schemas.microsoft.com/office/drawing/2014/main" xmlns="" id="{4341EAE7-FA46-4FD3-B4E7-D7D4E6598075}"/>
+                <a16:creationId xmlns="" xmlns:a16="http://schemas.microsoft.com/office/drawing/2014/main" id="{4341EAE7-FA46-4FD3-B4E7-D7D4E6598075}"/>
               </a:ext>
             </a:extLst>
           </p:cNvPr>
@@ -8105,7 +8105,7 @@
           <p:cNvPr id="2" name="Titre 1">
             <a:extLst>
               <a:ext uri="{FF2B5EF4-FFF2-40B4-BE49-F238E27FC236}">
-                <a16:creationId xmlns:a16="http://schemas.microsoft.com/office/drawing/2014/main" xmlns="" id="{7B7E37D8-D604-4081-BC32-2961BB34D7C5}"/>
+                <a16:creationId xmlns="" xmlns:a16="http://schemas.microsoft.com/office/drawing/2014/main" id="{7B7E37D8-D604-4081-BC32-2961BB34D7C5}"/>
               </a:ext>
             </a:extLst>
           </p:cNvPr>
@@ -8133,7 +8133,7 @@
           <p:cNvPr id="3" name="Espace réservé du contenu 2">
             <a:extLst>
               <a:ext uri="{FF2B5EF4-FFF2-40B4-BE49-F238E27FC236}">
-                <a16:creationId xmlns:a16="http://schemas.microsoft.com/office/drawing/2014/main" xmlns="" id="{2F472399-789B-4429-983B-25A477EC5895}"/>
+                <a16:creationId xmlns="" xmlns:a16="http://schemas.microsoft.com/office/drawing/2014/main" id="{2F472399-789B-4429-983B-25A477EC5895}"/>
               </a:ext>
             </a:extLst>
           </p:cNvPr>
@@ -8292,7 +8292,7 @@
           <p:cNvPr id="2" name="Titre 1">
             <a:extLst>
               <a:ext uri="{FF2B5EF4-FFF2-40B4-BE49-F238E27FC236}">
-                <a16:creationId xmlns:a16="http://schemas.microsoft.com/office/drawing/2014/main" xmlns="" id="{7B7E37D8-D604-4081-BC32-2961BB34D7C5}"/>
+                <a16:creationId xmlns="" xmlns:a16="http://schemas.microsoft.com/office/drawing/2014/main" id="{7B7E37D8-D604-4081-BC32-2961BB34D7C5}"/>
               </a:ext>
             </a:extLst>
           </p:cNvPr>
@@ -8320,7 +8320,7 @@
           <p:cNvPr id="4" name="Espace réservé du contenu 3">
             <a:extLst>
               <a:ext uri="{FF2B5EF4-FFF2-40B4-BE49-F238E27FC236}">
-                <a16:creationId xmlns:a16="http://schemas.microsoft.com/office/drawing/2014/main" xmlns="" id="{2D3716B2-8C0D-4BE3-8AA6-BFB20D78DDAA}"/>
+                <a16:creationId xmlns="" xmlns:a16="http://schemas.microsoft.com/office/drawing/2014/main" id="{2D3716B2-8C0D-4BE3-8AA6-BFB20D78DDAA}"/>
               </a:ext>
             </a:extLst>
           </p:cNvPr>
@@ -8345,7 +8345,7 @@
           <p:cNvPr id="1030" name="Picture 6" descr="https://cdn2.unrealengine.com/Diesel%2Fproductv2%2Fminit%2Fhome%2FEGS_DEVOLVER_MINIT_N1_newsfeed_primary-2560x1440-318e6762d0f76b27a07b86271b432bbee92fef2b.jpg">
             <a:extLst>
               <a:ext uri="{FF2B5EF4-FFF2-40B4-BE49-F238E27FC236}">
-                <a16:creationId xmlns:a16="http://schemas.microsoft.com/office/drawing/2014/main" xmlns="" id="{100D78ED-98CC-43BB-8808-D68532880F89}"/>
+                <a16:creationId xmlns="" xmlns:a16="http://schemas.microsoft.com/office/drawing/2014/main" id="{100D78ED-98CC-43BB-8808-D68532880F89}"/>
               </a:ext>
             </a:extLst>
           </p:cNvPr>
@@ -8393,7 +8393,7 @@
           <p:cNvPr id="1028" name="Picture 4" descr="https://cdn1.epicgames.com/salesEvent/salesEvent/EGS_DEATHLOOP_ArkaneStudios_S1_2560x1440-bf6d342edbd2411ccf24e326852fca93">
             <a:extLst>
               <a:ext uri="{FF2B5EF4-FFF2-40B4-BE49-F238E27FC236}">
-                <a16:creationId xmlns:a16="http://schemas.microsoft.com/office/drawing/2014/main" xmlns="" id="{2FF4D097-C78A-4F45-AF52-186F4DB3C0D6}"/>
+                <a16:creationId xmlns="" xmlns:a16="http://schemas.microsoft.com/office/drawing/2014/main" id="{2FF4D097-C78A-4F45-AF52-186F4DB3C0D6}"/>
               </a:ext>
             </a:extLst>
           </p:cNvPr>
@@ -8440,7 +8440,7 @@
           <p:cNvPr id="6" name="ZoneTexte 5">
             <a:extLst>
               <a:ext uri="{FF2B5EF4-FFF2-40B4-BE49-F238E27FC236}">
-                <a16:creationId xmlns:a16="http://schemas.microsoft.com/office/drawing/2014/main" xmlns="" id="{2EB0E6AC-F0C7-46FD-83DA-F1FCEFC46EAC}"/>
+                <a16:creationId xmlns="" xmlns:a16="http://schemas.microsoft.com/office/drawing/2014/main" id="{2EB0E6AC-F0C7-46FD-83DA-F1FCEFC46EAC}"/>
               </a:ext>
             </a:extLst>
           </p:cNvPr>
@@ -8464,20 +8464,12 @@
           <a:lstStyle/>
           <a:p>
             <a:r>
-              <a:rPr lang="fr-FR" sz="1400" i="1" dirty="0" err="1"/>
+              <a:rPr lang="fr-FR" sz="1400" i="1" dirty="0"/>
               <a:t>Deathloop</a:t>
             </a:r>
             <a:r>
               <a:rPr lang="fr-FR" sz="1400" dirty="0"/>
-              <a:t>, de </a:t>
-            </a:r>
-            <a:r>
-              <a:rPr lang="fr-FR" sz="1400" dirty="0" err="1"/>
-              <a:t>Arkane</a:t>
-            </a:r>
-            <a:r>
-              <a:rPr lang="fr-FR" sz="1400" dirty="0"/>
-              <a:t> Studios, édité par Bethesda Software, 2021</a:t>
+              <a:t>, de Arkane Studios, édité par Bethesda Software, 2021</a:t>
             </a:r>
           </a:p>
         </p:txBody>
@@ -8487,7 +8479,7 @@
           <p:cNvPr id="7" name="ZoneTexte 6">
             <a:extLst>
               <a:ext uri="{FF2B5EF4-FFF2-40B4-BE49-F238E27FC236}">
-                <a16:creationId xmlns:a16="http://schemas.microsoft.com/office/drawing/2014/main" xmlns="" id="{43F5FAF9-ADAB-4180-8569-6C683968C942}"/>
+                <a16:creationId xmlns="" xmlns:a16="http://schemas.microsoft.com/office/drawing/2014/main" id="{43F5FAF9-ADAB-4180-8569-6C683968C942}"/>
               </a:ext>
             </a:extLst>
           </p:cNvPr>
@@ -8572,7 +8564,7 @@
           <p:cNvPr id="2" name="Titre 1">
             <a:extLst>
               <a:ext uri="{FF2B5EF4-FFF2-40B4-BE49-F238E27FC236}">
-                <a16:creationId xmlns:a16="http://schemas.microsoft.com/office/drawing/2014/main" xmlns="" id="{7B7E37D8-D604-4081-BC32-2961BB34D7C5}"/>
+                <a16:creationId xmlns="" xmlns:a16="http://schemas.microsoft.com/office/drawing/2014/main" id="{7B7E37D8-D604-4081-BC32-2961BB34D7C5}"/>
               </a:ext>
             </a:extLst>
           </p:cNvPr>
@@ -8600,7 +8592,7 @@
           <p:cNvPr id="2052" name="Picture 4" descr="https://assets.nintendo.com/image/upload/ar_16:9,b_auto,c_pad,dpr_3.0,f_auto,q_auto,w_500/b_rgb:ffffff/v1/ncom/fr_CA/games/switch/s/superhot-switch/hero">
             <a:extLst>
               <a:ext uri="{FF2B5EF4-FFF2-40B4-BE49-F238E27FC236}">
-                <a16:creationId xmlns:a16="http://schemas.microsoft.com/office/drawing/2014/main" xmlns="" id="{DE89C4A3-28D5-49D5-826D-3BB3CFC66BD1}"/>
+                <a16:creationId xmlns="" xmlns:a16="http://schemas.microsoft.com/office/drawing/2014/main" id="{DE89C4A3-28D5-49D5-826D-3BB3CFC66BD1}"/>
               </a:ext>
             </a:extLst>
           </p:cNvPr>
@@ -8648,7 +8640,7 @@
           <p:cNvPr id="2058" name="Picture 10" descr="https://www.pdvg.it/wp-content/uploads/2020/03/Pok%C3%A9mon-Mystery-Dungeon_copertina.jpg">
             <a:extLst>
               <a:ext uri="{FF2B5EF4-FFF2-40B4-BE49-F238E27FC236}">
-                <a16:creationId xmlns:a16="http://schemas.microsoft.com/office/drawing/2014/main" xmlns="" id="{EE29FD53-4C02-450F-850C-BF3B62CE7741}"/>
+                <a16:creationId xmlns="" xmlns:a16="http://schemas.microsoft.com/office/drawing/2014/main" id="{EE29FD53-4C02-450F-850C-BF3B62CE7741}"/>
               </a:ext>
             </a:extLst>
           </p:cNvPr>
@@ -8696,7 +8688,7 @@
           <p:cNvPr id="12" name="ZoneTexte 11">
             <a:extLst>
               <a:ext uri="{FF2B5EF4-FFF2-40B4-BE49-F238E27FC236}">
-                <a16:creationId xmlns:a16="http://schemas.microsoft.com/office/drawing/2014/main" xmlns="" id="{C343ACA2-BC15-43E9-9F2A-33596E917F05}"/>
+                <a16:creationId xmlns="" xmlns:a16="http://schemas.microsoft.com/office/drawing/2014/main" id="{C343ACA2-BC15-43E9-9F2A-33596E917F05}"/>
               </a:ext>
             </a:extLst>
           </p:cNvPr>
@@ -8743,7 +8735,7 @@
           <p:cNvPr id="13" name="ZoneTexte 12">
             <a:extLst>
               <a:ext uri="{FF2B5EF4-FFF2-40B4-BE49-F238E27FC236}">
-                <a16:creationId xmlns:a16="http://schemas.microsoft.com/office/drawing/2014/main" xmlns="" id="{9AAC0354-8E4A-4075-B2F9-A8B0548FBFE0}"/>
+                <a16:creationId xmlns="" xmlns:a16="http://schemas.microsoft.com/office/drawing/2014/main" id="{9AAC0354-8E4A-4075-B2F9-A8B0548FBFE0}"/>
               </a:ext>
             </a:extLst>
           </p:cNvPr>
@@ -8836,7 +8828,7 @@
           <p:cNvPr id="2" name="Titre 1">
             <a:extLst>
               <a:ext uri="{FF2B5EF4-FFF2-40B4-BE49-F238E27FC236}">
-                <a16:creationId xmlns:a16="http://schemas.microsoft.com/office/drawing/2014/main" xmlns="" id="{7B7E37D8-D604-4081-BC32-2961BB34D7C5}"/>
+                <a16:creationId xmlns="" xmlns:a16="http://schemas.microsoft.com/office/drawing/2014/main" id="{7B7E37D8-D604-4081-BC32-2961BB34D7C5}"/>
               </a:ext>
             </a:extLst>
           </p:cNvPr>
@@ -8864,7 +8856,7 @@
           <p:cNvPr id="3078" name="Picture 6" descr="https://www.nintendo-difference.com/wp-content/uploads/2021/11/002-4.jpg">
             <a:extLst>
               <a:ext uri="{FF2B5EF4-FFF2-40B4-BE49-F238E27FC236}">
-                <a16:creationId xmlns:a16="http://schemas.microsoft.com/office/drawing/2014/main" xmlns="" id="{FF4B3BB8-20BD-48FF-A345-8E9C6EEC05AB}"/>
+                <a16:creationId xmlns="" xmlns:a16="http://schemas.microsoft.com/office/drawing/2014/main" id="{FF4B3BB8-20BD-48FF-A345-8E9C6EEC05AB}"/>
               </a:ext>
             </a:extLst>
           </p:cNvPr>
@@ -8912,7 +8904,7 @@
           <p:cNvPr id="3076" name="Picture 4" descr="https://cdn.akamai.steamstatic.com/steam/apps/1276790/capsule_616x353.jpg?t=1637186196">
             <a:extLst>
               <a:ext uri="{FF2B5EF4-FFF2-40B4-BE49-F238E27FC236}">
-                <a16:creationId xmlns:a16="http://schemas.microsoft.com/office/drawing/2014/main" xmlns="" id="{8B987F12-831A-439E-9B9C-49925DC581E7}"/>
+                <a16:creationId xmlns="" xmlns:a16="http://schemas.microsoft.com/office/drawing/2014/main" id="{8B987F12-831A-439E-9B9C-49925DC581E7}"/>
               </a:ext>
             </a:extLst>
           </p:cNvPr>
@@ -8960,7 +8952,7 @@
           <p:cNvPr id="8" name="ZoneTexte 7">
             <a:extLst>
               <a:ext uri="{FF2B5EF4-FFF2-40B4-BE49-F238E27FC236}">
-                <a16:creationId xmlns:a16="http://schemas.microsoft.com/office/drawing/2014/main" xmlns="" id="{B1292441-3F9F-4A56-8630-008E95063494}"/>
+                <a16:creationId xmlns="" xmlns:a16="http://schemas.microsoft.com/office/drawing/2014/main" id="{B1292441-3F9F-4A56-8630-008E95063494}"/>
               </a:ext>
             </a:extLst>
           </p:cNvPr>
@@ -9015,7 +9007,7 @@
           <p:cNvPr id="9" name="ZoneTexte 8">
             <a:extLst>
               <a:ext uri="{FF2B5EF4-FFF2-40B4-BE49-F238E27FC236}">
-                <a16:creationId xmlns:a16="http://schemas.microsoft.com/office/drawing/2014/main" xmlns="" id="{53CF2C25-DCD9-4E30-B3BC-8B42D9CE6246}"/>
+                <a16:creationId xmlns="" xmlns:a16="http://schemas.microsoft.com/office/drawing/2014/main" id="{53CF2C25-DCD9-4E30-B3BC-8B42D9CE6246}"/>
               </a:ext>
             </a:extLst>
           </p:cNvPr>
@@ -9104,7 +9096,7 @@
           <p:cNvPr id="2" name="Titre 1">
             <a:extLst>
               <a:ext uri="{FF2B5EF4-FFF2-40B4-BE49-F238E27FC236}">
-                <a16:creationId xmlns:a16="http://schemas.microsoft.com/office/drawing/2014/main" xmlns="" id="{CF8A4BDF-9C69-4AFB-AC72-800DC1901A30}"/>
+                <a16:creationId xmlns="" xmlns:a16="http://schemas.microsoft.com/office/drawing/2014/main" id="{CF8A4BDF-9C69-4AFB-AC72-800DC1901A30}"/>
               </a:ext>
             </a:extLst>
           </p:cNvPr>
@@ -9137,7 +9129,7 @@
           <p:cNvPr id="4" name="Espace réservé du contenu 3">
             <a:extLst>
               <a:ext uri="{FF2B5EF4-FFF2-40B4-BE49-F238E27FC236}">
-                <a16:creationId xmlns:a16="http://schemas.microsoft.com/office/drawing/2014/main" xmlns="" id="{7E3B1450-1310-499D-A510-95A29732D715}"/>
+                <a16:creationId xmlns="" xmlns:a16="http://schemas.microsoft.com/office/drawing/2014/main" id="{7E3B1450-1310-499D-A510-95A29732D715}"/>
               </a:ext>
             </a:extLst>
           </p:cNvPr>
@@ -9199,7 +9191,7 @@
           <p:cNvPr id="2" name="Titre 1">
             <a:extLst>
               <a:ext uri="{FF2B5EF4-FFF2-40B4-BE49-F238E27FC236}">
-                <a16:creationId xmlns:a16="http://schemas.microsoft.com/office/drawing/2014/main" xmlns="" id="{84241AA3-265C-49A6-995B-7060E3AE5B5A}"/>
+                <a16:creationId xmlns="" xmlns:a16="http://schemas.microsoft.com/office/drawing/2014/main" id="{84241AA3-265C-49A6-995B-7060E3AE5B5A}"/>
               </a:ext>
             </a:extLst>
           </p:cNvPr>
@@ -9227,7 +9219,7 @@
           <p:cNvPr id="3" name="Espace réservé du contenu 2">
             <a:extLst>
               <a:ext uri="{FF2B5EF4-FFF2-40B4-BE49-F238E27FC236}">
-                <a16:creationId xmlns:a16="http://schemas.microsoft.com/office/drawing/2014/main" xmlns="" id="{D7C8A4AA-F3A5-4C52-B220-969A86683A5B}"/>
+                <a16:creationId xmlns="" xmlns:a16="http://schemas.microsoft.com/office/drawing/2014/main" id="{D7C8A4AA-F3A5-4C52-B220-969A86683A5B}"/>
               </a:ext>
             </a:extLst>
           </p:cNvPr>

--- a/Documents/Prez/Phainiks.pptx
+++ b/Documents/Prez/Phainiks.pptx
@@ -7689,7 +7689,7 @@
           <p:cNvPr id="2" name="Titre 1">
             <a:extLst>
               <a:ext uri="{FF2B5EF4-FFF2-40B4-BE49-F238E27FC236}">
-                <a16:creationId xmlns="" xmlns:a16="http://schemas.microsoft.com/office/drawing/2014/main" id="{BCA55924-3156-483C-BFDF-A01B5FDC85A6}"/>
+                <a16:creationId xmlns:a16="http://schemas.microsoft.com/office/drawing/2014/main" xmlns="" id="{BCA55924-3156-483C-BFDF-A01B5FDC85A6}"/>
               </a:ext>
             </a:extLst>
           </p:cNvPr>
@@ -7706,10 +7706,9 @@
           <a:lstStyle/>
           <a:p>
             <a:r>
-              <a:rPr lang="fr-FR" dirty="0" err="1"/>
+              <a:rPr lang="fr-FR" dirty="0"/>
               <a:t>Phainiks</a:t>
             </a:r>
-            <a:endParaRPr lang="fr-FR" dirty="0"/>
           </a:p>
         </p:txBody>
       </p:sp>
@@ -7718,7 +7717,7 @@
           <p:cNvPr id="3" name="Sous-titre 2">
             <a:extLst>
               <a:ext uri="{FF2B5EF4-FFF2-40B4-BE49-F238E27FC236}">
-                <a16:creationId xmlns="" xmlns:a16="http://schemas.microsoft.com/office/drawing/2014/main" id="{3A945783-3908-4488-BAAD-0C4BDEB58A44}"/>
+                <a16:creationId xmlns:a16="http://schemas.microsoft.com/office/drawing/2014/main" xmlns="" id="{3A945783-3908-4488-BAAD-0C4BDEB58A44}"/>
               </a:ext>
             </a:extLst>
           </p:cNvPr>
@@ -7776,7 +7775,7 @@
           <p:cNvPr id="2" name="Titre 1">
             <a:extLst>
               <a:ext uri="{FF2B5EF4-FFF2-40B4-BE49-F238E27FC236}">
-                <a16:creationId xmlns="" xmlns:a16="http://schemas.microsoft.com/office/drawing/2014/main" id="{ABF1725B-46F3-4141-82BD-60F7ABF49059}"/>
+                <a16:creationId xmlns:a16="http://schemas.microsoft.com/office/drawing/2014/main" xmlns="" id="{ABF1725B-46F3-4141-82BD-60F7ABF49059}"/>
               </a:ext>
             </a:extLst>
           </p:cNvPr>
@@ -7804,7 +7803,7 @@
           <p:cNvPr id="3" name="Espace réservé du contenu 2">
             <a:extLst>
               <a:ext uri="{FF2B5EF4-FFF2-40B4-BE49-F238E27FC236}">
-                <a16:creationId xmlns="" xmlns:a16="http://schemas.microsoft.com/office/drawing/2014/main" id="{BE91B0A3-C419-49B5-8447-613E8708AE00}"/>
+                <a16:creationId xmlns:a16="http://schemas.microsoft.com/office/drawing/2014/main" xmlns="" id="{BE91B0A3-C419-49B5-8447-613E8708AE00}"/>
               </a:ext>
             </a:extLst>
           </p:cNvPr>
@@ -7949,7 +7948,7 @@
           <p:cNvPr id="2" name="Titre 1">
             <a:extLst>
               <a:ext uri="{FF2B5EF4-FFF2-40B4-BE49-F238E27FC236}">
-                <a16:creationId xmlns="" xmlns:a16="http://schemas.microsoft.com/office/drawing/2014/main" id="{7B7E37D8-D604-4081-BC32-2961BB34D7C5}"/>
+                <a16:creationId xmlns:a16="http://schemas.microsoft.com/office/drawing/2014/main" xmlns="" id="{7B7E37D8-D604-4081-BC32-2961BB34D7C5}"/>
               </a:ext>
             </a:extLst>
           </p:cNvPr>
@@ -7977,7 +7976,7 @@
           <p:cNvPr id="4" name="Espace réservé du contenu 3">
             <a:extLst>
               <a:ext uri="{FF2B5EF4-FFF2-40B4-BE49-F238E27FC236}">
-                <a16:creationId xmlns="" xmlns:a16="http://schemas.microsoft.com/office/drawing/2014/main" id="{914AF26B-611D-4D27-864F-75280AAD0DA5}"/>
+                <a16:creationId xmlns:a16="http://schemas.microsoft.com/office/drawing/2014/main" xmlns="" id="{914AF26B-611D-4D27-864F-75280AAD0DA5}"/>
               </a:ext>
             </a:extLst>
           </p:cNvPr>
@@ -8026,7 +8025,7 @@
           <p:cNvPr id="5" name="Espace réservé du contenu 4">
             <a:extLst>
               <a:ext uri="{FF2B5EF4-FFF2-40B4-BE49-F238E27FC236}">
-                <a16:creationId xmlns="" xmlns:a16="http://schemas.microsoft.com/office/drawing/2014/main" id="{4341EAE7-FA46-4FD3-B4E7-D7D4E6598075}"/>
+                <a16:creationId xmlns:a16="http://schemas.microsoft.com/office/drawing/2014/main" xmlns="" id="{4341EAE7-FA46-4FD3-B4E7-D7D4E6598075}"/>
               </a:ext>
             </a:extLst>
           </p:cNvPr>
@@ -8105,7 +8104,7 @@
           <p:cNvPr id="2" name="Titre 1">
             <a:extLst>
               <a:ext uri="{FF2B5EF4-FFF2-40B4-BE49-F238E27FC236}">
-                <a16:creationId xmlns="" xmlns:a16="http://schemas.microsoft.com/office/drawing/2014/main" id="{7B7E37D8-D604-4081-BC32-2961BB34D7C5}"/>
+                <a16:creationId xmlns:a16="http://schemas.microsoft.com/office/drawing/2014/main" xmlns="" id="{7B7E37D8-D604-4081-BC32-2961BB34D7C5}"/>
               </a:ext>
             </a:extLst>
           </p:cNvPr>
@@ -8133,7 +8132,7 @@
           <p:cNvPr id="3" name="Espace réservé du contenu 2">
             <a:extLst>
               <a:ext uri="{FF2B5EF4-FFF2-40B4-BE49-F238E27FC236}">
-                <a16:creationId xmlns="" xmlns:a16="http://schemas.microsoft.com/office/drawing/2014/main" id="{2F472399-789B-4429-983B-25A477EC5895}"/>
+                <a16:creationId xmlns:a16="http://schemas.microsoft.com/office/drawing/2014/main" xmlns="" id="{2F472399-789B-4429-983B-25A477EC5895}"/>
               </a:ext>
             </a:extLst>
           </p:cNvPr>
@@ -8292,7 +8291,7 @@
           <p:cNvPr id="2" name="Titre 1">
             <a:extLst>
               <a:ext uri="{FF2B5EF4-FFF2-40B4-BE49-F238E27FC236}">
-                <a16:creationId xmlns="" xmlns:a16="http://schemas.microsoft.com/office/drawing/2014/main" id="{7B7E37D8-D604-4081-BC32-2961BB34D7C5}"/>
+                <a16:creationId xmlns:a16="http://schemas.microsoft.com/office/drawing/2014/main" xmlns="" id="{7B7E37D8-D604-4081-BC32-2961BB34D7C5}"/>
               </a:ext>
             </a:extLst>
           </p:cNvPr>
@@ -8320,7 +8319,7 @@
           <p:cNvPr id="4" name="Espace réservé du contenu 3">
             <a:extLst>
               <a:ext uri="{FF2B5EF4-FFF2-40B4-BE49-F238E27FC236}">
-                <a16:creationId xmlns="" xmlns:a16="http://schemas.microsoft.com/office/drawing/2014/main" id="{2D3716B2-8C0D-4BE3-8AA6-BFB20D78DDAA}"/>
+                <a16:creationId xmlns:a16="http://schemas.microsoft.com/office/drawing/2014/main" xmlns="" id="{2D3716B2-8C0D-4BE3-8AA6-BFB20D78DDAA}"/>
               </a:ext>
             </a:extLst>
           </p:cNvPr>
@@ -8345,7 +8344,7 @@
           <p:cNvPr id="1030" name="Picture 6" descr="https://cdn2.unrealengine.com/Diesel%2Fproductv2%2Fminit%2Fhome%2FEGS_DEVOLVER_MINIT_N1_newsfeed_primary-2560x1440-318e6762d0f76b27a07b86271b432bbee92fef2b.jpg">
             <a:extLst>
               <a:ext uri="{FF2B5EF4-FFF2-40B4-BE49-F238E27FC236}">
-                <a16:creationId xmlns="" xmlns:a16="http://schemas.microsoft.com/office/drawing/2014/main" id="{100D78ED-98CC-43BB-8808-D68532880F89}"/>
+                <a16:creationId xmlns:a16="http://schemas.microsoft.com/office/drawing/2014/main" xmlns="" id="{100D78ED-98CC-43BB-8808-D68532880F89}"/>
               </a:ext>
             </a:extLst>
           </p:cNvPr>
@@ -8393,7 +8392,7 @@
           <p:cNvPr id="1028" name="Picture 4" descr="https://cdn1.epicgames.com/salesEvent/salesEvent/EGS_DEATHLOOP_ArkaneStudios_S1_2560x1440-bf6d342edbd2411ccf24e326852fca93">
             <a:extLst>
               <a:ext uri="{FF2B5EF4-FFF2-40B4-BE49-F238E27FC236}">
-                <a16:creationId xmlns="" xmlns:a16="http://schemas.microsoft.com/office/drawing/2014/main" id="{2FF4D097-C78A-4F45-AF52-186F4DB3C0D6}"/>
+                <a16:creationId xmlns:a16="http://schemas.microsoft.com/office/drawing/2014/main" xmlns="" id="{2FF4D097-C78A-4F45-AF52-186F4DB3C0D6}"/>
               </a:ext>
             </a:extLst>
           </p:cNvPr>
@@ -8440,7 +8439,7 @@
           <p:cNvPr id="6" name="ZoneTexte 5">
             <a:extLst>
               <a:ext uri="{FF2B5EF4-FFF2-40B4-BE49-F238E27FC236}">
-                <a16:creationId xmlns="" xmlns:a16="http://schemas.microsoft.com/office/drawing/2014/main" id="{2EB0E6AC-F0C7-46FD-83DA-F1FCEFC46EAC}"/>
+                <a16:creationId xmlns:a16="http://schemas.microsoft.com/office/drawing/2014/main" xmlns="" id="{2EB0E6AC-F0C7-46FD-83DA-F1FCEFC46EAC}"/>
               </a:ext>
             </a:extLst>
           </p:cNvPr>
@@ -8479,7 +8478,7 @@
           <p:cNvPr id="7" name="ZoneTexte 6">
             <a:extLst>
               <a:ext uri="{FF2B5EF4-FFF2-40B4-BE49-F238E27FC236}">
-                <a16:creationId xmlns="" xmlns:a16="http://schemas.microsoft.com/office/drawing/2014/main" id="{43F5FAF9-ADAB-4180-8569-6C683968C942}"/>
+                <a16:creationId xmlns:a16="http://schemas.microsoft.com/office/drawing/2014/main" xmlns="" id="{43F5FAF9-ADAB-4180-8569-6C683968C942}"/>
               </a:ext>
             </a:extLst>
           </p:cNvPr>
@@ -8564,7 +8563,7 @@
           <p:cNvPr id="2" name="Titre 1">
             <a:extLst>
               <a:ext uri="{FF2B5EF4-FFF2-40B4-BE49-F238E27FC236}">
-                <a16:creationId xmlns="" xmlns:a16="http://schemas.microsoft.com/office/drawing/2014/main" id="{7B7E37D8-D604-4081-BC32-2961BB34D7C5}"/>
+                <a16:creationId xmlns:a16="http://schemas.microsoft.com/office/drawing/2014/main" xmlns="" id="{7B7E37D8-D604-4081-BC32-2961BB34D7C5}"/>
               </a:ext>
             </a:extLst>
           </p:cNvPr>
@@ -8592,7 +8591,7 @@
           <p:cNvPr id="2052" name="Picture 4" descr="https://assets.nintendo.com/image/upload/ar_16:9,b_auto,c_pad,dpr_3.0,f_auto,q_auto,w_500/b_rgb:ffffff/v1/ncom/fr_CA/games/switch/s/superhot-switch/hero">
             <a:extLst>
               <a:ext uri="{FF2B5EF4-FFF2-40B4-BE49-F238E27FC236}">
-                <a16:creationId xmlns="" xmlns:a16="http://schemas.microsoft.com/office/drawing/2014/main" id="{DE89C4A3-28D5-49D5-826D-3BB3CFC66BD1}"/>
+                <a16:creationId xmlns:a16="http://schemas.microsoft.com/office/drawing/2014/main" xmlns="" id="{DE89C4A3-28D5-49D5-826D-3BB3CFC66BD1}"/>
               </a:ext>
             </a:extLst>
           </p:cNvPr>
@@ -8640,7 +8639,7 @@
           <p:cNvPr id="2058" name="Picture 10" descr="https://www.pdvg.it/wp-content/uploads/2020/03/Pok%C3%A9mon-Mystery-Dungeon_copertina.jpg">
             <a:extLst>
               <a:ext uri="{FF2B5EF4-FFF2-40B4-BE49-F238E27FC236}">
-                <a16:creationId xmlns="" xmlns:a16="http://schemas.microsoft.com/office/drawing/2014/main" id="{EE29FD53-4C02-450F-850C-BF3B62CE7741}"/>
+                <a16:creationId xmlns:a16="http://schemas.microsoft.com/office/drawing/2014/main" xmlns="" id="{EE29FD53-4C02-450F-850C-BF3B62CE7741}"/>
               </a:ext>
             </a:extLst>
           </p:cNvPr>
@@ -8688,7 +8687,7 @@
           <p:cNvPr id="12" name="ZoneTexte 11">
             <a:extLst>
               <a:ext uri="{FF2B5EF4-FFF2-40B4-BE49-F238E27FC236}">
-                <a16:creationId xmlns="" xmlns:a16="http://schemas.microsoft.com/office/drawing/2014/main" id="{C343ACA2-BC15-43E9-9F2A-33596E917F05}"/>
+                <a16:creationId xmlns:a16="http://schemas.microsoft.com/office/drawing/2014/main" xmlns="" id="{C343ACA2-BC15-43E9-9F2A-33596E917F05}"/>
               </a:ext>
             </a:extLst>
           </p:cNvPr>
@@ -8735,7 +8734,7 @@
           <p:cNvPr id="13" name="ZoneTexte 12">
             <a:extLst>
               <a:ext uri="{FF2B5EF4-FFF2-40B4-BE49-F238E27FC236}">
-                <a16:creationId xmlns="" xmlns:a16="http://schemas.microsoft.com/office/drawing/2014/main" id="{9AAC0354-8E4A-4075-B2F9-A8B0548FBFE0}"/>
+                <a16:creationId xmlns:a16="http://schemas.microsoft.com/office/drawing/2014/main" xmlns="" id="{9AAC0354-8E4A-4075-B2F9-A8B0548FBFE0}"/>
               </a:ext>
             </a:extLst>
           </p:cNvPr>
@@ -8828,7 +8827,7 @@
           <p:cNvPr id="2" name="Titre 1">
             <a:extLst>
               <a:ext uri="{FF2B5EF4-FFF2-40B4-BE49-F238E27FC236}">
-                <a16:creationId xmlns="" xmlns:a16="http://schemas.microsoft.com/office/drawing/2014/main" id="{7B7E37D8-D604-4081-BC32-2961BB34D7C5}"/>
+                <a16:creationId xmlns:a16="http://schemas.microsoft.com/office/drawing/2014/main" xmlns="" id="{7B7E37D8-D604-4081-BC32-2961BB34D7C5}"/>
               </a:ext>
             </a:extLst>
           </p:cNvPr>
@@ -8856,7 +8855,7 @@
           <p:cNvPr id="3078" name="Picture 6" descr="https://www.nintendo-difference.com/wp-content/uploads/2021/11/002-4.jpg">
             <a:extLst>
               <a:ext uri="{FF2B5EF4-FFF2-40B4-BE49-F238E27FC236}">
-                <a16:creationId xmlns="" xmlns:a16="http://schemas.microsoft.com/office/drawing/2014/main" id="{FF4B3BB8-20BD-48FF-A345-8E9C6EEC05AB}"/>
+                <a16:creationId xmlns:a16="http://schemas.microsoft.com/office/drawing/2014/main" xmlns="" id="{FF4B3BB8-20BD-48FF-A345-8E9C6EEC05AB}"/>
               </a:ext>
             </a:extLst>
           </p:cNvPr>
@@ -8904,7 +8903,7 @@
           <p:cNvPr id="3076" name="Picture 4" descr="https://cdn.akamai.steamstatic.com/steam/apps/1276790/capsule_616x353.jpg?t=1637186196">
             <a:extLst>
               <a:ext uri="{FF2B5EF4-FFF2-40B4-BE49-F238E27FC236}">
-                <a16:creationId xmlns="" xmlns:a16="http://schemas.microsoft.com/office/drawing/2014/main" id="{8B987F12-831A-439E-9B9C-49925DC581E7}"/>
+                <a16:creationId xmlns:a16="http://schemas.microsoft.com/office/drawing/2014/main" xmlns="" id="{8B987F12-831A-439E-9B9C-49925DC581E7}"/>
               </a:ext>
             </a:extLst>
           </p:cNvPr>
@@ -8952,7 +8951,7 @@
           <p:cNvPr id="8" name="ZoneTexte 7">
             <a:extLst>
               <a:ext uri="{FF2B5EF4-FFF2-40B4-BE49-F238E27FC236}">
-                <a16:creationId xmlns="" xmlns:a16="http://schemas.microsoft.com/office/drawing/2014/main" id="{B1292441-3F9F-4A56-8630-008E95063494}"/>
+                <a16:creationId xmlns:a16="http://schemas.microsoft.com/office/drawing/2014/main" xmlns="" id="{B1292441-3F9F-4A56-8630-008E95063494}"/>
               </a:ext>
             </a:extLst>
           </p:cNvPr>
@@ -9007,7 +9006,7 @@
           <p:cNvPr id="9" name="ZoneTexte 8">
             <a:extLst>
               <a:ext uri="{FF2B5EF4-FFF2-40B4-BE49-F238E27FC236}">
-                <a16:creationId xmlns="" xmlns:a16="http://schemas.microsoft.com/office/drawing/2014/main" id="{53CF2C25-DCD9-4E30-B3BC-8B42D9CE6246}"/>
+                <a16:creationId xmlns:a16="http://schemas.microsoft.com/office/drawing/2014/main" xmlns="" id="{53CF2C25-DCD9-4E30-B3BC-8B42D9CE6246}"/>
               </a:ext>
             </a:extLst>
           </p:cNvPr>
@@ -9096,7 +9095,7 @@
           <p:cNvPr id="2" name="Titre 1">
             <a:extLst>
               <a:ext uri="{FF2B5EF4-FFF2-40B4-BE49-F238E27FC236}">
-                <a16:creationId xmlns="" xmlns:a16="http://schemas.microsoft.com/office/drawing/2014/main" id="{CF8A4BDF-9C69-4AFB-AC72-800DC1901A30}"/>
+                <a16:creationId xmlns:a16="http://schemas.microsoft.com/office/drawing/2014/main" xmlns="" id="{CF8A4BDF-9C69-4AFB-AC72-800DC1901A30}"/>
               </a:ext>
             </a:extLst>
           </p:cNvPr>
@@ -9129,7 +9128,7 @@
           <p:cNvPr id="4" name="Espace réservé du contenu 3">
             <a:extLst>
               <a:ext uri="{FF2B5EF4-FFF2-40B4-BE49-F238E27FC236}">
-                <a16:creationId xmlns="" xmlns:a16="http://schemas.microsoft.com/office/drawing/2014/main" id="{7E3B1450-1310-499D-A510-95A29732D715}"/>
+                <a16:creationId xmlns:a16="http://schemas.microsoft.com/office/drawing/2014/main" xmlns="" id="{7E3B1450-1310-499D-A510-95A29732D715}"/>
               </a:ext>
             </a:extLst>
           </p:cNvPr>
@@ -9191,7 +9190,7 @@
           <p:cNvPr id="2" name="Titre 1">
             <a:extLst>
               <a:ext uri="{FF2B5EF4-FFF2-40B4-BE49-F238E27FC236}">
-                <a16:creationId xmlns="" xmlns:a16="http://schemas.microsoft.com/office/drawing/2014/main" id="{84241AA3-265C-49A6-995B-7060E3AE5B5A}"/>
+                <a16:creationId xmlns:a16="http://schemas.microsoft.com/office/drawing/2014/main" xmlns="" id="{84241AA3-265C-49A6-995B-7060E3AE5B5A}"/>
               </a:ext>
             </a:extLst>
           </p:cNvPr>
@@ -9219,7 +9218,7 @@
           <p:cNvPr id="3" name="Espace réservé du contenu 2">
             <a:extLst>
               <a:ext uri="{FF2B5EF4-FFF2-40B4-BE49-F238E27FC236}">
-                <a16:creationId xmlns="" xmlns:a16="http://schemas.microsoft.com/office/drawing/2014/main" id="{D7C8A4AA-F3A5-4C52-B220-969A86683A5B}"/>
+                <a16:creationId xmlns:a16="http://schemas.microsoft.com/office/drawing/2014/main" xmlns="" id="{D7C8A4AA-F3A5-4C52-B220-969A86683A5B}"/>
               </a:ext>
             </a:extLst>
           </p:cNvPr>
